--- a/CATs++ Boosting Cost Aggregation with Convolutions and Transformers/CATs++ Boosting Cost Aggregation with Convolutions and Transformers.pptx
+++ b/CATs++ Boosting Cost Aggregation with Convolutions and Transformers/CATs++ Boosting Cost Aggregation with Convolutions and Transformers.pptx
@@ -1,26 +1,41 @@
 
 <file path=ppt/presentation.xml><?xml version="1.0" encoding="utf-8"?>
-<p:presentation xmlns:r="http://schemas.openxmlformats.org/officeDocument/2006/relationships" xmlns:c="http://schemas.openxmlformats.org/drawingml/2006/chart" xmlns:a="http://schemas.openxmlformats.org/drawingml/2006/main" xmlns:dgm="http://schemas.openxmlformats.org/drawingml/2006/diagram" xmlns:dsp="http://schemas.microsoft.com/office/drawing/2008/diagram" xmlns:p="http://schemas.openxmlformats.org/presentationml/2006/main">
+<p:presentation xmlns:a="http://schemas.openxmlformats.org/drawingml/2006/main" xmlns:r="http://schemas.openxmlformats.org/officeDocument/2006/relationships" xmlns:p="http://schemas.openxmlformats.org/presentationml/2006/main">
   <p:sldMasterIdLst>
     <p:sldMasterId id="2147483648" r:id="rId1"/>
   </p:sldMasterIdLst>
   <p:notesMasterIdLst>
-    <p:notesMasterId r:id="rId2"/>
+    <p:notesMasterId r:id="rId30"/>
   </p:notesMasterIdLst>
   <p:sldIdLst>
-    <p:sldId id="256" r:id="rId3"/>
-    <p:sldId id="257" r:id="rId4"/>
-    <p:sldId id="258" r:id="rId5"/>
-    <p:sldId id="265" r:id="rId6"/>
-    <p:sldId id="271" r:id="rId7"/>
-    <p:sldId id="266" r:id="rId8"/>
-    <p:sldId id="272" r:id="rId9"/>
-    <p:sldId id="264" r:id="rId10"/>
-    <p:sldId id="274" r:id="rId11"/>
-    <p:sldId id="273" r:id="rId12"/>
-    <p:sldId id="276" r:id="rId13"/>
-    <p:sldId id="275" r:id="rId14"/>
-    <p:sldId id="270" r:id="rId15"/>
+    <p:sldId id="256" r:id="rId2"/>
+    <p:sldId id="257" r:id="rId3"/>
+    <p:sldId id="258" r:id="rId4"/>
+    <p:sldId id="265" r:id="rId5"/>
+    <p:sldId id="271" r:id="rId6"/>
+    <p:sldId id="266" r:id="rId7"/>
+    <p:sldId id="272" r:id="rId8"/>
+    <p:sldId id="264" r:id="rId9"/>
+    <p:sldId id="274" r:id="rId10"/>
+    <p:sldId id="273" r:id="rId11"/>
+    <p:sldId id="276" r:id="rId12"/>
+    <p:sldId id="275" r:id="rId13"/>
+    <p:sldId id="281" r:id="rId14"/>
+    <p:sldId id="279" r:id="rId15"/>
+    <p:sldId id="277" r:id="rId16"/>
+    <p:sldId id="282" r:id="rId17"/>
+    <p:sldId id="278" r:id="rId18"/>
+    <p:sldId id="283" r:id="rId19"/>
+    <p:sldId id="280" r:id="rId20"/>
+    <p:sldId id="284" r:id="rId21"/>
+    <p:sldId id="285" r:id="rId22"/>
+    <p:sldId id="286" r:id="rId23"/>
+    <p:sldId id="287" r:id="rId24"/>
+    <p:sldId id="288" r:id="rId25"/>
+    <p:sldId id="290" r:id="rId26"/>
+    <p:sldId id="289" r:id="rId27"/>
+    <p:sldId id="291" r:id="rId28"/>
+    <p:sldId id="270" r:id="rId29"/>
   </p:sldIdLst>
   <p:sldSz cx="12192000" cy="6858000"/>
   <p:notesSz cx="6858000" cy="9144000"/>
@@ -119,17 +134,22 @@
       </a:defRPr>
     </a:lvl9pPr>
   </p:defaultTextStyle>
+  <p:extLst>
+    <p:ext uri="{EFAFB233-063F-42B5-8137-9DF3F51BA10A}">
+      <p15:sldGuideLst xmlns:p15="http://schemas.microsoft.com/office/powerpoint/2012/main"/>
+    </p:ext>
+  </p:extLst>
 </p:presentation>
 </file>
 
 <file path=ppt/commentAuthors.xml><?xml version="1.0" encoding="utf-8"?>
-<p:cmAuthorLst xmlns:r="http://schemas.openxmlformats.org/officeDocument/2006/relationships" xmlns:c="http://schemas.openxmlformats.org/drawingml/2006/chart" xmlns:a="http://schemas.openxmlformats.org/drawingml/2006/main" xmlns:dgm="http://schemas.openxmlformats.org/drawingml/2006/diagram" xmlns:dsp="http://schemas.microsoft.com/office/drawing/2008/diagram" xmlns:p="http://schemas.openxmlformats.org/presentationml/2006/main">
+<p:cmAuthorLst xmlns:a="http://schemas.openxmlformats.org/drawingml/2006/main" xmlns:r="http://schemas.openxmlformats.org/officeDocument/2006/relationships" xmlns:p="http://schemas.openxmlformats.org/presentationml/2006/main">
   <p:cmAuthor id="1" name="기범" initials="기" lastIdx="1" clrIdx="0"/>
 </p:cmAuthorLst>
 </file>
 
 <file path=ppt/notesMasters/notesMaster1.xml><?xml version="1.0" encoding="utf-8"?>
-<p:notesMaster xmlns:r="http://schemas.openxmlformats.org/officeDocument/2006/relationships" xmlns:c="http://schemas.openxmlformats.org/drawingml/2006/chart" xmlns:a="http://schemas.openxmlformats.org/drawingml/2006/main" xmlns:dgm="http://schemas.openxmlformats.org/drawingml/2006/diagram" xmlns:dsp="http://schemas.microsoft.com/office/drawing/2008/diagram" xmlns:p="http://schemas.openxmlformats.org/presentationml/2006/main">
+<p:notesMaster xmlns:a="http://schemas.openxmlformats.org/drawingml/2006/main" xmlns:r="http://schemas.openxmlformats.org/officeDocument/2006/relationships" xmlns:p="http://schemas.openxmlformats.org/presentationml/2006/main">
   <p:cSld>
     <p:bg>
       <p:bgRef idx="1001">
@@ -157,7 +177,7 @@
             <a:spLocks noGrp="1"/>
           </p:cNvSpPr>
           <p:nvPr>
-            <p:ph type="hdr" sz="quarter" idx="0"/>
+            <p:ph type="hdr" sz="quarter"/>
           </p:nvPr>
         </p:nvSpPr>
         <p:spPr>
@@ -212,7 +232,7 @@
             <a:pPr lvl="0"/>
             <a:fld id="{2DF04C49-B9CB-425D-B472-F9E5F44DB7F3}" type="datetime1">
               <a:rPr lang="ko-KR" altLang="en-US" smtClean="0"/>
-              <a:t>2023-09-07</a:t>
+              <a:t>2023-09-11</a:t>
             </a:fld>
             <a:endParaRPr lang="ko-KR" altLang="en-US"/>
           </a:p>
@@ -282,7 +302,6 @@
               <a:rPr lang="ko-KR" altLang="en-US"/>
               <a:t>마스터 텍스트 스타일을 편집하려면 클릭</a:t>
             </a:r>
-            <a:endParaRPr lang="ko-KR" altLang="en-US"/>
           </a:p>
           <a:p>
             <a:pPr lvl="1">
@@ -292,7 +311,6 @@
               <a:rPr lang="ko-KR" altLang="en-US"/>
               <a:t>두 번째 수준</a:t>
             </a:r>
-            <a:endParaRPr lang="ko-KR" altLang="en-US"/>
           </a:p>
           <a:p>
             <a:pPr lvl="2">
@@ -302,7 +320,6 @@
               <a:rPr lang="ko-KR" altLang="en-US"/>
               <a:t>세 번째 수준</a:t>
             </a:r>
-            <a:endParaRPr lang="ko-KR" altLang="en-US"/>
           </a:p>
           <a:p>
             <a:pPr lvl="3">
@@ -312,7 +329,6 @@
               <a:rPr lang="ko-KR" altLang="en-US"/>
               <a:t>네 번째 수준</a:t>
             </a:r>
-            <a:endParaRPr lang="ko-KR" altLang="en-US"/>
           </a:p>
           <a:p>
             <a:pPr lvl="4">
@@ -322,7 +338,6 @@
               <a:rPr lang="ko-KR" altLang="en-US"/>
               <a:t>다섯 번째 수준</a:t>
             </a:r>
-            <a:endParaRPr lang="ko-KR" altLang="en-US"/>
           </a:p>
         </p:txBody>
       </p:sp>
@@ -583,7 +598,7 @@
 </file>
 
 <file path=ppt/notesSlides/notesSlide2.xml><?xml version="1.0" encoding="utf-8"?>
-<p:notes xmlns:r="http://schemas.openxmlformats.org/officeDocument/2006/relationships" xmlns:c="http://schemas.openxmlformats.org/drawingml/2006/chart" xmlns:a="http://schemas.openxmlformats.org/drawingml/2006/main" xmlns:dgm="http://schemas.openxmlformats.org/drawingml/2006/diagram" xmlns:dsp="http://schemas.microsoft.com/office/drawing/2008/diagram" xmlns:p="http://schemas.openxmlformats.org/presentationml/2006/main">
+<p:notes xmlns:a="http://schemas.openxmlformats.org/drawingml/2006/main" xmlns:r="http://schemas.openxmlformats.org/officeDocument/2006/relationships" xmlns:p="http://schemas.openxmlformats.org/presentationml/2006/main">
   <p:cSld>
     <p:spTree>
       <p:nvGrpSpPr>
@@ -612,6 +627,7 @@
         <p:spPr/>
         <p:txBody>
           <a:bodyPr/>
+          <a:lstStyle/>
           <a:p>
             <a:endParaRPr lang="ko-KR" altLang="en-US"/>
           </a:p>
@@ -630,6 +646,7 @@
         <p:spPr/>
         <p:txBody>
           <a:bodyPr/>
+          <a:lstStyle/>
           <a:p>
             <a:pPr>
               <a:defRPr/>
@@ -651,6 +668,7 @@
         <p:spPr/>
         <p:txBody>
           <a:bodyPr/>
+          <a:lstStyle/>
           <a:p>
             <a:pPr lvl="0"/>
             <a:fld id="{1F5DF9E1-D78E-4166-A95D-878BAE52D001}" type="slidenum">
@@ -665,6 +683,601 @@
     <p:extLst>
       <p:ext uri="{BB962C8B-B14F-4D97-AF65-F5344CB8AC3E}">
         <p14:creationId xmlns:p14="http://schemas.microsoft.com/office/powerpoint/2010/main" val="3307549925"/>
+      </p:ext>
+    </p:extLst>
+  </p:cSld>
+  <p:clrMapOvr>
+    <a:masterClrMapping/>
+  </p:clrMapOvr>
+</p:notes>
+</file>
+
+<file path=ppt/notesSlides/notesSlide3.xml><?xml version="1.0" encoding="utf-8"?>
+<p:notes xmlns:a="http://schemas.openxmlformats.org/drawingml/2006/main" xmlns:r="http://schemas.openxmlformats.org/officeDocument/2006/relationships" xmlns:p="http://schemas.openxmlformats.org/presentationml/2006/main">
+  <p:cSld>
+    <p:spTree>
+      <p:nvGrpSpPr>
+        <p:cNvPr id="1" name=""/>
+        <p:cNvGrpSpPr/>
+        <p:nvPr/>
+      </p:nvGrpSpPr>
+      <p:grpSpPr>
+        <a:xfrm>
+          <a:off x="0" y="0"/>
+          <a:ext cx="0" cy="0"/>
+          <a:chOff x="0" y="0"/>
+          <a:chExt cx="0" cy="0"/>
+        </a:xfrm>
+      </p:grpSpPr>
+      <p:sp>
+        <p:nvSpPr>
+          <p:cNvPr id="2" name="슬라이드 이미지 개체 틀 1"/>
+          <p:cNvSpPr>
+            <a:spLocks noGrp="1" noRot="1" noChangeAspect="1"/>
+          </p:cNvSpPr>
+          <p:nvPr>
+            <p:ph type="sldImg"/>
+          </p:nvPr>
+        </p:nvSpPr>
+        <p:spPr/>
+      </p:sp>
+      <p:sp>
+        <p:nvSpPr>
+          <p:cNvPr id="3" name="슬라이드 노트 개체 틀 2"/>
+          <p:cNvSpPr>
+            <a:spLocks noGrp="1"/>
+          </p:cNvSpPr>
+          <p:nvPr>
+            <p:ph type="body" idx="1"/>
+          </p:nvPr>
+        </p:nvSpPr>
+        <p:spPr/>
+        <p:txBody>
+          <a:bodyPr/>
+          <a:lstStyle/>
+          <a:p>
+            <a:endParaRPr lang="ko-KR" altLang="en-US" dirty="0"/>
+          </a:p>
+        </p:txBody>
+      </p:sp>
+      <p:sp>
+        <p:nvSpPr>
+          <p:cNvPr id="4" name="슬라이드 번호 개체 틀 3"/>
+          <p:cNvSpPr>
+            <a:spLocks noGrp="1"/>
+          </p:cNvSpPr>
+          <p:nvPr>
+            <p:ph type="sldNum" sz="quarter" idx="5"/>
+          </p:nvPr>
+        </p:nvSpPr>
+        <p:spPr/>
+        <p:txBody>
+          <a:bodyPr/>
+          <a:lstStyle/>
+          <a:p>
+            <a:pPr lvl="0"/>
+            <a:fld id="{1F5DF9E1-D78E-4166-A95D-878BAE52D001}" type="slidenum">
+              <a:rPr lang="ko-KR" altLang="en-US" smtClean="0"/>
+              <a:t>21</a:t>
+            </a:fld>
+            <a:endParaRPr lang="ko-KR" altLang="en-US"/>
+          </a:p>
+        </p:txBody>
+      </p:sp>
+    </p:spTree>
+    <p:extLst>
+      <p:ext uri="{BB962C8B-B14F-4D97-AF65-F5344CB8AC3E}">
+        <p14:creationId xmlns:p14="http://schemas.microsoft.com/office/powerpoint/2010/main" val="1643571465"/>
+      </p:ext>
+    </p:extLst>
+  </p:cSld>
+  <p:clrMapOvr>
+    <a:masterClrMapping/>
+  </p:clrMapOvr>
+</p:notes>
+</file>
+
+<file path=ppt/notesSlides/notesSlide4.xml><?xml version="1.0" encoding="utf-8"?>
+<p:notes xmlns:a="http://schemas.openxmlformats.org/drawingml/2006/main" xmlns:r="http://schemas.openxmlformats.org/officeDocument/2006/relationships" xmlns:p="http://schemas.openxmlformats.org/presentationml/2006/main">
+  <p:cSld>
+    <p:spTree>
+      <p:nvGrpSpPr>
+        <p:cNvPr id="1" name=""/>
+        <p:cNvGrpSpPr/>
+        <p:nvPr/>
+      </p:nvGrpSpPr>
+      <p:grpSpPr>
+        <a:xfrm>
+          <a:off x="0" y="0"/>
+          <a:ext cx="0" cy="0"/>
+          <a:chOff x="0" y="0"/>
+          <a:chExt cx="0" cy="0"/>
+        </a:xfrm>
+      </p:grpSpPr>
+      <p:sp>
+        <p:nvSpPr>
+          <p:cNvPr id="2" name="슬라이드 이미지 개체 틀 1"/>
+          <p:cNvSpPr>
+            <a:spLocks noGrp="1" noRot="1" noChangeAspect="1"/>
+          </p:cNvSpPr>
+          <p:nvPr>
+            <p:ph type="sldImg"/>
+          </p:nvPr>
+        </p:nvSpPr>
+        <p:spPr/>
+      </p:sp>
+      <p:sp>
+        <p:nvSpPr>
+          <p:cNvPr id="3" name="슬라이드 노트 개체 틀 2"/>
+          <p:cNvSpPr>
+            <a:spLocks noGrp="1"/>
+          </p:cNvSpPr>
+          <p:nvPr>
+            <p:ph type="body" idx="1"/>
+          </p:nvPr>
+        </p:nvSpPr>
+        <p:spPr/>
+        <p:txBody>
+          <a:bodyPr/>
+          <a:lstStyle/>
+          <a:p>
+            <a:endParaRPr lang="ko-KR" altLang="en-US" dirty="0"/>
+          </a:p>
+        </p:txBody>
+      </p:sp>
+      <p:sp>
+        <p:nvSpPr>
+          <p:cNvPr id="4" name="슬라이드 번호 개체 틀 3"/>
+          <p:cNvSpPr>
+            <a:spLocks noGrp="1"/>
+          </p:cNvSpPr>
+          <p:nvPr>
+            <p:ph type="sldNum" sz="quarter" idx="5"/>
+          </p:nvPr>
+        </p:nvSpPr>
+        <p:spPr/>
+        <p:txBody>
+          <a:bodyPr/>
+          <a:lstStyle/>
+          <a:p>
+            <a:pPr lvl="0"/>
+            <a:fld id="{1F5DF9E1-D78E-4166-A95D-878BAE52D001}" type="slidenum">
+              <a:rPr lang="ko-KR" altLang="en-US" smtClean="0"/>
+              <a:t>22</a:t>
+            </a:fld>
+            <a:endParaRPr lang="ko-KR" altLang="en-US"/>
+          </a:p>
+        </p:txBody>
+      </p:sp>
+    </p:spTree>
+    <p:extLst>
+      <p:ext uri="{BB962C8B-B14F-4D97-AF65-F5344CB8AC3E}">
+        <p14:creationId xmlns:p14="http://schemas.microsoft.com/office/powerpoint/2010/main" val="2199576138"/>
+      </p:ext>
+    </p:extLst>
+  </p:cSld>
+  <p:clrMapOvr>
+    <a:masterClrMapping/>
+  </p:clrMapOvr>
+</p:notes>
+</file>
+
+<file path=ppt/notesSlides/notesSlide5.xml><?xml version="1.0" encoding="utf-8"?>
+<p:notes xmlns:a="http://schemas.openxmlformats.org/drawingml/2006/main" xmlns:r="http://schemas.openxmlformats.org/officeDocument/2006/relationships" xmlns:p="http://schemas.openxmlformats.org/presentationml/2006/main">
+  <p:cSld>
+    <p:spTree>
+      <p:nvGrpSpPr>
+        <p:cNvPr id="1" name=""/>
+        <p:cNvGrpSpPr/>
+        <p:nvPr/>
+      </p:nvGrpSpPr>
+      <p:grpSpPr>
+        <a:xfrm>
+          <a:off x="0" y="0"/>
+          <a:ext cx="0" cy="0"/>
+          <a:chOff x="0" y="0"/>
+          <a:chExt cx="0" cy="0"/>
+        </a:xfrm>
+      </p:grpSpPr>
+      <p:sp>
+        <p:nvSpPr>
+          <p:cNvPr id="2" name="슬라이드 이미지 개체 틀 1"/>
+          <p:cNvSpPr>
+            <a:spLocks noGrp="1" noRot="1" noChangeAspect="1"/>
+          </p:cNvSpPr>
+          <p:nvPr>
+            <p:ph type="sldImg"/>
+          </p:nvPr>
+        </p:nvSpPr>
+        <p:spPr/>
+      </p:sp>
+      <p:sp>
+        <p:nvSpPr>
+          <p:cNvPr id="3" name="슬라이드 노트 개체 틀 2"/>
+          <p:cNvSpPr>
+            <a:spLocks noGrp="1"/>
+          </p:cNvSpPr>
+          <p:nvPr>
+            <p:ph type="body" idx="1"/>
+          </p:nvPr>
+        </p:nvSpPr>
+        <p:spPr/>
+        <p:txBody>
+          <a:bodyPr/>
+          <a:lstStyle/>
+          <a:p>
+            <a:endParaRPr lang="ko-KR" altLang="en-US" dirty="0"/>
+          </a:p>
+        </p:txBody>
+      </p:sp>
+      <p:sp>
+        <p:nvSpPr>
+          <p:cNvPr id="4" name="슬라이드 번호 개체 틀 3"/>
+          <p:cNvSpPr>
+            <a:spLocks noGrp="1"/>
+          </p:cNvSpPr>
+          <p:nvPr>
+            <p:ph type="sldNum" sz="quarter" idx="5"/>
+          </p:nvPr>
+        </p:nvSpPr>
+        <p:spPr/>
+        <p:txBody>
+          <a:bodyPr/>
+          <a:lstStyle/>
+          <a:p>
+            <a:pPr lvl="0"/>
+            <a:fld id="{1F5DF9E1-D78E-4166-A95D-878BAE52D001}" type="slidenum">
+              <a:rPr lang="ko-KR" altLang="en-US" smtClean="0"/>
+              <a:t>23</a:t>
+            </a:fld>
+            <a:endParaRPr lang="ko-KR" altLang="en-US"/>
+          </a:p>
+        </p:txBody>
+      </p:sp>
+    </p:spTree>
+    <p:extLst>
+      <p:ext uri="{BB962C8B-B14F-4D97-AF65-F5344CB8AC3E}">
+        <p14:creationId xmlns:p14="http://schemas.microsoft.com/office/powerpoint/2010/main" val="1174812545"/>
+      </p:ext>
+    </p:extLst>
+  </p:cSld>
+  <p:clrMapOvr>
+    <a:masterClrMapping/>
+  </p:clrMapOvr>
+</p:notes>
+</file>
+
+<file path=ppt/notesSlides/notesSlide6.xml><?xml version="1.0" encoding="utf-8"?>
+<p:notes xmlns:a="http://schemas.openxmlformats.org/drawingml/2006/main" xmlns:r="http://schemas.openxmlformats.org/officeDocument/2006/relationships" xmlns:p="http://schemas.openxmlformats.org/presentationml/2006/main">
+  <p:cSld>
+    <p:spTree>
+      <p:nvGrpSpPr>
+        <p:cNvPr id="1" name=""/>
+        <p:cNvGrpSpPr/>
+        <p:nvPr/>
+      </p:nvGrpSpPr>
+      <p:grpSpPr>
+        <a:xfrm>
+          <a:off x="0" y="0"/>
+          <a:ext cx="0" cy="0"/>
+          <a:chOff x="0" y="0"/>
+          <a:chExt cx="0" cy="0"/>
+        </a:xfrm>
+      </p:grpSpPr>
+      <p:sp>
+        <p:nvSpPr>
+          <p:cNvPr id="2" name="슬라이드 이미지 개체 틀 1"/>
+          <p:cNvSpPr>
+            <a:spLocks noGrp="1" noRot="1" noChangeAspect="1"/>
+          </p:cNvSpPr>
+          <p:nvPr>
+            <p:ph type="sldImg"/>
+          </p:nvPr>
+        </p:nvSpPr>
+        <p:spPr/>
+      </p:sp>
+      <p:sp>
+        <p:nvSpPr>
+          <p:cNvPr id="3" name="슬라이드 노트 개체 틀 2"/>
+          <p:cNvSpPr>
+            <a:spLocks noGrp="1"/>
+          </p:cNvSpPr>
+          <p:nvPr>
+            <p:ph type="body" idx="1"/>
+          </p:nvPr>
+        </p:nvSpPr>
+        <p:spPr/>
+        <p:txBody>
+          <a:bodyPr/>
+          <a:lstStyle/>
+          <a:p>
+            <a:endParaRPr lang="ko-KR" altLang="en-US" dirty="0"/>
+          </a:p>
+        </p:txBody>
+      </p:sp>
+      <p:sp>
+        <p:nvSpPr>
+          <p:cNvPr id="4" name="슬라이드 번호 개체 틀 3"/>
+          <p:cNvSpPr>
+            <a:spLocks noGrp="1"/>
+          </p:cNvSpPr>
+          <p:nvPr>
+            <p:ph type="sldNum" sz="quarter" idx="5"/>
+          </p:nvPr>
+        </p:nvSpPr>
+        <p:spPr/>
+        <p:txBody>
+          <a:bodyPr/>
+          <a:lstStyle/>
+          <a:p>
+            <a:pPr lvl="0"/>
+            <a:fld id="{1F5DF9E1-D78E-4166-A95D-878BAE52D001}" type="slidenum">
+              <a:rPr lang="ko-KR" altLang="en-US" smtClean="0"/>
+              <a:t>24</a:t>
+            </a:fld>
+            <a:endParaRPr lang="ko-KR" altLang="en-US"/>
+          </a:p>
+        </p:txBody>
+      </p:sp>
+    </p:spTree>
+    <p:extLst>
+      <p:ext uri="{BB962C8B-B14F-4D97-AF65-F5344CB8AC3E}">
+        <p14:creationId xmlns:p14="http://schemas.microsoft.com/office/powerpoint/2010/main" val="3875077480"/>
+      </p:ext>
+    </p:extLst>
+  </p:cSld>
+  <p:clrMapOvr>
+    <a:masterClrMapping/>
+  </p:clrMapOvr>
+</p:notes>
+</file>
+
+<file path=ppt/notesSlides/notesSlide7.xml><?xml version="1.0" encoding="utf-8"?>
+<p:notes xmlns:a="http://schemas.openxmlformats.org/drawingml/2006/main" xmlns:r="http://schemas.openxmlformats.org/officeDocument/2006/relationships" xmlns:p="http://schemas.openxmlformats.org/presentationml/2006/main">
+  <p:cSld>
+    <p:spTree>
+      <p:nvGrpSpPr>
+        <p:cNvPr id="1" name=""/>
+        <p:cNvGrpSpPr/>
+        <p:nvPr/>
+      </p:nvGrpSpPr>
+      <p:grpSpPr>
+        <a:xfrm>
+          <a:off x="0" y="0"/>
+          <a:ext cx="0" cy="0"/>
+          <a:chOff x="0" y="0"/>
+          <a:chExt cx="0" cy="0"/>
+        </a:xfrm>
+      </p:grpSpPr>
+      <p:sp>
+        <p:nvSpPr>
+          <p:cNvPr id="2" name="슬라이드 이미지 개체 틀 1"/>
+          <p:cNvSpPr>
+            <a:spLocks noGrp="1" noRot="1" noChangeAspect="1"/>
+          </p:cNvSpPr>
+          <p:nvPr>
+            <p:ph type="sldImg"/>
+          </p:nvPr>
+        </p:nvSpPr>
+        <p:spPr/>
+      </p:sp>
+      <p:sp>
+        <p:nvSpPr>
+          <p:cNvPr id="3" name="슬라이드 노트 개체 틀 2"/>
+          <p:cNvSpPr>
+            <a:spLocks noGrp="1"/>
+          </p:cNvSpPr>
+          <p:nvPr>
+            <p:ph type="body" idx="1"/>
+          </p:nvPr>
+        </p:nvSpPr>
+        <p:spPr/>
+        <p:txBody>
+          <a:bodyPr/>
+          <a:lstStyle/>
+          <a:p>
+            <a:endParaRPr lang="ko-KR" altLang="en-US" dirty="0"/>
+          </a:p>
+        </p:txBody>
+      </p:sp>
+      <p:sp>
+        <p:nvSpPr>
+          <p:cNvPr id="4" name="슬라이드 번호 개체 틀 3"/>
+          <p:cNvSpPr>
+            <a:spLocks noGrp="1"/>
+          </p:cNvSpPr>
+          <p:nvPr>
+            <p:ph type="sldNum" sz="quarter" idx="5"/>
+          </p:nvPr>
+        </p:nvSpPr>
+        <p:spPr/>
+        <p:txBody>
+          <a:bodyPr/>
+          <a:lstStyle/>
+          <a:p>
+            <a:pPr lvl="0"/>
+            <a:fld id="{1F5DF9E1-D78E-4166-A95D-878BAE52D001}" type="slidenum">
+              <a:rPr lang="ko-KR" altLang="en-US" smtClean="0"/>
+              <a:t>25</a:t>
+            </a:fld>
+            <a:endParaRPr lang="ko-KR" altLang="en-US"/>
+          </a:p>
+        </p:txBody>
+      </p:sp>
+    </p:spTree>
+    <p:extLst>
+      <p:ext uri="{BB962C8B-B14F-4D97-AF65-F5344CB8AC3E}">
+        <p14:creationId xmlns:p14="http://schemas.microsoft.com/office/powerpoint/2010/main" val="663586303"/>
+      </p:ext>
+    </p:extLst>
+  </p:cSld>
+  <p:clrMapOvr>
+    <a:masterClrMapping/>
+  </p:clrMapOvr>
+</p:notes>
+</file>
+
+<file path=ppt/notesSlides/notesSlide8.xml><?xml version="1.0" encoding="utf-8"?>
+<p:notes xmlns:a="http://schemas.openxmlformats.org/drawingml/2006/main" xmlns:r="http://schemas.openxmlformats.org/officeDocument/2006/relationships" xmlns:p="http://schemas.openxmlformats.org/presentationml/2006/main">
+  <p:cSld>
+    <p:spTree>
+      <p:nvGrpSpPr>
+        <p:cNvPr id="1" name=""/>
+        <p:cNvGrpSpPr/>
+        <p:nvPr/>
+      </p:nvGrpSpPr>
+      <p:grpSpPr>
+        <a:xfrm>
+          <a:off x="0" y="0"/>
+          <a:ext cx="0" cy="0"/>
+          <a:chOff x="0" y="0"/>
+          <a:chExt cx="0" cy="0"/>
+        </a:xfrm>
+      </p:grpSpPr>
+      <p:sp>
+        <p:nvSpPr>
+          <p:cNvPr id="2" name="슬라이드 이미지 개체 틀 1"/>
+          <p:cNvSpPr>
+            <a:spLocks noGrp="1" noRot="1" noChangeAspect="1"/>
+          </p:cNvSpPr>
+          <p:nvPr>
+            <p:ph type="sldImg"/>
+          </p:nvPr>
+        </p:nvSpPr>
+        <p:spPr/>
+      </p:sp>
+      <p:sp>
+        <p:nvSpPr>
+          <p:cNvPr id="3" name="슬라이드 노트 개체 틀 2"/>
+          <p:cNvSpPr>
+            <a:spLocks noGrp="1"/>
+          </p:cNvSpPr>
+          <p:nvPr>
+            <p:ph type="body" idx="1"/>
+          </p:nvPr>
+        </p:nvSpPr>
+        <p:spPr/>
+        <p:txBody>
+          <a:bodyPr/>
+          <a:lstStyle/>
+          <a:p>
+            <a:endParaRPr lang="ko-KR" altLang="en-US" dirty="0"/>
+          </a:p>
+        </p:txBody>
+      </p:sp>
+      <p:sp>
+        <p:nvSpPr>
+          <p:cNvPr id="4" name="슬라이드 번호 개체 틀 3"/>
+          <p:cNvSpPr>
+            <a:spLocks noGrp="1"/>
+          </p:cNvSpPr>
+          <p:nvPr>
+            <p:ph type="sldNum" sz="quarter" idx="5"/>
+          </p:nvPr>
+        </p:nvSpPr>
+        <p:spPr/>
+        <p:txBody>
+          <a:bodyPr/>
+          <a:lstStyle/>
+          <a:p>
+            <a:pPr lvl="0"/>
+            <a:fld id="{1F5DF9E1-D78E-4166-A95D-878BAE52D001}" type="slidenum">
+              <a:rPr lang="ko-KR" altLang="en-US" smtClean="0"/>
+              <a:t>26</a:t>
+            </a:fld>
+            <a:endParaRPr lang="ko-KR" altLang="en-US"/>
+          </a:p>
+        </p:txBody>
+      </p:sp>
+    </p:spTree>
+    <p:extLst>
+      <p:ext uri="{BB962C8B-B14F-4D97-AF65-F5344CB8AC3E}">
+        <p14:creationId xmlns:p14="http://schemas.microsoft.com/office/powerpoint/2010/main" val="2313939833"/>
+      </p:ext>
+    </p:extLst>
+  </p:cSld>
+  <p:clrMapOvr>
+    <a:masterClrMapping/>
+  </p:clrMapOvr>
+</p:notes>
+</file>
+
+<file path=ppt/notesSlides/notesSlide9.xml><?xml version="1.0" encoding="utf-8"?>
+<p:notes xmlns:a="http://schemas.openxmlformats.org/drawingml/2006/main" xmlns:r="http://schemas.openxmlformats.org/officeDocument/2006/relationships" xmlns:p="http://schemas.openxmlformats.org/presentationml/2006/main">
+  <p:cSld>
+    <p:spTree>
+      <p:nvGrpSpPr>
+        <p:cNvPr id="1" name=""/>
+        <p:cNvGrpSpPr/>
+        <p:nvPr/>
+      </p:nvGrpSpPr>
+      <p:grpSpPr>
+        <a:xfrm>
+          <a:off x="0" y="0"/>
+          <a:ext cx="0" cy="0"/>
+          <a:chOff x="0" y="0"/>
+          <a:chExt cx="0" cy="0"/>
+        </a:xfrm>
+      </p:grpSpPr>
+      <p:sp>
+        <p:nvSpPr>
+          <p:cNvPr id="2" name="슬라이드 이미지 개체 틀 1"/>
+          <p:cNvSpPr>
+            <a:spLocks noGrp="1" noRot="1" noChangeAspect="1"/>
+          </p:cNvSpPr>
+          <p:nvPr>
+            <p:ph type="sldImg"/>
+          </p:nvPr>
+        </p:nvSpPr>
+        <p:spPr/>
+      </p:sp>
+      <p:sp>
+        <p:nvSpPr>
+          <p:cNvPr id="3" name="슬라이드 노트 개체 틀 2"/>
+          <p:cNvSpPr>
+            <a:spLocks noGrp="1"/>
+          </p:cNvSpPr>
+          <p:nvPr>
+            <p:ph type="body" idx="1"/>
+          </p:nvPr>
+        </p:nvSpPr>
+        <p:spPr/>
+        <p:txBody>
+          <a:bodyPr/>
+          <a:lstStyle/>
+          <a:p>
+            <a:endParaRPr lang="ko-KR" altLang="en-US" dirty="0"/>
+          </a:p>
+        </p:txBody>
+      </p:sp>
+      <p:sp>
+        <p:nvSpPr>
+          <p:cNvPr id="4" name="슬라이드 번호 개체 틀 3"/>
+          <p:cNvSpPr>
+            <a:spLocks noGrp="1"/>
+          </p:cNvSpPr>
+          <p:nvPr>
+            <p:ph type="sldNum" sz="quarter" idx="5"/>
+          </p:nvPr>
+        </p:nvSpPr>
+        <p:spPr/>
+        <p:txBody>
+          <a:bodyPr/>
+          <a:lstStyle/>
+          <a:p>
+            <a:pPr lvl="0"/>
+            <a:fld id="{1F5DF9E1-D78E-4166-A95D-878BAE52D001}" type="slidenum">
+              <a:rPr lang="ko-KR" altLang="en-US" smtClean="0"/>
+              <a:t>27</a:t>
+            </a:fld>
+            <a:endParaRPr lang="ko-KR" altLang="en-US"/>
+          </a:p>
+        </p:txBody>
+      </p:sp>
+    </p:spTree>
+    <p:extLst>
+      <p:ext uri="{BB962C8B-B14F-4D97-AF65-F5344CB8AC3E}">
+        <p14:creationId xmlns:p14="http://schemas.microsoft.com/office/powerpoint/2010/main" val="3188018732"/>
       </p:ext>
     </p:extLst>
   </p:cSld>
@@ -821,7 +1434,7 @@
           <a:p>
             <a:fld id="{C98425AB-0F5E-4B1B-A3F7-CE19EA6D8895}" type="datetimeFigureOut">
               <a:rPr lang="ko-KR" altLang="en-US" smtClean="0"/>
-              <a:t>2023-09-07</a:t>
+              <a:t>2023-09-11</a:t>
             </a:fld>
             <a:endParaRPr lang="ko-KR" altLang="en-US"/>
           </a:p>
@@ -1019,7 +1632,7 @@
           <a:p>
             <a:fld id="{C98425AB-0F5E-4B1B-A3F7-CE19EA6D8895}" type="datetimeFigureOut">
               <a:rPr lang="ko-KR" altLang="en-US" smtClean="0"/>
-              <a:t>2023-09-07</a:t>
+              <a:t>2023-09-11</a:t>
             </a:fld>
             <a:endParaRPr lang="ko-KR" altLang="en-US"/>
           </a:p>
@@ -1227,7 +1840,7 @@
           <a:p>
             <a:fld id="{C98425AB-0F5E-4B1B-A3F7-CE19EA6D8895}" type="datetimeFigureOut">
               <a:rPr lang="ko-KR" altLang="en-US" smtClean="0"/>
-              <a:t>2023-09-07</a:t>
+              <a:t>2023-09-11</a:t>
             </a:fld>
             <a:endParaRPr lang="ko-KR" altLang="en-US"/>
           </a:p>
@@ -1425,7 +2038,7 @@
           <a:p>
             <a:fld id="{C98425AB-0F5E-4B1B-A3F7-CE19EA6D8895}" type="datetimeFigureOut">
               <a:rPr lang="ko-KR" altLang="en-US" smtClean="0"/>
-              <a:t>2023-09-07</a:t>
+              <a:t>2023-09-11</a:t>
             </a:fld>
             <a:endParaRPr lang="ko-KR" altLang="en-US"/>
           </a:p>
@@ -1700,7 +2313,7 @@
           <a:p>
             <a:fld id="{C98425AB-0F5E-4B1B-A3F7-CE19EA6D8895}" type="datetimeFigureOut">
               <a:rPr lang="ko-KR" altLang="en-US" smtClean="0"/>
-              <a:t>2023-09-07</a:t>
+              <a:t>2023-09-11</a:t>
             </a:fld>
             <a:endParaRPr lang="ko-KR" altLang="en-US"/>
           </a:p>
@@ -1965,7 +2578,7 @@
           <a:p>
             <a:fld id="{C98425AB-0F5E-4B1B-A3F7-CE19EA6D8895}" type="datetimeFigureOut">
               <a:rPr lang="ko-KR" altLang="en-US" smtClean="0"/>
-              <a:t>2023-09-07</a:t>
+              <a:t>2023-09-11</a:t>
             </a:fld>
             <a:endParaRPr lang="ko-KR" altLang="en-US"/>
           </a:p>
@@ -2377,7 +2990,7 @@
           <a:p>
             <a:fld id="{C98425AB-0F5E-4B1B-A3F7-CE19EA6D8895}" type="datetimeFigureOut">
               <a:rPr lang="ko-KR" altLang="en-US" smtClean="0"/>
-              <a:t>2023-09-07</a:t>
+              <a:t>2023-09-11</a:t>
             </a:fld>
             <a:endParaRPr lang="ko-KR" altLang="en-US"/>
           </a:p>
@@ -2518,7 +3131,7 @@
           <a:p>
             <a:fld id="{C98425AB-0F5E-4B1B-A3F7-CE19EA6D8895}" type="datetimeFigureOut">
               <a:rPr lang="ko-KR" altLang="en-US" smtClean="0"/>
-              <a:t>2023-09-07</a:t>
+              <a:t>2023-09-11</a:t>
             </a:fld>
             <a:endParaRPr lang="ko-KR" altLang="en-US"/>
           </a:p>
@@ -2631,7 +3244,7 @@
           <a:p>
             <a:fld id="{C98425AB-0F5E-4B1B-A3F7-CE19EA6D8895}" type="datetimeFigureOut">
               <a:rPr lang="ko-KR" altLang="en-US" smtClean="0"/>
-              <a:t>2023-09-07</a:t>
+              <a:t>2023-09-11</a:t>
             </a:fld>
             <a:endParaRPr lang="ko-KR" altLang="en-US"/>
           </a:p>
@@ -2942,7 +3555,7 @@
           <a:p>
             <a:fld id="{C98425AB-0F5E-4B1B-A3F7-CE19EA6D8895}" type="datetimeFigureOut">
               <a:rPr lang="ko-KR" altLang="en-US" smtClean="0"/>
-              <a:t>2023-09-07</a:t>
+              <a:t>2023-09-11</a:t>
             </a:fld>
             <a:endParaRPr lang="ko-KR" altLang="en-US"/>
           </a:p>
@@ -3230,7 +3843,7 @@
           <a:p>
             <a:fld id="{C98425AB-0F5E-4B1B-A3F7-CE19EA6D8895}" type="datetimeFigureOut">
               <a:rPr lang="ko-KR" altLang="en-US" smtClean="0"/>
-              <a:t>2023-09-07</a:t>
+              <a:t>2023-09-11</a:t>
             </a:fld>
             <a:endParaRPr lang="ko-KR" altLang="en-US"/>
           </a:p>
@@ -3471,7 +4084,7 @@
           <a:p>
             <a:fld id="{C98425AB-0F5E-4B1B-A3F7-CE19EA6D8895}" type="datetimeFigureOut">
               <a:rPr lang="ko-KR" altLang="en-US" smtClean="0"/>
-              <a:t>2023-09-07</a:t>
+              <a:t>2023-09-11</a:t>
             </a:fld>
             <a:endParaRPr lang="ko-KR" altLang="en-US"/>
           </a:p>
@@ -3970,7 +4583,7 @@
 </file>
 
 <file path=ppt/slides/slide10.xml><?xml version="1.0" encoding="utf-8"?>
-<p:sld xmlns:r="http://schemas.openxmlformats.org/officeDocument/2006/relationships" xmlns:c="http://schemas.openxmlformats.org/drawingml/2006/chart" xmlns:a="http://schemas.openxmlformats.org/drawingml/2006/main" xmlns:dgm="http://schemas.openxmlformats.org/drawingml/2006/diagram" xmlns:dsp="http://schemas.microsoft.com/office/drawing/2008/diagram" xmlns:p="http://schemas.openxmlformats.org/presentationml/2006/main">
+<p:sld xmlns:a="http://schemas.openxmlformats.org/drawingml/2006/main" xmlns:r="http://schemas.openxmlformats.org/officeDocument/2006/relationships" xmlns:p="http://schemas.openxmlformats.org/presentationml/2006/main">
   <p:cSld>
     <p:spTree>
       <p:nvGrpSpPr>
@@ -3993,7 +4606,7 @@
             <a:spLocks noGrp="1"/>
           </p:cNvSpPr>
           <p:nvPr>
-            <p:ph type="title" idx="0"/>
+            <p:ph type="title"/>
           </p:nvPr>
         </p:nvSpPr>
         <p:spPr/>
@@ -4005,20 +4618,19 @@
               <a:defRPr/>
             </a:pPr>
             <a:r>
-              <a:rPr lang="en-US" altLang="ko-KR"/>
+              <a:rPr lang="en-US" altLang="ko-KR" dirty="0"/>
               <a:t>2. </a:t>
             </a:r>
             <a:r>
-              <a:rPr lang="ko-KR" altLang="en-US"/>
+              <a:rPr lang="ko-KR" altLang="en-US" dirty="0"/>
               <a:t>모델</a:t>
             </a:r>
-            <a:endParaRPr lang="ko-KR" altLang="en-US"/>
           </a:p>
         </p:txBody>
       </p:sp>
       <p:pic>
         <p:nvPicPr>
-          <p:cNvPr id="28" name=""/>
+          <p:cNvPr id="28" name="그림 27"/>
           <p:cNvPicPr>
             <a:picLocks noChangeAspect="1"/>
           </p:cNvPicPr>
@@ -4032,7 +4644,7 @@
         </p:blipFill>
         <p:spPr>
           <a:xfrm>
-            <a:off x="513790" y="3071579"/>
+            <a:off x="1753042" y="2033588"/>
             <a:ext cx="8002117" cy="3362794"/>
           </a:xfrm>
           <a:prstGeom prst="rect">
@@ -4042,77 +4654,287 @@
       </p:pic>
       <p:pic>
         <p:nvPicPr>
-          <p:cNvPr id="29" name=""/>
+          <p:cNvPr id="29" name="그림 28"/>
           <p:cNvPicPr>
             <a:picLocks noChangeAspect="1"/>
           </p:cNvPicPr>
           <p:nvPr/>
         </p:nvPicPr>
         <p:blipFill rotWithShape="1">
-          <a:blip r:embed="rId3"/>
-          <a:srcRect l="16780" t="20390" r="48450" b="17280"/>
-          <a:stretch>
-            <a:fillRect/>
-          </a:stretch>
+          <a:blip r:embed="rId2"/>
+          <a:srcRect l="16780" t="20390" r="37713" b="17280"/>
+          <a:stretch/>
         </p:blipFill>
         <p:spPr>
           <a:xfrm>
-            <a:off x="1856815" y="3757379"/>
-            <a:ext cx="2782416" cy="2095969"/>
+            <a:off x="3096066" y="2719388"/>
+            <a:ext cx="3641617" cy="2095969"/>
           </a:xfrm>
           <a:prstGeom prst="rect">
             <a:avLst/>
           </a:prstGeom>
         </p:spPr>
       </p:pic>
-      <p:pic>
-        <p:nvPicPr>
-          <p:cNvPr id="30" name=""/>
-          <p:cNvPicPr>
-            <a:picLocks noChangeAspect="1"/>
-          </p:cNvPicPr>
-          <p:nvPr/>
-        </p:nvPicPr>
-        <p:blipFill rotWithShape="1">
-          <a:blip r:embed="rId4"/>
-          <a:stretch>
-            <a:fillRect/>
-          </a:stretch>
-        </p:blipFill>
+      <p:sp>
+        <p:nvSpPr>
+          <p:cNvPr id="15" name="내용 개체 틀 2">
+            <a:extLst>
+              <a:ext uri="{FF2B5EF4-FFF2-40B4-BE49-F238E27FC236}">
+                <a16:creationId xmlns:a16="http://schemas.microsoft.com/office/drawing/2014/main" id="{0C5F0F81-0905-4C2B-965F-19B429A589C3}"/>
+              </a:ext>
+            </a:extLst>
+          </p:cNvPr>
+          <p:cNvSpPr>
+            <a:spLocks noGrp="1"/>
+          </p:cNvSpPr>
+          <p:nvPr>
+            <p:ph idx="1"/>
+          </p:nvPr>
+        </p:nvSpPr>
         <p:spPr>
           <a:xfrm>
-            <a:off x="7500136" y="0"/>
-            <a:ext cx="3744930" cy="6858000"/>
+            <a:off x="599287" y="5739282"/>
+            <a:ext cx="10754513" cy="1772534"/>
+          </a:xfrm>
+        </p:spPr>
+        <p:txBody>
+          <a:bodyPr>
+            <a:normAutofit/>
+          </a:bodyPr>
+          <a:lstStyle/>
+          <a:p>
+            <a:pPr marL="0" indent="0">
+              <a:buNone/>
+              <a:defRPr/>
+            </a:pPr>
+            <a:r>
+              <a:rPr lang="ko-KR" altLang="en-US" sz="2000" dirty="0"/>
+              <a:t>상관 관계 </a:t>
+            </a:r>
+            <a:r>
+              <a:rPr lang="ko-KR" altLang="en-US" sz="2000" dirty="0" err="1"/>
+              <a:t>맵을</a:t>
+            </a:r>
+            <a:r>
+              <a:rPr lang="ko-KR" altLang="en-US" sz="2000" dirty="0"/>
+              <a:t> 더 효과적으로 처리하고 이후 계산 단계에서 더 나은 결과를 얻기 위해 초기 단계에서 적용되는 작은 </a:t>
+            </a:r>
+            <a:r>
+              <a:rPr lang="ko-KR" altLang="en-US" sz="2000" dirty="0" err="1"/>
+              <a:t>합성곱</a:t>
+            </a:r>
+            <a:r>
+              <a:rPr lang="ko-KR" altLang="en-US" sz="2000" dirty="0"/>
+              <a:t> 계층</a:t>
+            </a:r>
+          </a:p>
+        </p:txBody>
+      </p:sp>
+      <p:sp>
+        <p:nvSpPr>
+          <p:cNvPr id="16" name="내용 개체 틀 2">
+            <a:extLst>
+              <a:ext uri="{FF2B5EF4-FFF2-40B4-BE49-F238E27FC236}">
+                <a16:creationId xmlns:a16="http://schemas.microsoft.com/office/drawing/2014/main" id="{ECA0A85A-0A36-4E84-80A8-0FEFE875B2A4}"/>
+              </a:ext>
+            </a:extLst>
+          </p:cNvPr>
+          <p:cNvSpPr txBox="1">
+            <a:spLocks/>
+          </p:cNvSpPr>
+          <p:nvPr/>
+        </p:nvSpPr>
+        <p:spPr>
+          <a:xfrm>
+            <a:off x="545432" y="1392400"/>
+            <a:ext cx="10993426" cy="4603917"/>
           </a:xfrm>
           <a:prstGeom prst="rect">
             <a:avLst/>
           </a:prstGeom>
         </p:spPr>
-      </p:pic>
-      <p:pic>
-        <p:nvPicPr>
-          <p:cNvPr id="31" name=""/>
-          <p:cNvPicPr>
-            <a:picLocks noChangeAspect="1"/>
-          </p:cNvPicPr>
-          <p:nvPr/>
-        </p:nvPicPr>
-        <p:blipFill rotWithShape="1">
-          <a:blip r:embed="rId5"/>
-          <a:stretch>
-            <a:fillRect/>
-          </a:stretch>
-        </p:blipFill>
-        <p:spPr>
-          <a:xfrm>
-            <a:off x="6433746" y="1261732"/>
-            <a:ext cx="5630060" cy="4734585"/>
-          </a:xfrm>
-          <a:prstGeom prst="rect">
-            <a:avLst/>
-          </a:prstGeom>
-        </p:spPr>
-      </p:pic>
+        <p:txBody>
+          <a:bodyPr vert="horz" lIns="91440" tIns="45720" rIns="91440" bIns="45720" rtlCol="0">
+            <a:normAutofit/>
+          </a:bodyPr>
+          <a:lstStyle>
+            <a:lvl1pPr marL="228600" indent="-228600" algn="l" defTabSz="914400" rtl="0" eaLnBrk="1" latinLnBrk="1" hangingPunct="1">
+              <a:lnSpc>
+                <a:spcPct val="90000"/>
+              </a:lnSpc>
+              <a:spcBef>
+                <a:spcPts val="1000"/>
+              </a:spcBef>
+              <a:buFont typeface="Arial" panose="020B0604020202020204" pitchFamily="34" charset="0"/>
+              <a:buChar char="•"/>
+              <a:defRPr sz="2800" kern="1200">
+                <a:solidFill>
+                  <a:schemeClr val="tx1"/>
+                </a:solidFill>
+                <a:latin typeface="+mn-lt"/>
+                <a:ea typeface="+mn-ea"/>
+                <a:cs typeface="+mn-cs"/>
+              </a:defRPr>
+            </a:lvl1pPr>
+            <a:lvl2pPr marL="685800" indent="-228600" algn="l" defTabSz="914400" rtl="0" eaLnBrk="1" latinLnBrk="1" hangingPunct="1">
+              <a:lnSpc>
+                <a:spcPct val="90000"/>
+              </a:lnSpc>
+              <a:spcBef>
+                <a:spcPts val="500"/>
+              </a:spcBef>
+              <a:buFont typeface="Arial" panose="020B0604020202020204" pitchFamily="34" charset="0"/>
+              <a:buChar char="•"/>
+              <a:defRPr sz="2400" kern="1200">
+                <a:solidFill>
+                  <a:schemeClr val="tx1"/>
+                </a:solidFill>
+                <a:latin typeface="+mn-lt"/>
+                <a:ea typeface="+mn-ea"/>
+                <a:cs typeface="+mn-cs"/>
+              </a:defRPr>
+            </a:lvl2pPr>
+            <a:lvl3pPr marL="1143000" indent="-228600" algn="l" defTabSz="914400" rtl="0" eaLnBrk="1" latinLnBrk="1" hangingPunct="1">
+              <a:lnSpc>
+                <a:spcPct val="90000"/>
+              </a:lnSpc>
+              <a:spcBef>
+                <a:spcPts val="500"/>
+              </a:spcBef>
+              <a:buFont typeface="Arial" panose="020B0604020202020204" pitchFamily="34" charset="0"/>
+              <a:buChar char="•"/>
+              <a:defRPr sz="2000" kern="1200">
+                <a:solidFill>
+                  <a:schemeClr val="tx1"/>
+                </a:solidFill>
+                <a:latin typeface="+mn-lt"/>
+                <a:ea typeface="+mn-ea"/>
+                <a:cs typeface="+mn-cs"/>
+              </a:defRPr>
+            </a:lvl3pPr>
+            <a:lvl4pPr marL="1600200" indent="-228600" algn="l" defTabSz="914400" rtl="0" eaLnBrk="1" latinLnBrk="1" hangingPunct="1">
+              <a:lnSpc>
+                <a:spcPct val="90000"/>
+              </a:lnSpc>
+              <a:spcBef>
+                <a:spcPts val="500"/>
+              </a:spcBef>
+              <a:buFont typeface="Arial" panose="020B0604020202020204" pitchFamily="34" charset="0"/>
+              <a:buChar char="•"/>
+              <a:defRPr sz="1800" kern="1200">
+                <a:solidFill>
+                  <a:schemeClr val="tx1"/>
+                </a:solidFill>
+                <a:latin typeface="+mn-lt"/>
+                <a:ea typeface="+mn-ea"/>
+                <a:cs typeface="+mn-cs"/>
+              </a:defRPr>
+            </a:lvl4pPr>
+            <a:lvl5pPr marL="2057400" indent="-228600" algn="l" defTabSz="914400" rtl="0" eaLnBrk="1" latinLnBrk="1" hangingPunct="1">
+              <a:lnSpc>
+                <a:spcPct val="90000"/>
+              </a:lnSpc>
+              <a:spcBef>
+                <a:spcPts val="500"/>
+              </a:spcBef>
+              <a:buFont typeface="Arial" panose="020B0604020202020204" pitchFamily="34" charset="0"/>
+              <a:buChar char="•"/>
+              <a:defRPr sz="1800" kern="1200">
+                <a:solidFill>
+                  <a:schemeClr val="tx1"/>
+                </a:solidFill>
+                <a:latin typeface="+mn-lt"/>
+                <a:ea typeface="+mn-ea"/>
+                <a:cs typeface="+mn-cs"/>
+              </a:defRPr>
+            </a:lvl5pPr>
+            <a:lvl6pPr marL="2514600" indent="-228600" algn="l" defTabSz="914400" rtl="0" eaLnBrk="1" latinLnBrk="1" hangingPunct="1">
+              <a:lnSpc>
+                <a:spcPct val="90000"/>
+              </a:lnSpc>
+              <a:spcBef>
+                <a:spcPts val="500"/>
+              </a:spcBef>
+              <a:buFont typeface="Arial" panose="020B0604020202020204" pitchFamily="34" charset="0"/>
+              <a:buChar char="•"/>
+              <a:defRPr sz="1800" kern="1200">
+                <a:solidFill>
+                  <a:schemeClr val="tx1"/>
+                </a:solidFill>
+                <a:latin typeface="+mn-lt"/>
+                <a:ea typeface="+mn-ea"/>
+                <a:cs typeface="+mn-cs"/>
+              </a:defRPr>
+            </a:lvl6pPr>
+            <a:lvl7pPr marL="2971800" indent="-228600" algn="l" defTabSz="914400" rtl="0" eaLnBrk="1" latinLnBrk="1" hangingPunct="1">
+              <a:lnSpc>
+                <a:spcPct val="90000"/>
+              </a:lnSpc>
+              <a:spcBef>
+                <a:spcPts val="500"/>
+              </a:spcBef>
+              <a:buFont typeface="Arial" panose="020B0604020202020204" pitchFamily="34" charset="0"/>
+              <a:buChar char="•"/>
+              <a:defRPr sz="1800" kern="1200">
+                <a:solidFill>
+                  <a:schemeClr val="tx1"/>
+                </a:solidFill>
+                <a:latin typeface="+mn-lt"/>
+                <a:ea typeface="+mn-ea"/>
+                <a:cs typeface="+mn-cs"/>
+              </a:defRPr>
+            </a:lvl7pPr>
+            <a:lvl8pPr marL="3429000" indent="-228600" algn="l" defTabSz="914400" rtl="0" eaLnBrk="1" latinLnBrk="1" hangingPunct="1">
+              <a:lnSpc>
+                <a:spcPct val="90000"/>
+              </a:lnSpc>
+              <a:spcBef>
+                <a:spcPts val="500"/>
+              </a:spcBef>
+              <a:buFont typeface="Arial" panose="020B0604020202020204" pitchFamily="34" charset="0"/>
+              <a:buChar char="•"/>
+              <a:defRPr sz="1800" kern="1200">
+                <a:solidFill>
+                  <a:schemeClr val="tx1"/>
+                </a:solidFill>
+                <a:latin typeface="+mn-lt"/>
+                <a:ea typeface="+mn-ea"/>
+                <a:cs typeface="+mn-cs"/>
+              </a:defRPr>
+            </a:lvl8pPr>
+            <a:lvl9pPr marL="3886200" indent="-228600" algn="l" defTabSz="914400" rtl="0" eaLnBrk="1" latinLnBrk="1" hangingPunct="1">
+              <a:lnSpc>
+                <a:spcPct val="90000"/>
+              </a:lnSpc>
+              <a:spcBef>
+                <a:spcPts val="500"/>
+              </a:spcBef>
+              <a:buFont typeface="Arial" panose="020B0604020202020204" pitchFamily="34" charset="0"/>
+              <a:buChar char="•"/>
+              <a:defRPr sz="1800" kern="1200">
+                <a:solidFill>
+                  <a:schemeClr val="tx1"/>
+                </a:solidFill>
+                <a:latin typeface="+mn-lt"/>
+                <a:ea typeface="+mn-ea"/>
+                <a:cs typeface="+mn-cs"/>
+              </a:defRPr>
+            </a:lvl9pPr>
+          </a:lstStyle>
+          <a:p>
+            <a:pPr marL="514350" indent="-514350">
+              <a:buFont typeface="+mj-ea"/>
+              <a:buAutoNum type="circleNumDbPlain" startAt="4"/>
+              <a:defRPr/>
+            </a:pPr>
+            <a:r>
+              <a:rPr lang="en-US" altLang="ko-KR" dirty="0"/>
+              <a:t>Early Convolution layer</a:t>
+            </a:r>
+            <a:endParaRPr lang="ko-KR" altLang="en-US" dirty="0"/>
+          </a:p>
+        </p:txBody>
+      </p:sp>
     </p:spTree>
     <p:extLst>
       <p:ext uri="{BB962C8B-B14F-4D97-AF65-F5344CB8AC3E}">
@@ -4123,11 +4945,11 @@
   <p:clrMapOvr>
     <a:masterClrMapping/>
   </p:clrMapOvr>
-  <mc:AlternateContent xmlns:mc="http://schemas.openxmlformats.org/markup-compatibility/2006">
-    <mc:Choice xmlns:p14="http://schemas.microsoft.com/office/powerpoint/2010/main" Requires="p14">
-      <p:transition xmlns:mc="http://schemas.openxmlformats.org/markup-compatibility/2006" xmlns:p14="http://schemas.microsoft.com/office/powerpoint/2010/main" mc:Ignorable="p14" p14:dur="500"/>
+  <mc:AlternateContent xmlns:mc="http://schemas.openxmlformats.org/markup-compatibility/2006" xmlns:p14="http://schemas.microsoft.com/office/powerpoint/2010/main">
+    <mc:Choice Requires="p14">
+      <p:transition/>
     </mc:Choice>
-    <mc:Fallback>
+    <mc:Fallback xmlns:dsp="http://schemas.microsoft.com/office/drawing/2008/diagram" xmlns:dgm="http://schemas.openxmlformats.org/drawingml/2006/diagram" xmlns:c="http://schemas.openxmlformats.org/drawingml/2006/chart" xmlns="">
       <p:transition/>
     </mc:Fallback>
   </mc:AlternateContent>
@@ -4192,20 +5014,288 @@
                       </p:childTnLst>
                     </p:cTn>
                   </p:par>
+                </p:childTnLst>
+              </p:cTn>
+              <p:prevCondLst>
+                <p:cond evt="onPrev" delay="0">
+                  <p:tgtEl>
+                    <p:sldTgt/>
+                  </p:tgtEl>
+                </p:cond>
+              </p:prevCondLst>
+              <p:nextCondLst>
+                <p:cond evt="onNext" delay="0">
+                  <p:tgtEl>
+                    <p:sldTgt/>
+                  </p:tgtEl>
+                </p:cond>
+              </p:nextCondLst>
+            </p:seq>
+          </p:childTnLst>
+        </p:cTn>
+      </p:par>
+    </p:tnLst>
+  </p:timing>
+</p:sld>
+</file>
+
+<file path=ppt/slides/slide11.xml><?xml version="1.0" encoding="utf-8"?>
+<p:sld xmlns:a="http://schemas.openxmlformats.org/drawingml/2006/main" xmlns:r="http://schemas.openxmlformats.org/officeDocument/2006/relationships" xmlns:p="http://schemas.openxmlformats.org/presentationml/2006/main">
+  <p:cSld>
+    <p:spTree>
+      <p:nvGrpSpPr>
+        <p:cNvPr id="1" name=""/>
+        <p:cNvGrpSpPr/>
+        <p:nvPr/>
+      </p:nvGrpSpPr>
+      <p:grpSpPr>
+        <a:xfrm>
+          <a:off x="0" y="0"/>
+          <a:ext cx="0" cy="0"/>
+          <a:chOff x="0" y="0"/>
+          <a:chExt cx="0" cy="0"/>
+        </a:xfrm>
+      </p:grpSpPr>
+      <p:sp>
+        <p:nvSpPr>
+          <p:cNvPr id="2" name="제목 1"/>
+          <p:cNvSpPr>
+            <a:spLocks noGrp="1"/>
+          </p:cNvSpPr>
+          <p:nvPr>
+            <p:ph type="title"/>
+          </p:nvPr>
+        </p:nvSpPr>
+        <p:spPr/>
+        <p:txBody>
+          <a:bodyPr/>
+          <a:lstStyle/>
+          <a:p>
+            <a:pPr lvl="0">
+              <a:defRPr/>
+            </a:pPr>
+            <a:r>
+              <a:rPr lang="en-US" altLang="ko-KR"/>
+              <a:t>2. </a:t>
+            </a:r>
+            <a:r>
+              <a:rPr lang="ko-KR" altLang="en-US"/>
+              <a:t>모델</a:t>
+            </a:r>
+          </a:p>
+        </p:txBody>
+      </p:sp>
+      <p:pic>
+        <p:nvPicPr>
+          <p:cNvPr id="3" name="그림 2">
+            <a:extLst>
+              <a:ext uri="{FF2B5EF4-FFF2-40B4-BE49-F238E27FC236}">
+                <a16:creationId xmlns:a16="http://schemas.microsoft.com/office/drawing/2014/main" id="{EF239BE1-6B35-4D6E-AF12-4F332F62B826}"/>
+              </a:ext>
+            </a:extLst>
+          </p:cNvPr>
+          <p:cNvPicPr>
+            <a:picLocks noChangeAspect="1"/>
+          </p:cNvPicPr>
+          <p:nvPr/>
+        </p:nvPicPr>
+        <p:blipFill rotWithShape="1">
+          <a:blip r:embed="rId2"/>
+          <a:stretch>
+            <a:fillRect/>
+          </a:stretch>
+        </p:blipFill>
+        <p:spPr>
+          <a:xfrm>
+            <a:off x="4143325" y="0"/>
+            <a:ext cx="3744930" cy="6858000"/>
+          </a:xfrm>
+          <a:prstGeom prst="rect">
+            <a:avLst/>
+          </a:prstGeom>
+        </p:spPr>
+      </p:pic>
+      <p:pic>
+        <p:nvPicPr>
+          <p:cNvPr id="4" name="그림 3">
+            <a:extLst>
+              <a:ext uri="{FF2B5EF4-FFF2-40B4-BE49-F238E27FC236}">
+                <a16:creationId xmlns:a16="http://schemas.microsoft.com/office/drawing/2014/main" id="{50FEE0D1-23A6-4693-AC40-5D56137F94A7}"/>
+              </a:ext>
+            </a:extLst>
+          </p:cNvPr>
+          <p:cNvPicPr>
+            <a:picLocks noChangeAspect="1"/>
+          </p:cNvPicPr>
+          <p:nvPr/>
+        </p:nvPicPr>
+        <p:blipFill rotWithShape="1">
+          <a:blip r:embed="rId3"/>
+          <a:stretch>
+            <a:fillRect/>
+          </a:stretch>
+        </p:blipFill>
+        <p:spPr>
+          <a:xfrm>
+            <a:off x="3076935" y="1261732"/>
+            <a:ext cx="5630060" cy="4734585"/>
+          </a:xfrm>
+          <a:prstGeom prst="rect">
+            <a:avLst/>
+          </a:prstGeom>
+        </p:spPr>
+      </p:pic>
+      <p:pic>
+        <p:nvPicPr>
+          <p:cNvPr id="6" name="그림 5">
+            <a:extLst>
+              <a:ext uri="{FF2B5EF4-FFF2-40B4-BE49-F238E27FC236}">
+                <a16:creationId xmlns:a16="http://schemas.microsoft.com/office/drawing/2014/main" id="{4DF13A85-C97F-4B37-9F2A-D5556F0A2B54}"/>
+              </a:ext>
+            </a:extLst>
+          </p:cNvPr>
+          <p:cNvPicPr>
+            <a:picLocks noChangeAspect="1"/>
+          </p:cNvPicPr>
+          <p:nvPr/>
+        </p:nvPicPr>
+        <p:blipFill>
+          <a:blip r:embed="rId4"/>
+          <a:stretch>
+            <a:fillRect/>
+          </a:stretch>
+        </p:blipFill>
+        <p:spPr>
+          <a:xfrm>
+            <a:off x="1047045" y="1490392"/>
+            <a:ext cx="10097909" cy="3877216"/>
+          </a:xfrm>
+          <a:prstGeom prst="rect">
+            <a:avLst/>
+          </a:prstGeom>
+        </p:spPr>
+      </p:pic>
+    </p:spTree>
+    <p:extLst>
+      <p:ext uri="{BB962C8B-B14F-4D97-AF65-F5344CB8AC3E}">
+        <p14:creationId xmlns:p14="http://schemas.microsoft.com/office/powerpoint/2010/main" val="1914876710"/>
+      </p:ext>
+    </p:extLst>
+  </p:cSld>
+  <p:clrMapOvr>
+    <a:masterClrMapping/>
+  </p:clrMapOvr>
+  <mc:AlternateContent xmlns:mc="http://schemas.openxmlformats.org/markup-compatibility/2006" xmlns:p14="http://schemas.microsoft.com/office/powerpoint/2010/main">
+    <mc:Choice Requires="p14">
+      <p:transition/>
+    </mc:Choice>
+    <mc:Fallback xmlns:dsp="http://schemas.microsoft.com/office/drawing/2008/diagram" xmlns:dgm="http://schemas.openxmlformats.org/drawingml/2006/diagram" xmlns:c="http://schemas.openxmlformats.org/drawingml/2006/chart" xmlns="">
+      <p:transition/>
+    </mc:Fallback>
+  </mc:AlternateContent>
+  <p:timing>
+    <p:tnLst>
+      <p:par>
+        <p:cTn id="1" dur="indefinite" restart="never" nodeType="tmRoot">
+          <p:childTnLst>
+            <p:seq concurrent="1" nextAc="seek">
+              <p:cTn id="2" dur="indefinite" nodeType="mainSeq">
+                <p:childTnLst>
                   <p:par>
-                    <p:cTn id="8" fill="hold">
+                    <p:cTn id="3" fill="hold">
                       <p:stCondLst>
                         <p:cond delay="indefinite"/>
                       </p:stCondLst>
                       <p:childTnLst>
                         <p:par>
-                          <p:cTn id="9" fill="hold">
+                          <p:cTn id="4" fill="hold">
                             <p:stCondLst>
                               <p:cond delay="0"/>
                             </p:stCondLst>
                             <p:childTnLst>
                               <p:par>
-                                <p:cTn id="10" presetID="42" presetClass="exit" presetSubtype="0" fill="hold" nodeType="clickEffect">
+                                <p:cTn id="5" presetID="42" presetClass="entr" presetSubtype="0" fill="hold" nodeType="clickEffect">
+                                  <p:stCondLst>
+                                    <p:cond delay="0"/>
+                                  </p:stCondLst>
+                                  <p:childTnLst>
+                                    <p:set>
+                                      <p:cBhvr>
+                                        <p:cTn id="6" dur="1" fill="hold">
+                                          <p:stCondLst>
+                                            <p:cond delay="0"/>
+                                          </p:stCondLst>
+                                        </p:cTn>
+                                        <p:tgtEl>
+                                          <p:spTgt spid="3"/>
+                                        </p:tgtEl>
+                                        <p:attrNameLst>
+                                          <p:attrName>style.visibility</p:attrName>
+                                        </p:attrNameLst>
+                                      </p:cBhvr>
+                                      <p:to>
+                                        <p:strVal val="visible"/>
+                                      </p:to>
+                                    </p:set>
+                                    <p:animEffect transition="in" filter="fade">
+                                      <p:cBhvr>
+                                        <p:cTn id="7" dur="1000"/>
+                                        <p:tgtEl>
+                                          <p:spTgt spid="3"/>
+                                        </p:tgtEl>
+                                      </p:cBhvr>
+                                    </p:animEffect>
+                                    <p:anim calcmode="lin" valueType="num">
+                                      <p:cBhvr>
+                                        <p:cTn id="8" dur="1000" fill="hold"/>
+                                        <p:tgtEl>
+                                          <p:spTgt spid="3"/>
+                                        </p:tgtEl>
+                                        <p:attrNameLst>
+                                          <p:attrName>ppt_x</p:attrName>
+                                        </p:attrNameLst>
+                                      </p:cBhvr>
+                                      <p:tavLst>
+                                        <p:tav tm="0">
+                                          <p:val>
+                                            <p:strVal val="#ppt_x"/>
+                                          </p:val>
+                                        </p:tav>
+                                        <p:tav tm="100000">
+                                          <p:val>
+                                            <p:strVal val="#ppt_x"/>
+                                          </p:val>
+                                        </p:tav>
+                                      </p:tavLst>
+                                    </p:anim>
+                                    <p:anim calcmode="lin" valueType="num">
+                                      <p:cBhvr>
+                                        <p:cTn id="9" dur="1000" fill="hold"/>
+                                        <p:tgtEl>
+                                          <p:spTgt spid="3"/>
+                                        </p:tgtEl>
+                                        <p:attrNameLst>
+                                          <p:attrName>ppt_y</p:attrName>
+                                        </p:attrNameLst>
+                                      </p:cBhvr>
+                                      <p:tavLst>
+                                        <p:tav tm="0">
+                                          <p:val>
+                                            <p:strVal val="#ppt_y+.1"/>
+                                          </p:val>
+                                        </p:tav>
+                                        <p:tav tm="100000">
+                                          <p:val>
+                                            <p:strVal val="#ppt_y"/>
+                                          </p:val>
+                                        </p:tav>
+                                      </p:tavLst>
+                                    </p:anim>
+                                  </p:childTnLst>
+                                </p:cTn>
+                              </p:par>
+                              <p:par>
+                                <p:cTn id="10" presetID="42" presetClass="exit" presetSubtype="0" fill="hold" nodeType="withEffect">
                                   <p:stCondLst>
                                     <p:cond delay="0"/>
                                   </p:stCondLst>
@@ -4214,7 +5304,7 @@
                                       <p:cBhvr>
                                         <p:cTn id="11" dur="1000"/>
                                         <p:tgtEl>
-                                          <p:spTgt spid="30"/>
+                                          <p:spTgt spid="6"/>
                                         </p:tgtEl>
                                       </p:cBhvr>
                                     </p:animEffect>
@@ -4222,7 +5312,7 @@
                                       <p:cBhvr>
                                         <p:cTn id="12" dur="1000"/>
                                         <p:tgtEl>
-                                          <p:spTgt spid="30"/>
+                                          <p:spTgt spid="6"/>
                                         </p:tgtEl>
                                         <p:attrNameLst>
                                           <p:attrName>ppt_x</p:attrName>
@@ -4245,7 +5335,7 @@
                                       <p:cBhvr>
                                         <p:cTn id="13" dur="1000"/>
                                         <p:tgtEl>
-                                          <p:spTgt spid="30"/>
+                                          <p:spTgt spid="6"/>
                                         </p:tgtEl>
                                         <p:attrNameLst>
                                           <p:attrName>ppt_y</p:attrName>
@@ -4272,7 +5362,106 @@
                                           </p:stCondLst>
                                         </p:cTn>
                                         <p:tgtEl>
-                                          <p:spTgt spid="30"/>
+                                          <p:spTgt spid="6"/>
+                                        </p:tgtEl>
+                                        <p:attrNameLst>
+                                          <p:attrName>style.visibility</p:attrName>
+                                        </p:attrNameLst>
+                                      </p:cBhvr>
+                                      <p:to>
+                                        <p:strVal val="hidden"/>
+                                      </p:to>
+                                    </p:set>
+                                  </p:childTnLst>
+                                </p:cTn>
+                              </p:par>
+                            </p:childTnLst>
+                          </p:cTn>
+                        </p:par>
+                      </p:childTnLst>
+                    </p:cTn>
+                  </p:par>
+                  <p:par>
+                    <p:cTn id="15" fill="hold">
+                      <p:stCondLst>
+                        <p:cond delay="indefinite"/>
+                      </p:stCondLst>
+                      <p:childTnLst>
+                        <p:par>
+                          <p:cTn id="16" fill="hold">
+                            <p:stCondLst>
+                              <p:cond delay="0"/>
+                            </p:stCondLst>
+                            <p:childTnLst>
+                              <p:par>
+                                <p:cTn id="17" presetID="42" presetClass="exit" presetSubtype="0" fill="hold" nodeType="clickEffect">
+                                  <p:stCondLst>
+                                    <p:cond delay="0"/>
+                                  </p:stCondLst>
+                                  <p:childTnLst>
+                                    <p:animEffect transition="out" filter="fade">
+                                      <p:cBhvr>
+                                        <p:cTn id="18" dur="1000"/>
+                                        <p:tgtEl>
+                                          <p:spTgt spid="3"/>
+                                        </p:tgtEl>
+                                      </p:cBhvr>
+                                    </p:animEffect>
+                                    <p:anim calcmode="lin" valueType="num">
+                                      <p:cBhvr>
+                                        <p:cTn id="19" dur="1000"/>
+                                        <p:tgtEl>
+                                          <p:spTgt spid="3"/>
+                                        </p:tgtEl>
+                                        <p:attrNameLst>
+                                          <p:attrName>ppt_x</p:attrName>
+                                        </p:attrNameLst>
+                                      </p:cBhvr>
+                                      <p:tavLst>
+                                        <p:tav tm="0">
+                                          <p:val>
+                                            <p:strVal val="ppt_x"/>
+                                          </p:val>
+                                        </p:tav>
+                                        <p:tav tm="100000">
+                                          <p:val>
+                                            <p:strVal val="ppt_x"/>
+                                          </p:val>
+                                        </p:tav>
+                                      </p:tavLst>
+                                    </p:anim>
+                                    <p:anim calcmode="lin" valueType="num">
+                                      <p:cBhvr>
+                                        <p:cTn id="20" dur="1000"/>
+                                        <p:tgtEl>
+                                          <p:spTgt spid="3"/>
+                                        </p:tgtEl>
+                                        <p:attrNameLst>
+                                          <p:attrName>ppt_y</p:attrName>
+                                        </p:attrNameLst>
+                                      </p:cBhvr>
+                                      <p:tavLst>
+                                        <p:tav tm="0">
+                                          <p:val>
+                                            <p:strVal val="ppt_y"/>
+                                          </p:val>
+                                        </p:tav>
+                                        <p:tav tm="100000">
+                                          <p:val>
+                                            <p:strVal val="ppt_y+.1"/>
+                                          </p:val>
+                                        </p:tav>
+                                      </p:tavLst>
+                                    </p:anim>
+                                    <p:set>
+                                      <p:cBhvr>
+                                        <p:cTn id="21" dur="1" fill="hold">
+                                          <p:stCondLst>
+                                            <p:cond delay="999"/>
+                                          </p:stCondLst>
+                                        </p:cTn>
+                                        <p:tgtEl>
+                                          <p:spTgt spid="3"/>
                                         </p:tgtEl>
                                         <p:attrNameLst>
                                           <p:attrName>style.visibility</p:attrName>
@@ -4286,20 +5475,20 @@
                                 </p:cTn>
                               </p:par>
                               <p:par>
-                                <p:cTn id="15" presetID="42" presetClass="entr" presetSubtype="0" fill="hold" nodeType="withEffect">
+                                <p:cTn id="22" presetID="42" presetClass="entr" presetSubtype="0" fill="hold" nodeType="withEffect">
                                   <p:stCondLst>
                                     <p:cond delay="0"/>
                                   </p:stCondLst>
                                   <p:childTnLst>
                                     <p:set>
                                       <p:cBhvr>
-                                        <p:cTn id="16" dur="1" fill="hold">
+                                        <p:cTn id="23" dur="1" fill="hold">
                                           <p:stCondLst>
                                             <p:cond delay="0"/>
                                           </p:stCondLst>
                                         </p:cTn>
                                         <p:tgtEl>
-                                          <p:spTgt spid="31"/>
+                                          <p:spTgt spid="4"/>
                                         </p:tgtEl>
                                         <p:attrNameLst>
                                           <p:attrName>style.visibility</p:attrName>
@@ -4311,17 +5500,17 @@
                                     </p:set>
                                     <p:animEffect transition="in" filter="fade">
                                       <p:cBhvr>
-                                        <p:cTn id="17" dur="1000"/>
+                                        <p:cTn id="24" dur="1000"/>
                                         <p:tgtEl>
-                                          <p:spTgt spid="31"/>
+                                          <p:spTgt spid="4"/>
                                         </p:tgtEl>
                                       </p:cBhvr>
                                     </p:animEffect>
                                     <p:anim calcmode="lin" valueType="num">
                                       <p:cBhvr>
-                                        <p:cTn id="18" dur="1000" fill="hold"/>
+                                        <p:cTn id="25" dur="1000" fill="hold"/>
                                         <p:tgtEl>
-                                          <p:spTgt spid="31"/>
+                                          <p:spTgt spid="4"/>
                                         </p:tgtEl>
                                         <p:attrNameLst>
                                           <p:attrName>ppt_x</p:attrName>
@@ -4342,9 +5531,9 @@
                                     </p:anim>
                                     <p:anim calcmode="lin" valueType="num">
                                       <p:cBhvr>
-                                        <p:cTn id="19" dur="1000" fill="hold"/>
+                                        <p:cTn id="26" dur="1000" fill="hold"/>
                                         <p:tgtEl>
-                                          <p:spTgt spid="31"/>
+                                          <p:spTgt spid="4"/>
                                         </p:tgtEl>
                                         <p:attrNameLst>
                                           <p:attrName>ppt_y</p:attrName>
@@ -4397,8 +5586,8 @@
 </p:sld>
 </file>
 
-<file path=ppt/slides/slide11.xml><?xml version="1.0" encoding="utf-8"?>
-<p:sld xmlns:r="http://schemas.openxmlformats.org/officeDocument/2006/relationships" xmlns:c="http://schemas.openxmlformats.org/drawingml/2006/chart" xmlns:a="http://schemas.openxmlformats.org/drawingml/2006/main" xmlns:dgm="http://schemas.openxmlformats.org/drawingml/2006/diagram" xmlns:dsp="http://schemas.microsoft.com/office/drawing/2008/diagram" xmlns:p="http://schemas.openxmlformats.org/presentationml/2006/main">
+<file path=ppt/slides/slide12.xml><?xml version="1.0" encoding="utf-8"?>
+<p:sld xmlns:a="http://schemas.openxmlformats.org/drawingml/2006/main" xmlns:r="http://schemas.openxmlformats.org/officeDocument/2006/relationships" xmlns:p="http://schemas.openxmlformats.org/presentationml/2006/main">
   <p:cSld>
     <p:spTree>
       <p:nvGrpSpPr>
@@ -4421,7 +5610,7 @@
             <a:spLocks noGrp="1"/>
           </p:cNvSpPr>
           <p:nvPr>
-            <p:ph type="title" idx="0"/>
+            <p:ph type="title"/>
           </p:nvPr>
         </p:nvSpPr>
         <p:spPr/>
@@ -4433,85 +5622,414 @@
               <a:defRPr/>
             </a:pPr>
             <a:r>
-              <a:rPr lang="en-US" altLang="ko-KR"/>
+              <a:rPr lang="en-US" altLang="ko-KR" dirty="0"/>
               <a:t>2. </a:t>
             </a:r>
             <a:r>
-              <a:rPr lang="ko-KR" altLang="en-US"/>
+              <a:rPr lang="ko-KR" altLang="en-US" dirty="0"/>
               <a:t>모델</a:t>
             </a:r>
-            <a:endParaRPr lang="ko-KR" altLang="en-US"/>
           </a:p>
         </p:txBody>
       </p:sp>
-    </p:spTree>
-    <p:extLst>
-      <p:ext uri="{BB962C8B-B14F-4D97-AF65-F5344CB8AC3E}">
-        <p14:creationId xmlns:p14="http://schemas.microsoft.com/office/powerpoint/2010/main" val="1914876710"/>
-      </p:ext>
-    </p:extLst>
-  </p:cSld>
-  <p:clrMapOvr>
-    <a:masterClrMapping/>
-  </p:clrMapOvr>
-  <mc:AlternateContent xmlns:mc="http://schemas.openxmlformats.org/markup-compatibility/2006">
-    <mc:Choice xmlns:p14="http://schemas.microsoft.com/office/powerpoint/2010/main" Requires="p14">
-      <p:transition xmlns:mc="http://schemas.openxmlformats.org/markup-compatibility/2006" xmlns:p14="http://schemas.microsoft.com/office/powerpoint/2010/main" mc:Ignorable="p14" p14:dur="500"/>
-    </mc:Choice>
-    <mc:Fallback>
-      <p:transition/>
-    </mc:Fallback>
-  </mc:AlternateContent>
-</p:sld>
-</file>
-
-<file path=ppt/slides/slide12.xml><?xml version="1.0" encoding="utf-8"?>
-<p:sld xmlns:r="http://schemas.openxmlformats.org/officeDocument/2006/relationships" xmlns:c="http://schemas.openxmlformats.org/drawingml/2006/chart" xmlns:a="http://schemas.openxmlformats.org/drawingml/2006/main" xmlns:dgm="http://schemas.openxmlformats.org/drawingml/2006/diagram" xmlns:dsp="http://schemas.microsoft.com/office/drawing/2008/diagram" xmlns:p="http://schemas.openxmlformats.org/presentationml/2006/main">
-  <p:cSld>
-    <p:spTree>
-      <p:nvGrpSpPr>
-        <p:cNvPr id="1" name=""/>
-        <p:cNvGrpSpPr/>
-        <p:nvPr/>
-      </p:nvGrpSpPr>
-      <p:grpSpPr>
-        <a:xfrm>
-          <a:off x="0" y="0"/>
-          <a:ext cx="0" cy="0"/>
-          <a:chOff x="0" y="0"/>
-          <a:chExt cx="0" cy="0"/>
-        </a:xfrm>
-      </p:grpSpPr>
-      <p:sp>
-        <p:nvSpPr>
-          <p:cNvPr id="2" name="제목 1"/>
+      <p:sp>
+        <p:nvSpPr>
+          <p:cNvPr id="3" name="내용 개체 틀 2">
+            <a:extLst>
+              <a:ext uri="{FF2B5EF4-FFF2-40B4-BE49-F238E27FC236}">
+                <a16:creationId xmlns:a16="http://schemas.microsoft.com/office/drawing/2014/main" id="{7600C69A-C700-4D71-A445-6759DFC6B772}"/>
+              </a:ext>
+            </a:extLst>
+          </p:cNvPr>
+          <p:cNvSpPr txBox="1">
+            <a:spLocks/>
+          </p:cNvSpPr>
+          <p:nvPr/>
+        </p:nvSpPr>
+        <p:spPr>
+          <a:xfrm>
+            <a:off x="545432" y="1392400"/>
+            <a:ext cx="10993426" cy="4603917"/>
+          </a:xfrm>
+          <a:prstGeom prst="rect">
+            <a:avLst/>
+          </a:prstGeom>
+        </p:spPr>
+        <p:txBody>
+          <a:bodyPr vert="horz" lIns="91440" tIns="45720" rIns="91440" bIns="45720" rtlCol="0">
+            <a:normAutofit/>
+          </a:bodyPr>
+          <a:lstStyle>
+            <a:lvl1pPr marL="228600" indent="-228600" algn="l" defTabSz="914400" rtl="0" eaLnBrk="1" latinLnBrk="1" hangingPunct="1">
+              <a:lnSpc>
+                <a:spcPct val="90000"/>
+              </a:lnSpc>
+              <a:spcBef>
+                <a:spcPts val="1000"/>
+              </a:spcBef>
+              <a:buFont typeface="Arial" panose="020B0604020202020204" pitchFamily="34" charset="0"/>
+              <a:buChar char="•"/>
+              <a:defRPr sz="2800" kern="1200">
+                <a:solidFill>
+                  <a:schemeClr val="tx1"/>
+                </a:solidFill>
+                <a:latin typeface="+mn-lt"/>
+                <a:ea typeface="+mn-ea"/>
+                <a:cs typeface="+mn-cs"/>
+              </a:defRPr>
+            </a:lvl1pPr>
+            <a:lvl2pPr marL="685800" indent="-228600" algn="l" defTabSz="914400" rtl="0" eaLnBrk="1" latinLnBrk="1" hangingPunct="1">
+              <a:lnSpc>
+                <a:spcPct val="90000"/>
+              </a:lnSpc>
+              <a:spcBef>
+                <a:spcPts val="500"/>
+              </a:spcBef>
+              <a:buFont typeface="Arial" panose="020B0604020202020204" pitchFamily="34" charset="0"/>
+              <a:buChar char="•"/>
+              <a:defRPr sz="2400" kern="1200">
+                <a:solidFill>
+                  <a:schemeClr val="tx1"/>
+                </a:solidFill>
+                <a:latin typeface="+mn-lt"/>
+                <a:ea typeface="+mn-ea"/>
+                <a:cs typeface="+mn-cs"/>
+              </a:defRPr>
+            </a:lvl2pPr>
+            <a:lvl3pPr marL="1143000" indent="-228600" algn="l" defTabSz="914400" rtl="0" eaLnBrk="1" latinLnBrk="1" hangingPunct="1">
+              <a:lnSpc>
+                <a:spcPct val="90000"/>
+              </a:lnSpc>
+              <a:spcBef>
+                <a:spcPts val="500"/>
+              </a:spcBef>
+              <a:buFont typeface="Arial" panose="020B0604020202020204" pitchFamily="34" charset="0"/>
+              <a:buChar char="•"/>
+              <a:defRPr sz="2000" kern="1200">
+                <a:solidFill>
+                  <a:schemeClr val="tx1"/>
+                </a:solidFill>
+                <a:latin typeface="+mn-lt"/>
+                <a:ea typeface="+mn-ea"/>
+                <a:cs typeface="+mn-cs"/>
+              </a:defRPr>
+            </a:lvl3pPr>
+            <a:lvl4pPr marL="1600200" indent="-228600" algn="l" defTabSz="914400" rtl="0" eaLnBrk="1" latinLnBrk="1" hangingPunct="1">
+              <a:lnSpc>
+                <a:spcPct val="90000"/>
+              </a:lnSpc>
+              <a:spcBef>
+                <a:spcPts val="500"/>
+              </a:spcBef>
+              <a:buFont typeface="Arial" panose="020B0604020202020204" pitchFamily="34" charset="0"/>
+              <a:buChar char="•"/>
+              <a:defRPr sz="1800" kern="1200">
+                <a:solidFill>
+                  <a:schemeClr val="tx1"/>
+                </a:solidFill>
+                <a:latin typeface="+mn-lt"/>
+                <a:ea typeface="+mn-ea"/>
+                <a:cs typeface="+mn-cs"/>
+              </a:defRPr>
+            </a:lvl4pPr>
+            <a:lvl5pPr marL="2057400" indent="-228600" algn="l" defTabSz="914400" rtl="0" eaLnBrk="1" latinLnBrk="1" hangingPunct="1">
+              <a:lnSpc>
+                <a:spcPct val="90000"/>
+              </a:lnSpc>
+              <a:spcBef>
+                <a:spcPts val="500"/>
+              </a:spcBef>
+              <a:buFont typeface="Arial" panose="020B0604020202020204" pitchFamily="34" charset="0"/>
+              <a:buChar char="•"/>
+              <a:defRPr sz="1800" kern="1200">
+                <a:solidFill>
+                  <a:schemeClr val="tx1"/>
+                </a:solidFill>
+                <a:latin typeface="+mn-lt"/>
+                <a:ea typeface="+mn-ea"/>
+                <a:cs typeface="+mn-cs"/>
+              </a:defRPr>
+            </a:lvl5pPr>
+            <a:lvl6pPr marL="2514600" indent="-228600" algn="l" defTabSz="914400" rtl="0" eaLnBrk="1" latinLnBrk="1" hangingPunct="1">
+              <a:lnSpc>
+                <a:spcPct val="90000"/>
+              </a:lnSpc>
+              <a:spcBef>
+                <a:spcPts val="500"/>
+              </a:spcBef>
+              <a:buFont typeface="Arial" panose="020B0604020202020204" pitchFamily="34" charset="0"/>
+              <a:buChar char="•"/>
+              <a:defRPr sz="1800" kern="1200">
+                <a:solidFill>
+                  <a:schemeClr val="tx1"/>
+                </a:solidFill>
+                <a:latin typeface="+mn-lt"/>
+                <a:ea typeface="+mn-ea"/>
+                <a:cs typeface="+mn-cs"/>
+              </a:defRPr>
+            </a:lvl6pPr>
+            <a:lvl7pPr marL="2971800" indent="-228600" algn="l" defTabSz="914400" rtl="0" eaLnBrk="1" latinLnBrk="1" hangingPunct="1">
+              <a:lnSpc>
+                <a:spcPct val="90000"/>
+              </a:lnSpc>
+              <a:spcBef>
+                <a:spcPts val="500"/>
+              </a:spcBef>
+              <a:buFont typeface="Arial" panose="020B0604020202020204" pitchFamily="34" charset="0"/>
+              <a:buChar char="•"/>
+              <a:defRPr sz="1800" kern="1200">
+                <a:solidFill>
+                  <a:schemeClr val="tx1"/>
+                </a:solidFill>
+                <a:latin typeface="+mn-lt"/>
+                <a:ea typeface="+mn-ea"/>
+                <a:cs typeface="+mn-cs"/>
+              </a:defRPr>
+            </a:lvl7pPr>
+            <a:lvl8pPr marL="3429000" indent="-228600" algn="l" defTabSz="914400" rtl="0" eaLnBrk="1" latinLnBrk="1" hangingPunct="1">
+              <a:lnSpc>
+                <a:spcPct val="90000"/>
+              </a:lnSpc>
+              <a:spcBef>
+                <a:spcPts val="500"/>
+              </a:spcBef>
+              <a:buFont typeface="Arial" panose="020B0604020202020204" pitchFamily="34" charset="0"/>
+              <a:buChar char="•"/>
+              <a:defRPr sz="1800" kern="1200">
+                <a:solidFill>
+                  <a:schemeClr val="tx1"/>
+                </a:solidFill>
+                <a:latin typeface="+mn-lt"/>
+                <a:ea typeface="+mn-ea"/>
+                <a:cs typeface="+mn-cs"/>
+              </a:defRPr>
+            </a:lvl8pPr>
+            <a:lvl9pPr marL="3886200" indent="-228600" algn="l" defTabSz="914400" rtl="0" eaLnBrk="1" latinLnBrk="1" hangingPunct="1">
+              <a:lnSpc>
+                <a:spcPct val="90000"/>
+              </a:lnSpc>
+              <a:spcBef>
+                <a:spcPts val="500"/>
+              </a:spcBef>
+              <a:buFont typeface="Arial" panose="020B0604020202020204" pitchFamily="34" charset="0"/>
+              <a:buChar char="•"/>
+              <a:defRPr sz="1800" kern="1200">
+                <a:solidFill>
+                  <a:schemeClr val="tx1"/>
+                </a:solidFill>
+                <a:latin typeface="+mn-lt"/>
+                <a:ea typeface="+mn-ea"/>
+                <a:cs typeface="+mn-cs"/>
+              </a:defRPr>
+            </a:lvl9pPr>
+          </a:lstStyle>
+          <a:p>
+            <a:pPr marL="514350" indent="-514350">
+              <a:buFont typeface="+mj-ea"/>
+              <a:buAutoNum type="circleNumDbPlain" startAt="5"/>
+              <a:defRPr/>
+            </a:pPr>
+            <a:r>
+              <a:rPr lang="en-US" altLang="ko-KR" dirty="0"/>
+              <a:t>Efficient Transformer Aggregator</a:t>
+            </a:r>
+            <a:endParaRPr lang="ko-KR" altLang="en-US" dirty="0"/>
+          </a:p>
+        </p:txBody>
+      </p:sp>
+      <p:pic>
+        <p:nvPicPr>
+          <p:cNvPr id="6" name="그림 5">
+            <a:extLst>
+              <a:ext uri="{FF2B5EF4-FFF2-40B4-BE49-F238E27FC236}">
+                <a16:creationId xmlns:a16="http://schemas.microsoft.com/office/drawing/2014/main" id="{31F5602D-1F81-4EFA-BAED-CECE5C23276D}"/>
+              </a:ext>
+            </a:extLst>
+          </p:cNvPr>
+          <p:cNvPicPr>
+            <a:picLocks noChangeAspect="1"/>
+          </p:cNvPicPr>
+          <p:nvPr/>
+        </p:nvPicPr>
+        <p:blipFill rotWithShape="1">
+          <a:blip r:embed="rId2"/>
+          <a:stretch>
+            <a:fillRect/>
+          </a:stretch>
+        </p:blipFill>
+        <p:spPr>
+          <a:xfrm>
+            <a:off x="2094941" y="2162105"/>
+            <a:ext cx="8002117" cy="3362794"/>
+          </a:xfrm>
+          <a:prstGeom prst="rect">
+            <a:avLst/>
+          </a:prstGeom>
+        </p:spPr>
+      </p:pic>
+      <p:pic>
+        <p:nvPicPr>
+          <p:cNvPr id="7" name="그림 6">
+            <a:extLst>
+              <a:ext uri="{FF2B5EF4-FFF2-40B4-BE49-F238E27FC236}">
+                <a16:creationId xmlns:a16="http://schemas.microsoft.com/office/drawing/2014/main" id="{5F5A3B80-9118-43FC-86EA-5ED32B648DD4}"/>
+              </a:ext>
+            </a:extLst>
+          </p:cNvPr>
+          <p:cNvPicPr>
+            <a:picLocks noChangeAspect="1"/>
+          </p:cNvPicPr>
+          <p:nvPr/>
+        </p:nvPicPr>
+        <p:blipFill rotWithShape="1">
+          <a:blip r:embed="rId2"/>
+          <a:srcRect l="61975" t="16043" r="13969" b="17280"/>
+          <a:stretch/>
+        </p:blipFill>
+        <p:spPr>
+          <a:xfrm>
+            <a:off x="7054725" y="2697911"/>
+            <a:ext cx="1925052" cy="2242134"/>
+          </a:xfrm>
+          <a:prstGeom prst="rect">
+            <a:avLst/>
+          </a:prstGeom>
+        </p:spPr>
+      </p:pic>
+      <p:pic>
+        <p:nvPicPr>
+          <p:cNvPr id="9" name="그림 8">
+            <a:extLst>
+              <a:ext uri="{FF2B5EF4-FFF2-40B4-BE49-F238E27FC236}">
+                <a16:creationId xmlns:a16="http://schemas.microsoft.com/office/drawing/2014/main" id="{D5DEA955-C2F9-4401-B268-4701F93194A8}"/>
+              </a:ext>
+            </a:extLst>
+          </p:cNvPr>
+          <p:cNvPicPr>
+            <a:picLocks noChangeAspect="1"/>
+          </p:cNvPicPr>
+          <p:nvPr/>
+        </p:nvPicPr>
+        <p:blipFill rotWithShape="1">
+          <a:blip r:embed="rId2"/>
+          <a:srcRect l="17948" r="23171" b="82722"/>
+          <a:stretch/>
+        </p:blipFill>
+        <p:spPr>
+          <a:xfrm>
+            <a:off x="3531108" y="2162106"/>
+            <a:ext cx="4711701" cy="581024"/>
+          </a:xfrm>
+          <a:prstGeom prst="rect">
+            <a:avLst/>
+          </a:prstGeom>
+        </p:spPr>
+      </p:pic>
+      <p:pic>
+        <p:nvPicPr>
+          <p:cNvPr id="10" name="그림 9">
+            <a:extLst>
+              <a:ext uri="{FF2B5EF4-FFF2-40B4-BE49-F238E27FC236}">
+                <a16:creationId xmlns:a16="http://schemas.microsoft.com/office/drawing/2014/main" id="{1B713A71-6DBA-4C3F-B88E-01C116C822C8}"/>
+              </a:ext>
+            </a:extLst>
+          </p:cNvPr>
+          <p:cNvPicPr>
+            <a:picLocks noChangeAspect="1"/>
+          </p:cNvPicPr>
+          <p:nvPr/>
+        </p:nvPicPr>
+        <p:blipFill rotWithShape="1">
+          <a:blip r:embed="rId2"/>
+          <a:srcRect l="17948" t="82722" r="23171"/>
+          <a:stretch/>
+        </p:blipFill>
+        <p:spPr>
+          <a:xfrm>
+            <a:off x="3531107" y="4943875"/>
+            <a:ext cx="4711702" cy="581024"/>
+          </a:xfrm>
+          <a:prstGeom prst="rect">
+            <a:avLst/>
+          </a:prstGeom>
+        </p:spPr>
+      </p:pic>
+      <p:sp>
+        <p:nvSpPr>
+          <p:cNvPr id="12" name="내용 개체 틀 2">
+            <a:extLst>
+              <a:ext uri="{FF2B5EF4-FFF2-40B4-BE49-F238E27FC236}">
+                <a16:creationId xmlns:a16="http://schemas.microsoft.com/office/drawing/2014/main" id="{F1B631DE-ACBC-4EC3-BF37-64011496B6A0}"/>
+              </a:ext>
+            </a:extLst>
+          </p:cNvPr>
           <p:cNvSpPr>
             <a:spLocks noGrp="1"/>
           </p:cNvSpPr>
           <p:nvPr>
-            <p:ph type="title" idx="0"/>
+            <p:ph idx="1"/>
           </p:nvPr>
         </p:nvSpPr>
-        <p:spPr/>
+        <p:spPr>
+          <a:xfrm>
+            <a:off x="599287" y="5739282"/>
+            <a:ext cx="10754513" cy="1772534"/>
+          </a:xfrm>
+        </p:spPr>
         <p:txBody>
-          <a:bodyPr/>
+          <a:bodyPr>
+            <a:normAutofit/>
+          </a:bodyPr>
           <a:lstStyle/>
           <a:p>
-            <a:pPr lvl="0">
+            <a:pPr marL="0" indent="0">
+              <a:buNone/>
               <a:defRPr/>
             </a:pPr>
             <a:r>
-              <a:rPr lang="en-US" altLang="ko-KR"/>
-              <a:t>2. </a:t>
-            </a:r>
-            <a:r>
-              <a:rPr lang="ko-KR" altLang="en-US"/>
-              <a:t>모델</a:t>
-            </a:r>
-            <a:endParaRPr lang="ko-KR" altLang="en-US"/>
+              <a:rPr lang="ko-KR" altLang="en-US" sz="2000" dirty="0"/>
+              <a:t>상관 관계 </a:t>
+            </a:r>
+            <a:r>
+              <a:rPr lang="ko-KR" altLang="en-US" sz="2000" dirty="0" err="1"/>
+              <a:t>맵에서</a:t>
+            </a:r>
+            <a:r>
+              <a:rPr lang="ko-KR" altLang="en-US" sz="2000" dirty="0"/>
+              <a:t> 노이즈가 많거나 모호한 매칭 점수를 개선하고 정제</a:t>
+            </a:r>
           </a:p>
         </p:txBody>
       </p:sp>
+      <p:pic>
+        <p:nvPicPr>
+          <p:cNvPr id="13" name="그림 12">
+            <a:extLst>
+              <a:ext uri="{FF2B5EF4-FFF2-40B4-BE49-F238E27FC236}">
+                <a16:creationId xmlns:a16="http://schemas.microsoft.com/office/drawing/2014/main" id="{E5525739-1631-4945-B814-DFCAA1ECDD1B}"/>
+              </a:ext>
+            </a:extLst>
+          </p:cNvPr>
+          <p:cNvPicPr>
+            <a:picLocks noChangeAspect="1"/>
+          </p:cNvPicPr>
+          <p:nvPr/>
+        </p:nvPicPr>
+        <p:blipFill rotWithShape="1">
+          <a:blip r:embed="rId2"/>
+          <a:srcRect r="80653"/>
+          <a:stretch/>
+        </p:blipFill>
+        <p:spPr>
+          <a:xfrm>
+            <a:off x="2094940" y="2162105"/>
+            <a:ext cx="1548145" cy="3362794"/>
+          </a:xfrm>
+          <a:prstGeom prst="rect">
+            <a:avLst/>
+          </a:prstGeom>
+        </p:spPr>
+      </p:pic>
     </p:spTree>
     <p:extLst>
       <p:ext uri="{BB962C8B-B14F-4D97-AF65-F5344CB8AC3E}">
@@ -4522,14 +6040,185 @@
   <p:clrMapOvr>
     <a:masterClrMapping/>
   </p:clrMapOvr>
-  <mc:AlternateContent xmlns:mc="http://schemas.openxmlformats.org/markup-compatibility/2006">
-    <mc:Choice xmlns:p14="http://schemas.microsoft.com/office/powerpoint/2010/main" Requires="p14">
-      <p:transition xmlns:mc="http://schemas.openxmlformats.org/markup-compatibility/2006" xmlns:p14="http://schemas.microsoft.com/office/powerpoint/2010/main" mc:Ignorable="p14" p14:dur="500"/>
+  <mc:AlternateContent xmlns:mc="http://schemas.openxmlformats.org/markup-compatibility/2006" xmlns:p14="http://schemas.microsoft.com/office/powerpoint/2010/main">
+    <mc:Choice Requires="p14">
+      <p:transition/>
     </mc:Choice>
-    <mc:Fallback>
+    <mc:Fallback xmlns:dsp="http://schemas.microsoft.com/office/drawing/2008/diagram" xmlns:dgm="http://schemas.openxmlformats.org/drawingml/2006/diagram" xmlns:c="http://schemas.openxmlformats.org/drawingml/2006/chart" xmlns="">
       <p:transition/>
     </mc:Fallback>
   </mc:AlternateContent>
+  <p:timing>
+    <p:tnLst>
+      <p:par>
+        <p:cTn id="1" dur="indefinite" restart="never" nodeType="tmRoot">
+          <p:childTnLst>
+            <p:seq concurrent="1" nextAc="seek">
+              <p:cTn id="2" dur="indefinite" nodeType="mainSeq">
+                <p:childTnLst>
+                  <p:par>
+                    <p:cTn id="3" fill="hold">
+                      <p:stCondLst>
+                        <p:cond delay="indefinite"/>
+                      </p:stCondLst>
+                      <p:childTnLst>
+                        <p:par>
+                          <p:cTn id="4" fill="hold">
+                            <p:stCondLst>
+                              <p:cond delay="0"/>
+                            </p:stCondLst>
+                            <p:childTnLst>
+                              <p:par>
+                                <p:cTn id="5" presetID="22" presetClass="exit" presetSubtype="2" fill="hold" nodeType="clickEffect">
+                                  <p:stCondLst>
+                                    <p:cond delay="0"/>
+                                  </p:stCondLst>
+                                  <p:childTnLst>
+                                    <p:animEffect transition="out" filter="wipe(right)">
+                                      <p:cBhvr>
+                                        <p:cTn id="6" dur="500"/>
+                                        <p:tgtEl>
+                                          <p:spTgt spid="6"/>
+                                        </p:tgtEl>
+                                      </p:cBhvr>
+                                    </p:animEffect>
+                                    <p:set>
+                                      <p:cBhvr>
+                                        <p:cTn id="7" dur="1" fill="hold">
+                                          <p:stCondLst>
+                                            <p:cond delay="499"/>
+                                          </p:stCondLst>
+                                        </p:cTn>
+                                        <p:tgtEl>
+                                          <p:spTgt spid="6"/>
+                                        </p:tgtEl>
+                                        <p:attrNameLst>
+                                          <p:attrName>style.visibility</p:attrName>
+                                        </p:attrNameLst>
+                                      </p:cBhvr>
+                                      <p:to>
+                                        <p:strVal val="hidden"/>
+                                      </p:to>
+                                    </p:set>
+                                  </p:childTnLst>
+                                </p:cTn>
+                              </p:par>
+                            </p:childTnLst>
+                          </p:cTn>
+                        </p:par>
+                      </p:childTnLst>
+                    </p:cTn>
+                  </p:par>
+                  <p:par>
+                    <p:cTn id="8" fill="hold">
+                      <p:stCondLst>
+                        <p:cond delay="indefinite"/>
+                      </p:stCondLst>
+                      <p:childTnLst>
+                        <p:par>
+                          <p:cTn id="9" fill="hold">
+                            <p:stCondLst>
+                              <p:cond delay="0"/>
+                            </p:stCondLst>
+                            <p:childTnLst>
+                              <p:par>
+                                <p:cTn id="10" presetID="22" presetClass="exit" presetSubtype="4" fill="hold" nodeType="clickEffect">
+                                  <p:stCondLst>
+                                    <p:cond delay="0"/>
+                                  </p:stCondLst>
+                                  <p:childTnLst>
+                                    <p:animEffect transition="out" filter="wipe(down)">
+                                      <p:cBhvr>
+                                        <p:cTn id="11" dur="500"/>
+                                        <p:tgtEl>
+                                          <p:spTgt spid="13"/>
+                                        </p:tgtEl>
+                                      </p:cBhvr>
+                                    </p:animEffect>
+                                    <p:set>
+                                      <p:cBhvr>
+                                        <p:cTn id="12" dur="1" fill="hold">
+                                          <p:stCondLst>
+                                            <p:cond delay="499"/>
+                                          </p:stCondLst>
+                                        </p:cTn>
+                                        <p:tgtEl>
+                                          <p:spTgt spid="13"/>
+                                        </p:tgtEl>
+                                        <p:attrNameLst>
+                                          <p:attrName>style.visibility</p:attrName>
+                                        </p:attrNameLst>
+                                      </p:cBhvr>
+                                      <p:to>
+                                        <p:strVal val="hidden"/>
+                                      </p:to>
+                                    </p:set>
+                                  </p:childTnLst>
+                                </p:cTn>
+                              </p:par>
+                              <p:par>
+                                <p:cTn id="13" presetID="22" presetClass="exit" presetSubtype="4" fill="hold" nodeType="withEffect">
+                                  <p:stCondLst>
+                                    <p:cond delay="0"/>
+                                  </p:stCondLst>
+                                  <p:childTnLst>
+                                    <p:animEffect transition="out" filter="wipe(down)">
+                                      <p:cBhvr>
+                                        <p:cTn id="14" dur="500"/>
+                                        <p:tgtEl>
+                                          <p:spTgt spid="7"/>
+                                        </p:tgtEl>
+                                      </p:cBhvr>
+                                    </p:animEffect>
+                                    <p:set>
+                                      <p:cBhvr>
+                                        <p:cTn id="15" dur="1" fill="hold">
+                                          <p:stCondLst>
+                                            <p:cond delay="499"/>
+                                          </p:stCondLst>
+                                        </p:cTn>
+                                        <p:tgtEl>
+                                          <p:spTgt spid="7"/>
+                                        </p:tgtEl>
+                                        <p:attrNameLst>
+                                          <p:attrName>style.visibility</p:attrName>
+                                        </p:attrNameLst>
+                                      </p:cBhvr>
+                                      <p:to>
+                                        <p:strVal val="hidden"/>
+                                      </p:to>
+                                    </p:set>
+                                  </p:childTnLst>
+                                </p:cTn>
+                              </p:par>
+                            </p:childTnLst>
+                          </p:cTn>
+                        </p:par>
+                      </p:childTnLst>
+                    </p:cTn>
+                  </p:par>
+                </p:childTnLst>
+              </p:cTn>
+              <p:prevCondLst>
+                <p:cond evt="onPrev" delay="0">
+                  <p:tgtEl>
+                    <p:sldTgt/>
+                  </p:tgtEl>
+                </p:cond>
+              </p:prevCondLst>
+              <p:nextCondLst>
+                <p:cond evt="onNext" delay="0">
+                  <p:tgtEl>
+                    <p:sldTgt/>
+                  </p:tgtEl>
+                </p:cond>
+              </p:nextCondLst>
+            </p:seq>
+          </p:childTnLst>
+        </p:cTn>
+      </p:par>
+    </p:tnLst>
+  </p:timing>
 </p:sld>
 </file>
 
@@ -4552,53 +6241,319 @@
       </p:grpSpPr>
       <p:sp>
         <p:nvSpPr>
-          <p:cNvPr id="4" name="제목 3">
+          <p:cNvPr id="2" name="제목 1"/>
+          <p:cNvSpPr>
+            <a:spLocks noGrp="1"/>
+          </p:cNvSpPr>
+          <p:nvPr>
+            <p:ph type="title"/>
+          </p:nvPr>
+        </p:nvSpPr>
+        <p:spPr/>
+        <p:txBody>
+          <a:bodyPr/>
+          <a:lstStyle/>
+          <a:p>
+            <a:pPr lvl="0">
+              <a:defRPr/>
+            </a:pPr>
+            <a:r>
+              <a:rPr lang="en-US" altLang="ko-KR" dirty="0"/>
+              <a:t>2. </a:t>
+            </a:r>
+            <a:r>
+              <a:rPr lang="ko-KR" altLang="en-US" dirty="0"/>
+              <a:t>모델</a:t>
+            </a:r>
+          </a:p>
+        </p:txBody>
+      </p:sp>
+      <p:pic>
+        <p:nvPicPr>
+          <p:cNvPr id="14" name="그림 13">
             <a:extLst>
               <a:ext uri="{FF2B5EF4-FFF2-40B4-BE49-F238E27FC236}">
-                <a16:creationId xmlns:a16="http://schemas.microsoft.com/office/drawing/2014/main" id="{F313114F-054B-4C61-802F-B24C61596829}"/>
+                <a16:creationId xmlns:a16="http://schemas.microsoft.com/office/drawing/2014/main" id="{A19CA370-6052-4514-940C-C6CD58DA8C6A}"/>
               </a:ext>
             </a:extLst>
           </p:cNvPr>
-          <p:cNvSpPr>
-            <a:spLocks noGrp="1"/>
-          </p:cNvSpPr>
-          <p:nvPr>
-            <p:ph type="title"/>
-          </p:nvPr>
-        </p:nvSpPr>
+          <p:cNvPicPr>
+            <a:picLocks noChangeAspect="1"/>
+          </p:cNvPicPr>
+          <p:nvPr/>
+        </p:nvPicPr>
+        <p:blipFill>
+          <a:blip r:embed="rId2"/>
+          <a:stretch>
+            <a:fillRect/>
+          </a:stretch>
+        </p:blipFill>
         <p:spPr>
           <a:xfrm>
-            <a:off x="838200" y="2766218"/>
-            <a:ext cx="10515600" cy="1325563"/>
+            <a:off x="1047045" y="1490392"/>
+            <a:ext cx="10097909" cy="3877216"/>
           </a:xfrm>
+          <a:prstGeom prst="rect">
+            <a:avLst/>
+          </a:prstGeom>
         </p:spPr>
-        <p:txBody>
-          <a:bodyPr/>
-          <a:lstStyle/>
-          <a:p>
-            <a:pPr algn="ctr"/>
-            <a:r>
-              <a:rPr lang="ko-KR" altLang="en-US" dirty="0"/>
-              <a:t>감사합니다</a:t>
-            </a:r>
-          </a:p>
-        </p:txBody>
-      </p:sp>
+      </p:pic>
+      <p:pic>
+        <p:nvPicPr>
+          <p:cNvPr id="11" name="그림 10">
+            <a:extLst>
+              <a:ext uri="{FF2B5EF4-FFF2-40B4-BE49-F238E27FC236}">
+                <a16:creationId xmlns:a16="http://schemas.microsoft.com/office/drawing/2014/main" id="{83E3B249-8DCB-4E02-A543-0590753AA169}"/>
+              </a:ext>
+            </a:extLst>
+          </p:cNvPr>
+          <p:cNvPicPr>
+            <a:picLocks noChangeAspect="1"/>
+          </p:cNvPicPr>
+          <p:nvPr/>
+        </p:nvPicPr>
+        <p:blipFill>
+          <a:blip r:embed="rId3"/>
+          <a:stretch>
+            <a:fillRect/>
+          </a:stretch>
+        </p:blipFill>
+        <p:spPr>
+          <a:xfrm>
+            <a:off x="3614391" y="1833340"/>
+            <a:ext cx="4963218" cy="3191320"/>
+          </a:xfrm>
+          <a:prstGeom prst="rect">
+            <a:avLst/>
+          </a:prstGeom>
+        </p:spPr>
+      </p:pic>
     </p:spTree>
     <p:extLst>
       <p:ext uri="{BB962C8B-B14F-4D97-AF65-F5344CB8AC3E}">
-        <p14:creationId xmlns:p14="http://schemas.microsoft.com/office/powerpoint/2010/main" val="4027504823"/>
+        <p14:creationId xmlns:p14="http://schemas.microsoft.com/office/powerpoint/2010/main" val="896448675"/>
       </p:ext>
     </p:extLst>
   </p:cSld>
   <p:clrMapOvr>
     <a:masterClrMapping/>
   </p:clrMapOvr>
+  <p:transition/>
+  <p:timing>
+    <p:tnLst>
+      <p:par>
+        <p:cTn id="1" dur="indefinite" restart="never" nodeType="tmRoot">
+          <p:childTnLst>
+            <p:seq concurrent="1" nextAc="seek">
+              <p:cTn id="2" dur="indefinite" nodeType="mainSeq">
+                <p:childTnLst>
+                  <p:par>
+                    <p:cTn id="3" fill="hold">
+                      <p:stCondLst>
+                        <p:cond delay="indefinite"/>
+                      </p:stCondLst>
+                      <p:childTnLst>
+                        <p:par>
+                          <p:cTn id="4" fill="hold">
+                            <p:stCondLst>
+                              <p:cond delay="0"/>
+                            </p:stCondLst>
+                            <p:childTnLst>
+                              <p:par>
+                                <p:cTn id="5" presetID="42" presetClass="exit" presetSubtype="0" fill="hold" nodeType="clickEffect">
+                                  <p:stCondLst>
+                                    <p:cond delay="0"/>
+                                  </p:stCondLst>
+                                  <p:childTnLst>
+                                    <p:animEffect transition="out" filter="fade">
+                                      <p:cBhvr>
+                                        <p:cTn id="6" dur="1000"/>
+                                        <p:tgtEl>
+                                          <p:spTgt spid="14"/>
+                                        </p:tgtEl>
+                                      </p:cBhvr>
+                                    </p:animEffect>
+                                    <p:anim calcmode="lin" valueType="num">
+                                      <p:cBhvr>
+                                        <p:cTn id="7" dur="1000"/>
+                                        <p:tgtEl>
+                                          <p:spTgt spid="14"/>
+                                        </p:tgtEl>
+                                        <p:attrNameLst>
+                                          <p:attrName>ppt_x</p:attrName>
+                                        </p:attrNameLst>
+                                      </p:cBhvr>
+                                      <p:tavLst>
+                                        <p:tav tm="0">
+                                          <p:val>
+                                            <p:strVal val="ppt_x"/>
+                                          </p:val>
+                                        </p:tav>
+                                        <p:tav tm="100000">
+                                          <p:val>
+                                            <p:strVal val="ppt_x"/>
+                                          </p:val>
+                                        </p:tav>
+                                      </p:tavLst>
+                                    </p:anim>
+                                    <p:anim calcmode="lin" valueType="num">
+                                      <p:cBhvr>
+                                        <p:cTn id="8" dur="1000"/>
+                                        <p:tgtEl>
+                                          <p:spTgt spid="14"/>
+                                        </p:tgtEl>
+                                        <p:attrNameLst>
+                                          <p:attrName>ppt_y</p:attrName>
+                                        </p:attrNameLst>
+                                      </p:cBhvr>
+                                      <p:tavLst>
+                                        <p:tav tm="0">
+                                          <p:val>
+                                            <p:strVal val="ppt_y"/>
+                                          </p:val>
+                                        </p:tav>
+                                        <p:tav tm="100000">
+                                          <p:val>
+                                            <p:strVal val="ppt_y+.1"/>
+                                          </p:val>
+                                        </p:tav>
+                                      </p:tavLst>
+                                    </p:anim>
+                                    <p:set>
+                                      <p:cBhvr>
+                                        <p:cTn id="9" dur="1" fill="hold">
+                                          <p:stCondLst>
+                                            <p:cond delay="999"/>
+                                          </p:stCondLst>
+                                        </p:cTn>
+                                        <p:tgtEl>
+                                          <p:spTgt spid="14"/>
+                                        </p:tgtEl>
+                                        <p:attrNameLst>
+                                          <p:attrName>style.visibility</p:attrName>
+                                        </p:attrNameLst>
+                                      </p:cBhvr>
+                                      <p:to>
+                                        <p:strVal val="hidden"/>
+                                      </p:to>
+                                    </p:set>
+                                  </p:childTnLst>
+                                </p:cTn>
+                              </p:par>
+                              <p:par>
+                                <p:cTn id="10" presetID="42" presetClass="entr" presetSubtype="0" fill="hold" nodeType="withEffect">
+                                  <p:stCondLst>
+                                    <p:cond delay="0"/>
+                                  </p:stCondLst>
+                                  <p:childTnLst>
+                                    <p:set>
+                                      <p:cBhvr>
+                                        <p:cTn id="11" dur="1" fill="hold">
+                                          <p:stCondLst>
+                                            <p:cond delay="0"/>
+                                          </p:stCondLst>
+                                        </p:cTn>
+                                        <p:tgtEl>
+                                          <p:spTgt spid="11"/>
+                                        </p:tgtEl>
+                                        <p:attrNameLst>
+                                          <p:attrName>style.visibility</p:attrName>
+                                        </p:attrNameLst>
+                                      </p:cBhvr>
+                                      <p:to>
+                                        <p:strVal val="visible"/>
+                                      </p:to>
+                                    </p:set>
+                                    <p:animEffect transition="in" filter="fade">
+                                      <p:cBhvr>
+                                        <p:cTn id="12" dur="1000"/>
+                                        <p:tgtEl>
+                                          <p:spTgt spid="11"/>
+                                        </p:tgtEl>
+                                      </p:cBhvr>
+                                    </p:animEffect>
+                                    <p:anim calcmode="lin" valueType="num">
+                                      <p:cBhvr>
+                                        <p:cTn id="13" dur="1000" fill="hold"/>
+                                        <p:tgtEl>
+                                          <p:spTgt spid="11"/>
+                                        </p:tgtEl>
+                                        <p:attrNameLst>
+                                          <p:attrName>ppt_x</p:attrName>
+                                        </p:attrNameLst>
+                                      </p:cBhvr>
+                                      <p:tavLst>
+                                        <p:tav tm="0">
+                                          <p:val>
+                                            <p:strVal val="#ppt_x"/>
+                                          </p:val>
+                                        </p:tav>
+                                        <p:tav tm="100000">
+                                          <p:val>
+                                            <p:strVal val="#ppt_x"/>
+                                          </p:val>
+                                        </p:tav>
+                                      </p:tavLst>
+                                    </p:anim>
+                                    <p:anim calcmode="lin" valueType="num">
+                                      <p:cBhvr>
+                                        <p:cTn id="14" dur="1000" fill="hold"/>
+                                        <p:tgtEl>
+                                          <p:spTgt spid="11"/>
+                                        </p:tgtEl>
+                                        <p:attrNameLst>
+                                          <p:attrName>ppt_y</p:attrName>
+                                        </p:attrNameLst>
+                                      </p:cBhvr>
+                                      <p:tavLst>
+                                        <p:tav tm="0">
+                                          <p:val>
+                                            <p:strVal val="#ppt_y+.1"/>
+                                          </p:val>
+                                        </p:tav>
+                                        <p:tav tm="100000">
+                                          <p:val>
+                                            <p:strVal val="#ppt_y"/>
+                                          </p:val>
+                                        </p:tav>
+                                      </p:tavLst>
+                                    </p:anim>
+                                  </p:childTnLst>
+                                </p:cTn>
+                              </p:par>
+                            </p:childTnLst>
+                          </p:cTn>
+                        </p:par>
+                      </p:childTnLst>
+                    </p:cTn>
+                  </p:par>
+                </p:childTnLst>
+              </p:cTn>
+              <p:prevCondLst>
+                <p:cond evt="onPrev" delay="0">
+                  <p:tgtEl>
+                    <p:sldTgt/>
+                  </p:tgtEl>
+                </p:cond>
+              </p:prevCondLst>
+              <p:nextCondLst>
+                <p:cond evt="onNext" delay="0">
+                  <p:tgtEl>
+                    <p:sldTgt/>
+                  </p:tgtEl>
+                </p:cond>
+              </p:nextCondLst>
+            </p:seq>
+          </p:childTnLst>
+        </p:cTn>
+      </p:par>
+    </p:tnLst>
+  </p:timing>
 </p:sld>
 </file>
 
-<file path=ppt/slides/slide2.xml><?xml version="1.0" encoding="utf-8"?>
-<p:sld xmlns:r="http://schemas.openxmlformats.org/officeDocument/2006/relationships" xmlns:c="http://schemas.openxmlformats.org/drawingml/2006/chart" xmlns:a="http://schemas.openxmlformats.org/drawingml/2006/main" xmlns:dgm="http://schemas.openxmlformats.org/drawingml/2006/diagram" xmlns:dsp="http://schemas.microsoft.com/office/drawing/2008/diagram" xmlns:p="http://schemas.openxmlformats.org/presentationml/2006/main">
+<file path=ppt/slides/slide14.xml><?xml version="1.0" encoding="utf-8"?>
+<p:sld xmlns:a="http://schemas.openxmlformats.org/drawingml/2006/main" xmlns:r="http://schemas.openxmlformats.org/officeDocument/2006/relationships" xmlns:p="http://schemas.openxmlformats.org/presentationml/2006/main">
   <p:cSld>
     <p:spTree>
       <p:nvGrpSpPr>
@@ -4616,6 +6571,2782 @@
       </p:grpSpPr>
       <p:sp>
         <p:nvSpPr>
+          <p:cNvPr id="2" name="제목 1"/>
+          <p:cNvSpPr>
+            <a:spLocks noGrp="1"/>
+          </p:cNvSpPr>
+          <p:nvPr>
+            <p:ph type="title"/>
+          </p:nvPr>
+        </p:nvSpPr>
+        <p:spPr/>
+        <p:txBody>
+          <a:bodyPr/>
+          <a:lstStyle/>
+          <a:p>
+            <a:pPr lvl="0">
+              <a:defRPr/>
+            </a:pPr>
+            <a:r>
+              <a:rPr lang="en-US" altLang="ko-KR"/>
+              <a:t>2. </a:t>
+            </a:r>
+            <a:r>
+              <a:rPr lang="ko-KR" altLang="en-US"/>
+              <a:t>모델</a:t>
+            </a:r>
+          </a:p>
+        </p:txBody>
+      </p:sp>
+      <p:pic>
+        <p:nvPicPr>
+          <p:cNvPr id="4" name="그림 3">
+            <a:extLst>
+              <a:ext uri="{FF2B5EF4-FFF2-40B4-BE49-F238E27FC236}">
+                <a16:creationId xmlns:a16="http://schemas.microsoft.com/office/drawing/2014/main" id="{FD8955F6-2EEE-471E-97FD-1416128797B2}"/>
+              </a:ext>
+            </a:extLst>
+          </p:cNvPr>
+          <p:cNvPicPr>
+            <a:picLocks noChangeAspect="1"/>
+          </p:cNvPicPr>
+          <p:nvPr/>
+        </p:nvPicPr>
+        <p:blipFill rotWithShape="1">
+          <a:blip r:embed="rId2"/>
+          <a:srcRect l="61975" t="16043" r="13969" b="17280"/>
+          <a:stretch/>
+        </p:blipFill>
+        <p:spPr>
+          <a:xfrm>
+            <a:off x="4846540" y="2308738"/>
+            <a:ext cx="2391209" cy="2785073"/>
+          </a:xfrm>
+          <a:prstGeom prst="rect">
+            <a:avLst/>
+          </a:prstGeom>
+        </p:spPr>
+      </p:pic>
+      <p:sp>
+        <p:nvSpPr>
+          <p:cNvPr id="5" name="내용 개체 틀 2">
+            <a:extLst>
+              <a:ext uri="{FF2B5EF4-FFF2-40B4-BE49-F238E27FC236}">
+                <a16:creationId xmlns:a16="http://schemas.microsoft.com/office/drawing/2014/main" id="{BFF30869-9336-40A7-B9CF-64F1DC25C819}"/>
+              </a:ext>
+            </a:extLst>
+          </p:cNvPr>
+          <p:cNvSpPr txBox="1">
+            <a:spLocks/>
+          </p:cNvSpPr>
+          <p:nvPr/>
+        </p:nvSpPr>
+        <p:spPr>
+          <a:xfrm>
+            <a:off x="545432" y="1392400"/>
+            <a:ext cx="10993426" cy="4603917"/>
+          </a:xfrm>
+          <a:prstGeom prst="rect">
+            <a:avLst/>
+          </a:prstGeom>
+        </p:spPr>
+        <p:txBody>
+          <a:bodyPr vert="horz" lIns="91440" tIns="45720" rIns="91440" bIns="45720" rtlCol="0">
+            <a:normAutofit/>
+          </a:bodyPr>
+          <a:lstStyle>
+            <a:lvl1pPr marL="228600" indent="-228600" algn="l" defTabSz="914400" rtl="0" eaLnBrk="1" latinLnBrk="1" hangingPunct="1">
+              <a:lnSpc>
+                <a:spcPct val="90000"/>
+              </a:lnSpc>
+              <a:spcBef>
+                <a:spcPts val="1000"/>
+              </a:spcBef>
+              <a:buFont typeface="Arial" panose="020B0604020202020204" pitchFamily="34" charset="0"/>
+              <a:buChar char="•"/>
+              <a:defRPr sz="2800" kern="1200">
+                <a:solidFill>
+                  <a:schemeClr val="tx1"/>
+                </a:solidFill>
+                <a:latin typeface="+mn-lt"/>
+                <a:ea typeface="+mn-ea"/>
+                <a:cs typeface="+mn-cs"/>
+              </a:defRPr>
+            </a:lvl1pPr>
+            <a:lvl2pPr marL="685800" indent="-228600" algn="l" defTabSz="914400" rtl="0" eaLnBrk="1" latinLnBrk="1" hangingPunct="1">
+              <a:lnSpc>
+                <a:spcPct val="90000"/>
+              </a:lnSpc>
+              <a:spcBef>
+                <a:spcPts val="500"/>
+              </a:spcBef>
+              <a:buFont typeface="Arial" panose="020B0604020202020204" pitchFamily="34" charset="0"/>
+              <a:buChar char="•"/>
+              <a:defRPr sz="2400" kern="1200">
+                <a:solidFill>
+                  <a:schemeClr val="tx1"/>
+                </a:solidFill>
+                <a:latin typeface="+mn-lt"/>
+                <a:ea typeface="+mn-ea"/>
+                <a:cs typeface="+mn-cs"/>
+              </a:defRPr>
+            </a:lvl2pPr>
+            <a:lvl3pPr marL="1143000" indent="-228600" algn="l" defTabSz="914400" rtl="0" eaLnBrk="1" latinLnBrk="1" hangingPunct="1">
+              <a:lnSpc>
+                <a:spcPct val="90000"/>
+              </a:lnSpc>
+              <a:spcBef>
+                <a:spcPts val="500"/>
+              </a:spcBef>
+              <a:buFont typeface="Arial" panose="020B0604020202020204" pitchFamily="34" charset="0"/>
+              <a:buChar char="•"/>
+              <a:defRPr sz="2000" kern="1200">
+                <a:solidFill>
+                  <a:schemeClr val="tx1"/>
+                </a:solidFill>
+                <a:latin typeface="+mn-lt"/>
+                <a:ea typeface="+mn-ea"/>
+                <a:cs typeface="+mn-cs"/>
+              </a:defRPr>
+            </a:lvl3pPr>
+            <a:lvl4pPr marL="1600200" indent="-228600" algn="l" defTabSz="914400" rtl="0" eaLnBrk="1" latinLnBrk="1" hangingPunct="1">
+              <a:lnSpc>
+                <a:spcPct val="90000"/>
+              </a:lnSpc>
+              <a:spcBef>
+                <a:spcPts val="500"/>
+              </a:spcBef>
+              <a:buFont typeface="Arial" panose="020B0604020202020204" pitchFamily="34" charset="0"/>
+              <a:buChar char="•"/>
+              <a:defRPr sz="1800" kern="1200">
+                <a:solidFill>
+                  <a:schemeClr val="tx1"/>
+                </a:solidFill>
+                <a:latin typeface="+mn-lt"/>
+                <a:ea typeface="+mn-ea"/>
+                <a:cs typeface="+mn-cs"/>
+              </a:defRPr>
+            </a:lvl4pPr>
+            <a:lvl5pPr marL="2057400" indent="-228600" algn="l" defTabSz="914400" rtl="0" eaLnBrk="1" latinLnBrk="1" hangingPunct="1">
+              <a:lnSpc>
+                <a:spcPct val="90000"/>
+              </a:lnSpc>
+              <a:spcBef>
+                <a:spcPts val="500"/>
+              </a:spcBef>
+              <a:buFont typeface="Arial" panose="020B0604020202020204" pitchFamily="34" charset="0"/>
+              <a:buChar char="•"/>
+              <a:defRPr sz="1800" kern="1200">
+                <a:solidFill>
+                  <a:schemeClr val="tx1"/>
+                </a:solidFill>
+                <a:latin typeface="+mn-lt"/>
+                <a:ea typeface="+mn-ea"/>
+                <a:cs typeface="+mn-cs"/>
+              </a:defRPr>
+            </a:lvl5pPr>
+            <a:lvl6pPr marL="2514600" indent="-228600" algn="l" defTabSz="914400" rtl="0" eaLnBrk="1" latinLnBrk="1" hangingPunct="1">
+              <a:lnSpc>
+                <a:spcPct val="90000"/>
+              </a:lnSpc>
+              <a:spcBef>
+                <a:spcPts val="500"/>
+              </a:spcBef>
+              <a:buFont typeface="Arial" panose="020B0604020202020204" pitchFamily="34" charset="0"/>
+              <a:buChar char="•"/>
+              <a:defRPr sz="1800" kern="1200">
+                <a:solidFill>
+                  <a:schemeClr val="tx1"/>
+                </a:solidFill>
+                <a:latin typeface="+mn-lt"/>
+                <a:ea typeface="+mn-ea"/>
+                <a:cs typeface="+mn-cs"/>
+              </a:defRPr>
+            </a:lvl6pPr>
+            <a:lvl7pPr marL="2971800" indent="-228600" algn="l" defTabSz="914400" rtl="0" eaLnBrk="1" latinLnBrk="1" hangingPunct="1">
+              <a:lnSpc>
+                <a:spcPct val="90000"/>
+              </a:lnSpc>
+              <a:spcBef>
+                <a:spcPts val="500"/>
+              </a:spcBef>
+              <a:buFont typeface="Arial" panose="020B0604020202020204" pitchFamily="34" charset="0"/>
+              <a:buChar char="•"/>
+              <a:defRPr sz="1800" kern="1200">
+                <a:solidFill>
+                  <a:schemeClr val="tx1"/>
+                </a:solidFill>
+                <a:latin typeface="+mn-lt"/>
+                <a:ea typeface="+mn-ea"/>
+                <a:cs typeface="+mn-cs"/>
+              </a:defRPr>
+            </a:lvl7pPr>
+            <a:lvl8pPr marL="3429000" indent="-228600" algn="l" defTabSz="914400" rtl="0" eaLnBrk="1" latinLnBrk="1" hangingPunct="1">
+              <a:lnSpc>
+                <a:spcPct val="90000"/>
+              </a:lnSpc>
+              <a:spcBef>
+                <a:spcPts val="500"/>
+              </a:spcBef>
+              <a:buFont typeface="Arial" panose="020B0604020202020204" pitchFamily="34" charset="0"/>
+              <a:buChar char="•"/>
+              <a:defRPr sz="1800" kern="1200">
+                <a:solidFill>
+                  <a:schemeClr val="tx1"/>
+                </a:solidFill>
+                <a:latin typeface="+mn-lt"/>
+                <a:ea typeface="+mn-ea"/>
+                <a:cs typeface="+mn-cs"/>
+              </a:defRPr>
+            </a:lvl8pPr>
+            <a:lvl9pPr marL="3886200" indent="-228600" algn="l" defTabSz="914400" rtl="0" eaLnBrk="1" latinLnBrk="1" hangingPunct="1">
+              <a:lnSpc>
+                <a:spcPct val="90000"/>
+              </a:lnSpc>
+              <a:spcBef>
+                <a:spcPts val="500"/>
+              </a:spcBef>
+              <a:buFont typeface="Arial" panose="020B0604020202020204" pitchFamily="34" charset="0"/>
+              <a:buChar char="•"/>
+              <a:defRPr sz="1800" kern="1200">
+                <a:solidFill>
+                  <a:schemeClr val="tx1"/>
+                </a:solidFill>
+                <a:latin typeface="+mn-lt"/>
+                <a:ea typeface="+mn-ea"/>
+                <a:cs typeface="+mn-cs"/>
+              </a:defRPr>
+            </a:lvl9pPr>
+          </a:lstStyle>
+          <a:p>
+            <a:pPr marL="514350" indent="-514350">
+              <a:buFont typeface="+mj-ea"/>
+              <a:buAutoNum type="circleNumDbPlain" startAt="5"/>
+              <a:defRPr/>
+            </a:pPr>
+            <a:r>
+              <a:rPr lang="en-US" altLang="ko-KR" dirty="0"/>
+              <a:t>Efficient Transformer Aggregator</a:t>
+            </a:r>
+            <a:endParaRPr lang="ko-KR" altLang="en-US" dirty="0"/>
+          </a:p>
+        </p:txBody>
+      </p:sp>
+      <p:sp>
+        <p:nvSpPr>
+          <p:cNvPr id="6" name="내용 개체 틀 2">
+            <a:extLst>
+              <a:ext uri="{FF2B5EF4-FFF2-40B4-BE49-F238E27FC236}">
+                <a16:creationId xmlns:a16="http://schemas.microsoft.com/office/drawing/2014/main" id="{CB993BCA-00A1-49FB-A4F2-91B3AD915601}"/>
+              </a:ext>
+            </a:extLst>
+          </p:cNvPr>
+          <p:cNvSpPr>
+            <a:spLocks noGrp="1"/>
+          </p:cNvSpPr>
+          <p:nvPr>
+            <p:ph idx="1"/>
+          </p:nvPr>
+        </p:nvSpPr>
+        <p:spPr>
+          <a:xfrm>
+            <a:off x="599287" y="5711862"/>
+            <a:ext cx="10754513" cy="1772534"/>
+          </a:xfrm>
+        </p:spPr>
+        <p:txBody>
+          <a:bodyPr>
+            <a:normAutofit/>
+          </a:bodyPr>
+          <a:lstStyle/>
+          <a:p>
+            <a:pPr>
+              <a:defRPr/>
+            </a:pPr>
+            <a:r>
+              <a:rPr lang="en-US" altLang="ko-KR" sz="2000" dirty="0"/>
+              <a:t>Self-attention </a:t>
+            </a:r>
+            <a:r>
+              <a:rPr lang="ko-KR" altLang="en-US" sz="2000" dirty="0"/>
+              <a:t>메커니즘 때문에 토큰의 수와 특성 차원성에 대해 제곱 복잡도를 가짐</a:t>
+            </a:r>
+            <a:endParaRPr lang="en-US" altLang="ko-KR" sz="2000" dirty="0"/>
+          </a:p>
+          <a:p>
+            <a:pPr>
+              <a:defRPr/>
+            </a:pPr>
+            <a:r>
+              <a:rPr lang="en-US" altLang="ko-KR" sz="2000" dirty="0"/>
+              <a:t>QKV </a:t>
+            </a:r>
+            <a:r>
+              <a:rPr lang="ko-KR" altLang="en-US" sz="2000" dirty="0"/>
+              <a:t>투영과 </a:t>
+            </a:r>
+            <a:r>
+              <a:rPr lang="en-US" altLang="ko-KR" sz="2000" dirty="0"/>
+              <a:t>FFN</a:t>
+            </a:r>
+            <a:r>
+              <a:rPr lang="ko-KR" altLang="en-US" sz="2000" dirty="0"/>
+              <a:t>이 상대적으로 더 많은 계산 부담을 가져온다고 판단</a:t>
+            </a:r>
+            <a:r>
+              <a:rPr lang="en-US" altLang="ko-KR" sz="2000" dirty="0"/>
+              <a:t>, </a:t>
+            </a:r>
+            <a:r>
+              <a:rPr lang="ko-KR" altLang="en-US" sz="2000" dirty="0"/>
+              <a:t>해당 계산 부담을 줄이는 구조를 고안</a:t>
+            </a:r>
+          </a:p>
+        </p:txBody>
+      </p:sp>
+    </p:spTree>
+    <p:extLst>
+      <p:ext uri="{BB962C8B-B14F-4D97-AF65-F5344CB8AC3E}">
+        <p14:creationId xmlns:p14="http://schemas.microsoft.com/office/powerpoint/2010/main" val="386865911"/>
+      </p:ext>
+    </p:extLst>
+  </p:cSld>
+  <p:clrMapOvr>
+    <a:masterClrMapping/>
+  </p:clrMapOvr>
+  <mc:AlternateContent xmlns:mc="http://schemas.openxmlformats.org/markup-compatibility/2006" xmlns:p14="http://schemas.microsoft.com/office/powerpoint/2010/main">
+    <mc:Choice Requires="p14">
+      <p:transition/>
+    </mc:Choice>
+    <mc:Fallback xmlns:dsp="http://schemas.microsoft.com/office/drawing/2008/diagram" xmlns:dgm="http://schemas.openxmlformats.org/drawingml/2006/diagram" xmlns:c="http://schemas.openxmlformats.org/drawingml/2006/chart" xmlns="">
+      <p:transition/>
+    </mc:Fallback>
+  </mc:AlternateContent>
+</p:sld>
+</file>
+
+<file path=ppt/slides/slide15.xml><?xml version="1.0" encoding="utf-8"?>
+<p:sld xmlns:a="http://schemas.openxmlformats.org/drawingml/2006/main" xmlns:r="http://schemas.openxmlformats.org/officeDocument/2006/relationships" xmlns:p="http://schemas.openxmlformats.org/presentationml/2006/main">
+  <p:cSld>
+    <p:spTree>
+      <p:nvGrpSpPr>
+        <p:cNvPr id="1" name=""/>
+        <p:cNvGrpSpPr/>
+        <p:nvPr/>
+      </p:nvGrpSpPr>
+      <p:grpSpPr>
+        <a:xfrm>
+          <a:off x="0" y="0"/>
+          <a:ext cx="0" cy="0"/>
+          <a:chOff x="0" y="0"/>
+          <a:chExt cx="0" cy="0"/>
+        </a:xfrm>
+      </p:grpSpPr>
+      <p:sp>
+        <p:nvSpPr>
+          <p:cNvPr id="2" name="제목 1"/>
+          <p:cNvSpPr>
+            <a:spLocks noGrp="1"/>
+          </p:cNvSpPr>
+          <p:nvPr>
+            <p:ph type="title"/>
+          </p:nvPr>
+        </p:nvSpPr>
+        <p:spPr/>
+        <p:txBody>
+          <a:bodyPr/>
+          <a:lstStyle/>
+          <a:p>
+            <a:pPr lvl="0">
+              <a:defRPr/>
+            </a:pPr>
+            <a:r>
+              <a:rPr lang="en-US" altLang="ko-KR"/>
+              <a:t>2. </a:t>
+            </a:r>
+            <a:r>
+              <a:rPr lang="ko-KR" altLang="en-US"/>
+              <a:t>모델</a:t>
+            </a:r>
+          </a:p>
+        </p:txBody>
+      </p:sp>
+      <p:pic>
+        <p:nvPicPr>
+          <p:cNvPr id="3" name="그림 2">
+            <a:extLst>
+              <a:ext uri="{FF2B5EF4-FFF2-40B4-BE49-F238E27FC236}">
+                <a16:creationId xmlns:a16="http://schemas.microsoft.com/office/drawing/2014/main" id="{FD6A4BCC-49EC-4647-B6F0-24792CD7B876}"/>
+              </a:ext>
+            </a:extLst>
+          </p:cNvPr>
+          <p:cNvPicPr>
+            <a:picLocks noChangeAspect="1"/>
+          </p:cNvPicPr>
+          <p:nvPr/>
+        </p:nvPicPr>
+        <p:blipFill>
+          <a:blip r:embed="rId2"/>
+          <a:stretch>
+            <a:fillRect/>
+          </a:stretch>
+        </p:blipFill>
+        <p:spPr>
+          <a:xfrm>
+            <a:off x="1047045" y="1490392"/>
+            <a:ext cx="10097909" cy="3877216"/>
+          </a:xfrm>
+          <a:prstGeom prst="rect">
+            <a:avLst/>
+          </a:prstGeom>
+        </p:spPr>
+      </p:pic>
+      <p:pic>
+        <p:nvPicPr>
+          <p:cNvPr id="5" name="그림 4">
+            <a:extLst>
+              <a:ext uri="{FF2B5EF4-FFF2-40B4-BE49-F238E27FC236}">
+                <a16:creationId xmlns:a16="http://schemas.microsoft.com/office/drawing/2014/main" id="{9A45AECC-48E1-4D5C-A207-5DDB02409A10}"/>
+              </a:ext>
+            </a:extLst>
+          </p:cNvPr>
+          <p:cNvPicPr>
+            <a:picLocks noChangeAspect="1"/>
+          </p:cNvPicPr>
+          <p:nvPr/>
+        </p:nvPicPr>
+        <p:blipFill>
+          <a:blip r:embed="rId3"/>
+          <a:stretch>
+            <a:fillRect/>
+          </a:stretch>
+        </p:blipFill>
+        <p:spPr>
+          <a:xfrm>
+            <a:off x="4428892" y="51916"/>
+            <a:ext cx="3334215" cy="6754168"/>
+          </a:xfrm>
+          <a:prstGeom prst="rect">
+            <a:avLst/>
+          </a:prstGeom>
+        </p:spPr>
+      </p:pic>
+      <p:pic>
+        <p:nvPicPr>
+          <p:cNvPr id="7" name="그림 6">
+            <a:extLst>
+              <a:ext uri="{FF2B5EF4-FFF2-40B4-BE49-F238E27FC236}">
+                <a16:creationId xmlns:a16="http://schemas.microsoft.com/office/drawing/2014/main" id="{2E4E7FD9-C157-45FD-AA8B-68462550B9FB}"/>
+              </a:ext>
+            </a:extLst>
+          </p:cNvPr>
+          <p:cNvPicPr>
+            <a:picLocks noChangeAspect="1"/>
+          </p:cNvPicPr>
+          <p:nvPr/>
+        </p:nvPicPr>
+        <p:blipFill>
+          <a:blip r:embed="rId4"/>
+          <a:stretch>
+            <a:fillRect/>
+          </a:stretch>
+        </p:blipFill>
+        <p:spPr>
+          <a:xfrm>
+            <a:off x="1361414" y="1895261"/>
+            <a:ext cx="9469171" cy="3067478"/>
+          </a:xfrm>
+          <a:prstGeom prst="rect">
+            <a:avLst/>
+          </a:prstGeom>
+        </p:spPr>
+      </p:pic>
+    </p:spTree>
+    <p:extLst>
+      <p:ext uri="{BB962C8B-B14F-4D97-AF65-F5344CB8AC3E}">
+        <p14:creationId xmlns:p14="http://schemas.microsoft.com/office/powerpoint/2010/main" val="2334906563"/>
+      </p:ext>
+    </p:extLst>
+  </p:cSld>
+  <p:clrMapOvr>
+    <a:masterClrMapping/>
+  </p:clrMapOvr>
+  <mc:AlternateContent xmlns:mc="http://schemas.openxmlformats.org/markup-compatibility/2006" xmlns:p14="http://schemas.microsoft.com/office/powerpoint/2010/main">
+    <mc:Choice Requires="p14">
+      <p:transition/>
+    </mc:Choice>
+    <mc:Fallback xmlns:dsp="http://schemas.microsoft.com/office/drawing/2008/diagram" xmlns:dgm="http://schemas.openxmlformats.org/drawingml/2006/diagram" xmlns:c="http://schemas.openxmlformats.org/drawingml/2006/chart" xmlns="">
+      <p:transition/>
+    </mc:Fallback>
+  </mc:AlternateContent>
+  <p:timing>
+    <p:tnLst>
+      <p:par>
+        <p:cTn id="1" dur="indefinite" restart="never" nodeType="tmRoot">
+          <p:childTnLst>
+            <p:seq concurrent="1" nextAc="seek">
+              <p:cTn id="2" dur="indefinite" nodeType="mainSeq">
+                <p:childTnLst>
+                  <p:par>
+                    <p:cTn id="3" fill="hold">
+                      <p:stCondLst>
+                        <p:cond delay="indefinite"/>
+                      </p:stCondLst>
+                      <p:childTnLst>
+                        <p:par>
+                          <p:cTn id="4" fill="hold">
+                            <p:stCondLst>
+                              <p:cond delay="0"/>
+                            </p:stCondLst>
+                            <p:childTnLst>
+                              <p:par>
+                                <p:cTn id="5" presetID="42" presetClass="exit" presetSubtype="0" fill="hold" nodeType="clickEffect">
+                                  <p:stCondLst>
+                                    <p:cond delay="0"/>
+                                  </p:stCondLst>
+                                  <p:childTnLst>
+                                    <p:animEffect transition="out" filter="fade">
+                                      <p:cBhvr>
+                                        <p:cTn id="6" dur="1000"/>
+                                        <p:tgtEl>
+                                          <p:spTgt spid="3"/>
+                                        </p:tgtEl>
+                                      </p:cBhvr>
+                                    </p:animEffect>
+                                    <p:anim calcmode="lin" valueType="num">
+                                      <p:cBhvr>
+                                        <p:cTn id="7" dur="1000"/>
+                                        <p:tgtEl>
+                                          <p:spTgt spid="3"/>
+                                        </p:tgtEl>
+                                        <p:attrNameLst>
+                                          <p:attrName>ppt_x</p:attrName>
+                                        </p:attrNameLst>
+                                      </p:cBhvr>
+                                      <p:tavLst>
+                                        <p:tav tm="0">
+                                          <p:val>
+                                            <p:strVal val="ppt_x"/>
+                                          </p:val>
+                                        </p:tav>
+                                        <p:tav tm="100000">
+                                          <p:val>
+                                            <p:strVal val="ppt_x"/>
+                                          </p:val>
+                                        </p:tav>
+                                      </p:tavLst>
+                                    </p:anim>
+                                    <p:anim calcmode="lin" valueType="num">
+                                      <p:cBhvr>
+                                        <p:cTn id="8" dur="1000"/>
+                                        <p:tgtEl>
+                                          <p:spTgt spid="3"/>
+                                        </p:tgtEl>
+                                        <p:attrNameLst>
+                                          <p:attrName>ppt_y</p:attrName>
+                                        </p:attrNameLst>
+                                      </p:cBhvr>
+                                      <p:tavLst>
+                                        <p:tav tm="0">
+                                          <p:val>
+                                            <p:strVal val="ppt_y"/>
+                                          </p:val>
+                                        </p:tav>
+                                        <p:tav tm="100000">
+                                          <p:val>
+                                            <p:strVal val="ppt_y+.1"/>
+                                          </p:val>
+                                        </p:tav>
+                                      </p:tavLst>
+                                    </p:anim>
+                                    <p:set>
+                                      <p:cBhvr>
+                                        <p:cTn id="9" dur="1" fill="hold">
+                                          <p:stCondLst>
+                                            <p:cond delay="999"/>
+                                          </p:stCondLst>
+                                        </p:cTn>
+                                        <p:tgtEl>
+                                          <p:spTgt spid="3"/>
+                                        </p:tgtEl>
+                                        <p:attrNameLst>
+                                          <p:attrName>style.visibility</p:attrName>
+                                        </p:attrNameLst>
+                                      </p:cBhvr>
+                                      <p:to>
+                                        <p:strVal val="hidden"/>
+                                      </p:to>
+                                    </p:set>
+                                  </p:childTnLst>
+                                </p:cTn>
+                              </p:par>
+                              <p:par>
+                                <p:cTn id="10" presetID="42" presetClass="entr" presetSubtype="0" fill="hold" nodeType="withEffect">
+                                  <p:stCondLst>
+                                    <p:cond delay="0"/>
+                                  </p:stCondLst>
+                                  <p:childTnLst>
+                                    <p:set>
+                                      <p:cBhvr>
+                                        <p:cTn id="11" dur="1" fill="hold">
+                                          <p:stCondLst>
+                                            <p:cond delay="0"/>
+                                          </p:stCondLst>
+                                        </p:cTn>
+                                        <p:tgtEl>
+                                          <p:spTgt spid="5"/>
+                                        </p:tgtEl>
+                                        <p:attrNameLst>
+                                          <p:attrName>style.visibility</p:attrName>
+                                        </p:attrNameLst>
+                                      </p:cBhvr>
+                                      <p:to>
+                                        <p:strVal val="visible"/>
+                                      </p:to>
+                                    </p:set>
+                                    <p:animEffect transition="in" filter="fade">
+                                      <p:cBhvr>
+                                        <p:cTn id="12" dur="1000"/>
+                                        <p:tgtEl>
+                                          <p:spTgt spid="5"/>
+                                        </p:tgtEl>
+                                      </p:cBhvr>
+                                    </p:animEffect>
+                                    <p:anim calcmode="lin" valueType="num">
+                                      <p:cBhvr>
+                                        <p:cTn id="13" dur="1000" fill="hold"/>
+                                        <p:tgtEl>
+                                          <p:spTgt spid="5"/>
+                                        </p:tgtEl>
+                                        <p:attrNameLst>
+                                          <p:attrName>ppt_x</p:attrName>
+                                        </p:attrNameLst>
+                                      </p:cBhvr>
+                                      <p:tavLst>
+                                        <p:tav tm="0">
+                                          <p:val>
+                                            <p:strVal val="#ppt_x"/>
+                                          </p:val>
+                                        </p:tav>
+                                        <p:tav tm="100000">
+                                          <p:val>
+                                            <p:strVal val="#ppt_x"/>
+                                          </p:val>
+                                        </p:tav>
+                                      </p:tavLst>
+                                    </p:anim>
+                                    <p:anim calcmode="lin" valueType="num">
+                                      <p:cBhvr>
+                                        <p:cTn id="14" dur="1000" fill="hold"/>
+                                        <p:tgtEl>
+                                          <p:spTgt spid="5"/>
+                                        </p:tgtEl>
+                                        <p:attrNameLst>
+                                          <p:attrName>ppt_y</p:attrName>
+                                        </p:attrNameLst>
+                                      </p:cBhvr>
+                                      <p:tavLst>
+                                        <p:tav tm="0">
+                                          <p:val>
+                                            <p:strVal val="#ppt_y+.1"/>
+                                          </p:val>
+                                        </p:tav>
+                                        <p:tav tm="100000">
+                                          <p:val>
+                                            <p:strVal val="#ppt_y"/>
+                                          </p:val>
+                                        </p:tav>
+                                      </p:tavLst>
+                                    </p:anim>
+                                  </p:childTnLst>
+                                </p:cTn>
+                              </p:par>
+                            </p:childTnLst>
+                          </p:cTn>
+                        </p:par>
+                      </p:childTnLst>
+                    </p:cTn>
+                  </p:par>
+                  <p:par>
+                    <p:cTn id="15" fill="hold">
+                      <p:stCondLst>
+                        <p:cond delay="indefinite"/>
+                      </p:stCondLst>
+                      <p:childTnLst>
+                        <p:par>
+                          <p:cTn id="16" fill="hold">
+                            <p:stCondLst>
+                              <p:cond delay="0"/>
+                            </p:stCondLst>
+                            <p:childTnLst>
+                              <p:par>
+                                <p:cTn id="17" presetID="42" presetClass="exit" presetSubtype="0" fill="hold" nodeType="clickEffect">
+                                  <p:stCondLst>
+                                    <p:cond delay="0"/>
+                                  </p:stCondLst>
+                                  <p:childTnLst>
+                                    <p:animEffect transition="out" filter="fade">
+                                      <p:cBhvr>
+                                        <p:cTn id="18" dur="1000"/>
+                                        <p:tgtEl>
+                                          <p:spTgt spid="5"/>
+                                        </p:tgtEl>
+                                      </p:cBhvr>
+                                    </p:animEffect>
+                                    <p:anim calcmode="lin" valueType="num">
+                                      <p:cBhvr>
+                                        <p:cTn id="19" dur="1000"/>
+                                        <p:tgtEl>
+                                          <p:spTgt spid="5"/>
+                                        </p:tgtEl>
+                                        <p:attrNameLst>
+                                          <p:attrName>ppt_x</p:attrName>
+                                        </p:attrNameLst>
+                                      </p:cBhvr>
+                                      <p:tavLst>
+                                        <p:tav tm="0">
+                                          <p:val>
+                                            <p:strVal val="ppt_x"/>
+                                          </p:val>
+                                        </p:tav>
+                                        <p:tav tm="100000">
+                                          <p:val>
+                                            <p:strVal val="ppt_x"/>
+                                          </p:val>
+                                        </p:tav>
+                                      </p:tavLst>
+                                    </p:anim>
+                                    <p:anim calcmode="lin" valueType="num">
+                                      <p:cBhvr>
+                                        <p:cTn id="20" dur="1000"/>
+                                        <p:tgtEl>
+                                          <p:spTgt spid="5"/>
+                                        </p:tgtEl>
+                                        <p:attrNameLst>
+                                          <p:attrName>ppt_y</p:attrName>
+                                        </p:attrNameLst>
+                                      </p:cBhvr>
+                                      <p:tavLst>
+                                        <p:tav tm="0">
+                                          <p:val>
+                                            <p:strVal val="ppt_y"/>
+                                          </p:val>
+                                        </p:tav>
+                                        <p:tav tm="100000">
+                                          <p:val>
+                                            <p:strVal val="ppt_y+.1"/>
+                                          </p:val>
+                                        </p:tav>
+                                      </p:tavLst>
+                                    </p:anim>
+                                    <p:set>
+                                      <p:cBhvr>
+                                        <p:cTn id="21" dur="1" fill="hold">
+                                          <p:stCondLst>
+                                            <p:cond delay="999"/>
+                                          </p:stCondLst>
+                                        </p:cTn>
+                                        <p:tgtEl>
+                                          <p:spTgt spid="5"/>
+                                        </p:tgtEl>
+                                        <p:attrNameLst>
+                                          <p:attrName>style.visibility</p:attrName>
+                                        </p:attrNameLst>
+                                      </p:cBhvr>
+                                      <p:to>
+                                        <p:strVal val="hidden"/>
+                                      </p:to>
+                                    </p:set>
+                                  </p:childTnLst>
+                                </p:cTn>
+                              </p:par>
+                              <p:par>
+                                <p:cTn id="22" presetID="42" presetClass="entr" presetSubtype="0" fill="hold" nodeType="withEffect">
+                                  <p:stCondLst>
+                                    <p:cond delay="0"/>
+                                  </p:stCondLst>
+                                  <p:childTnLst>
+                                    <p:set>
+                                      <p:cBhvr>
+                                        <p:cTn id="23" dur="1" fill="hold">
+                                          <p:stCondLst>
+                                            <p:cond delay="0"/>
+                                          </p:stCondLst>
+                                        </p:cTn>
+                                        <p:tgtEl>
+                                          <p:spTgt spid="7"/>
+                                        </p:tgtEl>
+                                        <p:attrNameLst>
+                                          <p:attrName>style.visibility</p:attrName>
+                                        </p:attrNameLst>
+                                      </p:cBhvr>
+                                      <p:to>
+                                        <p:strVal val="visible"/>
+                                      </p:to>
+                                    </p:set>
+                                    <p:animEffect transition="in" filter="fade">
+                                      <p:cBhvr>
+                                        <p:cTn id="24" dur="1000"/>
+                                        <p:tgtEl>
+                                          <p:spTgt spid="7"/>
+                                        </p:tgtEl>
+                                      </p:cBhvr>
+                                    </p:animEffect>
+                                    <p:anim calcmode="lin" valueType="num">
+                                      <p:cBhvr>
+                                        <p:cTn id="25" dur="1000" fill="hold"/>
+                                        <p:tgtEl>
+                                          <p:spTgt spid="7"/>
+                                        </p:tgtEl>
+                                        <p:attrNameLst>
+                                          <p:attrName>ppt_x</p:attrName>
+                                        </p:attrNameLst>
+                                      </p:cBhvr>
+                                      <p:tavLst>
+                                        <p:tav tm="0">
+                                          <p:val>
+                                            <p:strVal val="#ppt_x"/>
+                                          </p:val>
+                                        </p:tav>
+                                        <p:tav tm="100000">
+                                          <p:val>
+                                            <p:strVal val="#ppt_x"/>
+                                          </p:val>
+                                        </p:tav>
+                                      </p:tavLst>
+                                    </p:anim>
+                                    <p:anim calcmode="lin" valueType="num">
+                                      <p:cBhvr>
+                                        <p:cTn id="26" dur="1000" fill="hold"/>
+                                        <p:tgtEl>
+                                          <p:spTgt spid="7"/>
+                                        </p:tgtEl>
+                                        <p:attrNameLst>
+                                          <p:attrName>ppt_y</p:attrName>
+                                        </p:attrNameLst>
+                                      </p:cBhvr>
+                                      <p:tavLst>
+                                        <p:tav tm="0">
+                                          <p:val>
+                                            <p:strVal val="#ppt_y+.1"/>
+                                          </p:val>
+                                        </p:tav>
+                                        <p:tav tm="100000">
+                                          <p:val>
+                                            <p:strVal val="#ppt_y"/>
+                                          </p:val>
+                                        </p:tav>
+                                      </p:tavLst>
+                                    </p:anim>
+                                  </p:childTnLst>
+                                </p:cTn>
+                              </p:par>
+                            </p:childTnLst>
+                          </p:cTn>
+                        </p:par>
+                      </p:childTnLst>
+                    </p:cTn>
+                  </p:par>
+                </p:childTnLst>
+              </p:cTn>
+              <p:prevCondLst>
+                <p:cond evt="onPrev" delay="0">
+                  <p:tgtEl>
+                    <p:sldTgt/>
+                  </p:tgtEl>
+                </p:cond>
+              </p:prevCondLst>
+              <p:nextCondLst>
+                <p:cond evt="onNext" delay="0">
+                  <p:tgtEl>
+                    <p:sldTgt/>
+                  </p:tgtEl>
+                </p:cond>
+              </p:nextCondLst>
+            </p:seq>
+          </p:childTnLst>
+        </p:cTn>
+      </p:par>
+    </p:tnLst>
+  </p:timing>
+</p:sld>
+</file>
+
+<file path=ppt/slides/slide16.xml><?xml version="1.0" encoding="utf-8"?>
+<p:sld xmlns:a="http://schemas.openxmlformats.org/drawingml/2006/main" xmlns:r="http://schemas.openxmlformats.org/officeDocument/2006/relationships" xmlns:p="http://schemas.openxmlformats.org/presentationml/2006/main">
+  <p:cSld>
+    <p:spTree>
+      <p:nvGrpSpPr>
+        <p:cNvPr id="1" name=""/>
+        <p:cNvGrpSpPr/>
+        <p:nvPr/>
+      </p:nvGrpSpPr>
+      <p:grpSpPr>
+        <a:xfrm>
+          <a:off x="0" y="0"/>
+          <a:ext cx="0" cy="0"/>
+          <a:chOff x="0" y="0"/>
+          <a:chExt cx="0" cy="0"/>
+        </a:xfrm>
+      </p:grpSpPr>
+      <p:sp>
+        <p:nvSpPr>
+          <p:cNvPr id="2" name="제목 1"/>
+          <p:cNvSpPr>
+            <a:spLocks noGrp="1"/>
+          </p:cNvSpPr>
+          <p:nvPr>
+            <p:ph type="title"/>
+          </p:nvPr>
+        </p:nvSpPr>
+        <p:spPr/>
+        <p:txBody>
+          <a:bodyPr/>
+          <a:lstStyle/>
+          <a:p>
+            <a:pPr lvl="0">
+              <a:defRPr/>
+            </a:pPr>
+            <a:r>
+              <a:rPr lang="en-US" altLang="ko-KR"/>
+              <a:t>2. </a:t>
+            </a:r>
+            <a:r>
+              <a:rPr lang="ko-KR" altLang="en-US"/>
+              <a:t>모델</a:t>
+            </a:r>
+          </a:p>
+        </p:txBody>
+      </p:sp>
+      <p:pic>
+        <p:nvPicPr>
+          <p:cNvPr id="3" name="그림 2">
+            <a:extLst>
+              <a:ext uri="{FF2B5EF4-FFF2-40B4-BE49-F238E27FC236}">
+                <a16:creationId xmlns:a16="http://schemas.microsoft.com/office/drawing/2014/main" id="{1751F4ED-926D-47DD-B52D-008C5504B41B}"/>
+              </a:ext>
+            </a:extLst>
+          </p:cNvPr>
+          <p:cNvPicPr>
+            <a:picLocks noChangeAspect="1"/>
+          </p:cNvPicPr>
+          <p:nvPr/>
+        </p:nvPicPr>
+        <p:blipFill>
+          <a:blip r:embed="rId2"/>
+          <a:stretch>
+            <a:fillRect/>
+          </a:stretch>
+        </p:blipFill>
+        <p:spPr>
+          <a:xfrm>
+            <a:off x="1356434" y="2184400"/>
+            <a:ext cx="7644221" cy="3526281"/>
+          </a:xfrm>
+          <a:prstGeom prst="rect">
+            <a:avLst/>
+          </a:prstGeom>
+        </p:spPr>
+      </p:pic>
+      <p:sp>
+        <p:nvSpPr>
+          <p:cNvPr id="5" name="내용 개체 틀 2">
+            <a:extLst>
+              <a:ext uri="{FF2B5EF4-FFF2-40B4-BE49-F238E27FC236}">
+                <a16:creationId xmlns:a16="http://schemas.microsoft.com/office/drawing/2014/main" id="{BFF30869-9336-40A7-B9CF-64F1DC25C819}"/>
+              </a:ext>
+            </a:extLst>
+          </p:cNvPr>
+          <p:cNvSpPr txBox="1">
+            <a:spLocks/>
+          </p:cNvSpPr>
+          <p:nvPr/>
+        </p:nvSpPr>
+        <p:spPr>
+          <a:xfrm>
+            <a:off x="545432" y="1392400"/>
+            <a:ext cx="10993426" cy="4603917"/>
+          </a:xfrm>
+          <a:prstGeom prst="rect">
+            <a:avLst/>
+          </a:prstGeom>
+        </p:spPr>
+        <p:txBody>
+          <a:bodyPr vert="horz" lIns="91440" tIns="45720" rIns="91440" bIns="45720" rtlCol="0">
+            <a:normAutofit/>
+          </a:bodyPr>
+          <a:lstStyle>
+            <a:lvl1pPr marL="228600" indent="-228600" algn="l" defTabSz="914400" rtl="0" eaLnBrk="1" latinLnBrk="1" hangingPunct="1">
+              <a:lnSpc>
+                <a:spcPct val="90000"/>
+              </a:lnSpc>
+              <a:spcBef>
+                <a:spcPts val="1000"/>
+              </a:spcBef>
+              <a:buFont typeface="Arial" panose="020B0604020202020204" pitchFamily="34" charset="0"/>
+              <a:buChar char="•"/>
+              <a:defRPr sz="2800" kern="1200">
+                <a:solidFill>
+                  <a:schemeClr val="tx1"/>
+                </a:solidFill>
+                <a:latin typeface="+mn-lt"/>
+                <a:ea typeface="+mn-ea"/>
+                <a:cs typeface="+mn-cs"/>
+              </a:defRPr>
+            </a:lvl1pPr>
+            <a:lvl2pPr marL="685800" indent="-228600" algn="l" defTabSz="914400" rtl="0" eaLnBrk="1" latinLnBrk="1" hangingPunct="1">
+              <a:lnSpc>
+                <a:spcPct val="90000"/>
+              </a:lnSpc>
+              <a:spcBef>
+                <a:spcPts val="500"/>
+              </a:spcBef>
+              <a:buFont typeface="Arial" panose="020B0604020202020204" pitchFamily="34" charset="0"/>
+              <a:buChar char="•"/>
+              <a:defRPr sz="2400" kern="1200">
+                <a:solidFill>
+                  <a:schemeClr val="tx1"/>
+                </a:solidFill>
+                <a:latin typeface="+mn-lt"/>
+                <a:ea typeface="+mn-ea"/>
+                <a:cs typeface="+mn-cs"/>
+              </a:defRPr>
+            </a:lvl2pPr>
+            <a:lvl3pPr marL="1143000" indent="-228600" algn="l" defTabSz="914400" rtl="0" eaLnBrk="1" latinLnBrk="1" hangingPunct="1">
+              <a:lnSpc>
+                <a:spcPct val="90000"/>
+              </a:lnSpc>
+              <a:spcBef>
+                <a:spcPts val="500"/>
+              </a:spcBef>
+              <a:buFont typeface="Arial" panose="020B0604020202020204" pitchFamily="34" charset="0"/>
+              <a:buChar char="•"/>
+              <a:defRPr sz="2000" kern="1200">
+                <a:solidFill>
+                  <a:schemeClr val="tx1"/>
+                </a:solidFill>
+                <a:latin typeface="+mn-lt"/>
+                <a:ea typeface="+mn-ea"/>
+                <a:cs typeface="+mn-cs"/>
+              </a:defRPr>
+            </a:lvl3pPr>
+            <a:lvl4pPr marL="1600200" indent="-228600" algn="l" defTabSz="914400" rtl="0" eaLnBrk="1" latinLnBrk="1" hangingPunct="1">
+              <a:lnSpc>
+                <a:spcPct val="90000"/>
+              </a:lnSpc>
+              <a:spcBef>
+                <a:spcPts val="500"/>
+              </a:spcBef>
+              <a:buFont typeface="Arial" panose="020B0604020202020204" pitchFamily="34" charset="0"/>
+              <a:buChar char="•"/>
+              <a:defRPr sz="1800" kern="1200">
+                <a:solidFill>
+                  <a:schemeClr val="tx1"/>
+                </a:solidFill>
+                <a:latin typeface="+mn-lt"/>
+                <a:ea typeface="+mn-ea"/>
+                <a:cs typeface="+mn-cs"/>
+              </a:defRPr>
+            </a:lvl4pPr>
+            <a:lvl5pPr marL="2057400" indent="-228600" algn="l" defTabSz="914400" rtl="0" eaLnBrk="1" latinLnBrk="1" hangingPunct="1">
+              <a:lnSpc>
+                <a:spcPct val="90000"/>
+              </a:lnSpc>
+              <a:spcBef>
+                <a:spcPts val="500"/>
+              </a:spcBef>
+              <a:buFont typeface="Arial" panose="020B0604020202020204" pitchFamily="34" charset="0"/>
+              <a:buChar char="•"/>
+              <a:defRPr sz="1800" kern="1200">
+                <a:solidFill>
+                  <a:schemeClr val="tx1"/>
+                </a:solidFill>
+                <a:latin typeface="+mn-lt"/>
+                <a:ea typeface="+mn-ea"/>
+                <a:cs typeface="+mn-cs"/>
+              </a:defRPr>
+            </a:lvl5pPr>
+            <a:lvl6pPr marL="2514600" indent="-228600" algn="l" defTabSz="914400" rtl="0" eaLnBrk="1" latinLnBrk="1" hangingPunct="1">
+              <a:lnSpc>
+                <a:spcPct val="90000"/>
+              </a:lnSpc>
+              <a:spcBef>
+                <a:spcPts val="500"/>
+              </a:spcBef>
+              <a:buFont typeface="Arial" panose="020B0604020202020204" pitchFamily="34" charset="0"/>
+              <a:buChar char="•"/>
+              <a:defRPr sz="1800" kern="1200">
+                <a:solidFill>
+                  <a:schemeClr val="tx1"/>
+                </a:solidFill>
+                <a:latin typeface="+mn-lt"/>
+                <a:ea typeface="+mn-ea"/>
+                <a:cs typeface="+mn-cs"/>
+              </a:defRPr>
+            </a:lvl6pPr>
+            <a:lvl7pPr marL="2971800" indent="-228600" algn="l" defTabSz="914400" rtl="0" eaLnBrk="1" latinLnBrk="1" hangingPunct="1">
+              <a:lnSpc>
+                <a:spcPct val="90000"/>
+              </a:lnSpc>
+              <a:spcBef>
+                <a:spcPts val="500"/>
+              </a:spcBef>
+              <a:buFont typeface="Arial" panose="020B0604020202020204" pitchFamily="34" charset="0"/>
+              <a:buChar char="•"/>
+              <a:defRPr sz="1800" kern="1200">
+                <a:solidFill>
+                  <a:schemeClr val="tx1"/>
+                </a:solidFill>
+                <a:latin typeface="+mn-lt"/>
+                <a:ea typeface="+mn-ea"/>
+                <a:cs typeface="+mn-cs"/>
+              </a:defRPr>
+            </a:lvl7pPr>
+            <a:lvl8pPr marL="3429000" indent="-228600" algn="l" defTabSz="914400" rtl="0" eaLnBrk="1" latinLnBrk="1" hangingPunct="1">
+              <a:lnSpc>
+                <a:spcPct val="90000"/>
+              </a:lnSpc>
+              <a:spcBef>
+                <a:spcPts val="500"/>
+              </a:spcBef>
+              <a:buFont typeface="Arial" panose="020B0604020202020204" pitchFamily="34" charset="0"/>
+              <a:buChar char="•"/>
+              <a:defRPr sz="1800" kern="1200">
+                <a:solidFill>
+                  <a:schemeClr val="tx1"/>
+                </a:solidFill>
+                <a:latin typeface="+mn-lt"/>
+                <a:ea typeface="+mn-ea"/>
+                <a:cs typeface="+mn-cs"/>
+              </a:defRPr>
+            </a:lvl8pPr>
+            <a:lvl9pPr marL="3886200" indent="-228600" algn="l" defTabSz="914400" rtl="0" eaLnBrk="1" latinLnBrk="1" hangingPunct="1">
+              <a:lnSpc>
+                <a:spcPct val="90000"/>
+              </a:lnSpc>
+              <a:spcBef>
+                <a:spcPts val="500"/>
+              </a:spcBef>
+              <a:buFont typeface="Arial" panose="020B0604020202020204" pitchFamily="34" charset="0"/>
+              <a:buChar char="•"/>
+              <a:defRPr sz="1800" kern="1200">
+                <a:solidFill>
+                  <a:schemeClr val="tx1"/>
+                </a:solidFill>
+                <a:latin typeface="+mn-lt"/>
+                <a:ea typeface="+mn-ea"/>
+                <a:cs typeface="+mn-cs"/>
+              </a:defRPr>
+            </a:lvl9pPr>
+          </a:lstStyle>
+          <a:p>
+            <a:pPr marL="514350" indent="-514350">
+              <a:buFont typeface="+mj-ea"/>
+              <a:buAutoNum type="circleNumDbPlain" startAt="5"/>
+              <a:defRPr/>
+            </a:pPr>
+            <a:r>
+              <a:rPr lang="en-US" altLang="ko-KR" dirty="0"/>
+              <a:t>Efficient Transformer Aggregator</a:t>
+            </a:r>
+            <a:endParaRPr lang="ko-KR" altLang="en-US" dirty="0"/>
+          </a:p>
+        </p:txBody>
+      </p:sp>
+      <p:pic>
+        <p:nvPicPr>
+          <p:cNvPr id="7" name="그림 6">
+            <a:extLst>
+              <a:ext uri="{FF2B5EF4-FFF2-40B4-BE49-F238E27FC236}">
+                <a16:creationId xmlns:a16="http://schemas.microsoft.com/office/drawing/2014/main" id="{78648913-F211-483F-B67A-76EBAD414A6A}"/>
+              </a:ext>
+            </a:extLst>
+          </p:cNvPr>
+          <p:cNvPicPr>
+            <a:picLocks noChangeAspect="1"/>
+          </p:cNvPicPr>
+          <p:nvPr/>
+        </p:nvPicPr>
+        <p:blipFill>
+          <a:blip r:embed="rId3"/>
+          <a:stretch>
+            <a:fillRect/>
+          </a:stretch>
+        </p:blipFill>
+        <p:spPr>
+          <a:xfrm>
+            <a:off x="9385908" y="3475986"/>
+            <a:ext cx="2152950" cy="943107"/>
+          </a:xfrm>
+          <a:prstGeom prst="rect">
+            <a:avLst/>
+          </a:prstGeom>
+        </p:spPr>
+      </p:pic>
+    </p:spTree>
+    <p:extLst>
+      <p:ext uri="{BB962C8B-B14F-4D97-AF65-F5344CB8AC3E}">
+        <p14:creationId xmlns:p14="http://schemas.microsoft.com/office/powerpoint/2010/main" val="1299451027"/>
+      </p:ext>
+    </p:extLst>
+  </p:cSld>
+  <p:clrMapOvr>
+    <a:masterClrMapping/>
+  </p:clrMapOvr>
+  <p:transition/>
+</p:sld>
+</file>
+
+<file path=ppt/slides/slide17.xml><?xml version="1.0" encoding="utf-8"?>
+<p:sld xmlns:a="http://schemas.openxmlformats.org/drawingml/2006/main" xmlns:r="http://schemas.openxmlformats.org/officeDocument/2006/relationships" xmlns:p="http://schemas.openxmlformats.org/presentationml/2006/main">
+  <p:cSld>
+    <p:spTree>
+      <p:nvGrpSpPr>
+        <p:cNvPr id="1" name=""/>
+        <p:cNvGrpSpPr/>
+        <p:nvPr/>
+      </p:nvGrpSpPr>
+      <p:grpSpPr>
+        <a:xfrm>
+          <a:off x="0" y="0"/>
+          <a:ext cx="0" cy="0"/>
+          <a:chOff x="0" y="0"/>
+          <a:chExt cx="0" cy="0"/>
+        </a:xfrm>
+      </p:grpSpPr>
+      <p:sp>
+        <p:nvSpPr>
+          <p:cNvPr id="2" name="제목 1"/>
+          <p:cNvSpPr>
+            <a:spLocks noGrp="1"/>
+          </p:cNvSpPr>
+          <p:nvPr>
+            <p:ph type="title"/>
+          </p:nvPr>
+        </p:nvSpPr>
+        <p:spPr/>
+        <p:txBody>
+          <a:bodyPr/>
+          <a:lstStyle/>
+          <a:p>
+            <a:pPr lvl="0">
+              <a:defRPr/>
+            </a:pPr>
+            <a:r>
+              <a:rPr lang="en-US" altLang="ko-KR"/>
+              <a:t>2. </a:t>
+            </a:r>
+            <a:r>
+              <a:rPr lang="ko-KR" altLang="en-US"/>
+              <a:t>모델</a:t>
+            </a:r>
+          </a:p>
+        </p:txBody>
+      </p:sp>
+      <p:pic>
+        <p:nvPicPr>
+          <p:cNvPr id="6" name="그림 5">
+            <a:extLst>
+              <a:ext uri="{FF2B5EF4-FFF2-40B4-BE49-F238E27FC236}">
+                <a16:creationId xmlns:a16="http://schemas.microsoft.com/office/drawing/2014/main" id="{674D1D66-E419-4478-91E8-633325C890EE}"/>
+              </a:ext>
+            </a:extLst>
+          </p:cNvPr>
+          <p:cNvPicPr>
+            <a:picLocks noChangeAspect="1"/>
+          </p:cNvPicPr>
+          <p:nvPr/>
+        </p:nvPicPr>
+        <p:blipFill>
+          <a:blip r:embed="rId2"/>
+          <a:stretch>
+            <a:fillRect/>
+          </a:stretch>
+        </p:blipFill>
+        <p:spPr>
+          <a:xfrm>
+            <a:off x="2985209" y="0"/>
+            <a:ext cx="7516981" cy="6858000"/>
+          </a:xfrm>
+          <a:prstGeom prst="rect">
+            <a:avLst/>
+          </a:prstGeom>
+        </p:spPr>
+      </p:pic>
+      <p:pic>
+        <p:nvPicPr>
+          <p:cNvPr id="8" name="그림 7">
+            <a:extLst>
+              <a:ext uri="{FF2B5EF4-FFF2-40B4-BE49-F238E27FC236}">
+                <a16:creationId xmlns:a16="http://schemas.microsoft.com/office/drawing/2014/main" id="{03289443-17E0-4FAC-B536-54EE9AB54B90}"/>
+              </a:ext>
+            </a:extLst>
+          </p:cNvPr>
+          <p:cNvPicPr>
+            <a:picLocks noChangeAspect="1"/>
+          </p:cNvPicPr>
+          <p:nvPr/>
+        </p:nvPicPr>
+        <p:blipFill>
+          <a:blip r:embed="rId3"/>
+          <a:stretch>
+            <a:fillRect/>
+          </a:stretch>
+        </p:blipFill>
+        <p:spPr>
+          <a:xfrm>
+            <a:off x="2437156" y="1310935"/>
+            <a:ext cx="8916644" cy="5420481"/>
+          </a:xfrm>
+          <a:prstGeom prst="rect">
+            <a:avLst/>
+          </a:prstGeom>
+        </p:spPr>
+      </p:pic>
+      <p:pic>
+        <p:nvPicPr>
+          <p:cNvPr id="10" name="그림 9">
+            <a:extLst>
+              <a:ext uri="{FF2B5EF4-FFF2-40B4-BE49-F238E27FC236}">
+                <a16:creationId xmlns:a16="http://schemas.microsoft.com/office/drawing/2014/main" id="{39B81C62-574B-4AE1-8857-782ACF68DCBE}"/>
+              </a:ext>
+            </a:extLst>
+          </p:cNvPr>
+          <p:cNvPicPr>
+            <a:picLocks noChangeAspect="1"/>
+          </p:cNvPicPr>
+          <p:nvPr/>
+        </p:nvPicPr>
+        <p:blipFill>
+          <a:blip r:embed="rId4"/>
+          <a:stretch>
+            <a:fillRect/>
+          </a:stretch>
+        </p:blipFill>
+        <p:spPr>
+          <a:xfrm>
+            <a:off x="3657259" y="2911357"/>
+            <a:ext cx="4877481" cy="2219635"/>
+          </a:xfrm>
+          <a:prstGeom prst="rect">
+            <a:avLst/>
+          </a:prstGeom>
+        </p:spPr>
+      </p:pic>
+    </p:spTree>
+    <p:extLst>
+      <p:ext uri="{BB962C8B-B14F-4D97-AF65-F5344CB8AC3E}">
+        <p14:creationId xmlns:p14="http://schemas.microsoft.com/office/powerpoint/2010/main" val="3663365176"/>
+      </p:ext>
+    </p:extLst>
+  </p:cSld>
+  <p:clrMapOvr>
+    <a:masterClrMapping/>
+  </p:clrMapOvr>
+  <mc:AlternateContent xmlns:mc="http://schemas.openxmlformats.org/markup-compatibility/2006" xmlns:p14="http://schemas.microsoft.com/office/powerpoint/2010/main">
+    <mc:Choice Requires="p14">
+      <p:transition/>
+    </mc:Choice>
+    <mc:Fallback xmlns:dsp="http://schemas.microsoft.com/office/drawing/2008/diagram" xmlns:dgm="http://schemas.openxmlformats.org/drawingml/2006/diagram" xmlns:c="http://schemas.openxmlformats.org/drawingml/2006/chart" xmlns="">
+      <p:transition/>
+    </mc:Fallback>
+  </mc:AlternateContent>
+  <p:timing>
+    <p:tnLst>
+      <p:par>
+        <p:cTn id="1" dur="indefinite" restart="never" nodeType="tmRoot">
+          <p:childTnLst>
+            <p:seq concurrent="1" nextAc="seek">
+              <p:cTn id="2" dur="indefinite" nodeType="mainSeq">
+                <p:childTnLst>
+                  <p:par>
+                    <p:cTn id="3" fill="hold">
+                      <p:stCondLst>
+                        <p:cond delay="indefinite"/>
+                      </p:stCondLst>
+                      <p:childTnLst>
+                        <p:par>
+                          <p:cTn id="4" fill="hold">
+                            <p:stCondLst>
+                              <p:cond delay="0"/>
+                            </p:stCondLst>
+                            <p:childTnLst>
+                              <p:par>
+                                <p:cTn id="5" presetID="42" presetClass="exit" presetSubtype="0" fill="hold" nodeType="clickEffect">
+                                  <p:stCondLst>
+                                    <p:cond delay="0"/>
+                                  </p:stCondLst>
+                                  <p:childTnLst>
+                                    <p:animEffect transition="out" filter="fade">
+                                      <p:cBhvr>
+                                        <p:cTn id="6" dur="1000"/>
+                                        <p:tgtEl>
+                                          <p:spTgt spid="6"/>
+                                        </p:tgtEl>
+                                      </p:cBhvr>
+                                    </p:animEffect>
+                                    <p:anim calcmode="lin" valueType="num">
+                                      <p:cBhvr>
+                                        <p:cTn id="7" dur="1000"/>
+                                        <p:tgtEl>
+                                          <p:spTgt spid="6"/>
+                                        </p:tgtEl>
+                                        <p:attrNameLst>
+                                          <p:attrName>ppt_x</p:attrName>
+                                        </p:attrNameLst>
+                                      </p:cBhvr>
+                                      <p:tavLst>
+                                        <p:tav tm="0">
+                                          <p:val>
+                                            <p:strVal val="ppt_x"/>
+                                          </p:val>
+                                        </p:tav>
+                                        <p:tav tm="100000">
+                                          <p:val>
+                                            <p:strVal val="ppt_x"/>
+                                          </p:val>
+                                        </p:tav>
+                                      </p:tavLst>
+                                    </p:anim>
+                                    <p:anim calcmode="lin" valueType="num">
+                                      <p:cBhvr>
+                                        <p:cTn id="8" dur="1000"/>
+                                        <p:tgtEl>
+                                          <p:spTgt spid="6"/>
+                                        </p:tgtEl>
+                                        <p:attrNameLst>
+                                          <p:attrName>ppt_y</p:attrName>
+                                        </p:attrNameLst>
+                                      </p:cBhvr>
+                                      <p:tavLst>
+                                        <p:tav tm="0">
+                                          <p:val>
+                                            <p:strVal val="ppt_y"/>
+                                          </p:val>
+                                        </p:tav>
+                                        <p:tav tm="100000">
+                                          <p:val>
+                                            <p:strVal val="ppt_y+.1"/>
+                                          </p:val>
+                                        </p:tav>
+                                      </p:tavLst>
+                                    </p:anim>
+                                    <p:set>
+                                      <p:cBhvr>
+                                        <p:cTn id="9" dur="1" fill="hold">
+                                          <p:stCondLst>
+                                            <p:cond delay="999"/>
+                                          </p:stCondLst>
+                                        </p:cTn>
+                                        <p:tgtEl>
+                                          <p:spTgt spid="6"/>
+                                        </p:tgtEl>
+                                        <p:attrNameLst>
+                                          <p:attrName>style.visibility</p:attrName>
+                                        </p:attrNameLst>
+                                      </p:cBhvr>
+                                      <p:to>
+                                        <p:strVal val="hidden"/>
+                                      </p:to>
+                                    </p:set>
+                                  </p:childTnLst>
+                                </p:cTn>
+                              </p:par>
+                              <p:par>
+                                <p:cTn id="10" presetID="42" presetClass="entr" presetSubtype="0" fill="hold" nodeType="withEffect">
+                                  <p:stCondLst>
+                                    <p:cond delay="0"/>
+                                  </p:stCondLst>
+                                  <p:childTnLst>
+                                    <p:set>
+                                      <p:cBhvr>
+                                        <p:cTn id="11" dur="1" fill="hold">
+                                          <p:stCondLst>
+                                            <p:cond delay="0"/>
+                                          </p:stCondLst>
+                                        </p:cTn>
+                                        <p:tgtEl>
+                                          <p:spTgt spid="8"/>
+                                        </p:tgtEl>
+                                        <p:attrNameLst>
+                                          <p:attrName>style.visibility</p:attrName>
+                                        </p:attrNameLst>
+                                      </p:cBhvr>
+                                      <p:to>
+                                        <p:strVal val="visible"/>
+                                      </p:to>
+                                    </p:set>
+                                    <p:animEffect transition="in" filter="fade">
+                                      <p:cBhvr>
+                                        <p:cTn id="12" dur="1000"/>
+                                        <p:tgtEl>
+                                          <p:spTgt spid="8"/>
+                                        </p:tgtEl>
+                                      </p:cBhvr>
+                                    </p:animEffect>
+                                    <p:anim calcmode="lin" valueType="num">
+                                      <p:cBhvr>
+                                        <p:cTn id="13" dur="1000" fill="hold"/>
+                                        <p:tgtEl>
+                                          <p:spTgt spid="8"/>
+                                        </p:tgtEl>
+                                        <p:attrNameLst>
+                                          <p:attrName>ppt_x</p:attrName>
+                                        </p:attrNameLst>
+                                      </p:cBhvr>
+                                      <p:tavLst>
+                                        <p:tav tm="0">
+                                          <p:val>
+                                            <p:strVal val="#ppt_x"/>
+                                          </p:val>
+                                        </p:tav>
+                                        <p:tav tm="100000">
+                                          <p:val>
+                                            <p:strVal val="#ppt_x"/>
+                                          </p:val>
+                                        </p:tav>
+                                      </p:tavLst>
+                                    </p:anim>
+                                    <p:anim calcmode="lin" valueType="num">
+                                      <p:cBhvr>
+                                        <p:cTn id="14" dur="1000" fill="hold"/>
+                                        <p:tgtEl>
+                                          <p:spTgt spid="8"/>
+                                        </p:tgtEl>
+                                        <p:attrNameLst>
+                                          <p:attrName>ppt_y</p:attrName>
+                                        </p:attrNameLst>
+                                      </p:cBhvr>
+                                      <p:tavLst>
+                                        <p:tav tm="0">
+                                          <p:val>
+                                            <p:strVal val="#ppt_y+.1"/>
+                                          </p:val>
+                                        </p:tav>
+                                        <p:tav tm="100000">
+                                          <p:val>
+                                            <p:strVal val="#ppt_y"/>
+                                          </p:val>
+                                        </p:tav>
+                                      </p:tavLst>
+                                    </p:anim>
+                                  </p:childTnLst>
+                                </p:cTn>
+                              </p:par>
+                            </p:childTnLst>
+                          </p:cTn>
+                        </p:par>
+                      </p:childTnLst>
+                    </p:cTn>
+                  </p:par>
+                  <p:par>
+                    <p:cTn id="15" fill="hold">
+                      <p:stCondLst>
+                        <p:cond delay="indefinite"/>
+                      </p:stCondLst>
+                      <p:childTnLst>
+                        <p:par>
+                          <p:cTn id="16" fill="hold">
+                            <p:stCondLst>
+                              <p:cond delay="0"/>
+                            </p:stCondLst>
+                            <p:childTnLst>
+                              <p:par>
+                                <p:cTn id="17" presetID="42" presetClass="entr" presetSubtype="0" fill="hold" nodeType="clickEffect">
+                                  <p:stCondLst>
+                                    <p:cond delay="0"/>
+                                  </p:stCondLst>
+                                  <p:childTnLst>
+                                    <p:set>
+                                      <p:cBhvr>
+                                        <p:cTn id="18" dur="1" fill="hold">
+                                          <p:stCondLst>
+                                            <p:cond delay="0"/>
+                                          </p:stCondLst>
+                                        </p:cTn>
+                                        <p:tgtEl>
+                                          <p:spTgt spid="10"/>
+                                        </p:tgtEl>
+                                        <p:attrNameLst>
+                                          <p:attrName>style.visibility</p:attrName>
+                                        </p:attrNameLst>
+                                      </p:cBhvr>
+                                      <p:to>
+                                        <p:strVal val="visible"/>
+                                      </p:to>
+                                    </p:set>
+                                    <p:animEffect transition="in" filter="fade">
+                                      <p:cBhvr>
+                                        <p:cTn id="19" dur="1000"/>
+                                        <p:tgtEl>
+                                          <p:spTgt spid="10"/>
+                                        </p:tgtEl>
+                                      </p:cBhvr>
+                                    </p:animEffect>
+                                    <p:anim calcmode="lin" valueType="num">
+                                      <p:cBhvr>
+                                        <p:cTn id="20" dur="1000" fill="hold"/>
+                                        <p:tgtEl>
+                                          <p:spTgt spid="10"/>
+                                        </p:tgtEl>
+                                        <p:attrNameLst>
+                                          <p:attrName>ppt_x</p:attrName>
+                                        </p:attrNameLst>
+                                      </p:cBhvr>
+                                      <p:tavLst>
+                                        <p:tav tm="0">
+                                          <p:val>
+                                            <p:strVal val="#ppt_x"/>
+                                          </p:val>
+                                        </p:tav>
+                                        <p:tav tm="100000">
+                                          <p:val>
+                                            <p:strVal val="#ppt_x"/>
+                                          </p:val>
+                                        </p:tav>
+                                      </p:tavLst>
+                                    </p:anim>
+                                    <p:anim calcmode="lin" valueType="num">
+                                      <p:cBhvr>
+                                        <p:cTn id="21" dur="1000" fill="hold"/>
+                                        <p:tgtEl>
+                                          <p:spTgt spid="10"/>
+                                        </p:tgtEl>
+                                        <p:attrNameLst>
+                                          <p:attrName>ppt_y</p:attrName>
+                                        </p:attrNameLst>
+                                      </p:cBhvr>
+                                      <p:tavLst>
+                                        <p:tav tm="0">
+                                          <p:val>
+                                            <p:strVal val="#ppt_y+.1"/>
+                                          </p:val>
+                                        </p:tav>
+                                        <p:tav tm="100000">
+                                          <p:val>
+                                            <p:strVal val="#ppt_y"/>
+                                          </p:val>
+                                        </p:tav>
+                                      </p:tavLst>
+                                    </p:anim>
+                                  </p:childTnLst>
+                                </p:cTn>
+                              </p:par>
+                              <p:par>
+                                <p:cTn id="22" presetID="42" presetClass="exit" presetSubtype="0" fill="hold" nodeType="withEffect">
+                                  <p:stCondLst>
+                                    <p:cond delay="0"/>
+                                  </p:stCondLst>
+                                  <p:childTnLst>
+                                    <p:animEffect transition="out" filter="fade">
+                                      <p:cBhvr>
+                                        <p:cTn id="23" dur="1000"/>
+                                        <p:tgtEl>
+                                          <p:spTgt spid="8"/>
+                                        </p:tgtEl>
+                                      </p:cBhvr>
+                                    </p:animEffect>
+                                    <p:anim calcmode="lin" valueType="num">
+                                      <p:cBhvr>
+                                        <p:cTn id="24" dur="1000"/>
+                                        <p:tgtEl>
+                                          <p:spTgt spid="8"/>
+                                        </p:tgtEl>
+                                        <p:attrNameLst>
+                                          <p:attrName>ppt_x</p:attrName>
+                                        </p:attrNameLst>
+                                      </p:cBhvr>
+                                      <p:tavLst>
+                                        <p:tav tm="0">
+                                          <p:val>
+                                            <p:strVal val="ppt_x"/>
+                                          </p:val>
+                                        </p:tav>
+                                        <p:tav tm="100000">
+                                          <p:val>
+                                            <p:strVal val="ppt_x"/>
+                                          </p:val>
+                                        </p:tav>
+                                      </p:tavLst>
+                                    </p:anim>
+                                    <p:anim calcmode="lin" valueType="num">
+                                      <p:cBhvr>
+                                        <p:cTn id="25" dur="1000"/>
+                                        <p:tgtEl>
+                                          <p:spTgt spid="8"/>
+                                        </p:tgtEl>
+                                        <p:attrNameLst>
+                                          <p:attrName>ppt_y</p:attrName>
+                                        </p:attrNameLst>
+                                      </p:cBhvr>
+                                      <p:tavLst>
+                                        <p:tav tm="0">
+                                          <p:val>
+                                            <p:strVal val="ppt_y"/>
+                                          </p:val>
+                                        </p:tav>
+                                        <p:tav tm="100000">
+                                          <p:val>
+                                            <p:strVal val="ppt_y+.1"/>
+                                          </p:val>
+                                        </p:tav>
+                                      </p:tavLst>
+                                    </p:anim>
+                                    <p:set>
+                                      <p:cBhvr>
+                                        <p:cTn id="26" dur="1" fill="hold">
+                                          <p:stCondLst>
+                                            <p:cond delay="999"/>
+                                          </p:stCondLst>
+                                        </p:cTn>
+                                        <p:tgtEl>
+                                          <p:spTgt spid="8"/>
+                                        </p:tgtEl>
+                                        <p:attrNameLst>
+                                          <p:attrName>style.visibility</p:attrName>
+                                        </p:attrNameLst>
+                                      </p:cBhvr>
+                                      <p:to>
+                                        <p:strVal val="hidden"/>
+                                      </p:to>
+                                    </p:set>
+                                  </p:childTnLst>
+                                </p:cTn>
+                              </p:par>
+                            </p:childTnLst>
+                          </p:cTn>
+                        </p:par>
+                      </p:childTnLst>
+                    </p:cTn>
+                  </p:par>
+                </p:childTnLst>
+              </p:cTn>
+              <p:prevCondLst>
+                <p:cond evt="onPrev" delay="0">
+                  <p:tgtEl>
+                    <p:sldTgt/>
+                  </p:tgtEl>
+                </p:cond>
+              </p:prevCondLst>
+              <p:nextCondLst>
+                <p:cond evt="onNext" delay="0">
+                  <p:tgtEl>
+                    <p:sldTgt/>
+                  </p:tgtEl>
+                </p:cond>
+              </p:nextCondLst>
+            </p:seq>
+          </p:childTnLst>
+        </p:cTn>
+      </p:par>
+    </p:tnLst>
+  </p:timing>
+</p:sld>
+</file>
+
+<file path=ppt/slides/slide18.xml><?xml version="1.0" encoding="utf-8"?>
+<p:sld xmlns:a="http://schemas.openxmlformats.org/drawingml/2006/main" xmlns:r="http://schemas.openxmlformats.org/officeDocument/2006/relationships" xmlns:p="http://schemas.openxmlformats.org/presentationml/2006/main">
+  <p:cSld>
+    <p:spTree>
+      <p:nvGrpSpPr>
+        <p:cNvPr id="1" name=""/>
+        <p:cNvGrpSpPr/>
+        <p:nvPr/>
+      </p:nvGrpSpPr>
+      <p:grpSpPr>
+        <a:xfrm>
+          <a:off x="0" y="0"/>
+          <a:ext cx="0" cy="0"/>
+          <a:chOff x="0" y="0"/>
+          <a:chExt cx="0" cy="0"/>
+        </a:xfrm>
+      </p:grpSpPr>
+      <p:sp>
+        <p:nvSpPr>
+          <p:cNvPr id="2" name="제목 1"/>
+          <p:cNvSpPr>
+            <a:spLocks noGrp="1"/>
+          </p:cNvSpPr>
+          <p:nvPr>
+            <p:ph type="title"/>
+          </p:nvPr>
+        </p:nvSpPr>
+        <p:spPr/>
+        <p:txBody>
+          <a:bodyPr/>
+          <a:lstStyle/>
+          <a:p>
+            <a:pPr lvl="0">
+              <a:defRPr/>
+            </a:pPr>
+            <a:r>
+              <a:rPr lang="en-US" altLang="ko-KR"/>
+              <a:t>2. </a:t>
+            </a:r>
+            <a:r>
+              <a:rPr lang="ko-KR" altLang="en-US"/>
+              <a:t>모델</a:t>
+            </a:r>
+          </a:p>
+        </p:txBody>
+      </p:sp>
+      <p:pic>
+        <p:nvPicPr>
+          <p:cNvPr id="3" name="그림 2">
+            <a:extLst>
+              <a:ext uri="{FF2B5EF4-FFF2-40B4-BE49-F238E27FC236}">
+                <a16:creationId xmlns:a16="http://schemas.microsoft.com/office/drawing/2014/main" id="{1751F4ED-926D-47DD-B52D-008C5504B41B}"/>
+              </a:ext>
+            </a:extLst>
+          </p:cNvPr>
+          <p:cNvPicPr>
+            <a:picLocks noChangeAspect="1"/>
+          </p:cNvPicPr>
+          <p:nvPr/>
+        </p:nvPicPr>
+        <p:blipFill>
+          <a:blip r:embed="rId2"/>
+          <a:stretch>
+            <a:fillRect/>
+          </a:stretch>
+        </p:blipFill>
+        <p:spPr>
+          <a:xfrm>
+            <a:off x="1356435" y="2184400"/>
+            <a:ext cx="7644221" cy="3526281"/>
+          </a:xfrm>
+          <a:prstGeom prst="rect">
+            <a:avLst/>
+          </a:prstGeom>
+        </p:spPr>
+      </p:pic>
+      <p:sp>
+        <p:nvSpPr>
+          <p:cNvPr id="5" name="내용 개체 틀 2">
+            <a:extLst>
+              <a:ext uri="{FF2B5EF4-FFF2-40B4-BE49-F238E27FC236}">
+                <a16:creationId xmlns:a16="http://schemas.microsoft.com/office/drawing/2014/main" id="{BFF30869-9336-40A7-B9CF-64F1DC25C819}"/>
+              </a:ext>
+            </a:extLst>
+          </p:cNvPr>
+          <p:cNvSpPr txBox="1">
+            <a:spLocks/>
+          </p:cNvSpPr>
+          <p:nvPr/>
+        </p:nvSpPr>
+        <p:spPr>
+          <a:xfrm>
+            <a:off x="545432" y="1392400"/>
+            <a:ext cx="10993426" cy="4603917"/>
+          </a:xfrm>
+          <a:prstGeom prst="rect">
+            <a:avLst/>
+          </a:prstGeom>
+        </p:spPr>
+        <p:txBody>
+          <a:bodyPr vert="horz" lIns="91440" tIns="45720" rIns="91440" bIns="45720" rtlCol="0">
+            <a:normAutofit/>
+          </a:bodyPr>
+          <a:lstStyle>
+            <a:lvl1pPr marL="228600" indent="-228600" algn="l" defTabSz="914400" rtl="0" eaLnBrk="1" latinLnBrk="1" hangingPunct="1">
+              <a:lnSpc>
+                <a:spcPct val="90000"/>
+              </a:lnSpc>
+              <a:spcBef>
+                <a:spcPts val="1000"/>
+              </a:spcBef>
+              <a:buFont typeface="Arial" panose="020B0604020202020204" pitchFamily="34" charset="0"/>
+              <a:buChar char="•"/>
+              <a:defRPr sz="2800" kern="1200">
+                <a:solidFill>
+                  <a:schemeClr val="tx1"/>
+                </a:solidFill>
+                <a:latin typeface="+mn-lt"/>
+                <a:ea typeface="+mn-ea"/>
+                <a:cs typeface="+mn-cs"/>
+              </a:defRPr>
+            </a:lvl1pPr>
+            <a:lvl2pPr marL="685800" indent="-228600" algn="l" defTabSz="914400" rtl="0" eaLnBrk="1" latinLnBrk="1" hangingPunct="1">
+              <a:lnSpc>
+                <a:spcPct val="90000"/>
+              </a:lnSpc>
+              <a:spcBef>
+                <a:spcPts val="500"/>
+              </a:spcBef>
+              <a:buFont typeface="Arial" panose="020B0604020202020204" pitchFamily="34" charset="0"/>
+              <a:buChar char="•"/>
+              <a:defRPr sz="2400" kern="1200">
+                <a:solidFill>
+                  <a:schemeClr val="tx1"/>
+                </a:solidFill>
+                <a:latin typeface="+mn-lt"/>
+                <a:ea typeface="+mn-ea"/>
+                <a:cs typeface="+mn-cs"/>
+              </a:defRPr>
+            </a:lvl2pPr>
+            <a:lvl3pPr marL="1143000" indent="-228600" algn="l" defTabSz="914400" rtl="0" eaLnBrk="1" latinLnBrk="1" hangingPunct="1">
+              <a:lnSpc>
+                <a:spcPct val="90000"/>
+              </a:lnSpc>
+              <a:spcBef>
+                <a:spcPts val="500"/>
+              </a:spcBef>
+              <a:buFont typeface="Arial" panose="020B0604020202020204" pitchFamily="34" charset="0"/>
+              <a:buChar char="•"/>
+              <a:defRPr sz="2000" kern="1200">
+                <a:solidFill>
+                  <a:schemeClr val="tx1"/>
+                </a:solidFill>
+                <a:latin typeface="+mn-lt"/>
+                <a:ea typeface="+mn-ea"/>
+                <a:cs typeface="+mn-cs"/>
+              </a:defRPr>
+            </a:lvl3pPr>
+            <a:lvl4pPr marL="1600200" indent="-228600" algn="l" defTabSz="914400" rtl="0" eaLnBrk="1" latinLnBrk="1" hangingPunct="1">
+              <a:lnSpc>
+                <a:spcPct val="90000"/>
+              </a:lnSpc>
+              <a:spcBef>
+                <a:spcPts val="500"/>
+              </a:spcBef>
+              <a:buFont typeface="Arial" panose="020B0604020202020204" pitchFamily="34" charset="0"/>
+              <a:buChar char="•"/>
+              <a:defRPr sz="1800" kern="1200">
+                <a:solidFill>
+                  <a:schemeClr val="tx1"/>
+                </a:solidFill>
+                <a:latin typeface="+mn-lt"/>
+                <a:ea typeface="+mn-ea"/>
+                <a:cs typeface="+mn-cs"/>
+              </a:defRPr>
+            </a:lvl4pPr>
+            <a:lvl5pPr marL="2057400" indent="-228600" algn="l" defTabSz="914400" rtl="0" eaLnBrk="1" latinLnBrk="1" hangingPunct="1">
+              <a:lnSpc>
+                <a:spcPct val="90000"/>
+              </a:lnSpc>
+              <a:spcBef>
+                <a:spcPts val="500"/>
+              </a:spcBef>
+              <a:buFont typeface="Arial" panose="020B0604020202020204" pitchFamily="34" charset="0"/>
+              <a:buChar char="•"/>
+              <a:defRPr sz="1800" kern="1200">
+                <a:solidFill>
+                  <a:schemeClr val="tx1"/>
+                </a:solidFill>
+                <a:latin typeface="+mn-lt"/>
+                <a:ea typeface="+mn-ea"/>
+                <a:cs typeface="+mn-cs"/>
+              </a:defRPr>
+            </a:lvl5pPr>
+            <a:lvl6pPr marL="2514600" indent="-228600" algn="l" defTabSz="914400" rtl="0" eaLnBrk="1" latinLnBrk="1" hangingPunct="1">
+              <a:lnSpc>
+                <a:spcPct val="90000"/>
+              </a:lnSpc>
+              <a:spcBef>
+                <a:spcPts val="500"/>
+              </a:spcBef>
+              <a:buFont typeface="Arial" panose="020B0604020202020204" pitchFamily="34" charset="0"/>
+              <a:buChar char="•"/>
+              <a:defRPr sz="1800" kern="1200">
+                <a:solidFill>
+                  <a:schemeClr val="tx1"/>
+                </a:solidFill>
+                <a:latin typeface="+mn-lt"/>
+                <a:ea typeface="+mn-ea"/>
+                <a:cs typeface="+mn-cs"/>
+              </a:defRPr>
+            </a:lvl6pPr>
+            <a:lvl7pPr marL="2971800" indent="-228600" algn="l" defTabSz="914400" rtl="0" eaLnBrk="1" latinLnBrk="1" hangingPunct="1">
+              <a:lnSpc>
+                <a:spcPct val="90000"/>
+              </a:lnSpc>
+              <a:spcBef>
+                <a:spcPts val="500"/>
+              </a:spcBef>
+              <a:buFont typeface="Arial" panose="020B0604020202020204" pitchFamily="34" charset="0"/>
+              <a:buChar char="•"/>
+              <a:defRPr sz="1800" kern="1200">
+                <a:solidFill>
+                  <a:schemeClr val="tx1"/>
+                </a:solidFill>
+                <a:latin typeface="+mn-lt"/>
+                <a:ea typeface="+mn-ea"/>
+                <a:cs typeface="+mn-cs"/>
+              </a:defRPr>
+            </a:lvl7pPr>
+            <a:lvl8pPr marL="3429000" indent="-228600" algn="l" defTabSz="914400" rtl="0" eaLnBrk="1" latinLnBrk="1" hangingPunct="1">
+              <a:lnSpc>
+                <a:spcPct val="90000"/>
+              </a:lnSpc>
+              <a:spcBef>
+                <a:spcPts val="500"/>
+              </a:spcBef>
+              <a:buFont typeface="Arial" panose="020B0604020202020204" pitchFamily="34" charset="0"/>
+              <a:buChar char="•"/>
+              <a:defRPr sz="1800" kern="1200">
+                <a:solidFill>
+                  <a:schemeClr val="tx1"/>
+                </a:solidFill>
+                <a:latin typeface="+mn-lt"/>
+                <a:ea typeface="+mn-ea"/>
+                <a:cs typeface="+mn-cs"/>
+              </a:defRPr>
+            </a:lvl8pPr>
+            <a:lvl9pPr marL="3886200" indent="-228600" algn="l" defTabSz="914400" rtl="0" eaLnBrk="1" latinLnBrk="1" hangingPunct="1">
+              <a:lnSpc>
+                <a:spcPct val="90000"/>
+              </a:lnSpc>
+              <a:spcBef>
+                <a:spcPts val="500"/>
+              </a:spcBef>
+              <a:buFont typeface="Arial" panose="020B0604020202020204" pitchFamily="34" charset="0"/>
+              <a:buChar char="•"/>
+              <a:defRPr sz="1800" kern="1200">
+                <a:solidFill>
+                  <a:schemeClr val="tx1"/>
+                </a:solidFill>
+                <a:latin typeface="+mn-lt"/>
+                <a:ea typeface="+mn-ea"/>
+                <a:cs typeface="+mn-cs"/>
+              </a:defRPr>
+            </a:lvl9pPr>
+          </a:lstStyle>
+          <a:p>
+            <a:pPr marL="514350" indent="-514350">
+              <a:buFont typeface="+mj-ea"/>
+              <a:buAutoNum type="circleNumDbPlain" startAt="5"/>
+              <a:defRPr/>
+            </a:pPr>
+            <a:r>
+              <a:rPr lang="en-US" altLang="ko-KR" dirty="0"/>
+              <a:t>Efficient Transformer Aggregator</a:t>
+            </a:r>
+            <a:endParaRPr lang="ko-KR" altLang="en-US" dirty="0"/>
+          </a:p>
+        </p:txBody>
+      </p:sp>
+      <p:pic>
+        <p:nvPicPr>
+          <p:cNvPr id="6" name="그림 5">
+            <a:extLst>
+              <a:ext uri="{FF2B5EF4-FFF2-40B4-BE49-F238E27FC236}">
+                <a16:creationId xmlns:a16="http://schemas.microsoft.com/office/drawing/2014/main" id="{9B6531C8-D62F-4335-89F6-7D1AB5FCBD65}"/>
+              </a:ext>
+            </a:extLst>
+          </p:cNvPr>
+          <p:cNvPicPr>
+            <a:picLocks noChangeAspect="1"/>
+          </p:cNvPicPr>
+          <p:nvPr/>
+        </p:nvPicPr>
+        <p:blipFill rotWithShape="1">
+          <a:blip r:embed="rId2"/>
+          <a:srcRect r="81194" b="43456"/>
+          <a:stretch/>
+        </p:blipFill>
+        <p:spPr>
+          <a:xfrm>
+            <a:off x="1356434" y="2184399"/>
+            <a:ext cx="1437567" cy="1993901"/>
+          </a:xfrm>
+          <a:prstGeom prst="rect">
+            <a:avLst/>
+          </a:prstGeom>
+        </p:spPr>
+      </p:pic>
+      <p:pic>
+        <p:nvPicPr>
+          <p:cNvPr id="7" name="그림 6">
+            <a:extLst>
+              <a:ext uri="{FF2B5EF4-FFF2-40B4-BE49-F238E27FC236}">
+                <a16:creationId xmlns:a16="http://schemas.microsoft.com/office/drawing/2014/main" id="{23269BF9-2951-4F6C-AFCE-97DCDAF8DB2D}"/>
+              </a:ext>
+            </a:extLst>
+          </p:cNvPr>
+          <p:cNvPicPr>
+            <a:picLocks noChangeAspect="1"/>
+          </p:cNvPicPr>
+          <p:nvPr/>
+        </p:nvPicPr>
+        <p:blipFill>
+          <a:blip r:embed="rId3"/>
+          <a:stretch>
+            <a:fillRect/>
+          </a:stretch>
+        </p:blipFill>
+        <p:spPr>
+          <a:xfrm>
+            <a:off x="8949856" y="3300501"/>
+            <a:ext cx="2457793" cy="1086002"/>
+          </a:xfrm>
+          <a:prstGeom prst="rect">
+            <a:avLst/>
+          </a:prstGeom>
+        </p:spPr>
+      </p:pic>
+    </p:spTree>
+    <p:extLst>
+      <p:ext uri="{BB962C8B-B14F-4D97-AF65-F5344CB8AC3E}">
+        <p14:creationId xmlns:p14="http://schemas.microsoft.com/office/powerpoint/2010/main" val="199489603"/>
+      </p:ext>
+    </p:extLst>
+  </p:cSld>
+  <p:clrMapOvr>
+    <a:masterClrMapping/>
+  </p:clrMapOvr>
+  <p:transition/>
+  <p:timing>
+    <p:tnLst>
+      <p:par>
+        <p:cTn id="1" dur="indefinite" restart="never" nodeType="tmRoot">
+          <p:childTnLst>
+            <p:seq concurrent="1" nextAc="seek">
+              <p:cTn id="2" dur="indefinite" nodeType="mainSeq">
+                <p:childTnLst>
+                  <p:par>
+                    <p:cTn id="3" fill="hold">
+                      <p:stCondLst>
+                        <p:cond delay="indefinite"/>
+                      </p:stCondLst>
+                      <p:childTnLst>
+                        <p:par>
+                          <p:cTn id="4" fill="hold">
+                            <p:stCondLst>
+                              <p:cond delay="0"/>
+                            </p:stCondLst>
+                            <p:childTnLst>
+                              <p:par>
+                                <p:cTn id="5" presetID="22" presetClass="exit" presetSubtype="4" fill="hold" nodeType="clickEffect">
+                                  <p:stCondLst>
+                                    <p:cond delay="0"/>
+                                  </p:stCondLst>
+                                  <p:childTnLst>
+                                    <p:animEffect transition="out" filter="wipe(down)">
+                                      <p:cBhvr>
+                                        <p:cTn id="6" dur="500"/>
+                                        <p:tgtEl>
+                                          <p:spTgt spid="3"/>
+                                        </p:tgtEl>
+                                      </p:cBhvr>
+                                    </p:animEffect>
+                                    <p:set>
+                                      <p:cBhvr>
+                                        <p:cTn id="7" dur="1" fill="hold">
+                                          <p:stCondLst>
+                                            <p:cond delay="499"/>
+                                          </p:stCondLst>
+                                        </p:cTn>
+                                        <p:tgtEl>
+                                          <p:spTgt spid="3"/>
+                                        </p:tgtEl>
+                                        <p:attrNameLst>
+                                          <p:attrName>style.visibility</p:attrName>
+                                        </p:attrNameLst>
+                                      </p:cBhvr>
+                                      <p:to>
+                                        <p:strVal val="hidden"/>
+                                      </p:to>
+                                    </p:set>
+                                  </p:childTnLst>
+                                </p:cTn>
+                              </p:par>
+                            </p:childTnLst>
+                          </p:cTn>
+                        </p:par>
+                      </p:childTnLst>
+                    </p:cTn>
+                  </p:par>
+                </p:childTnLst>
+              </p:cTn>
+              <p:prevCondLst>
+                <p:cond evt="onPrev" delay="0">
+                  <p:tgtEl>
+                    <p:sldTgt/>
+                  </p:tgtEl>
+                </p:cond>
+              </p:prevCondLst>
+              <p:nextCondLst>
+                <p:cond evt="onNext" delay="0">
+                  <p:tgtEl>
+                    <p:sldTgt/>
+                  </p:tgtEl>
+                </p:cond>
+              </p:nextCondLst>
+            </p:seq>
+          </p:childTnLst>
+        </p:cTn>
+      </p:par>
+    </p:tnLst>
+  </p:timing>
+</p:sld>
+</file>
+
+<file path=ppt/slides/slide19.xml><?xml version="1.0" encoding="utf-8"?>
+<p:sld xmlns:a="http://schemas.openxmlformats.org/drawingml/2006/main" xmlns:r="http://schemas.openxmlformats.org/officeDocument/2006/relationships" xmlns:p="http://schemas.openxmlformats.org/presentationml/2006/main">
+  <p:cSld>
+    <p:spTree>
+      <p:nvGrpSpPr>
+        <p:cNvPr id="1" name=""/>
+        <p:cNvGrpSpPr/>
+        <p:nvPr/>
+      </p:nvGrpSpPr>
+      <p:grpSpPr>
+        <a:xfrm>
+          <a:off x="0" y="0"/>
+          <a:ext cx="0" cy="0"/>
+          <a:chOff x="0" y="0"/>
+          <a:chExt cx="0" cy="0"/>
+        </a:xfrm>
+      </p:grpSpPr>
+      <p:sp>
+        <p:nvSpPr>
+          <p:cNvPr id="2" name="제목 1"/>
+          <p:cNvSpPr>
+            <a:spLocks noGrp="1"/>
+          </p:cNvSpPr>
+          <p:nvPr>
+            <p:ph type="title"/>
+          </p:nvPr>
+        </p:nvSpPr>
+        <p:spPr/>
+        <p:txBody>
+          <a:bodyPr/>
+          <a:lstStyle/>
+          <a:p>
+            <a:pPr lvl="0">
+              <a:defRPr/>
+            </a:pPr>
+            <a:r>
+              <a:rPr lang="en-US" altLang="ko-KR"/>
+              <a:t>2. </a:t>
+            </a:r>
+            <a:r>
+              <a:rPr lang="ko-KR" altLang="en-US"/>
+              <a:t>모델</a:t>
+            </a:r>
+          </a:p>
+        </p:txBody>
+      </p:sp>
+      <p:pic>
+        <p:nvPicPr>
+          <p:cNvPr id="3" name="그림 2">
+            <a:extLst>
+              <a:ext uri="{FF2B5EF4-FFF2-40B4-BE49-F238E27FC236}">
+                <a16:creationId xmlns:a16="http://schemas.microsoft.com/office/drawing/2014/main" id="{46873797-86B4-4B75-9F1B-F31C3D9649FF}"/>
+              </a:ext>
+            </a:extLst>
+          </p:cNvPr>
+          <p:cNvPicPr>
+            <a:picLocks noChangeAspect="1"/>
+          </p:cNvPicPr>
+          <p:nvPr/>
+        </p:nvPicPr>
+        <p:blipFill>
+          <a:blip r:embed="rId2"/>
+          <a:stretch>
+            <a:fillRect/>
+          </a:stretch>
+        </p:blipFill>
+        <p:spPr>
+          <a:xfrm>
+            <a:off x="2985209" y="0"/>
+            <a:ext cx="7516981" cy="6858000"/>
+          </a:xfrm>
+          <a:prstGeom prst="rect">
+            <a:avLst/>
+          </a:prstGeom>
+        </p:spPr>
+      </p:pic>
+      <p:pic>
+        <p:nvPicPr>
+          <p:cNvPr id="5" name="그림 4">
+            <a:extLst>
+              <a:ext uri="{FF2B5EF4-FFF2-40B4-BE49-F238E27FC236}">
+                <a16:creationId xmlns:a16="http://schemas.microsoft.com/office/drawing/2014/main" id="{F80728A3-09F7-4C51-A87A-4F896DD4B644}"/>
+              </a:ext>
+            </a:extLst>
+          </p:cNvPr>
+          <p:cNvPicPr>
+            <a:picLocks noChangeAspect="1"/>
+          </p:cNvPicPr>
+          <p:nvPr/>
+        </p:nvPicPr>
+        <p:blipFill>
+          <a:blip r:embed="rId3"/>
+          <a:stretch>
+            <a:fillRect/>
+          </a:stretch>
+        </p:blipFill>
+        <p:spPr>
+          <a:xfrm>
+            <a:off x="2323482" y="1690688"/>
+            <a:ext cx="8840434" cy="4363059"/>
+          </a:xfrm>
+          <a:prstGeom prst="rect">
+            <a:avLst/>
+          </a:prstGeom>
+        </p:spPr>
+      </p:pic>
+      <p:pic>
+        <p:nvPicPr>
+          <p:cNvPr id="6" name="그림 5">
+            <a:extLst>
+              <a:ext uri="{FF2B5EF4-FFF2-40B4-BE49-F238E27FC236}">
+                <a16:creationId xmlns:a16="http://schemas.microsoft.com/office/drawing/2014/main" id="{D24B7B96-024A-45F1-B8EE-BB9EC263B4C6}"/>
+              </a:ext>
+            </a:extLst>
+          </p:cNvPr>
+          <p:cNvPicPr>
+            <a:picLocks noChangeAspect="1"/>
+          </p:cNvPicPr>
+          <p:nvPr/>
+        </p:nvPicPr>
+        <p:blipFill>
+          <a:blip r:embed="rId4"/>
+          <a:stretch>
+            <a:fillRect/>
+          </a:stretch>
+        </p:blipFill>
+        <p:spPr>
+          <a:xfrm>
+            <a:off x="1783645" y="1933609"/>
+            <a:ext cx="10097909" cy="3877216"/>
+          </a:xfrm>
+          <a:prstGeom prst="rect">
+            <a:avLst/>
+          </a:prstGeom>
+        </p:spPr>
+      </p:pic>
+    </p:spTree>
+    <p:extLst>
+      <p:ext uri="{BB962C8B-B14F-4D97-AF65-F5344CB8AC3E}">
+        <p14:creationId xmlns:p14="http://schemas.microsoft.com/office/powerpoint/2010/main" val="3208033851"/>
+      </p:ext>
+    </p:extLst>
+  </p:cSld>
+  <p:clrMapOvr>
+    <a:masterClrMapping/>
+  </p:clrMapOvr>
+  <mc:AlternateContent xmlns:mc="http://schemas.openxmlformats.org/markup-compatibility/2006" xmlns:p14="http://schemas.microsoft.com/office/powerpoint/2010/main">
+    <mc:Choice Requires="p14">
+      <p:transition/>
+    </mc:Choice>
+    <mc:Fallback xmlns:dsp="http://schemas.microsoft.com/office/drawing/2008/diagram" xmlns:dgm="http://schemas.openxmlformats.org/drawingml/2006/diagram" xmlns:c="http://schemas.openxmlformats.org/drawingml/2006/chart" xmlns="">
+      <p:transition/>
+    </mc:Fallback>
+  </mc:AlternateContent>
+  <p:timing>
+    <p:tnLst>
+      <p:par>
+        <p:cTn id="1" dur="indefinite" restart="never" nodeType="tmRoot">
+          <p:childTnLst>
+            <p:seq concurrent="1" nextAc="seek">
+              <p:cTn id="2" dur="indefinite" nodeType="mainSeq">
+                <p:childTnLst>
+                  <p:par>
+                    <p:cTn id="3" fill="hold">
+                      <p:stCondLst>
+                        <p:cond delay="indefinite"/>
+                      </p:stCondLst>
+                      <p:childTnLst>
+                        <p:par>
+                          <p:cTn id="4" fill="hold">
+                            <p:stCondLst>
+                              <p:cond delay="0"/>
+                            </p:stCondLst>
+                            <p:childTnLst>
+                              <p:par>
+                                <p:cTn id="5" presetID="42" presetClass="exit" presetSubtype="0" fill="hold" nodeType="clickEffect">
+                                  <p:stCondLst>
+                                    <p:cond delay="0"/>
+                                  </p:stCondLst>
+                                  <p:childTnLst>
+                                    <p:animEffect transition="out" filter="fade">
+                                      <p:cBhvr>
+                                        <p:cTn id="6" dur="1000"/>
+                                        <p:tgtEl>
+                                          <p:spTgt spid="3"/>
+                                        </p:tgtEl>
+                                      </p:cBhvr>
+                                    </p:animEffect>
+                                    <p:anim calcmode="lin" valueType="num">
+                                      <p:cBhvr>
+                                        <p:cTn id="7" dur="1000"/>
+                                        <p:tgtEl>
+                                          <p:spTgt spid="3"/>
+                                        </p:tgtEl>
+                                        <p:attrNameLst>
+                                          <p:attrName>ppt_x</p:attrName>
+                                        </p:attrNameLst>
+                                      </p:cBhvr>
+                                      <p:tavLst>
+                                        <p:tav tm="0">
+                                          <p:val>
+                                            <p:strVal val="ppt_x"/>
+                                          </p:val>
+                                        </p:tav>
+                                        <p:tav tm="100000">
+                                          <p:val>
+                                            <p:strVal val="ppt_x"/>
+                                          </p:val>
+                                        </p:tav>
+                                      </p:tavLst>
+                                    </p:anim>
+                                    <p:anim calcmode="lin" valueType="num">
+                                      <p:cBhvr>
+                                        <p:cTn id="8" dur="1000"/>
+                                        <p:tgtEl>
+                                          <p:spTgt spid="3"/>
+                                        </p:tgtEl>
+                                        <p:attrNameLst>
+                                          <p:attrName>ppt_y</p:attrName>
+                                        </p:attrNameLst>
+                                      </p:cBhvr>
+                                      <p:tavLst>
+                                        <p:tav tm="0">
+                                          <p:val>
+                                            <p:strVal val="ppt_y"/>
+                                          </p:val>
+                                        </p:tav>
+                                        <p:tav tm="100000">
+                                          <p:val>
+                                            <p:strVal val="ppt_y+.1"/>
+                                          </p:val>
+                                        </p:tav>
+                                      </p:tavLst>
+                                    </p:anim>
+                                    <p:set>
+                                      <p:cBhvr>
+                                        <p:cTn id="9" dur="1" fill="hold">
+                                          <p:stCondLst>
+                                            <p:cond delay="999"/>
+                                          </p:stCondLst>
+                                        </p:cTn>
+                                        <p:tgtEl>
+                                          <p:spTgt spid="3"/>
+                                        </p:tgtEl>
+                                        <p:attrNameLst>
+                                          <p:attrName>style.visibility</p:attrName>
+                                        </p:attrNameLst>
+                                      </p:cBhvr>
+                                      <p:to>
+                                        <p:strVal val="hidden"/>
+                                      </p:to>
+                                    </p:set>
+                                  </p:childTnLst>
+                                </p:cTn>
+                              </p:par>
+                              <p:par>
+                                <p:cTn id="10" presetID="42" presetClass="entr" presetSubtype="0" fill="hold" nodeType="withEffect">
+                                  <p:stCondLst>
+                                    <p:cond delay="0"/>
+                                  </p:stCondLst>
+                                  <p:childTnLst>
+                                    <p:set>
+                                      <p:cBhvr>
+                                        <p:cTn id="11" dur="1" fill="hold">
+                                          <p:stCondLst>
+                                            <p:cond delay="0"/>
+                                          </p:stCondLst>
+                                        </p:cTn>
+                                        <p:tgtEl>
+                                          <p:spTgt spid="5"/>
+                                        </p:tgtEl>
+                                        <p:attrNameLst>
+                                          <p:attrName>style.visibility</p:attrName>
+                                        </p:attrNameLst>
+                                      </p:cBhvr>
+                                      <p:to>
+                                        <p:strVal val="visible"/>
+                                      </p:to>
+                                    </p:set>
+                                    <p:animEffect transition="in" filter="fade">
+                                      <p:cBhvr>
+                                        <p:cTn id="12" dur="1000"/>
+                                        <p:tgtEl>
+                                          <p:spTgt spid="5"/>
+                                        </p:tgtEl>
+                                      </p:cBhvr>
+                                    </p:animEffect>
+                                    <p:anim calcmode="lin" valueType="num">
+                                      <p:cBhvr>
+                                        <p:cTn id="13" dur="1000" fill="hold"/>
+                                        <p:tgtEl>
+                                          <p:spTgt spid="5"/>
+                                        </p:tgtEl>
+                                        <p:attrNameLst>
+                                          <p:attrName>ppt_x</p:attrName>
+                                        </p:attrNameLst>
+                                      </p:cBhvr>
+                                      <p:tavLst>
+                                        <p:tav tm="0">
+                                          <p:val>
+                                            <p:strVal val="#ppt_x"/>
+                                          </p:val>
+                                        </p:tav>
+                                        <p:tav tm="100000">
+                                          <p:val>
+                                            <p:strVal val="#ppt_x"/>
+                                          </p:val>
+                                        </p:tav>
+                                      </p:tavLst>
+                                    </p:anim>
+                                    <p:anim calcmode="lin" valueType="num">
+                                      <p:cBhvr>
+                                        <p:cTn id="14" dur="1000" fill="hold"/>
+                                        <p:tgtEl>
+                                          <p:spTgt spid="5"/>
+                                        </p:tgtEl>
+                                        <p:attrNameLst>
+                                          <p:attrName>ppt_y</p:attrName>
+                                        </p:attrNameLst>
+                                      </p:cBhvr>
+                                      <p:tavLst>
+                                        <p:tav tm="0">
+                                          <p:val>
+                                            <p:strVal val="#ppt_y+.1"/>
+                                          </p:val>
+                                        </p:tav>
+                                        <p:tav tm="100000">
+                                          <p:val>
+                                            <p:strVal val="#ppt_y"/>
+                                          </p:val>
+                                        </p:tav>
+                                      </p:tavLst>
+                                    </p:anim>
+                                  </p:childTnLst>
+                                </p:cTn>
+                              </p:par>
+                            </p:childTnLst>
+                          </p:cTn>
+                        </p:par>
+                      </p:childTnLst>
+                    </p:cTn>
+                  </p:par>
+                  <p:par>
+                    <p:cTn id="15" fill="hold">
+                      <p:stCondLst>
+                        <p:cond delay="indefinite"/>
+                      </p:stCondLst>
+                      <p:childTnLst>
+                        <p:par>
+                          <p:cTn id="16" fill="hold">
+                            <p:stCondLst>
+                              <p:cond delay="0"/>
+                            </p:stCondLst>
+                            <p:childTnLst>
+                              <p:par>
+                                <p:cTn id="17" presetID="42" presetClass="entr" presetSubtype="0" fill="hold" nodeType="clickEffect">
+                                  <p:stCondLst>
+                                    <p:cond delay="0"/>
+                                  </p:stCondLst>
+                                  <p:childTnLst>
+                                    <p:set>
+                                      <p:cBhvr>
+                                        <p:cTn id="18" dur="1" fill="hold">
+                                          <p:stCondLst>
+                                            <p:cond delay="0"/>
+                                          </p:stCondLst>
+                                        </p:cTn>
+                                        <p:tgtEl>
+                                          <p:spTgt spid="6"/>
+                                        </p:tgtEl>
+                                        <p:attrNameLst>
+                                          <p:attrName>style.visibility</p:attrName>
+                                        </p:attrNameLst>
+                                      </p:cBhvr>
+                                      <p:to>
+                                        <p:strVal val="visible"/>
+                                      </p:to>
+                                    </p:set>
+                                    <p:animEffect transition="in" filter="fade">
+                                      <p:cBhvr>
+                                        <p:cTn id="19" dur="1000"/>
+                                        <p:tgtEl>
+                                          <p:spTgt spid="6"/>
+                                        </p:tgtEl>
+                                      </p:cBhvr>
+                                    </p:animEffect>
+                                    <p:anim calcmode="lin" valueType="num">
+                                      <p:cBhvr>
+                                        <p:cTn id="20" dur="1000" fill="hold"/>
+                                        <p:tgtEl>
+                                          <p:spTgt spid="6"/>
+                                        </p:tgtEl>
+                                        <p:attrNameLst>
+                                          <p:attrName>ppt_x</p:attrName>
+                                        </p:attrNameLst>
+                                      </p:cBhvr>
+                                      <p:tavLst>
+                                        <p:tav tm="0">
+                                          <p:val>
+                                            <p:strVal val="#ppt_x"/>
+                                          </p:val>
+                                        </p:tav>
+                                        <p:tav tm="100000">
+                                          <p:val>
+                                            <p:strVal val="#ppt_x"/>
+                                          </p:val>
+                                        </p:tav>
+                                      </p:tavLst>
+                                    </p:anim>
+                                    <p:anim calcmode="lin" valueType="num">
+                                      <p:cBhvr>
+                                        <p:cTn id="21" dur="1000" fill="hold"/>
+                                        <p:tgtEl>
+                                          <p:spTgt spid="6"/>
+                                        </p:tgtEl>
+                                        <p:attrNameLst>
+                                          <p:attrName>ppt_y</p:attrName>
+                                        </p:attrNameLst>
+                                      </p:cBhvr>
+                                      <p:tavLst>
+                                        <p:tav tm="0">
+                                          <p:val>
+                                            <p:strVal val="#ppt_y+.1"/>
+                                          </p:val>
+                                        </p:tav>
+                                        <p:tav tm="100000">
+                                          <p:val>
+                                            <p:strVal val="#ppt_y"/>
+                                          </p:val>
+                                        </p:tav>
+                                      </p:tavLst>
+                                    </p:anim>
+                                  </p:childTnLst>
+                                </p:cTn>
+                              </p:par>
+                              <p:par>
+                                <p:cTn id="22" presetID="42" presetClass="exit" presetSubtype="0" fill="hold" nodeType="withEffect">
+                                  <p:stCondLst>
+                                    <p:cond delay="0"/>
+                                  </p:stCondLst>
+                                  <p:childTnLst>
+                                    <p:animEffect transition="out" filter="fade">
+                                      <p:cBhvr>
+                                        <p:cTn id="23" dur="1000"/>
+                                        <p:tgtEl>
+                                          <p:spTgt spid="5"/>
+                                        </p:tgtEl>
+                                      </p:cBhvr>
+                                    </p:animEffect>
+                                    <p:anim calcmode="lin" valueType="num">
+                                      <p:cBhvr>
+                                        <p:cTn id="24" dur="1000"/>
+                                        <p:tgtEl>
+                                          <p:spTgt spid="5"/>
+                                        </p:tgtEl>
+                                        <p:attrNameLst>
+                                          <p:attrName>ppt_x</p:attrName>
+                                        </p:attrNameLst>
+                                      </p:cBhvr>
+                                      <p:tavLst>
+                                        <p:tav tm="0">
+                                          <p:val>
+                                            <p:strVal val="ppt_x"/>
+                                          </p:val>
+                                        </p:tav>
+                                        <p:tav tm="100000">
+                                          <p:val>
+                                            <p:strVal val="ppt_x"/>
+                                          </p:val>
+                                        </p:tav>
+                                      </p:tavLst>
+                                    </p:anim>
+                                    <p:anim calcmode="lin" valueType="num">
+                                      <p:cBhvr>
+                                        <p:cTn id="25" dur="1000"/>
+                                        <p:tgtEl>
+                                          <p:spTgt spid="5"/>
+                                        </p:tgtEl>
+                                        <p:attrNameLst>
+                                          <p:attrName>ppt_y</p:attrName>
+                                        </p:attrNameLst>
+                                      </p:cBhvr>
+                                      <p:tavLst>
+                                        <p:tav tm="0">
+                                          <p:val>
+                                            <p:strVal val="ppt_y"/>
+                                          </p:val>
+                                        </p:tav>
+                                        <p:tav tm="100000">
+                                          <p:val>
+                                            <p:strVal val="ppt_y+.1"/>
+                                          </p:val>
+                                        </p:tav>
+                                      </p:tavLst>
+                                    </p:anim>
+                                    <p:set>
+                                      <p:cBhvr>
+                                        <p:cTn id="26" dur="1" fill="hold">
+                                          <p:stCondLst>
+                                            <p:cond delay="999"/>
+                                          </p:stCondLst>
+                                        </p:cTn>
+                                        <p:tgtEl>
+                                          <p:spTgt spid="5"/>
+                                        </p:tgtEl>
+                                        <p:attrNameLst>
+                                          <p:attrName>style.visibility</p:attrName>
+                                        </p:attrNameLst>
+                                      </p:cBhvr>
+                                      <p:to>
+                                        <p:strVal val="hidden"/>
+                                      </p:to>
+                                    </p:set>
+                                  </p:childTnLst>
+                                </p:cTn>
+                              </p:par>
+                            </p:childTnLst>
+                          </p:cTn>
+                        </p:par>
+                      </p:childTnLst>
+                    </p:cTn>
+                  </p:par>
+                </p:childTnLst>
+              </p:cTn>
+              <p:prevCondLst>
+                <p:cond evt="onPrev" delay="0">
+                  <p:tgtEl>
+                    <p:sldTgt/>
+                  </p:tgtEl>
+                </p:cond>
+              </p:prevCondLst>
+              <p:nextCondLst>
+                <p:cond evt="onNext" delay="0">
+                  <p:tgtEl>
+                    <p:sldTgt/>
+                  </p:tgtEl>
+                </p:cond>
+              </p:nextCondLst>
+            </p:seq>
+          </p:childTnLst>
+        </p:cTn>
+      </p:par>
+    </p:tnLst>
+  </p:timing>
+</p:sld>
+</file>
+
+<file path=ppt/slides/slide2.xml><?xml version="1.0" encoding="utf-8"?>
+<p:sld xmlns:a="http://schemas.openxmlformats.org/drawingml/2006/main" xmlns:r="http://schemas.openxmlformats.org/officeDocument/2006/relationships" xmlns:p="http://schemas.openxmlformats.org/presentationml/2006/main">
+  <p:cSld>
+    <p:spTree>
+      <p:nvGrpSpPr>
+        <p:cNvPr id="1" name=""/>
+        <p:cNvGrpSpPr/>
+        <p:nvPr/>
+      </p:nvGrpSpPr>
+      <p:grpSpPr>
+        <a:xfrm>
+          <a:off x="0" y="0"/>
+          <a:ext cx="0" cy="0"/>
+          <a:chOff x="0" y="0"/>
+          <a:chExt cx="0" cy="0"/>
+        </a:xfrm>
+      </p:grpSpPr>
+      <p:sp>
+        <p:nvSpPr>
           <p:cNvPr id="2" name="제목 1">
             <a:extLst>
               <a:ext uri="{FF2B5EF4-FFF2-40B4-BE49-F238E27FC236}">
@@ -4673,7 +9404,6 @@
               <a:rPr lang="en-US" altLang="ko-KR"/>
               <a:t>Cost aggregation</a:t>
             </a:r>
-            <a:endParaRPr lang="en-US" altLang="ko-KR"/>
           </a:p>
         </p:txBody>
       </p:sp>
@@ -4685,8 +9415,8 @@
         </p:nvSpPr>
         <p:spPr>
           <a:xfrm>
-            <a:off x="6740497" y="2951703"/>
-            <a:ext cx="5307932" cy="3015598"/>
+            <a:off x="6740497" y="3190353"/>
+            <a:ext cx="5307932" cy="2677656"/>
           </a:xfrm>
           <a:prstGeom prst="rect">
             <a:avLst/>
@@ -4705,36 +9435,36 @@
               <a:defRPr/>
             </a:pPr>
             <a:r>
-              <a:rPr lang="ko-KR" altLang="en-US" sz="2400">
+              <a:rPr lang="ko-KR" altLang="en-US" sz="2400" dirty="0">
                 <a:latin typeface="맑은 고딕 (본문)"/>
               </a:rPr>
               <a:t>두 개 이상의 이미지에서 추출한 </a:t>
             </a:r>
             <a:r>
-              <a:rPr lang="en-US" altLang="ko-KR" sz="2400">
+              <a:rPr lang="en-US" altLang="ko-KR" sz="2400" dirty="0">
                 <a:latin typeface="맑은 고딕 (본문)"/>
               </a:rPr>
               <a:t>feature</a:t>
             </a:r>
             <a:r>
-              <a:rPr lang="ko-KR" altLang="en-US" sz="2400">
+              <a:rPr lang="ko-KR" altLang="en-US" sz="2400" dirty="0">
                 <a:latin typeface="맑은 고딕 (본문)"/>
               </a:rPr>
               <a:t>를 매칭시켜서 얻은 </a:t>
             </a:r>
             <a:r>
-              <a:rPr lang="en-US" altLang="ko-KR" sz="2400">
+              <a:rPr lang="en-US" altLang="ko-KR" sz="2400" dirty="0">
                 <a:latin typeface="맑은 고딕 (본문)"/>
               </a:rPr>
               <a:t>match score</a:t>
             </a:r>
             <a:r>
-              <a:rPr lang="ko-KR" altLang="en-US" sz="2400">
+              <a:rPr lang="ko-KR" altLang="en-US" sz="2400" dirty="0">
                 <a:latin typeface="맑은 고딕 (본문)"/>
               </a:rPr>
               <a:t>를 집계하는 과정</a:t>
             </a:r>
-            <a:endParaRPr lang="ko-KR" altLang="en-US" sz="2400">
+            <a:endParaRPr lang="en-US" altLang="ko-KR" sz="2400" dirty="0">
               <a:latin typeface="맑은 고딕 (본문)"/>
             </a:endParaRPr>
           </a:p>
@@ -4744,37 +9474,7 @@
               <a:buChar char="-"/>
               <a:defRPr/>
             </a:pPr>
-            <a:r>
-              <a:rPr lang="ko-KR" altLang="en-US" sz="2400">
-                <a:latin typeface="맑은 고딕 (본문)"/>
-              </a:rPr>
-              <a:t>집계 중에 연관성이 높은 </a:t>
-            </a:r>
-            <a:r>
-              <a:rPr lang="en-US" altLang="ko-KR" sz="2400">
-                <a:latin typeface="맑은 고딕 (본문)"/>
-              </a:rPr>
-              <a:t>match score</a:t>
-            </a:r>
-            <a:r>
-              <a:rPr lang="ko-KR" altLang="en-US" sz="2400">
-                <a:latin typeface="맑은 고딕 (본문)"/>
-              </a:rPr>
-              <a:t>만을 남기고 </a:t>
-            </a:r>
-            <a:r>
-              <a:rPr lang="en-US" altLang="ko-KR" sz="2400">
-                <a:latin typeface="맑은 고딕 (본문)"/>
-              </a:rPr>
-              <a:t>match score</a:t>
-            </a:r>
-            <a:r>
-              <a:rPr lang="ko-KR" altLang="en-US" sz="2400">
-                <a:latin typeface="맑은 고딕 (본문)"/>
-              </a:rPr>
-              <a:t>가 낮은 것은 필터링을 실시</a:t>
-            </a:r>
-            <a:endParaRPr lang="ko-KR" altLang="en-US" sz="2400">
+            <a:endParaRPr lang="ko-KR" altLang="en-US" sz="2400" dirty="0">
               <a:latin typeface="맑은 고딕 (본문)"/>
             </a:endParaRPr>
           </a:p>
@@ -4785,26 +9485,35 @@
               <a:defRPr/>
             </a:pPr>
             <a:r>
-              <a:rPr lang="ko-KR" altLang="en-US" sz="2400">
+              <a:rPr lang="ko-KR" altLang="en-US" sz="2400" dirty="0">
                 <a:latin typeface="맑은 고딕 (본문)"/>
               </a:rPr>
-              <a:t>이 논문에서는 해당 과정을 실시하는데 </a:t>
-            </a:r>
-            <a:r>
-              <a:rPr lang="en-US" altLang="ko-KR" sz="2400">
+              <a:t>집계 중에 연관성이 높은 </a:t>
+            </a:r>
+            <a:r>
+              <a:rPr lang="en-US" altLang="ko-KR" sz="2400" dirty="0">
                 <a:latin typeface="맑은 고딕 (본문)"/>
               </a:rPr>
-              <a:t>Transformer</a:t>
-            </a:r>
-            <a:r>
-              <a:rPr lang="ko-KR" altLang="en-US" sz="2400">
+              <a:t>match score</a:t>
+            </a:r>
+            <a:r>
+              <a:rPr lang="ko-KR" altLang="en-US" sz="2400" dirty="0">
                 <a:latin typeface="맑은 고딕 (본문)"/>
               </a:rPr>
-              <a:t>를 이용 </a:t>
-            </a:r>
-            <a:endParaRPr lang="ko-KR" altLang="en-US" sz="2400">
-              <a:latin typeface="맑은 고딕 (본문)"/>
-            </a:endParaRPr>
+              <a:t>만을 남기고 </a:t>
+            </a:r>
+            <a:r>
+              <a:rPr lang="en-US" altLang="ko-KR" sz="2400" dirty="0">
+                <a:latin typeface="맑은 고딕 (본문)"/>
+              </a:rPr>
+              <a:t>match score</a:t>
+            </a:r>
+            <a:r>
+              <a:rPr lang="ko-KR" altLang="en-US" sz="2400" dirty="0">
+                <a:latin typeface="맑은 고딕 (본문)"/>
+              </a:rPr>
+              <a:t>가 낮은 것은 필터링을 실시</a:t>
+            </a:r>
           </a:p>
         </p:txBody>
       </p:sp>
@@ -4842,19 +9551,19 @@
   <p:clrMapOvr>
     <a:masterClrMapping/>
   </p:clrMapOvr>
-  <mc:AlternateContent xmlns:mc="http://schemas.openxmlformats.org/markup-compatibility/2006">
-    <mc:Choice xmlns:p14="http://schemas.microsoft.com/office/powerpoint/2010/main" Requires="p14">
-      <p:transition xmlns:mc="http://schemas.openxmlformats.org/markup-compatibility/2006" xmlns:p14="http://schemas.microsoft.com/office/powerpoint/2010/main" mc:Ignorable="p14" p14:dur="500"/>
+  <mc:AlternateContent xmlns:mc="http://schemas.openxmlformats.org/markup-compatibility/2006" xmlns:p14="http://schemas.microsoft.com/office/powerpoint/2010/main">
+    <mc:Choice Requires="p14">
+      <p:transition/>
     </mc:Choice>
-    <mc:Fallback>
+    <mc:Fallback xmlns:dsp="http://schemas.microsoft.com/office/drawing/2008/diagram" xmlns:dgm="http://schemas.openxmlformats.org/drawingml/2006/diagram" xmlns:c="http://schemas.openxmlformats.org/drawingml/2006/chart" xmlns="">
       <p:transition/>
     </mc:Fallback>
   </mc:AlternateContent>
 </p:sld>
 </file>
 
-<file path=ppt/slides/slide3.xml><?xml version="1.0" encoding="utf-8"?>
-<p:sld xmlns:r="http://schemas.openxmlformats.org/officeDocument/2006/relationships" xmlns:c="http://schemas.openxmlformats.org/drawingml/2006/chart" xmlns:a="http://schemas.openxmlformats.org/drawingml/2006/main" xmlns:dgm="http://schemas.openxmlformats.org/drawingml/2006/diagram" xmlns:dsp="http://schemas.microsoft.com/office/drawing/2008/diagram" xmlns:p="http://schemas.openxmlformats.org/presentationml/2006/main">
+<file path=ppt/slides/slide20.xml><?xml version="1.0" encoding="utf-8"?>
+<p:sld xmlns:a="http://schemas.openxmlformats.org/drawingml/2006/main" xmlns:r="http://schemas.openxmlformats.org/officeDocument/2006/relationships" xmlns:p="http://schemas.openxmlformats.org/presentationml/2006/main">
   <p:cSld>
     <p:spTree>
       <p:nvGrpSpPr>
@@ -4872,6 +9581,1609 @@
       </p:grpSpPr>
       <p:sp>
         <p:nvSpPr>
+          <p:cNvPr id="2" name="제목 1"/>
+          <p:cNvSpPr>
+            <a:spLocks noGrp="1"/>
+          </p:cNvSpPr>
+          <p:nvPr>
+            <p:ph type="title"/>
+          </p:nvPr>
+        </p:nvSpPr>
+        <p:spPr/>
+        <p:txBody>
+          <a:bodyPr/>
+          <a:lstStyle/>
+          <a:p>
+            <a:pPr lvl="0">
+              <a:defRPr/>
+            </a:pPr>
+            <a:r>
+              <a:rPr lang="en-US" altLang="ko-KR"/>
+              <a:t>2. </a:t>
+            </a:r>
+            <a:r>
+              <a:rPr lang="ko-KR" altLang="en-US"/>
+              <a:t>모델</a:t>
+            </a:r>
+          </a:p>
+        </p:txBody>
+      </p:sp>
+      <p:pic>
+        <p:nvPicPr>
+          <p:cNvPr id="8" name="그림 7">
+            <a:extLst>
+              <a:ext uri="{FF2B5EF4-FFF2-40B4-BE49-F238E27FC236}">
+                <a16:creationId xmlns:a16="http://schemas.microsoft.com/office/drawing/2014/main" id="{A1A4C987-7741-49E5-8044-1560E6623462}"/>
+              </a:ext>
+            </a:extLst>
+          </p:cNvPr>
+          <p:cNvPicPr>
+            <a:picLocks noChangeAspect="1"/>
+          </p:cNvPicPr>
+          <p:nvPr/>
+        </p:nvPicPr>
+        <p:blipFill rotWithShape="1">
+          <a:blip r:embed="rId2"/>
+          <a:stretch>
+            <a:fillRect/>
+          </a:stretch>
+        </p:blipFill>
+        <p:spPr>
+          <a:xfrm>
+            <a:off x="2094941" y="2162105"/>
+            <a:ext cx="8002117" cy="3362794"/>
+          </a:xfrm>
+          <a:prstGeom prst="rect">
+            <a:avLst/>
+          </a:prstGeom>
+        </p:spPr>
+      </p:pic>
+      <p:pic>
+        <p:nvPicPr>
+          <p:cNvPr id="9" name="그림 8">
+            <a:extLst>
+              <a:ext uri="{FF2B5EF4-FFF2-40B4-BE49-F238E27FC236}">
+                <a16:creationId xmlns:a16="http://schemas.microsoft.com/office/drawing/2014/main" id="{1B0D4229-3750-4824-9B12-0B0DAFDFF9CE}"/>
+              </a:ext>
+            </a:extLst>
+          </p:cNvPr>
+          <p:cNvPicPr>
+            <a:picLocks noChangeAspect="1"/>
+          </p:cNvPicPr>
+          <p:nvPr/>
+        </p:nvPicPr>
+        <p:blipFill rotWithShape="1">
+          <a:blip r:embed="rId2"/>
+          <a:srcRect l="85392" t="21812" b="22672"/>
+          <a:stretch/>
+        </p:blipFill>
+        <p:spPr>
+          <a:xfrm>
+            <a:off x="8928100" y="2895599"/>
+            <a:ext cx="1168958" cy="1866901"/>
+          </a:xfrm>
+          <a:prstGeom prst="rect">
+            <a:avLst/>
+          </a:prstGeom>
+        </p:spPr>
+      </p:pic>
+      <p:sp>
+        <p:nvSpPr>
+          <p:cNvPr id="10" name="내용 개체 틀 2">
+            <a:extLst>
+              <a:ext uri="{FF2B5EF4-FFF2-40B4-BE49-F238E27FC236}">
+                <a16:creationId xmlns:a16="http://schemas.microsoft.com/office/drawing/2014/main" id="{C23CB4A1-A179-4707-82FD-D16C44B216AF}"/>
+              </a:ext>
+            </a:extLst>
+          </p:cNvPr>
+          <p:cNvSpPr txBox="1">
+            <a:spLocks/>
+          </p:cNvSpPr>
+          <p:nvPr/>
+        </p:nvSpPr>
+        <p:spPr>
+          <a:xfrm>
+            <a:off x="545432" y="1392400"/>
+            <a:ext cx="10993426" cy="4603917"/>
+          </a:xfrm>
+          <a:prstGeom prst="rect">
+            <a:avLst/>
+          </a:prstGeom>
+        </p:spPr>
+        <p:txBody>
+          <a:bodyPr vert="horz" lIns="91440" tIns="45720" rIns="91440" bIns="45720" rtlCol="0">
+            <a:normAutofit/>
+          </a:bodyPr>
+          <a:lstStyle>
+            <a:lvl1pPr marL="228600" indent="-228600" algn="l" defTabSz="914400" rtl="0" eaLnBrk="1" latinLnBrk="1" hangingPunct="1">
+              <a:lnSpc>
+                <a:spcPct val="90000"/>
+              </a:lnSpc>
+              <a:spcBef>
+                <a:spcPts val="1000"/>
+              </a:spcBef>
+              <a:buFont typeface="Arial" panose="020B0604020202020204" pitchFamily="34" charset="0"/>
+              <a:buChar char="•"/>
+              <a:defRPr sz="2800" kern="1200">
+                <a:solidFill>
+                  <a:schemeClr val="tx1"/>
+                </a:solidFill>
+                <a:latin typeface="+mn-lt"/>
+                <a:ea typeface="+mn-ea"/>
+                <a:cs typeface="+mn-cs"/>
+              </a:defRPr>
+            </a:lvl1pPr>
+            <a:lvl2pPr marL="685800" indent="-228600" algn="l" defTabSz="914400" rtl="0" eaLnBrk="1" latinLnBrk="1" hangingPunct="1">
+              <a:lnSpc>
+                <a:spcPct val="90000"/>
+              </a:lnSpc>
+              <a:spcBef>
+                <a:spcPts val="500"/>
+              </a:spcBef>
+              <a:buFont typeface="Arial" panose="020B0604020202020204" pitchFamily="34" charset="0"/>
+              <a:buChar char="•"/>
+              <a:defRPr sz="2400" kern="1200">
+                <a:solidFill>
+                  <a:schemeClr val="tx1"/>
+                </a:solidFill>
+                <a:latin typeface="+mn-lt"/>
+                <a:ea typeface="+mn-ea"/>
+                <a:cs typeface="+mn-cs"/>
+              </a:defRPr>
+            </a:lvl2pPr>
+            <a:lvl3pPr marL="1143000" indent="-228600" algn="l" defTabSz="914400" rtl="0" eaLnBrk="1" latinLnBrk="1" hangingPunct="1">
+              <a:lnSpc>
+                <a:spcPct val="90000"/>
+              </a:lnSpc>
+              <a:spcBef>
+                <a:spcPts val="500"/>
+              </a:spcBef>
+              <a:buFont typeface="Arial" panose="020B0604020202020204" pitchFamily="34" charset="0"/>
+              <a:buChar char="•"/>
+              <a:defRPr sz="2000" kern="1200">
+                <a:solidFill>
+                  <a:schemeClr val="tx1"/>
+                </a:solidFill>
+                <a:latin typeface="+mn-lt"/>
+                <a:ea typeface="+mn-ea"/>
+                <a:cs typeface="+mn-cs"/>
+              </a:defRPr>
+            </a:lvl3pPr>
+            <a:lvl4pPr marL="1600200" indent="-228600" algn="l" defTabSz="914400" rtl="0" eaLnBrk="1" latinLnBrk="1" hangingPunct="1">
+              <a:lnSpc>
+                <a:spcPct val="90000"/>
+              </a:lnSpc>
+              <a:spcBef>
+                <a:spcPts val="500"/>
+              </a:spcBef>
+              <a:buFont typeface="Arial" panose="020B0604020202020204" pitchFamily="34" charset="0"/>
+              <a:buChar char="•"/>
+              <a:defRPr sz="1800" kern="1200">
+                <a:solidFill>
+                  <a:schemeClr val="tx1"/>
+                </a:solidFill>
+                <a:latin typeface="+mn-lt"/>
+                <a:ea typeface="+mn-ea"/>
+                <a:cs typeface="+mn-cs"/>
+              </a:defRPr>
+            </a:lvl4pPr>
+            <a:lvl5pPr marL="2057400" indent="-228600" algn="l" defTabSz="914400" rtl="0" eaLnBrk="1" latinLnBrk="1" hangingPunct="1">
+              <a:lnSpc>
+                <a:spcPct val="90000"/>
+              </a:lnSpc>
+              <a:spcBef>
+                <a:spcPts val="500"/>
+              </a:spcBef>
+              <a:buFont typeface="Arial" panose="020B0604020202020204" pitchFamily="34" charset="0"/>
+              <a:buChar char="•"/>
+              <a:defRPr sz="1800" kern="1200">
+                <a:solidFill>
+                  <a:schemeClr val="tx1"/>
+                </a:solidFill>
+                <a:latin typeface="+mn-lt"/>
+                <a:ea typeface="+mn-ea"/>
+                <a:cs typeface="+mn-cs"/>
+              </a:defRPr>
+            </a:lvl5pPr>
+            <a:lvl6pPr marL="2514600" indent="-228600" algn="l" defTabSz="914400" rtl="0" eaLnBrk="1" latinLnBrk="1" hangingPunct="1">
+              <a:lnSpc>
+                <a:spcPct val="90000"/>
+              </a:lnSpc>
+              <a:spcBef>
+                <a:spcPts val="500"/>
+              </a:spcBef>
+              <a:buFont typeface="Arial" panose="020B0604020202020204" pitchFamily="34" charset="0"/>
+              <a:buChar char="•"/>
+              <a:defRPr sz="1800" kern="1200">
+                <a:solidFill>
+                  <a:schemeClr val="tx1"/>
+                </a:solidFill>
+                <a:latin typeface="+mn-lt"/>
+                <a:ea typeface="+mn-ea"/>
+                <a:cs typeface="+mn-cs"/>
+              </a:defRPr>
+            </a:lvl6pPr>
+            <a:lvl7pPr marL="2971800" indent="-228600" algn="l" defTabSz="914400" rtl="0" eaLnBrk="1" latinLnBrk="1" hangingPunct="1">
+              <a:lnSpc>
+                <a:spcPct val="90000"/>
+              </a:lnSpc>
+              <a:spcBef>
+                <a:spcPts val="500"/>
+              </a:spcBef>
+              <a:buFont typeface="Arial" panose="020B0604020202020204" pitchFamily="34" charset="0"/>
+              <a:buChar char="•"/>
+              <a:defRPr sz="1800" kern="1200">
+                <a:solidFill>
+                  <a:schemeClr val="tx1"/>
+                </a:solidFill>
+                <a:latin typeface="+mn-lt"/>
+                <a:ea typeface="+mn-ea"/>
+                <a:cs typeface="+mn-cs"/>
+              </a:defRPr>
+            </a:lvl7pPr>
+            <a:lvl8pPr marL="3429000" indent="-228600" algn="l" defTabSz="914400" rtl="0" eaLnBrk="1" latinLnBrk="1" hangingPunct="1">
+              <a:lnSpc>
+                <a:spcPct val="90000"/>
+              </a:lnSpc>
+              <a:spcBef>
+                <a:spcPts val="500"/>
+              </a:spcBef>
+              <a:buFont typeface="Arial" panose="020B0604020202020204" pitchFamily="34" charset="0"/>
+              <a:buChar char="•"/>
+              <a:defRPr sz="1800" kern="1200">
+                <a:solidFill>
+                  <a:schemeClr val="tx1"/>
+                </a:solidFill>
+                <a:latin typeface="+mn-lt"/>
+                <a:ea typeface="+mn-ea"/>
+                <a:cs typeface="+mn-cs"/>
+              </a:defRPr>
+            </a:lvl8pPr>
+            <a:lvl9pPr marL="3886200" indent="-228600" algn="l" defTabSz="914400" rtl="0" eaLnBrk="1" latinLnBrk="1" hangingPunct="1">
+              <a:lnSpc>
+                <a:spcPct val="90000"/>
+              </a:lnSpc>
+              <a:spcBef>
+                <a:spcPts val="500"/>
+              </a:spcBef>
+              <a:buFont typeface="Arial" panose="020B0604020202020204" pitchFamily="34" charset="0"/>
+              <a:buChar char="•"/>
+              <a:defRPr sz="1800" kern="1200">
+                <a:solidFill>
+                  <a:schemeClr val="tx1"/>
+                </a:solidFill>
+                <a:latin typeface="+mn-lt"/>
+                <a:ea typeface="+mn-ea"/>
+                <a:cs typeface="+mn-cs"/>
+              </a:defRPr>
+            </a:lvl9pPr>
+          </a:lstStyle>
+          <a:p>
+            <a:pPr marL="514350" indent="-514350">
+              <a:buFont typeface="+mj-ea"/>
+              <a:buAutoNum type="circleNumDbPlain" startAt="5"/>
+              <a:defRPr/>
+            </a:pPr>
+            <a:r>
+              <a:rPr lang="en-US" altLang="ko-KR" dirty="0"/>
+              <a:t>Efficient Transformer Aggregator</a:t>
+            </a:r>
+            <a:endParaRPr lang="ko-KR" altLang="en-US" dirty="0"/>
+          </a:p>
+        </p:txBody>
+      </p:sp>
+    </p:spTree>
+    <p:extLst>
+      <p:ext uri="{BB962C8B-B14F-4D97-AF65-F5344CB8AC3E}">
+        <p14:creationId xmlns:p14="http://schemas.microsoft.com/office/powerpoint/2010/main" val="1681235572"/>
+      </p:ext>
+    </p:extLst>
+  </p:cSld>
+  <p:clrMapOvr>
+    <a:masterClrMapping/>
+  </p:clrMapOvr>
+  <p:transition/>
+  <p:timing>
+    <p:tnLst>
+      <p:par>
+        <p:cTn id="1" dur="indefinite" restart="never" nodeType="tmRoot">
+          <p:childTnLst>
+            <p:seq concurrent="1" nextAc="seek">
+              <p:cTn id="2" dur="indefinite" nodeType="mainSeq">
+                <p:childTnLst>
+                  <p:par>
+                    <p:cTn id="3" fill="hold">
+                      <p:stCondLst>
+                        <p:cond delay="indefinite"/>
+                      </p:stCondLst>
+                      <p:childTnLst>
+                        <p:par>
+                          <p:cTn id="4" fill="hold">
+                            <p:stCondLst>
+                              <p:cond delay="0"/>
+                            </p:stCondLst>
+                            <p:childTnLst>
+                              <p:par>
+                                <p:cTn id="5" presetID="22" presetClass="exit" presetSubtype="2" fill="hold" nodeType="clickEffect">
+                                  <p:stCondLst>
+                                    <p:cond delay="0"/>
+                                  </p:stCondLst>
+                                  <p:childTnLst>
+                                    <p:animEffect transition="out" filter="wipe(right)">
+                                      <p:cBhvr>
+                                        <p:cTn id="6" dur="500"/>
+                                        <p:tgtEl>
+                                          <p:spTgt spid="8"/>
+                                        </p:tgtEl>
+                                      </p:cBhvr>
+                                    </p:animEffect>
+                                    <p:set>
+                                      <p:cBhvr>
+                                        <p:cTn id="7" dur="1" fill="hold">
+                                          <p:stCondLst>
+                                            <p:cond delay="499"/>
+                                          </p:stCondLst>
+                                        </p:cTn>
+                                        <p:tgtEl>
+                                          <p:spTgt spid="8"/>
+                                        </p:tgtEl>
+                                        <p:attrNameLst>
+                                          <p:attrName>style.visibility</p:attrName>
+                                        </p:attrNameLst>
+                                      </p:cBhvr>
+                                      <p:to>
+                                        <p:strVal val="hidden"/>
+                                      </p:to>
+                                    </p:set>
+                                  </p:childTnLst>
+                                </p:cTn>
+                              </p:par>
+                            </p:childTnLst>
+                          </p:cTn>
+                        </p:par>
+                      </p:childTnLst>
+                    </p:cTn>
+                  </p:par>
+                </p:childTnLst>
+              </p:cTn>
+              <p:prevCondLst>
+                <p:cond evt="onPrev" delay="0">
+                  <p:tgtEl>
+                    <p:sldTgt/>
+                  </p:tgtEl>
+                </p:cond>
+              </p:prevCondLst>
+              <p:nextCondLst>
+                <p:cond evt="onNext" delay="0">
+                  <p:tgtEl>
+                    <p:sldTgt/>
+                  </p:tgtEl>
+                </p:cond>
+              </p:nextCondLst>
+            </p:seq>
+          </p:childTnLst>
+        </p:cTn>
+      </p:par>
+    </p:tnLst>
+  </p:timing>
+</p:sld>
+</file>
+
+<file path=ppt/slides/slide21.xml><?xml version="1.0" encoding="utf-8"?>
+<p:sld xmlns:a="http://schemas.openxmlformats.org/drawingml/2006/main" xmlns:r="http://schemas.openxmlformats.org/officeDocument/2006/relationships" xmlns:p="http://schemas.openxmlformats.org/presentationml/2006/main">
+  <p:cSld>
+    <p:spTree>
+      <p:nvGrpSpPr>
+        <p:cNvPr id="1" name=""/>
+        <p:cNvGrpSpPr/>
+        <p:nvPr/>
+      </p:nvGrpSpPr>
+      <p:grpSpPr>
+        <a:xfrm>
+          <a:off x="0" y="0"/>
+          <a:ext cx="0" cy="0"/>
+          <a:chOff x="0" y="0"/>
+          <a:chExt cx="0" cy="0"/>
+        </a:xfrm>
+      </p:grpSpPr>
+      <p:sp>
+        <p:nvSpPr>
+          <p:cNvPr id="2" name="제목 1"/>
+          <p:cNvSpPr>
+            <a:spLocks noGrp="1"/>
+          </p:cNvSpPr>
+          <p:nvPr>
+            <p:ph type="title"/>
+          </p:nvPr>
+        </p:nvSpPr>
+        <p:spPr/>
+        <p:txBody>
+          <a:bodyPr/>
+          <a:lstStyle/>
+          <a:p>
+            <a:pPr lvl="0">
+              <a:defRPr/>
+            </a:pPr>
+            <a:r>
+              <a:rPr lang="en-US" altLang="ko-KR"/>
+              <a:t>2. </a:t>
+            </a:r>
+            <a:r>
+              <a:rPr lang="ko-KR" altLang="en-US"/>
+              <a:t>모델</a:t>
+            </a:r>
+          </a:p>
+        </p:txBody>
+      </p:sp>
+      <p:pic>
+        <p:nvPicPr>
+          <p:cNvPr id="7" name="그림 6">
+            <a:extLst>
+              <a:ext uri="{FF2B5EF4-FFF2-40B4-BE49-F238E27FC236}">
+                <a16:creationId xmlns:a16="http://schemas.microsoft.com/office/drawing/2014/main" id="{AB1B4CDB-5219-4947-88E0-81633A973F15}"/>
+              </a:ext>
+            </a:extLst>
+          </p:cNvPr>
+          <p:cNvPicPr>
+            <a:picLocks noChangeAspect="1"/>
+          </p:cNvPicPr>
+          <p:nvPr/>
+        </p:nvPicPr>
+        <p:blipFill>
+          <a:blip r:embed="rId3"/>
+          <a:stretch>
+            <a:fillRect/>
+          </a:stretch>
+        </p:blipFill>
+        <p:spPr>
+          <a:xfrm>
+            <a:off x="3380996" y="1857155"/>
+            <a:ext cx="5430008" cy="3143689"/>
+          </a:xfrm>
+          <a:prstGeom prst="rect">
+            <a:avLst/>
+          </a:prstGeom>
+        </p:spPr>
+      </p:pic>
+      <p:pic>
+        <p:nvPicPr>
+          <p:cNvPr id="4" name="그림 3">
+            <a:extLst>
+              <a:ext uri="{FF2B5EF4-FFF2-40B4-BE49-F238E27FC236}">
+                <a16:creationId xmlns:a16="http://schemas.microsoft.com/office/drawing/2014/main" id="{7621E202-2876-44DA-840C-8A8927CBDD6D}"/>
+              </a:ext>
+            </a:extLst>
+          </p:cNvPr>
+          <p:cNvPicPr>
+            <a:picLocks noChangeAspect="1"/>
+          </p:cNvPicPr>
+          <p:nvPr/>
+        </p:nvPicPr>
+        <p:blipFill>
+          <a:blip r:embed="rId4"/>
+          <a:stretch>
+            <a:fillRect/>
+          </a:stretch>
+        </p:blipFill>
+        <p:spPr>
+          <a:xfrm>
+            <a:off x="1783645" y="1933609"/>
+            <a:ext cx="10097909" cy="3877216"/>
+          </a:xfrm>
+          <a:prstGeom prst="rect">
+            <a:avLst/>
+          </a:prstGeom>
+        </p:spPr>
+      </p:pic>
+    </p:spTree>
+    <p:extLst>
+      <p:ext uri="{BB962C8B-B14F-4D97-AF65-F5344CB8AC3E}">
+        <p14:creationId xmlns:p14="http://schemas.microsoft.com/office/powerpoint/2010/main" val="4021973538"/>
+      </p:ext>
+    </p:extLst>
+  </p:cSld>
+  <p:clrMapOvr>
+    <a:masterClrMapping/>
+  </p:clrMapOvr>
+  <p:transition/>
+  <p:timing>
+    <p:tnLst>
+      <p:par>
+        <p:cTn id="1" dur="indefinite" restart="never" nodeType="tmRoot">
+          <p:childTnLst>
+            <p:seq concurrent="1" nextAc="seek">
+              <p:cTn id="2" dur="indefinite" nodeType="mainSeq">
+                <p:childTnLst>
+                  <p:par>
+                    <p:cTn id="3" fill="hold">
+                      <p:stCondLst>
+                        <p:cond delay="indefinite"/>
+                      </p:stCondLst>
+                      <p:childTnLst>
+                        <p:par>
+                          <p:cTn id="4" fill="hold">
+                            <p:stCondLst>
+                              <p:cond delay="0"/>
+                            </p:stCondLst>
+                            <p:childTnLst>
+                              <p:par>
+                                <p:cTn id="5" presetID="42" presetClass="entr" presetSubtype="0" fill="hold" nodeType="clickEffect">
+                                  <p:stCondLst>
+                                    <p:cond delay="0"/>
+                                  </p:stCondLst>
+                                  <p:childTnLst>
+                                    <p:set>
+                                      <p:cBhvr>
+                                        <p:cTn id="6" dur="1" fill="hold">
+                                          <p:stCondLst>
+                                            <p:cond delay="0"/>
+                                          </p:stCondLst>
+                                        </p:cTn>
+                                        <p:tgtEl>
+                                          <p:spTgt spid="4"/>
+                                        </p:tgtEl>
+                                        <p:attrNameLst>
+                                          <p:attrName>style.visibility</p:attrName>
+                                        </p:attrNameLst>
+                                      </p:cBhvr>
+                                      <p:to>
+                                        <p:strVal val="visible"/>
+                                      </p:to>
+                                    </p:set>
+                                    <p:animEffect transition="in" filter="fade">
+                                      <p:cBhvr>
+                                        <p:cTn id="7" dur="1000"/>
+                                        <p:tgtEl>
+                                          <p:spTgt spid="4"/>
+                                        </p:tgtEl>
+                                      </p:cBhvr>
+                                    </p:animEffect>
+                                    <p:anim calcmode="lin" valueType="num">
+                                      <p:cBhvr>
+                                        <p:cTn id="8" dur="1000" fill="hold"/>
+                                        <p:tgtEl>
+                                          <p:spTgt spid="4"/>
+                                        </p:tgtEl>
+                                        <p:attrNameLst>
+                                          <p:attrName>ppt_x</p:attrName>
+                                        </p:attrNameLst>
+                                      </p:cBhvr>
+                                      <p:tavLst>
+                                        <p:tav tm="0">
+                                          <p:val>
+                                            <p:strVal val="#ppt_x"/>
+                                          </p:val>
+                                        </p:tav>
+                                        <p:tav tm="100000">
+                                          <p:val>
+                                            <p:strVal val="#ppt_x"/>
+                                          </p:val>
+                                        </p:tav>
+                                      </p:tavLst>
+                                    </p:anim>
+                                    <p:anim calcmode="lin" valueType="num">
+                                      <p:cBhvr>
+                                        <p:cTn id="9" dur="1000" fill="hold"/>
+                                        <p:tgtEl>
+                                          <p:spTgt spid="4"/>
+                                        </p:tgtEl>
+                                        <p:attrNameLst>
+                                          <p:attrName>ppt_y</p:attrName>
+                                        </p:attrNameLst>
+                                      </p:cBhvr>
+                                      <p:tavLst>
+                                        <p:tav tm="0">
+                                          <p:val>
+                                            <p:strVal val="#ppt_y+.1"/>
+                                          </p:val>
+                                        </p:tav>
+                                        <p:tav tm="100000">
+                                          <p:val>
+                                            <p:strVal val="#ppt_y"/>
+                                          </p:val>
+                                        </p:tav>
+                                      </p:tavLst>
+                                    </p:anim>
+                                  </p:childTnLst>
+                                </p:cTn>
+                              </p:par>
+                              <p:par>
+                                <p:cTn id="10" presetID="42" presetClass="exit" presetSubtype="0" fill="hold" nodeType="withEffect">
+                                  <p:stCondLst>
+                                    <p:cond delay="0"/>
+                                  </p:stCondLst>
+                                  <p:childTnLst>
+                                    <p:animEffect transition="out" filter="fade">
+                                      <p:cBhvr>
+                                        <p:cTn id="11" dur="1000"/>
+                                        <p:tgtEl>
+                                          <p:spTgt spid="7"/>
+                                        </p:tgtEl>
+                                      </p:cBhvr>
+                                    </p:animEffect>
+                                    <p:anim calcmode="lin" valueType="num">
+                                      <p:cBhvr>
+                                        <p:cTn id="12" dur="1000"/>
+                                        <p:tgtEl>
+                                          <p:spTgt spid="7"/>
+                                        </p:tgtEl>
+                                        <p:attrNameLst>
+                                          <p:attrName>ppt_x</p:attrName>
+                                        </p:attrNameLst>
+                                      </p:cBhvr>
+                                      <p:tavLst>
+                                        <p:tav tm="0">
+                                          <p:val>
+                                            <p:strVal val="ppt_x"/>
+                                          </p:val>
+                                        </p:tav>
+                                        <p:tav tm="100000">
+                                          <p:val>
+                                            <p:strVal val="ppt_x"/>
+                                          </p:val>
+                                        </p:tav>
+                                      </p:tavLst>
+                                    </p:anim>
+                                    <p:anim calcmode="lin" valueType="num">
+                                      <p:cBhvr>
+                                        <p:cTn id="13" dur="1000"/>
+                                        <p:tgtEl>
+                                          <p:spTgt spid="7"/>
+                                        </p:tgtEl>
+                                        <p:attrNameLst>
+                                          <p:attrName>ppt_y</p:attrName>
+                                        </p:attrNameLst>
+                                      </p:cBhvr>
+                                      <p:tavLst>
+                                        <p:tav tm="0">
+                                          <p:val>
+                                            <p:strVal val="ppt_y"/>
+                                          </p:val>
+                                        </p:tav>
+                                        <p:tav tm="100000">
+                                          <p:val>
+                                            <p:strVal val="ppt_y+.1"/>
+                                          </p:val>
+                                        </p:tav>
+                                      </p:tavLst>
+                                    </p:anim>
+                                    <p:set>
+                                      <p:cBhvr>
+                                        <p:cTn id="14" dur="1" fill="hold">
+                                          <p:stCondLst>
+                                            <p:cond delay="999"/>
+                                          </p:stCondLst>
+                                        </p:cTn>
+                                        <p:tgtEl>
+                                          <p:spTgt spid="7"/>
+                                        </p:tgtEl>
+                                        <p:attrNameLst>
+                                          <p:attrName>style.visibility</p:attrName>
+                                        </p:attrNameLst>
+                                      </p:cBhvr>
+                                      <p:to>
+                                        <p:strVal val="hidden"/>
+                                      </p:to>
+                                    </p:set>
+                                  </p:childTnLst>
+                                </p:cTn>
+                              </p:par>
+                            </p:childTnLst>
+                          </p:cTn>
+                        </p:par>
+                      </p:childTnLst>
+                    </p:cTn>
+                  </p:par>
+                </p:childTnLst>
+              </p:cTn>
+              <p:prevCondLst>
+                <p:cond evt="onPrev" delay="0">
+                  <p:tgtEl>
+                    <p:sldTgt/>
+                  </p:tgtEl>
+                </p:cond>
+              </p:prevCondLst>
+              <p:nextCondLst>
+                <p:cond evt="onNext" delay="0">
+                  <p:tgtEl>
+                    <p:sldTgt/>
+                  </p:tgtEl>
+                </p:cond>
+              </p:nextCondLst>
+            </p:seq>
+          </p:childTnLst>
+        </p:cTn>
+      </p:par>
+    </p:tnLst>
+  </p:timing>
+</p:sld>
+</file>
+
+<file path=ppt/slides/slide22.xml><?xml version="1.0" encoding="utf-8"?>
+<p:sld xmlns:a="http://schemas.openxmlformats.org/drawingml/2006/main" xmlns:r="http://schemas.openxmlformats.org/officeDocument/2006/relationships" xmlns:p="http://schemas.openxmlformats.org/presentationml/2006/main">
+  <p:cSld>
+    <p:spTree>
+      <p:nvGrpSpPr>
+        <p:cNvPr id="1" name=""/>
+        <p:cNvGrpSpPr/>
+        <p:nvPr/>
+      </p:nvGrpSpPr>
+      <p:grpSpPr>
+        <a:xfrm>
+          <a:off x="0" y="0"/>
+          <a:ext cx="0" cy="0"/>
+          <a:chOff x="0" y="0"/>
+          <a:chExt cx="0" cy="0"/>
+        </a:xfrm>
+      </p:grpSpPr>
+      <p:sp>
+        <p:nvSpPr>
+          <p:cNvPr id="2" name="제목 1"/>
+          <p:cNvSpPr>
+            <a:spLocks noGrp="1"/>
+          </p:cNvSpPr>
+          <p:nvPr>
+            <p:ph type="title"/>
+          </p:nvPr>
+        </p:nvSpPr>
+        <p:spPr/>
+        <p:txBody>
+          <a:bodyPr/>
+          <a:lstStyle/>
+          <a:p>
+            <a:pPr lvl="0">
+              <a:defRPr/>
+            </a:pPr>
+            <a:r>
+              <a:rPr lang="en-US" altLang="ko-KR"/>
+              <a:t>2. </a:t>
+            </a:r>
+            <a:r>
+              <a:rPr lang="ko-KR" altLang="en-US"/>
+              <a:t>모델</a:t>
+            </a:r>
+          </a:p>
+        </p:txBody>
+      </p:sp>
+      <p:pic>
+        <p:nvPicPr>
+          <p:cNvPr id="5" name="그림 4">
+            <a:extLst>
+              <a:ext uri="{FF2B5EF4-FFF2-40B4-BE49-F238E27FC236}">
+                <a16:creationId xmlns:a16="http://schemas.microsoft.com/office/drawing/2014/main" id="{6C7F51DD-F6E1-4E2C-A90F-DC7AEE624805}"/>
+              </a:ext>
+            </a:extLst>
+          </p:cNvPr>
+          <p:cNvPicPr>
+            <a:picLocks noChangeAspect="1"/>
+          </p:cNvPicPr>
+          <p:nvPr/>
+        </p:nvPicPr>
+        <p:blipFill>
+          <a:blip r:embed="rId3"/>
+          <a:stretch>
+            <a:fillRect/>
+          </a:stretch>
+        </p:blipFill>
+        <p:spPr>
+          <a:xfrm>
+            <a:off x="2766548" y="1714260"/>
+            <a:ext cx="6658904" cy="3429479"/>
+          </a:xfrm>
+          <a:prstGeom prst="rect">
+            <a:avLst/>
+          </a:prstGeom>
+        </p:spPr>
+      </p:pic>
+    </p:spTree>
+    <p:extLst>
+      <p:ext uri="{BB962C8B-B14F-4D97-AF65-F5344CB8AC3E}">
+        <p14:creationId xmlns:p14="http://schemas.microsoft.com/office/powerpoint/2010/main" val="3426682185"/>
+      </p:ext>
+    </p:extLst>
+  </p:cSld>
+  <p:clrMapOvr>
+    <a:masterClrMapping/>
+  </p:clrMapOvr>
+  <p:transition/>
+</p:sld>
+</file>
+
+<file path=ppt/slides/slide23.xml><?xml version="1.0" encoding="utf-8"?>
+<p:sld xmlns:a="http://schemas.openxmlformats.org/drawingml/2006/main" xmlns:r="http://schemas.openxmlformats.org/officeDocument/2006/relationships" xmlns:p="http://schemas.openxmlformats.org/presentationml/2006/main">
+  <p:cSld>
+    <p:spTree>
+      <p:nvGrpSpPr>
+        <p:cNvPr id="1" name=""/>
+        <p:cNvGrpSpPr/>
+        <p:nvPr/>
+      </p:nvGrpSpPr>
+      <p:grpSpPr>
+        <a:xfrm>
+          <a:off x="0" y="0"/>
+          <a:ext cx="0" cy="0"/>
+          <a:chOff x="0" y="0"/>
+          <a:chExt cx="0" cy="0"/>
+        </a:xfrm>
+      </p:grpSpPr>
+      <p:sp>
+        <p:nvSpPr>
+          <p:cNvPr id="2" name="제목 1"/>
+          <p:cNvSpPr>
+            <a:spLocks noGrp="1"/>
+          </p:cNvSpPr>
+          <p:nvPr>
+            <p:ph type="title"/>
+          </p:nvPr>
+        </p:nvSpPr>
+        <p:spPr/>
+        <p:txBody>
+          <a:bodyPr/>
+          <a:lstStyle/>
+          <a:p>
+            <a:pPr lvl="0">
+              <a:defRPr/>
+            </a:pPr>
+            <a:r>
+              <a:rPr lang="en-US" altLang="ko-KR" dirty="0"/>
+              <a:t>3. </a:t>
+            </a:r>
+            <a:r>
+              <a:rPr lang="ko-KR" altLang="en-US" dirty="0"/>
+              <a:t>실험과 결과</a:t>
+            </a:r>
+          </a:p>
+        </p:txBody>
+      </p:sp>
+      <p:pic>
+        <p:nvPicPr>
+          <p:cNvPr id="4" name="그림 3">
+            <a:extLst>
+              <a:ext uri="{FF2B5EF4-FFF2-40B4-BE49-F238E27FC236}">
+                <a16:creationId xmlns:a16="http://schemas.microsoft.com/office/drawing/2014/main" id="{B2A65FF7-98D7-4D76-A264-EBDA5D676499}"/>
+              </a:ext>
+            </a:extLst>
+          </p:cNvPr>
+          <p:cNvPicPr>
+            <a:picLocks noChangeAspect="1"/>
+          </p:cNvPicPr>
+          <p:nvPr/>
+        </p:nvPicPr>
+        <p:blipFill>
+          <a:blip r:embed="rId3"/>
+          <a:stretch>
+            <a:fillRect/>
+          </a:stretch>
+        </p:blipFill>
+        <p:spPr>
+          <a:xfrm>
+            <a:off x="1128040" y="1796739"/>
+            <a:ext cx="9631119" cy="4458322"/>
+          </a:xfrm>
+          <a:prstGeom prst="rect">
+            <a:avLst/>
+          </a:prstGeom>
+        </p:spPr>
+      </p:pic>
+    </p:spTree>
+    <p:extLst>
+      <p:ext uri="{BB962C8B-B14F-4D97-AF65-F5344CB8AC3E}">
+        <p14:creationId xmlns:p14="http://schemas.microsoft.com/office/powerpoint/2010/main" val="565999603"/>
+      </p:ext>
+    </p:extLst>
+  </p:cSld>
+  <p:clrMapOvr>
+    <a:masterClrMapping/>
+  </p:clrMapOvr>
+  <p:transition/>
+</p:sld>
+</file>
+
+<file path=ppt/slides/slide24.xml><?xml version="1.0" encoding="utf-8"?>
+<p:sld xmlns:a="http://schemas.openxmlformats.org/drawingml/2006/main" xmlns:r="http://schemas.openxmlformats.org/officeDocument/2006/relationships" xmlns:p="http://schemas.openxmlformats.org/presentationml/2006/main">
+  <p:cSld>
+    <p:spTree>
+      <p:nvGrpSpPr>
+        <p:cNvPr id="1" name=""/>
+        <p:cNvGrpSpPr/>
+        <p:nvPr/>
+      </p:nvGrpSpPr>
+      <p:grpSpPr>
+        <a:xfrm>
+          <a:off x="0" y="0"/>
+          <a:ext cx="0" cy="0"/>
+          <a:chOff x="0" y="0"/>
+          <a:chExt cx="0" cy="0"/>
+        </a:xfrm>
+      </p:grpSpPr>
+      <p:sp>
+        <p:nvSpPr>
+          <p:cNvPr id="2" name="제목 1"/>
+          <p:cNvSpPr>
+            <a:spLocks noGrp="1"/>
+          </p:cNvSpPr>
+          <p:nvPr>
+            <p:ph type="title"/>
+          </p:nvPr>
+        </p:nvSpPr>
+        <p:spPr/>
+        <p:txBody>
+          <a:bodyPr/>
+          <a:lstStyle/>
+          <a:p>
+            <a:pPr lvl="0">
+              <a:defRPr/>
+            </a:pPr>
+            <a:r>
+              <a:rPr lang="en-US" altLang="ko-KR" dirty="0"/>
+              <a:t>3. </a:t>
+            </a:r>
+            <a:r>
+              <a:rPr lang="ko-KR" altLang="en-US" dirty="0"/>
+              <a:t>실험과 결과</a:t>
+            </a:r>
+          </a:p>
+        </p:txBody>
+      </p:sp>
+      <p:pic>
+        <p:nvPicPr>
+          <p:cNvPr id="5" name="그림 4">
+            <a:extLst>
+              <a:ext uri="{FF2B5EF4-FFF2-40B4-BE49-F238E27FC236}">
+                <a16:creationId xmlns:a16="http://schemas.microsoft.com/office/drawing/2014/main" id="{694168CB-6C21-4F49-9702-E418D4B7D0C5}"/>
+              </a:ext>
+            </a:extLst>
+          </p:cNvPr>
+          <p:cNvPicPr>
+            <a:picLocks noChangeAspect="1"/>
+          </p:cNvPicPr>
+          <p:nvPr/>
+        </p:nvPicPr>
+        <p:blipFill>
+          <a:blip r:embed="rId3"/>
+          <a:stretch>
+            <a:fillRect/>
+          </a:stretch>
+        </p:blipFill>
+        <p:spPr>
+          <a:xfrm>
+            <a:off x="3909707" y="2066735"/>
+            <a:ext cx="4372585" cy="2724530"/>
+          </a:xfrm>
+          <a:prstGeom prst="rect">
+            <a:avLst/>
+          </a:prstGeom>
+        </p:spPr>
+      </p:pic>
+      <p:sp>
+        <p:nvSpPr>
+          <p:cNvPr id="6" name="내용 개체 틀 2">
+            <a:extLst>
+              <a:ext uri="{FF2B5EF4-FFF2-40B4-BE49-F238E27FC236}">
+                <a16:creationId xmlns:a16="http://schemas.microsoft.com/office/drawing/2014/main" id="{0178B923-A96A-4E39-A7A1-6705F5468C0B}"/>
+              </a:ext>
+            </a:extLst>
+          </p:cNvPr>
+          <p:cNvSpPr>
+            <a:spLocks noGrp="1"/>
+          </p:cNvSpPr>
+          <p:nvPr>
+            <p:ph idx="1"/>
+          </p:nvPr>
+        </p:nvSpPr>
+        <p:spPr>
+          <a:xfrm>
+            <a:off x="599287" y="5739282"/>
+            <a:ext cx="10754513" cy="1772534"/>
+          </a:xfrm>
+        </p:spPr>
+        <p:txBody>
+          <a:bodyPr>
+            <a:normAutofit/>
+          </a:bodyPr>
+          <a:lstStyle/>
+          <a:p>
+            <a:pPr marL="0" indent="0">
+              <a:buNone/>
+              <a:defRPr/>
+            </a:pPr>
+            <a:r>
+              <a:rPr lang="en-US" altLang="ko-KR" sz="2000" dirty="0"/>
+              <a:t>Multi level feature</a:t>
+            </a:r>
+            <a:r>
+              <a:rPr lang="ko-KR" altLang="en-US" sz="2000" dirty="0"/>
+              <a:t>를 활용함으로써 성능이 뚜렷하게 향상</a:t>
+            </a:r>
+          </a:p>
+        </p:txBody>
+      </p:sp>
+    </p:spTree>
+    <p:extLst>
+      <p:ext uri="{BB962C8B-B14F-4D97-AF65-F5344CB8AC3E}">
+        <p14:creationId xmlns:p14="http://schemas.microsoft.com/office/powerpoint/2010/main" val="2288484361"/>
+      </p:ext>
+    </p:extLst>
+  </p:cSld>
+  <p:clrMapOvr>
+    <a:masterClrMapping/>
+  </p:clrMapOvr>
+  <p:transition/>
+</p:sld>
+</file>
+
+<file path=ppt/slides/slide25.xml><?xml version="1.0" encoding="utf-8"?>
+<p:sld xmlns:a="http://schemas.openxmlformats.org/drawingml/2006/main" xmlns:r="http://schemas.openxmlformats.org/officeDocument/2006/relationships" xmlns:p="http://schemas.openxmlformats.org/presentationml/2006/main">
+  <p:cSld>
+    <p:spTree>
+      <p:nvGrpSpPr>
+        <p:cNvPr id="1" name=""/>
+        <p:cNvGrpSpPr/>
+        <p:nvPr/>
+      </p:nvGrpSpPr>
+      <p:grpSpPr>
+        <a:xfrm>
+          <a:off x="0" y="0"/>
+          <a:ext cx="0" cy="0"/>
+          <a:chOff x="0" y="0"/>
+          <a:chExt cx="0" cy="0"/>
+        </a:xfrm>
+      </p:grpSpPr>
+      <p:sp>
+        <p:nvSpPr>
+          <p:cNvPr id="2" name="제목 1"/>
+          <p:cNvSpPr>
+            <a:spLocks noGrp="1"/>
+          </p:cNvSpPr>
+          <p:nvPr>
+            <p:ph type="title"/>
+          </p:nvPr>
+        </p:nvSpPr>
+        <p:spPr/>
+        <p:txBody>
+          <a:bodyPr/>
+          <a:lstStyle/>
+          <a:p>
+            <a:pPr lvl="0">
+              <a:defRPr/>
+            </a:pPr>
+            <a:r>
+              <a:rPr lang="en-US" altLang="ko-KR" dirty="0"/>
+              <a:t>3. </a:t>
+            </a:r>
+            <a:r>
+              <a:rPr lang="ko-KR" altLang="en-US" dirty="0"/>
+              <a:t>실험과 결과</a:t>
+            </a:r>
+          </a:p>
+        </p:txBody>
+      </p:sp>
+      <p:sp>
+        <p:nvSpPr>
+          <p:cNvPr id="6" name="내용 개체 틀 2">
+            <a:extLst>
+              <a:ext uri="{FF2B5EF4-FFF2-40B4-BE49-F238E27FC236}">
+                <a16:creationId xmlns:a16="http://schemas.microsoft.com/office/drawing/2014/main" id="{0178B923-A96A-4E39-A7A1-6705F5468C0B}"/>
+              </a:ext>
+            </a:extLst>
+          </p:cNvPr>
+          <p:cNvSpPr>
+            <a:spLocks noGrp="1"/>
+          </p:cNvSpPr>
+          <p:nvPr>
+            <p:ph idx="1"/>
+          </p:nvPr>
+        </p:nvSpPr>
+        <p:spPr>
+          <a:xfrm>
+            <a:off x="599287" y="5282082"/>
+            <a:ext cx="10754513" cy="1772534"/>
+          </a:xfrm>
+        </p:spPr>
+        <p:txBody>
+          <a:bodyPr>
+            <a:normAutofit/>
+          </a:bodyPr>
+          <a:lstStyle/>
+          <a:p>
+            <a:pPr marL="0" indent="0">
+              <a:buNone/>
+              <a:defRPr/>
+            </a:pPr>
+            <a:r>
+              <a:rPr lang="en-US" altLang="ko-KR" sz="2000" dirty="0"/>
+              <a:t>Fine Tuning</a:t>
+            </a:r>
+            <a:r>
+              <a:rPr lang="ko-KR" altLang="en-US" sz="2000" dirty="0"/>
+              <a:t>을 하지 않은 모델의 경우 </a:t>
+            </a:r>
+            <a:r>
+              <a:rPr lang="en-US" altLang="ko-KR" sz="2000" dirty="0"/>
+              <a:t>encoder</a:t>
+            </a:r>
+            <a:r>
+              <a:rPr lang="ko-KR" altLang="en-US" sz="2000" dirty="0"/>
+              <a:t>의 개수가 늘어남에 따라 </a:t>
+            </a:r>
+            <a:r>
+              <a:rPr lang="en-US" altLang="ko-KR" sz="2000" dirty="0"/>
+              <a:t>PCK</a:t>
+            </a:r>
+            <a:r>
+              <a:rPr lang="ko-KR" altLang="en-US" sz="2000" dirty="0"/>
+              <a:t>가 증가하는 경향을 보임</a:t>
+            </a:r>
+            <a:endParaRPr lang="en-US" altLang="ko-KR" sz="2000" dirty="0"/>
+          </a:p>
+          <a:p>
+            <a:pPr marL="0" indent="0">
+              <a:buNone/>
+              <a:defRPr/>
+            </a:pPr>
+            <a:r>
+              <a:rPr lang="ko-KR" altLang="en-US" sz="2000" dirty="0"/>
+              <a:t>하지만 </a:t>
+            </a:r>
+            <a:r>
+              <a:rPr lang="en-US" altLang="ko-KR" sz="2000" dirty="0"/>
+              <a:t>Fine Tuning</a:t>
+            </a:r>
+            <a:r>
+              <a:rPr lang="ko-KR" altLang="en-US" sz="2000" dirty="0"/>
+              <a:t>을 한 모델의 경우 오히려 </a:t>
+            </a:r>
+            <a:r>
+              <a:rPr lang="en-US" altLang="ko-KR" sz="2000" dirty="0"/>
+              <a:t>encoder</a:t>
+            </a:r>
+            <a:r>
+              <a:rPr lang="ko-KR" altLang="en-US" sz="2000" dirty="0"/>
+              <a:t>가 </a:t>
+            </a:r>
+            <a:r>
+              <a:rPr lang="en-US" altLang="ko-KR" sz="2000" dirty="0"/>
+              <a:t>1</a:t>
+            </a:r>
+            <a:r>
+              <a:rPr lang="ko-KR" altLang="en-US" sz="2000" dirty="0" err="1"/>
+              <a:t>개일때</a:t>
+            </a:r>
+            <a:r>
+              <a:rPr lang="ko-KR" altLang="en-US" sz="2000" dirty="0"/>
+              <a:t> 가장 높은 </a:t>
+            </a:r>
+            <a:r>
+              <a:rPr lang="en-US" altLang="ko-KR" sz="2000" dirty="0"/>
+              <a:t>PCK</a:t>
+            </a:r>
+            <a:r>
+              <a:rPr lang="ko-KR" altLang="en-US" sz="2000" dirty="0"/>
+              <a:t>를 보임</a:t>
+            </a:r>
+          </a:p>
+        </p:txBody>
+      </p:sp>
+      <p:pic>
+        <p:nvPicPr>
+          <p:cNvPr id="4" name="그림 3">
+            <a:extLst>
+              <a:ext uri="{FF2B5EF4-FFF2-40B4-BE49-F238E27FC236}">
+                <a16:creationId xmlns:a16="http://schemas.microsoft.com/office/drawing/2014/main" id="{55644228-6EDD-47EB-8579-3323B3328726}"/>
+              </a:ext>
+            </a:extLst>
+          </p:cNvPr>
+          <p:cNvPicPr>
+            <a:picLocks noChangeAspect="1"/>
+          </p:cNvPicPr>
+          <p:nvPr/>
+        </p:nvPicPr>
+        <p:blipFill>
+          <a:blip r:embed="rId3"/>
+          <a:stretch>
+            <a:fillRect/>
+          </a:stretch>
+        </p:blipFill>
+        <p:spPr>
+          <a:xfrm>
+            <a:off x="2841453" y="1890028"/>
+            <a:ext cx="6509093" cy="3077943"/>
+          </a:xfrm>
+          <a:prstGeom prst="rect">
+            <a:avLst/>
+          </a:prstGeom>
+        </p:spPr>
+      </p:pic>
+    </p:spTree>
+    <p:extLst>
+      <p:ext uri="{BB962C8B-B14F-4D97-AF65-F5344CB8AC3E}">
+        <p14:creationId xmlns:p14="http://schemas.microsoft.com/office/powerpoint/2010/main" val="1395165285"/>
+      </p:ext>
+    </p:extLst>
+  </p:cSld>
+  <p:clrMapOvr>
+    <a:masterClrMapping/>
+  </p:clrMapOvr>
+  <p:transition/>
+</p:sld>
+</file>
+
+<file path=ppt/slides/slide26.xml><?xml version="1.0" encoding="utf-8"?>
+<p:sld xmlns:a="http://schemas.openxmlformats.org/drawingml/2006/main" xmlns:r="http://schemas.openxmlformats.org/officeDocument/2006/relationships" xmlns:p="http://schemas.openxmlformats.org/presentationml/2006/main">
+  <p:cSld>
+    <p:spTree>
+      <p:nvGrpSpPr>
+        <p:cNvPr id="1" name=""/>
+        <p:cNvGrpSpPr/>
+        <p:nvPr/>
+      </p:nvGrpSpPr>
+      <p:grpSpPr>
+        <a:xfrm>
+          <a:off x="0" y="0"/>
+          <a:ext cx="0" cy="0"/>
+          <a:chOff x="0" y="0"/>
+          <a:chExt cx="0" cy="0"/>
+        </a:xfrm>
+      </p:grpSpPr>
+      <p:sp>
+        <p:nvSpPr>
+          <p:cNvPr id="2" name="제목 1"/>
+          <p:cNvSpPr>
+            <a:spLocks noGrp="1"/>
+          </p:cNvSpPr>
+          <p:nvPr>
+            <p:ph type="title"/>
+          </p:nvPr>
+        </p:nvSpPr>
+        <p:spPr/>
+        <p:txBody>
+          <a:bodyPr/>
+          <a:lstStyle/>
+          <a:p>
+            <a:pPr lvl="0">
+              <a:defRPr/>
+            </a:pPr>
+            <a:r>
+              <a:rPr lang="en-US" altLang="ko-KR" dirty="0"/>
+              <a:t>3. </a:t>
+            </a:r>
+            <a:r>
+              <a:rPr lang="ko-KR" altLang="en-US" dirty="0"/>
+              <a:t>실험과 결과</a:t>
+            </a:r>
+          </a:p>
+        </p:txBody>
+      </p:sp>
+      <p:sp>
+        <p:nvSpPr>
+          <p:cNvPr id="6" name="내용 개체 틀 2">
+            <a:extLst>
+              <a:ext uri="{FF2B5EF4-FFF2-40B4-BE49-F238E27FC236}">
+                <a16:creationId xmlns:a16="http://schemas.microsoft.com/office/drawing/2014/main" id="{0178B923-A96A-4E39-A7A1-6705F5468C0B}"/>
+              </a:ext>
+            </a:extLst>
+          </p:cNvPr>
+          <p:cNvSpPr>
+            <a:spLocks noGrp="1"/>
+          </p:cNvSpPr>
+          <p:nvPr>
+            <p:ph idx="1"/>
+          </p:nvPr>
+        </p:nvSpPr>
+        <p:spPr>
+          <a:xfrm>
+            <a:off x="599287" y="5739282"/>
+            <a:ext cx="10754513" cy="1772534"/>
+          </a:xfrm>
+        </p:spPr>
+        <p:txBody>
+          <a:bodyPr>
+            <a:normAutofit/>
+          </a:bodyPr>
+          <a:lstStyle/>
+          <a:p>
+            <a:pPr marL="0" indent="0">
+              <a:buNone/>
+              <a:defRPr/>
+            </a:pPr>
+            <a:r>
+              <a:rPr lang="en-US" altLang="ko-KR" sz="2000" dirty="0"/>
+              <a:t>Multi level feature</a:t>
+            </a:r>
+            <a:r>
+              <a:rPr lang="ko-KR" altLang="en-US" sz="2000" dirty="0"/>
+              <a:t>를 활용함으로써 성능이 뚜렷하게 향상</a:t>
+            </a:r>
+          </a:p>
+        </p:txBody>
+      </p:sp>
+      <p:pic>
+        <p:nvPicPr>
+          <p:cNvPr id="4" name="그림 3">
+            <a:extLst>
+              <a:ext uri="{FF2B5EF4-FFF2-40B4-BE49-F238E27FC236}">
+                <a16:creationId xmlns:a16="http://schemas.microsoft.com/office/drawing/2014/main" id="{D041A669-CEE9-47F7-BE2F-EBF0D0F193A2}"/>
+              </a:ext>
+            </a:extLst>
+          </p:cNvPr>
+          <p:cNvPicPr>
+            <a:picLocks noChangeAspect="1"/>
+          </p:cNvPicPr>
+          <p:nvPr/>
+        </p:nvPicPr>
+        <p:blipFill rotWithShape="1">
+          <a:blip r:embed="rId3"/>
+          <a:srcRect t="2762"/>
+          <a:stretch/>
+        </p:blipFill>
+        <p:spPr>
+          <a:xfrm>
+            <a:off x="4562261" y="2252578"/>
+            <a:ext cx="3067478" cy="2352844"/>
+          </a:xfrm>
+          <a:prstGeom prst="rect">
+            <a:avLst/>
+          </a:prstGeom>
+        </p:spPr>
+      </p:pic>
+    </p:spTree>
+    <p:extLst>
+      <p:ext uri="{BB962C8B-B14F-4D97-AF65-F5344CB8AC3E}">
+        <p14:creationId xmlns:p14="http://schemas.microsoft.com/office/powerpoint/2010/main" val="846912057"/>
+      </p:ext>
+    </p:extLst>
+  </p:cSld>
+  <p:clrMapOvr>
+    <a:masterClrMapping/>
+  </p:clrMapOvr>
+  <p:transition/>
+</p:sld>
+</file>
+
+<file path=ppt/slides/slide27.xml><?xml version="1.0" encoding="utf-8"?>
+<p:sld xmlns:a="http://schemas.openxmlformats.org/drawingml/2006/main" xmlns:r="http://schemas.openxmlformats.org/officeDocument/2006/relationships" xmlns:p="http://schemas.openxmlformats.org/presentationml/2006/main">
+  <p:cSld>
+    <p:spTree>
+      <p:nvGrpSpPr>
+        <p:cNvPr id="1" name=""/>
+        <p:cNvGrpSpPr/>
+        <p:nvPr/>
+      </p:nvGrpSpPr>
+      <p:grpSpPr>
+        <a:xfrm>
+          <a:off x="0" y="0"/>
+          <a:ext cx="0" cy="0"/>
+          <a:chOff x="0" y="0"/>
+          <a:chExt cx="0" cy="0"/>
+        </a:xfrm>
+      </p:grpSpPr>
+      <p:sp>
+        <p:nvSpPr>
+          <p:cNvPr id="2" name="제목 1"/>
+          <p:cNvSpPr>
+            <a:spLocks noGrp="1"/>
+          </p:cNvSpPr>
+          <p:nvPr>
+            <p:ph type="title"/>
+          </p:nvPr>
+        </p:nvSpPr>
+        <p:spPr/>
+        <p:txBody>
+          <a:bodyPr/>
+          <a:lstStyle/>
+          <a:p>
+            <a:pPr lvl="0">
+              <a:defRPr/>
+            </a:pPr>
+            <a:r>
+              <a:rPr lang="en-US" altLang="ko-KR" dirty="0"/>
+              <a:t>4. </a:t>
+            </a:r>
+            <a:r>
+              <a:rPr lang="ko-KR" altLang="en-US" dirty="0"/>
+              <a:t>결론</a:t>
+            </a:r>
+          </a:p>
+        </p:txBody>
+      </p:sp>
+      <p:sp>
+        <p:nvSpPr>
+          <p:cNvPr id="5" name="내용 개체 틀 4">
+            <a:extLst>
+              <a:ext uri="{FF2B5EF4-FFF2-40B4-BE49-F238E27FC236}">
+                <a16:creationId xmlns:a16="http://schemas.microsoft.com/office/drawing/2014/main" id="{DABE4505-EC2E-4231-A0CB-746C6269731D}"/>
+              </a:ext>
+            </a:extLst>
+          </p:cNvPr>
+          <p:cNvSpPr>
+            <a:spLocks noGrp="1"/>
+          </p:cNvSpPr>
+          <p:nvPr>
+            <p:ph idx="1"/>
+          </p:nvPr>
+        </p:nvSpPr>
+        <p:spPr/>
+        <p:txBody>
+          <a:bodyPr/>
+          <a:lstStyle/>
+          <a:p>
+            <a:r>
+              <a:rPr lang="ko-KR" altLang="en-US" dirty="0"/>
+              <a:t>트랜스포머 기반 비용 집계 네트워크</a:t>
+            </a:r>
+            <a:r>
+              <a:rPr lang="en-US" altLang="ko-KR" dirty="0"/>
+              <a:t>(CATs) </a:t>
+            </a:r>
+            <a:r>
+              <a:rPr lang="ko-KR" altLang="en-US" dirty="0"/>
+              <a:t>첫 제안</a:t>
+            </a:r>
+            <a:endParaRPr lang="en-US" altLang="ko-KR" dirty="0"/>
+          </a:p>
+          <a:p>
+            <a:endParaRPr lang="ko-KR" altLang="en-US" dirty="0"/>
+          </a:p>
+          <a:p>
+            <a:r>
+              <a:rPr lang="ko-KR" altLang="en-US" dirty="0"/>
+              <a:t>입력 특성 간 매칭 점수 집계 기능 도입</a:t>
+            </a:r>
+            <a:endParaRPr lang="en-US" altLang="ko-KR" dirty="0"/>
+          </a:p>
+          <a:p>
+            <a:endParaRPr lang="ko-KR" altLang="en-US" dirty="0"/>
+          </a:p>
+          <a:p>
+            <a:r>
+              <a:rPr lang="ko-KR" altLang="en-US" dirty="0"/>
+              <a:t>다양한 네트워크 구조 설계 적용 </a:t>
+            </a:r>
+            <a:r>
+              <a:rPr lang="en-US" altLang="ko-KR" dirty="0"/>
+              <a:t>(Appearance Affinity Modelling, Multi-level Aggregation </a:t>
+            </a:r>
+            <a:r>
+              <a:rPr lang="ko-KR" altLang="en-US" dirty="0"/>
+              <a:t>등</a:t>
+            </a:r>
+            <a:r>
+              <a:rPr lang="en-US" altLang="ko-KR" dirty="0"/>
+              <a:t>)</a:t>
+            </a:r>
+          </a:p>
+          <a:p>
+            <a:endParaRPr lang="en-US" altLang="ko-KR" dirty="0"/>
+          </a:p>
+          <a:p>
+            <a:r>
+              <a:rPr lang="en-US" altLang="ko-KR" dirty="0"/>
+              <a:t>PF-PASCAL</a:t>
+            </a:r>
+            <a:r>
+              <a:rPr lang="ko-KR" altLang="en-US" dirty="0"/>
+              <a:t>과 </a:t>
+            </a:r>
+            <a:r>
+              <a:rPr lang="en-US" altLang="ko-KR" dirty="0"/>
+              <a:t>Spair-71k </a:t>
+            </a:r>
+            <a:r>
+              <a:rPr lang="ko-KR" altLang="en-US" dirty="0"/>
+              <a:t>데이터셋에서 </a:t>
+            </a:r>
+            <a:r>
+              <a:rPr lang="en-US" altLang="ko-KR" dirty="0"/>
+              <a:t>SOTA </a:t>
+            </a:r>
+            <a:r>
+              <a:rPr lang="ko-KR" altLang="en-US" dirty="0"/>
+              <a:t>모델 달성</a:t>
+            </a:r>
+            <a:endParaRPr lang="en-US" altLang="ko-KR" dirty="0"/>
+          </a:p>
+          <a:p>
+            <a:endParaRPr lang="ko-KR" altLang="en-US" dirty="0"/>
+          </a:p>
+        </p:txBody>
+      </p:sp>
+    </p:spTree>
+    <p:extLst>
+      <p:ext uri="{BB962C8B-B14F-4D97-AF65-F5344CB8AC3E}">
+        <p14:creationId xmlns:p14="http://schemas.microsoft.com/office/powerpoint/2010/main" val="330102314"/>
+      </p:ext>
+    </p:extLst>
+  </p:cSld>
+  <p:clrMapOvr>
+    <a:masterClrMapping/>
+  </p:clrMapOvr>
+  <p:transition/>
+</p:sld>
+</file>
+
+<file path=ppt/slides/slide28.xml><?xml version="1.0" encoding="utf-8"?>
+<p:sld xmlns:a="http://schemas.openxmlformats.org/drawingml/2006/main" xmlns:r="http://schemas.openxmlformats.org/officeDocument/2006/relationships" xmlns:p="http://schemas.openxmlformats.org/presentationml/2006/main">
+  <p:cSld>
+    <p:spTree>
+      <p:nvGrpSpPr>
+        <p:cNvPr id="1" name=""/>
+        <p:cNvGrpSpPr/>
+        <p:nvPr/>
+      </p:nvGrpSpPr>
+      <p:grpSpPr>
+        <a:xfrm>
+          <a:off x="0" y="0"/>
+          <a:ext cx="0" cy="0"/>
+          <a:chOff x="0" y="0"/>
+          <a:chExt cx="0" cy="0"/>
+        </a:xfrm>
+      </p:grpSpPr>
+      <p:sp>
+        <p:nvSpPr>
+          <p:cNvPr id="4" name="제목 3">
+            <a:extLst>
+              <a:ext uri="{FF2B5EF4-FFF2-40B4-BE49-F238E27FC236}">
+                <a16:creationId xmlns:a16="http://schemas.microsoft.com/office/drawing/2014/main" id="{F313114F-054B-4C61-802F-B24C61596829}"/>
+              </a:ext>
+            </a:extLst>
+          </p:cNvPr>
+          <p:cNvSpPr>
+            <a:spLocks noGrp="1"/>
+          </p:cNvSpPr>
+          <p:nvPr>
+            <p:ph type="title"/>
+          </p:nvPr>
+        </p:nvSpPr>
+        <p:spPr>
+          <a:xfrm>
+            <a:off x="838200" y="2766218"/>
+            <a:ext cx="10515600" cy="1325563"/>
+          </a:xfrm>
+        </p:spPr>
+        <p:txBody>
+          <a:bodyPr/>
+          <a:lstStyle/>
+          <a:p>
+            <a:pPr algn="ctr"/>
+            <a:r>
+              <a:rPr lang="ko-KR" altLang="en-US" dirty="0"/>
+              <a:t>감사합니다</a:t>
+            </a:r>
+          </a:p>
+        </p:txBody>
+      </p:sp>
+    </p:spTree>
+    <p:extLst>
+      <p:ext uri="{BB962C8B-B14F-4D97-AF65-F5344CB8AC3E}">
+        <p14:creationId xmlns:p14="http://schemas.microsoft.com/office/powerpoint/2010/main" val="4027504823"/>
+      </p:ext>
+    </p:extLst>
+  </p:cSld>
+  <p:clrMapOvr>
+    <a:masterClrMapping/>
+  </p:clrMapOvr>
+</p:sld>
+</file>
+
+<file path=ppt/slides/slide3.xml><?xml version="1.0" encoding="utf-8"?>
+<p:sld xmlns:a="http://schemas.openxmlformats.org/drawingml/2006/main" xmlns:r="http://schemas.openxmlformats.org/officeDocument/2006/relationships" xmlns:p="http://schemas.openxmlformats.org/presentationml/2006/main">
+  <p:cSld>
+    <p:spTree>
+      <p:nvGrpSpPr>
+        <p:cNvPr id="1" name=""/>
+        <p:cNvGrpSpPr/>
+        <p:nvPr/>
+      </p:nvGrpSpPr>
+      <p:grpSpPr>
+        <a:xfrm>
+          <a:off x="0" y="0"/>
+          <a:ext cx="0" cy="0"/>
+          <a:chOff x="0" y="0"/>
+          <a:chExt cx="0" cy="0"/>
+        </a:xfrm>
+      </p:grpSpPr>
+      <p:sp>
+        <p:nvSpPr>
           <p:cNvPr id="2" name="제목 1">
             <a:extLst>
               <a:ext uri="{FF2B5EF4-FFF2-40B4-BE49-F238E27FC236}">
@@ -4910,8 +11222,8 @@
         </p:nvSpPr>
         <p:spPr>
           <a:xfrm>
-            <a:off x="352315" y="5929416"/>
-            <a:ext cx="11487370" cy="450429"/>
+            <a:off x="352315" y="5845194"/>
+            <a:ext cx="11487370" cy="830997"/>
           </a:xfrm>
           <a:prstGeom prst="rect">
             <a:avLst/>
@@ -4928,26 +11240,52 @@
               <a:defRPr/>
             </a:pPr>
             <a:r>
-              <a:rPr lang="en-US" altLang="ko-KR" sz="2400">
+              <a:rPr lang="en-US" altLang="ko-KR" sz="2400" dirty="0">
+                <a:latin typeface="NimbusRomNo9L-Regu"/>
+              </a:rPr>
+              <a:t>Transformer</a:t>
+            </a:r>
+            <a:r>
+              <a:rPr lang="ko-KR" altLang="en-US" sz="2400" dirty="0">
+                <a:latin typeface="NimbusRomNo9L-Regu"/>
+              </a:rPr>
+              <a:t>를 이용한 </a:t>
+            </a:r>
+            <a:r>
+              <a:rPr lang="en-US" altLang="ko-KR" sz="2400" dirty="0">
+                <a:latin typeface="NimbusRomNo9L-Regu"/>
+              </a:rPr>
+              <a:t>Cost aggregation</a:t>
+            </a:r>
+            <a:r>
+              <a:rPr lang="ko-KR" altLang="en-US" sz="2400" dirty="0">
+                <a:latin typeface="NimbusRomNo9L-Regu"/>
+              </a:rPr>
+              <a:t>을 사용하는 모델</a:t>
+            </a:r>
+            <a:br>
+              <a:rPr lang="en-US" altLang="ko-KR" sz="2400" dirty="0">
+                <a:latin typeface="NimbusRomNo9L-Regu"/>
+              </a:rPr>
+            </a:br>
+            <a:r>
+              <a:rPr lang="en-US" altLang="ko-KR" sz="2400" dirty="0">
                 <a:latin typeface="NimbusRomNo9L-Regu"/>
               </a:rPr>
               <a:t>CNN</a:t>
             </a:r>
             <a:r>
-              <a:rPr lang="ko-KR" altLang="en-US" sz="2400">
+              <a:rPr lang="ko-KR" altLang="en-US" sz="2400" dirty="0">
                 <a:latin typeface="NimbusRomNo9L-Regu"/>
               </a:rPr>
               <a:t> 모델 대비 더 뛰어난 성능을 보임</a:t>
             </a:r>
-            <a:endParaRPr lang="ko-KR" altLang="en-US" sz="2400">
-              <a:latin typeface="NimbusRomNo9L-Regu"/>
-            </a:endParaRPr>
           </a:p>
         </p:txBody>
       </p:sp>
       <p:pic>
         <p:nvPicPr>
-          <p:cNvPr id="10" name=""/>
+          <p:cNvPr id="10" name="그림 9"/>
           <p:cNvPicPr>
             <a:picLocks noChangeAspect="1"/>
           </p:cNvPicPr>
@@ -5000,9 +11338,6 @@
               </a:rPr>
               <a:t>SCOT </a:t>
             </a:r>
-            <a:endParaRPr lang="en-US" altLang="ko-KR" sz="2400">
-              <a:latin typeface="NimbusRomNo9L-Regu"/>
-            </a:endParaRPr>
           </a:p>
           <a:p>
             <a:pPr algn="l">
@@ -5038,9 +11373,6 @@
               </a:rPr>
               <a:t>DHPF</a:t>
             </a:r>
-            <a:endParaRPr lang="en-US" altLang="ko-KR" sz="2400">
-              <a:latin typeface="NimbusRomNo9L-Regu"/>
-            </a:endParaRPr>
           </a:p>
           <a:p>
             <a:pPr algn="l">
@@ -5076,9 +11408,6 @@
               </a:rPr>
               <a:t>CATs</a:t>
             </a:r>
-            <a:endParaRPr lang="en-US" altLang="ko-KR" sz="2400">
-              <a:latin typeface="NimbusRomNo9L-Regu"/>
-            </a:endParaRPr>
           </a:p>
         </p:txBody>
       </p:sp>
@@ -5092,11 +11421,11 @@
   <p:clrMapOvr>
     <a:masterClrMapping/>
   </p:clrMapOvr>
-  <mc:AlternateContent xmlns:mc="http://schemas.openxmlformats.org/markup-compatibility/2006">
-    <mc:Choice xmlns:p14="http://schemas.microsoft.com/office/powerpoint/2010/main" Requires="p14">
-      <p:transition xmlns:mc="http://schemas.openxmlformats.org/markup-compatibility/2006" xmlns:p14="http://schemas.microsoft.com/office/powerpoint/2010/main" mc:Ignorable="p14" p14:dur="500"/>
+  <mc:AlternateContent xmlns:mc="http://schemas.openxmlformats.org/markup-compatibility/2006" xmlns:p14="http://schemas.microsoft.com/office/powerpoint/2010/main">
+    <mc:Choice Requires="p14">
+      <p:transition/>
     </mc:Choice>
-    <mc:Fallback>
+    <mc:Fallback xmlns:dsp="http://schemas.microsoft.com/office/drawing/2008/diagram" xmlns:dgm="http://schemas.openxmlformats.org/drawingml/2006/diagram" xmlns:c="http://schemas.openxmlformats.org/drawingml/2006/chart" xmlns="">
       <p:transition/>
     </mc:Fallback>
   </mc:AlternateContent>
@@ -5104,7 +11433,7 @@
 </file>
 
 <file path=ppt/slides/slide4.xml><?xml version="1.0" encoding="utf-8"?>
-<p:sld xmlns:r="http://schemas.openxmlformats.org/officeDocument/2006/relationships" xmlns:c="http://schemas.openxmlformats.org/drawingml/2006/chart" xmlns:a="http://schemas.openxmlformats.org/drawingml/2006/main" xmlns:dgm="http://schemas.openxmlformats.org/drawingml/2006/diagram" xmlns:dsp="http://schemas.microsoft.com/office/drawing/2008/diagram" xmlns:p="http://schemas.openxmlformats.org/presentationml/2006/main">
+<p:sld xmlns:a="http://schemas.openxmlformats.org/drawingml/2006/main" xmlns:r="http://schemas.openxmlformats.org/officeDocument/2006/relationships" xmlns:p="http://schemas.openxmlformats.org/presentationml/2006/main">
   <p:cSld>
     <p:spTree>
       <p:nvGrpSpPr>
@@ -5170,7 +11499,7 @@
         </p:spPr>
         <p:txBody>
           <a:bodyPr>
-            <a:normAutofit lnSpcReduction="10000"/>
+            <a:normAutofit/>
           </a:bodyPr>
           <a:lstStyle/>
           <a:p>
@@ -5180,10 +11509,9 @@
               <a:defRPr/>
             </a:pPr>
             <a:r>
-              <a:rPr lang="en-US" altLang="ko-KR"/>
+              <a:rPr lang="en-US" altLang="ko-KR" dirty="0"/>
               <a:t>Feature extraction</a:t>
             </a:r>
-            <a:endParaRPr lang="en-US" altLang="ko-KR"/>
           </a:p>
           <a:p>
             <a:pPr>
@@ -5192,14 +11520,13 @@
               <a:defRPr/>
             </a:pPr>
             <a:r>
-              <a:rPr lang="ko-KR" altLang="en-US"/>
+              <a:rPr lang="ko-KR" altLang="en-US" dirty="0"/>
               <a:t>소스 이미지와 타겟 이미지를 </a:t>
             </a:r>
             <a:r>
-              <a:rPr lang="en-US" altLang="ko-KR"/>
+              <a:rPr lang="en-US" altLang="ko-KR" dirty="0"/>
               <a:t>input</a:t>
             </a:r>
-            <a:endParaRPr lang="en-US" altLang="ko-KR"/>
           </a:p>
           <a:p>
             <a:pPr>
@@ -5208,33 +11535,32 @@
               <a:defRPr/>
             </a:pPr>
             <a:r>
-              <a:rPr lang="ko-KR" altLang="en-US"/>
+              <a:rPr lang="ko-KR" altLang="en-US" dirty="0"/>
               <a:t>같은 가중치를 가지는 </a:t>
             </a:r>
             <a:r>
-              <a:rPr lang="en-US" altLang="ko-KR"/>
+              <a:rPr lang="en-US" altLang="ko-KR" dirty="0"/>
               <a:t>CNN </a:t>
             </a:r>
             <a:r>
-              <a:rPr lang="ko-KR" altLang="en-US"/>
+              <a:rPr lang="ko-KR" altLang="en-US" dirty="0"/>
               <a:t>모델을 이용해서 </a:t>
             </a:r>
             <a:r>
-              <a:rPr lang="en-US" altLang="ko-KR"/>
+              <a:rPr lang="en-US" altLang="ko-KR" dirty="0"/>
               <a:t>feature </a:t>
             </a:r>
             <a:r>
-              <a:rPr lang="ko-KR" altLang="en-US"/>
+              <a:rPr lang="ko-KR" altLang="en-US" dirty="0"/>
               <a:t>추출</a:t>
             </a:r>
-            <a:endParaRPr lang="ko-KR" altLang="en-US"/>
           </a:p>
           <a:p>
             <a:pPr marL="0" indent="0">
               <a:buNone/>
               <a:defRPr/>
             </a:pPr>
-            <a:endParaRPr lang="en-US" altLang="ko-KR"/>
+            <a:endParaRPr lang="en-US" altLang="ko-KR" dirty="0"/>
           </a:p>
           <a:p>
             <a:pPr marL="514350" indent="-514350">
@@ -5242,13 +11568,13 @@
               <a:buAutoNum type="circleNumDbPlain" startAt="2"/>
               <a:defRPr/>
             </a:pPr>
-            <a:endParaRPr lang="ko-KR" altLang="en-US"/>
+            <a:endParaRPr lang="ko-KR" altLang="en-US" dirty="0"/>
           </a:p>
         </p:txBody>
       </p:sp>
       <p:pic>
         <p:nvPicPr>
-          <p:cNvPr id="19" name=""/>
+          <p:cNvPr id="19" name="그림 18"/>
           <p:cNvPicPr>
             <a:picLocks noChangeAspect="1"/>
           </p:cNvPicPr>
@@ -5262,7 +11588,7 @@
         </p:blipFill>
         <p:spPr>
           <a:xfrm>
-            <a:off x="7351369" y="1041087"/>
+            <a:off x="7757769" y="1041087"/>
             <a:ext cx="2857898" cy="4182058"/>
           </a:xfrm>
           <a:prstGeom prst="rect">
@@ -5280,11 +11606,11 @@
   <p:clrMapOvr>
     <a:masterClrMapping/>
   </p:clrMapOvr>
-  <mc:AlternateContent xmlns:mc="http://schemas.openxmlformats.org/markup-compatibility/2006">
-    <mc:Choice xmlns:p14="http://schemas.microsoft.com/office/powerpoint/2010/main" Requires="p14">
-      <p:transition xmlns:mc="http://schemas.openxmlformats.org/markup-compatibility/2006" xmlns:p14="http://schemas.microsoft.com/office/powerpoint/2010/main" mc:Ignorable="p14" p14:dur="500"/>
+  <mc:AlternateContent xmlns:mc="http://schemas.openxmlformats.org/markup-compatibility/2006" xmlns:p14="http://schemas.microsoft.com/office/powerpoint/2010/main">
+    <mc:Choice Requires="p14">
+      <p:transition/>
     </mc:Choice>
-    <mc:Fallback>
+    <mc:Fallback xmlns:dsp="http://schemas.microsoft.com/office/drawing/2008/diagram" xmlns:dgm="http://schemas.openxmlformats.org/drawingml/2006/diagram" xmlns:c="http://schemas.openxmlformats.org/drawingml/2006/chart" xmlns="">
       <p:transition/>
     </mc:Fallback>
   </mc:AlternateContent>
@@ -5292,7 +11618,7 @@
 </file>
 
 <file path=ppt/slides/slide5.xml><?xml version="1.0" encoding="utf-8"?>
-<p:sld xmlns:r="http://schemas.openxmlformats.org/officeDocument/2006/relationships" xmlns:c="http://schemas.openxmlformats.org/drawingml/2006/chart" xmlns:a="http://schemas.openxmlformats.org/drawingml/2006/main" xmlns:dgm="http://schemas.openxmlformats.org/drawingml/2006/diagram" xmlns:dsp="http://schemas.microsoft.com/office/drawing/2008/diagram" xmlns:p="http://schemas.openxmlformats.org/presentationml/2006/main">
+<p:sld xmlns:a="http://schemas.openxmlformats.org/drawingml/2006/main" xmlns:r="http://schemas.openxmlformats.org/officeDocument/2006/relationships" xmlns:p="http://schemas.openxmlformats.org/presentationml/2006/main">
   <p:cSld>
     <p:spTree>
       <p:nvGrpSpPr>
@@ -5310,7 +11636,7 @@
       </p:grpSpPr>
       <p:pic>
         <p:nvPicPr>
-          <p:cNvPr id="24" name=""/>
+          <p:cNvPr id="24" name="그림 23"/>
           <p:cNvPicPr>
             <a:picLocks noChangeAspect="1"/>
           </p:cNvPicPr>
@@ -5339,7 +11665,7 @@
             <a:spLocks noGrp="1"/>
           </p:cNvSpPr>
           <p:nvPr>
-            <p:ph type="title" idx="0"/>
+            <p:ph type="title"/>
           </p:nvPr>
         </p:nvSpPr>
         <p:spPr/>
@@ -5358,13 +11684,12 @@
               <a:rPr lang="ko-KR" altLang="en-US"/>
               <a:t>모델</a:t>
             </a:r>
-            <a:endParaRPr lang="ko-KR" altLang="en-US"/>
           </a:p>
         </p:txBody>
       </p:sp>
       <p:pic>
         <p:nvPicPr>
-          <p:cNvPr id="25" name=""/>
+          <p:cNvPr id="25" name="그림 24"/>
           <p:cNvPicPr>
             <a:picLocks noChangeAspect="1"/>
           </p:cNvPicPr>
@@ -5388,7 +11713,7 @@
       </p:pic>
       <p:pic>
         <p:nvPicPr>
-          <p:cNvPr id="26" name=""/>
+          <p:cNvPr id="26" name="그림 25"/>
           <p:cNvPicPr>
             <a:picLocks noChangeAspect="1"/>
           </p:cNvPicPr>
@@ -5420,11 +11745,11 @@
   <p:clrMapOvr>
     <a:masterClrMapping/>
   </p:clrMapOvr>
-  <mc:AlternateContent xmlns:mc="http://schemas.openxmlformats.org/markup-compatibility/2006">
-    <mc:Choice xmlns:p14="http://schemas.microsoft.com/office/powerpoint/2010/main" Requires="p14">
-      <p:transition xmlns:mc="http://schemas.openxmlformats.org/markup-compatibility/2006" xmlns:p14="http://schemas.microsoft.com/office/powerpoint/2010/main" mc:Ignorable="p14" p14:dur="500"/>
+  <mc:AlternateContent xmlns:mc="http://schemas.openxmlformats.org/markup-compatibility/2006" xmlns:p14="http://schemas.microsoft.com/office/powerpoint/2010/main">
+    <mc:Choice Requires="p14">
+      <p:transition/>
     </mc:Choice>
-    <mc:Fallback>
+    <mc:Fallback xmlns:dsp="http://schemas.microsoft.com/office/drawing/2008/diagram" xmlns:dgm="http://schemas.openxmlformats.org/drawingml/2006/diagram" xmlns:c="http://schemas.openxmlformats.org/drawingml/2006/chart" xmlns="">
       <p:transition/>
     </mc:Fallback>
   </mc:AlternateContent>
@@ -5822,7 +12147,7 @@
 </file>
 
 <file path=ppt/slides/slide6.xml><?xml version="1.0" encoding="utf-8"?>
-<p:sld xmlns:r="http://schemas.openxmlformats.org/officeDocument/2006/relationships" xmlns:c="http://schemas.openxmlformats.org/drawingml/2006/chart" xmlns:a="http://schemas.openxmlformats.org/drawingml/2006/main" xmlns:dgm="http://schemas.openxmlformats.org/drawingml/2006/diagram" xmlns:dsp="http://schemas.microsoft.com/office/drawing/2008/diagram" xmlns:p="http://schemas.openxmlformats.org/presentationml/2006/main">
+<p:sld xmlns:a="http://schemas.openxmlformats.org/drawingml/2006/main" xmlns:r="http://schemas.openxmlformats.org/officeDocument/2006/relationships" xmlns:p="http://schemas.openxmlformats.org/presentationml/2006/main">
   <p:cSld>
     <p:spTree>
       <p:nvGrpSpPr>
@@ -5845,7 +12170,7 @@
             <a:spLocks noGrp="1"/>
           </p:cNvSpPr>
           <p:nvPr>
-            <p:ph type="title" idx="0"/>
+            <p:ph type="title"/>
           </p:nvPr>
         </p:nvSpPr>
         <p:spPr/>
@@ -5864,7 +12189,6 @@
               <a:rPr lang="ko-KR" altLang="en-US"/>
               <a:t>모델</a:t>
             </a:r>
-            <a:endParaRPr lang="ko-KR" altLang="en-US"/>
           </a:p>
         </p:txBody>
       </p:sp>
@@ -5899,7 +12223,6 @@
               <a:rPr lang="en-US" altLang="ko-KR"/>
               <a:t>Cost Computation</a:t>
             </a:r>
-            <a:endParaRPr lang="en-US" altLang="ko-KR"/>
           </a:p>
           <a:p>
             <a:pPr>
@@ -5943,7 +12266,6 @@
               <a:rPr lang="ko-KR" altLang="en-US"/>
               <a:t>를 실시</a:t>
             </a:r>
-            <a:endParaRPr lang="ko-KR" altLang="en-US"/>
           </a:p>
           <a:p>
             <a:pPr lvl="0">
@@ -5963,7 +12285,7 @@
       </p:sp>
       <p:pic>
         <p:nvPicPr>
-          <p:cNvPr id="4101" name=""/>
+          <p:cNvPr id="4101" name="그림 4100"/>
           <p:cNvPicPr>
             <a:picLocks noChangeAspect="1"/>
           </p:cNvPicPr>
@@ -5987,14 +12309,14 @@
       </p:pic>
       <p:pic>
         <p:nvPicPr>
-          <p:cNvPr id="4102" name=""/>
+          <p:cNvPr id="4102" name="그림 4101"/>
           <p:cNvPicPr>
             <a:picLocks noChangeAspect="1"/>
           </p:cNvPicPr>
           <p:nvPr/>
         </p:nvPicPr>
         <p:blipFill rotWithShape="1">
-          <a:blip r:embed="rId3"/>
+          <a:blip r:embed="rId2"/>
           <a:srcRect l="16470" r="74690"/>
           <a:stretch>
             <a:fillRect/>
@@ -6012,14 +12334,14 @@
       </p:pic>
       <p:pic>
         <p:nvPicPr>
-          <p:cNvPr id="4108" name=""/>
+          <p:cNvPr id="4108" name="그림 4107"/>
           <p:cNvPicPr>
             <a:picLocks noChangeAspect="1"/>
           </p:cNvPicPr>
           <p:nvPr/>
         </p:nvPicPr>
         <p:blipFill rotWithShape="1">
-          <a:blip r:embed="rId4"/>
+          <a:blip r:embed="rId3"/>
           <a:stretch>
             <a:fillRect/>
           </a:stretch>
@@ -6044,11 +12366,11 @@
   <p:clrMapOvr>
     <a:masterClrMapping/>
   </p:clrMapOvr>
-  <mc:AlternateContent xmlns:mc="http://schemas.openxmlformats.org/markup-compatibility/2006">
-    <mc:Choice xmlns:p14="http://schemas.microsoft.com/office/powerpoint/2010/main" Requires="p14">
-      <p:transition xmlns:mc="http://schemas.openxmlformats.org/markup-compatibility/2006" xmlns:p14="http://schemas.microsoft.com/office/powerpoint/2010/main" mc:Ignorable="p14" p14:dur="500"/>
+  <mc:AlternateContent xmlns:mc="http://schemas.openxmlformats.org/markup-compatibility/2006" xmlns:p14="http://schemas.microsoft.com/office/powerpoint/2010/main">
+    <mc:Choice Requires="p14">
+      <p:transition/>
     </mc:Choice>
-    <mc:Fallback>
+    <mc:Fallback xmlns:dsp="http://schemas.microsoft.com/office/drawing/2008/diagram" xmlns:dgm="http://schemas.openxmlformats.org/drawingml/2006/diagram" xmlns:c="http://schemas.openxmlformats.org/drawingml/2006/chart" xmlns="">
       <p:transition/>
     </mc:Fallback>
   </mc:AlternateContent>
@@ -6139,7 +12461,7 @@
 </file>
 
 <file path=ppt/slides/slide7.xml><?xml version="1.0" encoding="utf-8"?>
-<p:sld xmlns:r="http://schemas.openxmlformats.org/officeDocument/2006/relationships" xmlns:c="http://schemas.openxmlformats.org/drawingml/2006/chart" xmlns:a="http://schemas.openxmlformats.org/drawingml/2006/main" xmlns:dgm="http://schemas.openxmlformats.org/drawingml/2006/diagram" xmlns:dsp="http://schemas.microsoft.com/office/drawing/2008/diagram" xmlns:p="http://schemas.openxmlformats.org/presentationml/2006/main">
+<p:sld xmlns:a="http://schemas.openxmlformats.org/drawingml/2006/main" xmlns:r="http://schemas.openxmlformats.org/officeDocument/2006/relationships" xmlns:p="http://schemas.openxmlformats.org/presentationml/2006/main">
   <p:cSld>
     <p:spTree>
       <p:nvGrpSpPr>
@@ -6162,7 +12484,7 @@
             <a:spLocks noGrp="1"/>
           </p:cNvSpPr>
           <p:nvPr>
-            <p:ph type="title" idx="0"/>
+            <p:ph type="title"/>
           </p:nvPr>
         </p:nvSpPr>
         <p:spPr/>
@@ -6181,13 +12503,12 @@
               <a:rPr lang="ko-KR" altLang="en-US"/>
               <a:t>모델</a:t>
             </a:r>
-            <a:endParaRPr lang="ko-KR" altLang="en-US"/>
           </a:p>
         </p:txBody>
       </p:sp>
       <p:pic>
         <p:nvPicPr>
-          <p:cNvPr id="4104" name=""/>
+          <p:cNvPr id="4104" name="그림 4103"/>
           <p:cNvPicPr>
             <a:picLocks noChangeAspect="1"/>
           </p:cNvPicPr>
@@ -6211,7 +12532,7 @@
       </p:pic>
       <p:pic>
         <p:nvPicPr>
-          <p:cNvPr id="4106" name=""/>
+          <p:cNvPr id="4106" name="그림 4105"/>
           <p:cNvPicPr>
             <a:picLocks noChangeAspect="1"/>
           </p:cNvPicPr>
@@ -6243,11 +12564,11 @@
   <p:clrMapOvr>
     <a:masterClrMapping/>
   </p:clrMapOvr>
-  <mc:AlternateContent xmlns:mc="http://schemas.openxmlformats.org/markup-compatibility/2006">
-    <mc:Choice xmlns:p14="http://schemas.microsoft.com/office/powerpoint/2010/main" Requires="p14">
-      <p:transition xmlns:mc="http://schemas.openxmlformats.org/markup-compatibility/2006" xmlns:p14="http://schemas.microsoft.com/office/powerpoint/2010/main" mc:Ignorable="p14" p14:dur="500"/>
+  <mc:AlternateContent xmlns:mc="http://schemas.openxmlformats.org/markup-compatibility/2006" xmlns:p14="http://schemas.microsoft.com/office/powerpoint/2010/main">
+    <mc:Choice Requires="p14">
+      <p:transition/>
     </mc:Choice>
-    <mc:Fallback>
+    <mc:Fallback xmlns:dsp="http://schemas.microsoft.com/office/drawing/2008/diagram" xmlns:dgm="http://schemas.openxmlformats.org/drawingml/2006/diagram" xmlns:c="http://schemas.openxmlformats.org/drawingml/2006/chart" xmlns="">
       <p:transition/>
     </mc:Fallback>
   </mc:AlternateContent>
@@ -6465,7 +12786,7 @@
 </file>
 
 <file path=ppt/slides/slide8.xml><?xml version="1.0" encoding="utf-8"?>
-<p:sld xmlns:r="http://schemas.openxmlformats.org/officeDocument/2006/relationships" xmlns:c="http://schemas.openxmlformats.org/drawingml/2006/chart" xmlns:a="http://schemas.openxmlformats.org/drawingml/2006/main" xmlns:dgm="http://schemas.openxmlformats.org/drawingml/2006/diagram" xmlns:dsp="http://schemas.microsoft.com/office/drawing/2008/diagram" xmlns:p="http://schemas.openxmlformats.org/presentationml/2006/main">
+<p:sld xmlns:a="http://schemas.openxmlformats.org/drawingml/2006/main" xmlns:r="http://schemas.openxmlformats.org/officeDocument/2006/relationships" xmlns:p="http://schemas.openxmlformats.org/presentationml/2006/main">
   <p:cSld>
     <p:spTree>
       <p:nvGrpSpPr>
@@ -6541,10 +12862,9 @@
               <a:defRPr/>
             </a:pPr>
             <a:r>
-              <a:rPr lang="en-US" altLang="ko-KR"/>
+              <a:rPr lang="en-US" altLang="ko-KR" dirty="0"/>
               <a:t>Transformer Aggregator</a:t>
             </a:r>
-            <a:endParaRPr lang="en-US" altLang="ko-KR"/>
           </a:p>
           <a:p>
             <a:pPr>
@@ -6553,32 +12873,31 @@
               <a:defRPr/>
             </a:pPr>
             <a:r>
-              <a:rPr lang="ko-KR" altLang="en-US"/>
+              <a:rPr lang="ko-KR" altLang="en-US" dirty="0"/>
               <a:t>변형된 </a:t>
             </a:r>
             <a:r>
-              <a:rPr lang="en-US" altLang="ko-KR"/>
+              <a:rPr lang="en-US" altLang="ko-KR" dirty="0"/>
               <a:t>Transformer </a:t>
             </a:r>
             <a:r>
-              <a:rPr lang="ko-KR" altLang="en-US"/>
+              <a:rPr lang="ko-KR" altLang="en-US" dirty="0"/>
               <a:t>모델을 이용해서 </a:t>
             </a:r>
             <a:r>
-              <a:rPr lang="en-US" altLang="ko-KR"/>
+              <a:rPr lang="en-US" altLang="ko-KR" dirty="0"/>
               <a:t>cost aggregation</a:t>
             </a:r>
             <a:r>
-              <a:rPr lang="ko-KR" altLang="en-US"/>
+              <a:rPr lang="ko-KR" altLang="en-US" dirty="0"/>
               <a:t>을 계산</a:t>
             </a:r>
-            <a:endParaRPr lang="ko-KR" altLang="en-US"/>
           </a:p>
         </p:txBody>
       </p:sp>
       <p:pic>
         <p:nvPicPr>
-          <p:cNvPr id="23" name=""/>
+          <p:cNvPr id="23" name="그림 22"/>
           <p:cNvPicPr>
             <a:picLocks noChangeAspect="1"/>
           </p:cNvPicPr>
@@ -6610,11 +12929,11 @@
   <p:clrMapOvr>
     <a:masterClrMapping/>
   </p:clrMapOvr>
-  <mc:AlternateContent xmlns:mc="http://schemas.openxmlformats.org/markup-compatibility/2006">
-    <mc:Choice xmlns:p14="http://schemas.microsoft.com/office/powerpoint/2010/main" Requires="p14">
-      <p:transition xmlns:mc="http://schemas.openxmlformats.org/markup-compatibility/2006" xmlns:p14="http://schemas.microsoft.com/office/powerpoint/2010/main" mc:Ignorable="p14" p14:dur="500"/>
+  <mc:AlternateContent xmlns:mc="http://schemas.openxmlformats.org/markup-compatibility/2006" xmlns:p14="http://schemas.microsoft.com/office/powerpoint/2010/main">
+    <mc:Choice Requires="p14">
+      <p:transition/>
     </mc:Choice>
-    <mc:Fallback>
+    <mc:Fallback xmlns:dsp="http://schemas.microsoft.com/office/drawing/2008/diagram" xmlns:dgm="http://schemas.openxmlformats.org/drawingml/2006/diagram" xmlns:c="http://schemas.openxmlformats.org/drawingml/2006/chart" xmlns="">
       <p:transition/>
     </mc:Fallback>
   </mc:AlternateContent>
@@ -6622,7 +12941,7 @@
 </file>
 
 <file path=ppt/slides/slide9.xml><?xml version="1.0" encoding="utf-8"?>
-<p:sld xmlns:r="http://schemas.openxmlformats.org/officeDocument/2006/relationships" xmlns:c="http://schemas.openxmlformats.org/drawingml/2006/chart" xmlns:a="http://schemas.openxmlformats.org/drawingml/2006/main" xmlns:dgm="http://schemas.openxmlformats.org/drawingml/2006/diagram" xmlns:dsp="http://schemas.microsoft.com/office/drawing/2008/diagram" xmlns:p="http://schemas.openxmlformats.org/presentationml/2006/main">
+<p:sld xmlns:a="http://schemas.openxmlformats.org/drawingml/2006/main" xmlns:r="http://schemas.openxmlformats.org/officeDocument/2006/relationships" xmlns:p="http://schemas.openxmlformats.org/presentationml/2006/main">
   <p:cSld>
     <p:spTree>
       <p:nvGrpSpPr>
@@ -6645,7 +12964,7 @@
             <a:spLocks noGrp="1"/>
           </p:cNvSpPr>
           <p:nvPr>
-            <p:ph type="title" idx="0"/>
+            <p:ph type="title"/>
           </p:nvPr>
         </p:nvSpPr>
         <p:spPr/>
@@ -6664,13 +12983,12 @@
               <a:rPr lang="ko-KR" altLang="en-US"/>
               <a:t>모델</a:t>
             </a:r>
-            <a:endParaRPr lang="ko-KR" altLang="en-US"/>
           </a:p>
         </p:txBody>
       </p:sp>
       <p:pic>
         <p:nvPicPr>
-          <p:cNvPr id="25" name=""/>
+          <p:cNvPr id="25" name="그림 24"/>
           <p:cNvPicPr>
             <a:picLocks noChangeAspect="1"/>
           </p:cNvPicPr>
@@ -6694,7 +13012,7 @@
       </p:pic>
       <p:pic>
         <p:nvPicPr>
-          <p:cNvPr id="27" name=""/>
+          <p:cNvPr id="27" name="그림 26"/>
           <p:cNvPicPr>
             <a:picLocks noChangeAspect="1"/>
           </p:cNvPicPr>
@@ -6726,11 +13044,11 @@
   <p:clrMapOvr>
     <a:masterClrMapping/>
   </p:clrMapOvr>
-  <mc:AlternateContent xmlns:mc="http://schemas.openxmlformats.org/markup-compatibility/2006">
-    <mc:Choice xmlns:p14="http://schemas.microsoft.com/office/powerpoint/2010/main" Requires="p14">
-      <p:transition xmlns:mc="http://schemas.openxmlformats.org/markup-compatibility/2006" xmlns:p14="http://schemas.microsoft.com/office/powerpoint/2010/main" mc:Ignorable="p14" p14:dur="500"/>
+  <mc:AlternateContent xmlns:mc="http://schemas.openxmlformats.org/markup-compatibility/2006" xmlns:p14="http://schemas.microsoft.com/office/powerpoint/2010/main">
+    <mc:Choice Requires="p14">
+      <p:transition/>
     </mc:Choice>
-    <mc:Fallback>
+    <mc:Fallback xmlns:dsp="http://schemas.microsoft.com/office/drawing/2008/diagram" xmlns:dgm="http://schemas.openxmlformats.org/drawingml/2006/diagram" xmlns:c="http://schemas.openxmlformats.org/drawingml/2006/chart" xmlns="">
       <p:transition/>
     </mc:Fallback>
   </mc:AlternateContent>
@@ -6948,44 +13266,44 @@
 </file>
 
 <file path=ppt/theme/theme1.xml><?xml version="1.0" encoding="utf-8"?>
-<a:theme xmlns:r="http://schemas.openxmlformats.org/officeDocument/2006/relationships" xmlns:c="http://schemas.openxmlformats.org/drawingml/2006/chart" xmlns:dgm="http://schemas.openxmlformats.org/drawingml/2006/diagram" xmlns:dsp="http://schemas.microsoft.com/office/drawing/2008/diagram" xmlns:a="http://schemas.openxmlformats.org/drawingml/2006/main" xmlns:pic="http://schemas.openxmlformats.org/drawingml/2006/picture" xmlns:wp="http://schemas.openxmlformats.org/drawingml/2006/wordprocessingDrawing" xmlns:xdr="http://schemas.openxmlformats.org/drawingml/2006/spreadsheetDrawing" xmlns:lc="http://schemas.openxmlformats.org/drawingml/2006/lockedCanvas" xmlns:p="http://schemas.openxmlformats.org/presentationml/2006/main" name="Office 테마">
+<a:theme xmlns:a="http://schemas.openxmlformats.org/drawingml/2006/main" name="Office 테마">
   <a:themeElements>
     <a:clrScheme name="Office">
       <a:dk1>
         <a:sysClr val="windowText" lastClr="000000"/>
       </a:dk1>
       <a:lt1>
-        <a:sysClr val="window" lastClr="ffffff"/>
+        <a:sysClr val="window" lastClr="FFFFFF"/>
       </a:lt1>
       <a:dk2>
-        <a:srgbClr val="44546a"/>
+        <a:srgbClr val="44546A"/>
       </a:dk2>
       <a:lt2>
-        <a:srgbClr val="e7e6e6"/>
+        <a:srgbClr val="E7E6E6"/>
       </a:lt2>
       <a:accent1>
-        <a:srgbClr val="4472c4"/>
+        <a:srgbClr val="4472C4"/>
       </a:accent1>
       <a:accent2>
-        <a:srgbClr val="ed7d31"/>
+        <a:srgbClr val="ED7D31"/>
       </a:accent2>
       <a:accent3>
-        <a:srgbClr val="a5a5a5"/>
+        <a:srgbClr val="A5A5A5"/>
       </a:accent3>
       <a:accent4>
-        <a:srgbClr val="ffc000"/>
+        <a:srgbClr val="FFC000"/>
       </a:accent4>
       <a:accent5>
-        <a:srgbClr val="5b9bd5"/>
+        <a:srgbClr val="5B9BD5"/>
       </a:accent5>
       <a:accent6>
-        <a:srgbClr val="70ad47"/>
+        <a:srgbClr val="70AD47"/>
       </a:accent6>
       <a:hlink>
-        <a:srgbClr val="0563c1"/>
+        <a:srgbClr val="0563C1"/>
       </a:hlink>
       <a:folHlink>
-        <a:srgbClr val="954f72"/>
+        <a:srgbClr val="954F72"/>
       </a:folHlink>
     </a:clrScheme>
     <a:fontScheme name="Office">
@@ -7232,48 +13550,50 @@
       </a:bgFillStyleLst>
     </a:fmtScheme>
   </a:themeElements>
+  <a:objectDefaults/>
+  <a:extraClrSchemeLst/>
 </a:theme>
 </file>
 
 <file path=ppt/theme/theme2.xml><?xml version="1.0" encoding="utf-8"?>
-<a:theme xmlns:r="http://schemas.openxmlformats.org/officeDocument/2006/relationships" xmlns:c="http://schemas.openxmlformats.org/drawingml/2006/chart" xmlns:dgm="http://schemas.openxmlformats.org/drawingml/2006/diagram" xmlns:dsp="http://schemas.microsoft.com/office/drawing/2008/diagram" xmlns:a="http://schemas.openxmlformats.org/drawingml/2006/main" xmlns:pic="http://schemas.openxmlformats.org/drawingml/2006/picture" xmlns:wp="http://schemas.openxmlformats.org/drawingml/2006/wordprocessingDrawing" xmlns:xdr="http://schemas.openxmlformats.org/drawingml/2006/spreadsheetDrawing" xmlns:lc="http://schemas.openxmlformats.org/drawingml/2006/lockedCanvas" xmlns:p="http://schemas.openxmlformats.org/presentationml/2006/main" name="Office 테마">
+<a:theme xmlns:a="http://schemas.openxmlformats.org/drawingml/2006/main" name="Office 테마">
   <a:themeElements>
     <a:clrScheme name="Office">
       <a:dk1>
         <a:sysClr val="windowText" lastClr="000000"/>
       </a:dk1>
       <a:lt1>
-        <a:sysClr val="window" lastClr="ffffff"/>
+        <a:sysClr val="window" lastClr="FFFFFF"/>
       </a:lt1>
       <a:dk2>
-        <a:srgbClr val="44546a"/>
+        <a:srgbClr val="44546A"/>
       </a:dk2>
       <a:lt2>
-        <a:srgbClr val="e7e6e6"/>
+        <a:srgbClr val="E7E6E6"/>
       </a:lt2>
       <a:accent1>
-        <a:srgbClr val="4472c4"/>
+        <a:srgbClr val="4472C4"/>
       </a:accent1>
       <a:accent2>
-        <a:srgbClr val="ed7d31"/>
+        <a:srgbClr val="ED7D31"/>
       </a:accent2>
       <a:accent3>
-        <a:srgbClr val="a5a5a5"/>
+        <a:srgbClr val="A5A5A5"/>
       </a:accent3>
       <a:accent4>
-        <a:srgbClr val="ffc000"/>
+        <a:srgbClr val="FFC000"/>
       </a:accent4>
       <a:accent5>
-        <a:srgbClr val="5b9bd5"/>
+        <a:srgbClr val="5B9BD5"/>
       </a:accent5>
       <a:accent6>
-        <a:srgbClr val="70ad47"/>
+        <a:srgbClr val="70AD47"/>
       </a:accent6>
       <a:hlink>
-        <a:srgbClr val="0563c1"/>
+        <a:srgbClr val="0563C1"/>
       </a:hlink>
       <a:folHlink>
-        <a:srgbClr val="954f72"/>
+        <a:srgbClr val="954F72"/>
       </a:folHlink>
     </a:clrScheme>
     <a:fontScheme name="Office">
@@ -7520,5 +13840,7 @@
       </a:bgFillStyleLst>
     </a:fmtScheme>
   </a:themeElements>
+  <a:objectDefaults/>
+  <a:extraClrSchemeLst/>
 </a:theme>
 </file>
--- a/CATs++ Boosting Cost Aggregation with Convolutions and Transformers/CATs++ Boosting Cost Aggregation with Convolutions and Transformers.pptx
+++ b/CATs++ Boosting Cost Aggregation with Convolutions and Transformers/CATs++ Boosting Cost Aggregation with Convolutions and Transformers.pptx
@@ -232,7 +232,7 @@
             <a:pPr lvl="0"/>
             <a:fld id="{2DF04C49-B9CB-425D-B472-F9E5F44DB7F3}" type="datetime1">
               <a:rPr lang="ko-KR" altLang="en-US" smtClean="0"/>
-              <a:t>2023-09-11</a:t>
+              <a:t>2023-09-14</a:t>
             </a:fld>
             <a:endParaRPr lang="ko-KR" altLang="en-US"/>
           </a:p>
@@ -1434,7 +1434,7 @@
           <a:p>
             <a:fld id="{C98425AB-0F5E-4B1B-A3F7-CE19EA6D8895}" type="datetimeFigureOut">
               <a:rPr lang="ko-KR" altLang="en-US" smtClean="0"/>
-              <a:t>2023-09-11</a:t>
+              <a:t>2023-09-14</a:t>
             </a:fld>
             <a:endParaRPr lang="ko-KR" altLang="en-US"/>
           </a:p>
@@ -1632,7 +1632,7 @@
           <a:p>
             <a:fld id="{C98425AB-0F5E-4B1B-A3F7-CE19EA6D8895}" type="datetimeFigureOut">
               <a:rPr lang="ko-KR" altLang="en-US" smtClean="0"/>
-              <a:t>2023-09-11</a:t>
+              <a:t>2023-09-14</a:t>
             </a:fld>
             <a:endParaRPr lang="ko-KR" altLang="en-US"/>
           </a:p>
@@ -1840,7 +1840,7 @@
           <a:p>
             <a:fld id="{C98425AB-0F5E-4B1B-A3F7-CE19EA6D8895}" type="datetimeFigureOut">
               <a:rPr lang="ko-KR" altLang="en-US" smtClean="0"/>
-              <a:t>2023-09-11</a:t>
+              <a:t>2023-09-14</a:t>
             </a:fld>
             <a:endParaRPr lang="ko-KR" altLang="en-US"/>
           </a:p>
@@ -2038,7 +2038,7 @@
           <a:p>
             <a:fld id="{C98425AB-0F5E-4B1B-A3F7-CE19EA6D8895}" type="datetimeFigureOut">
               <a:rPr lang="ko-KR" altLang="en-US" smtClean="0"/>
-              <a:t>2023-09-11</a:t>
+              <a:t>2023-09-14</a:t>
             </a:fld>
             <a:endParaRPr lang="ko-KR" altLang="en-US"/>
           </a:p>
@@ -2313,7 +2313,7 @@
           <a:p>
             <a:fld id="{C98425AB-0F5E-4B1B-A3F7-CE19EA6D8895}" type="datetimeFigureOut">
               <a:rPr lang="ko-KR" altLang="en-US" smtClean="0"/>
-              <a:t>2023-09-11</a:t>
+              <a:t>2023-09-14</a:t>
             </a:fld>
             <a:endParaRPr lang="ko-KR" altLang="en-US"/>
           </a:p>
@@ -2578,7 +2578,7 @@
           <a:p>
             <a:fld id="{C98425AB-0F5E-4B1B-A3F7-CE19EA6D8895}" type="datetimeFigureOut">
               <a:rPr lang="ko-KR" altLang="en-US" smtClean="0"/>
-              <a:t>2023-09-11</a:t>
+              <a:t>2023-09-14</a:t>
             </a:fld>
             <a:endParaRPr lang="ko-KR" altLang="en-US"/>
           </a:p>
@@ -2990,7 +2990,7 @@
           <a:p>
             <a:fld id="{C98425AB-0F5E-4B1B-A3F7-CE19EA6D8895}" type="datetimeFigureOut">
               <a:rPr lang="ko-KR" altLang="en-US" smtClean="0"/>
-              <a:t>2023-09-11</a:t>
+              <a:t>2023-09-14</a:t>
             </a:fld>
             <a:endParaRPr lang="ko-KR" altLang="en-US"/>
           </a:p>
@@ -3131,7 +3131,7 @@
           <a:p>
             <a:fld id="{C98425AB-0F5E-4B1B-A3F7-CE19EA6D8895}" type="datetimeFigureOut">
               <a:rPr lang="ko-KR" altLang="en-US" smtClean="0"/>
-              <a:t>2023-09-11</a:t>
+              <a:t>2023-09-14</a:t>
             </a:fld>
             <a:endParaRPr lang="ko-KR" altLang="en-US"/>
           </a:p>
@@ -3244,7 +3244,7 @@
           <a:p>
             <a:fld id="{C98425AB-0F5E-4B1B-A3F7-CE19EA6D8895}" type="datetimeFigureOut">
               <a:rPr lang="ko-KR" altLang="en-US" smtClean="0"/>
-              <a:t>2023-09-11</a:t>
+              <a:t>2023-09-14</a:t>
             </a:fld>
             <a:endParaRPr lang="ko-KR" altLang="en-US"/>
           </a:p>
@@ -3555,7 +3555,7 @@
           <a:p>
             <a:fld id="{C98425AB-0F5E-4B1B-A3F7-CE19EA6D8895}" type="datetimeFigureOut">
               <a:rPr lang="ko-KR" altLang="en-US" smtClean="0"/>
-              <a:t>2023-09-11</a:t>
+              <a:t>2023-09-14</a:t>
             </a:fld>
             <a:endParaRPr lang="ko-KR" altLang="en-US"/>
           </a:p>
@@ -3843,7 +3843,7 @@
           <a:p>
             <a:fld id="{C98425AB-0F5E-4B1B-A3F7-CE19EA6D8895}" type="datetimeFigureOut">
               <a:rPr lang="ko-KR" altLang="en-US" smtClean="0"/>
-              <a:t>2023-09-11</a:t>
+              <a:t>2023-09-14</a:t>
             </a:fld>
             <a:endParaRPr lang="ko-KR" altLang="en-US"/>
           </a:p>
@@ -4084,7 +4084,7 @@
           <a:p>
             <a:fld id="{C98425AB-0F5E-4B1B-A3F7-CE19EA6D8895}" type="datetimeFigureOut">
               <a:rPr lang="ko-KR" altLang="en-US" smtClean="0"/>
-              <a:t>2023-09-11</a:t>
+              <a:t>2023-09-14</a:t>
             </a:fld>
             <a:endParaRPr lang="ko-KR" altLang="en-US"/>
           </a:p>
@@ -4949,7 +4949,7 @@
     <mc:Choice Requires="p14">
       <p:transition/>
     </mc:Choice>
-    <mc:Fallback xmlns:dsp="http://schemas.microsoft.com/office/drawing/2008/diagram" xmlns:dgm="http://schemas.openxmlformats.org/drawingml/2006/diagram" xmlns:c="http://schemas.openxmlformats.org/drawingml/2006/chart" xmlns="">
+    <mc:Fallback xmlns="" xmlns:c="http://schemas.openxmlformats.org/drawingml/2006/chart" xmlns:dgm="http://schemas.openxmlformats.org/drawingml/2006/diagram" xmlns:dsp="http://schemas.microsoft.com/office/drawing/2008/diagram">
       <p:transition/>
     </mc:Fallback>
   </mc:AlternateContent>
@@ -5189,7 +5189,7 @@
     <mc:Choice Requires="p14">
       <p:transition/>
     </mc:Choice>
-    <mc:Fallback xmlns:dsp="http://schemas.microsoft.com/office/drawing/2008/diagram" xmlns:dgm="http://schemas.openxmlformats.org/drawingml/2006/diagram" xmlns:c="http://schemas.openxmlformats.org/drawingml/2006/chart" xmlns="">
+    <mc:Fallback xmlns="" xmlns:c="http://schemas.openxmlformats.org/drawingml/2006/chart" xmlns:dgm="http://schemas.openxmlformats.org/drawingml/2006/diagram" xmlns:dsp="http://schemas.microsoft.com/office/drawing/2008/diagram">
       <p:transition/>
     </mc:Fallback>
   </mc:AlternateContent>
@@ -6044,7 +6044,7 @@
     <mc:Choice Requires="p14">
       <p:transition/>
     </mc:Choice>
-    <mc:Fallback xmlns:dsp="http://schemas.microsoft.com/office/drawing/2008/diagram" xmlns:dgm="http://schemas.openxmlformats.org/drawingml/2006/diagram" xmlns:c="http://schemas.openxmlformats.org/drawingml/2006/chart" xmlns="">
+    <mc:Fallback xmlns="" xmlns:c="http://schemas.openxmlformats.org/drawingml/2006/chart" xmlns:dgm="http://schemas.openxmlformats.org/drawingml/2006/diagram" xmlns:dsp="http://schemas.microsoft.com/office/drawing/2008/diagram">
       <p:transition/>
     </mc:Fallback>
   </mc:AlternateContent>
@@ -6918,7 +6918,7 @@
     <mc:Choice Requires="p14">
       <p:transition/>
     </mc:Choice>
-    <mc:Fallback xmlns:dsp="http://schemas.microsoft.com/office/drawing/2008/diagram" xmlns:dgm="http://schemas.openxmlformats.org/drawingml/2006/diagram" xmlns:c="http://schemas.openxmlformats.org/drawingml/2006/chart" xmlns="">
+    <mc:Fallback xmlns="" xmlns:c="http://schemas.openxmlformats.org/drawingml/2006/chart" xmlns:dgm="http://schemas.openxmlformats.org/drawingml/2006/diagram" xmlns:dsp="http://schemas.microsoft.com/office/drawing/2008/diagram">
       <p:transition/>
     </mc:Fallback>
   </mc:AlternateContent>
@@ -7075,7 +7075,7 @@
     <mc:Choice Requires="p14">
       <p:transition/>
     </mc:Choice>
-    <mc:Fallback xmlns:dsp="http://schemas.microsoft.com/office/drawing/2008/diagram" xmlns:dgm="http://schemas.openxmlformats.org/drawingml/2006/diagram" xmlns:c="http://schemas.openxmlformats.org/drawingml/2006/chart" xmlns="">
+    <mc:Fallback xmlns="" xmlns:c="http://schemas.openxmlformats.org/drawingml/2006/chart" xmlns:dgm="http://schemas.openxmlformats.org/drawingml/2006/diagram" xmlns:dsp="http://schemas.microsoft.com/office/drawing/2008/diagram">
       <p:transition/>
     </mc:Fallback>
   </mc:AlternateContent>
@@ -7947,7 +7947,7 @@
     <mc:Choice Requires="p14">
       <p:transition/>
     </mc:Choice>
-    <mc:Fallback xmlns:dsp="http://schemas.microsoft.com/office/drawing/2008/diagram" xmlns:dgm="http://schemas.openxmlformats.org/drawingml/2006/diagram" xmlns:c="http://schemas.openxmlformats.org/drawingml/2006/chart" xmlns="">
+    <mc:Fallback xmlns="" xmlns:c="http://schemas.openxmlformats.org/drawingml/2006/chart" xmlns:dgm="http://schemas.openxmlformats.org/drawingml/2006/diagram" xmlns:dsp="http://schemas.microsoft.com/office/drawing/2008/diagram">
       <p:transition/>
     </mc:Fallback>
   </mc:AlternateContent>
@@ -8931,7 +8931,7 @@
     <mc:Choice Requires="p14">
       <p:transition/>
     </mc:Choice>
-    <mc:Fallback xmlns:dsp="http://schemas.microsoft.com/office/drawing/2008/diagram" xmlns:dgm="http://schemas.openxmlformats.org/drawingml/2006/diagram" xmlns:c="http://schemas.openxmlformats.org/drawingml/2006/chart" xmlns="">
+    <mc:Fallback xmlns="" xmlns:c="http://schemas.openxmlformats.org/drawingml/2006/chart" xmlns:dgm="http://schemas.openxmlformats.org/drawingml/2006/diagram" xmlns:dsp="http://schemas.microsoft.com/office/drawing/2008/diagram">
       <p:transition/>
     </mc:Fallback>
   </mc:AlternateContent>
@@ -9555,7 +9555,7 @@
     <mc:Choice Requires="p14">
       <p:transition/>
     </mc:Choice>
-    <mc:Fallback xmlns:dsp="http://schemas.microsoft.com/office/drawing/2008/diagram" xmlns:dgm="http://schemas.openxmlformats.org/drawingml/2006/diagram" xmlns:c="http://schemas.openxmlformats.org/drawingml/2006/chart" xmlns="">
+    <mc:Fallback xmlns="" xmlns:c="http://schemas.openxmlformats.org/drawingml/2006/chart" xmlns:dgm="http://schemas.openxmlformats.org/drawingml/2006/diagram" xmlns:dsp="http://schemas.microsoft.com/office/drawing/2008/diagram">
       <p:transition/>
     </mc:Fallback>
   </mc:AlternateContent>
@@ -11425,7 +11425,7 @@
     <mc:Choice Requires="p14">
       <p:transition/>
     </mc:Choice>
-    <mc:Fallback xmlns:dsp="http://schemas.microsoft.com/office/drawing/2008/diagram" xmlns:dgm="http://schemas.openxmlformats.org/drawingml/2006/diagram" xmlns:c="http://schemas.openxmlformats.org/drawingml/2006/chart" xmlns="">
+    <mc:Fallback xmlns="" xmlns:c="http://schemas.openxmlformats.org/drawingml/2006/chart" xmlns:dgm="http://schemas.openxmlformats.org/drawingml/2006/diagram" xmlns:dsp="http://schemas.microsoft.com/office/drawing/2008/diagram">
       <p:transition/>
     </mc:Fallback>
   </mc:AlternateContent>
@@ -11514,6 +11514,14 @@
             </a:r>
           </a:p>
           <a:p>
+            <a:pPr marL="514350" indent="-514350">
+              <a:buFont typeface="+mj-ea"/>
+              <a:buAutoNum type="circleNumDbPlain"/>
+              <a:defRPr/>
+            </a:pPr>
+            <a:endParaRPr lang="en-US" altLang="ko-KR" dirty="0"/>
+          </a:p>
+          <a:p>
             <a:pPr>
               <a:buFontTx/>
               <a:buChar char="-"/>
@@ -11534,6 +11542,14 @@
               <a:buChar char="-"/>
               <a:defRPr/>
             </a:pPr>
+            <a:endParaRPr lang="en-US" altLang="ko-KR" dirty="0"/>
+          </a:p>
+          <a:p>
+            <a:pPr>
+              <a:buFontTx/>
+              <a:buChar char="-"/>
+              <a:defRPr/>
+            </a:pPr>
             <a:r>
               <a:rPr lang="ko-KR" altLang="en-US" dirty="0"/>
               <a:t>같은 가중치를 가지는 </a:t>
@@ -11548,12 +11564,13 @@
             </a:r>
             <a:r>
               <a:rPr lang="en-US" altLang="ko-KR" dirty="0"/>
-              <a:t>feature </a:t>
-            </a:r>
-            <a:r>
-              <a:rPr lang="ko-KR" altLang="en-US" dirty="0"/>
-              <a:t>추출</a:t>
-            </a:r>
+              <a:t>dense feature map</a:t>
+            </a:r>
+            <a:r>
+              <a:rPr lang="ko-KR" altLang="en-US"/>
+              <a:t>을 추출</a:t>
+            </a:r>
+            <a:endParaRPr lang="ko-KR" altLang="en-US" dirty="0"/>
           </a:p>
           <a:p>
             <a:pPr marL="0" indent="0">
@@ -11610,7 +11627,7 @@
     <mc:Choice Requires="p14">
       <p:transition/>
     </mc:Choice>
-    <mc:Fallback xmlns:dsp="http://schemas.microsoft.com/office/drawing/2008/diagram" xmlns:dgm="http://schemas.openxmlformats.org/drawingml/2006/diagram" xmlns:c="http://schemas.openxmlformats.org/drawingml/2006/chart" xmlns="">
+    <mc:Fallback xmlns="" xmlns:c="http://schemas.openxmlformats.org/drawingml/2006/chart" xmlns:dgm="http://schemas.openxmlformats.org/drawingml/2006/diagram" xmlns:dsp="http://schemas.microsoft.com/office/drawing/2008/diagram">
       <p:transition/>
     </mc:Fallback>
   </mc:AlternateContent>
@@ -11749,7 +11766,7 @@
     <mc:Choice Requires="p14">
       <p:transition/>
     </mc:Choice>
-    <mc:Fallback xmlns:dsp="http://schemas.microsoft.com/office/drawing/2008/diagram" xmlns:dgm="http://schemas.openxmlformats.org/drawingml/2006/diagram" xmlns:c="http://schemas.openxmlformats.org/drawingml/2006/chart" xmlns="">
+    <mc:Fallback xmlns="" xmlns:c="http://schemas.openxmlformats.org/drawingml/2006/chart" xmlns:dgm="http://schemas.openxmlformats.org/drawingml/2006/diagram" xmlns:dsp="http://schemas.microsoft.com/office/drawing/2008/diagram">
       <p:transition/>
     </mc:Fallback>
   </mc:AlternateContent>
@@ -12370,7 +12387,7 @@
     <mc:Choice Requires="p14">
       <p:transition/>
     </mc:Choice>
-    <mc:Fallback xmlns:dsp="http://schemas.microsoft.com/office/drawing/2008/diagram" xmlns:dgm="http://schemas.openxmlformats.org/drawingml/2006/diagram" xmlns:c="http://schemas.openxmlformats.org/drawingml/2006/chart" xmlns="">
+    <mc:Fallback xmlns="" xmlns:c="http://schemas.openxmlformats.org/drawingml/2006/chart" xmlns:dgm="http://schemas.openxmlformats.org/drawingml/2006/diagram" xmlns:dsp="http://schemas.microsoft.com/office/drawing/2008/diagram">
       <p:transition/>
     </mc:Fallback>
   </mc:AlternateContent>
@@ -12568,7 +12585,7 @@
     <mc:Choice Requires="p14">
       <p:transition/>
     </mc:Choice>
-    <mc:Fallback xmlns:dsp="http://schemas.microsoft.com/office/drawing/2008/diagram" xmlns:dgm="http://schemas.openxmlformats.org/drawingml/2006/diagram" xmlns:c="http://schemas.openxmlformats.org/drawingml/2006/chart" xmlns="">
+    <mc:Fallback xmlns="" xmlns:c="http://schemas.openxmlformats.org/drawingml/2006/chart" xmlns:dgm="http://schemas.openxmlformats.org/drawingml/2006/diagram" xmlns:dsp="http://schemas.microsoft.com/office/drawing/2008/diagram">
       <p:transition/>
     </mc:Fallback>
   </mc:AlternateContent>
@@ -12933,7 +12950,7 @@
     <mc:Choice Requires="p14">
       <p:transition/>
     </mc:Choice>
-    <mc:Fallback xmlns:dsp="http://schemas.microsoft.com/office/drawing/2008/diagram" xmlns:dgm="http://schemas.openxmlformats.org/drawingml/2006/diagram" xmlns:c="http://schemas.openxmlformats.org/drawingml/2006/chart" xmlns="">
+    <mc:Fallback xmlns="" xmlns:c="http://schemas.openxmlformats.org/drawingml/2006/chart" xmlns:dgm="http://schemas.openxmlformats.org/drawingml/2006/diagram" xmlns:dsp="http://schemas.microsoft.com/office/drawing/2008/diagram">
       <p:transition/>
     </mc:Fallback>
   </mc:AlternateContent>
@@ -13048,7 +13065,7 @@
     <mc:Choice Requires="p14">
       <p:transition/>
     </mc:Choice>
-    <mc:Fallback xmlns:dsp="http://schemas.microsoft.com/office/drawing/2008/diagram" xmlns:dgm="http://schemas.openxmlformats.org/drawingml/2006/diagram" xmlns:c="http://schemas.openxmlformats.org/drawingml/2006/chart" xmlns="">
+    <mc:Fallback xmlns="" xmlns:c="http://schemas.openxmlformats.org/drawingml/2006/chart" xmlns:dgm="http://schemas.openxmlformats.org/drawingml/2006/diagram" xmlns:dsp="http://schemas.microsoft.com/office/drawing/2008/diagram">
       <p:transition/>
     </mc:Fallback>
   </mc:AlternateContent>

--- a/CATs++ Boosting Cost Aggregation with Convolutions and Transformers/CATs++ Boosting Cost Aggregation with Convolutions and Transformers.pptx
+++ b/CATs++ Boosting Cost Aggregation with Convolutions and Transformers/CATs++ Boosting Cost Aggregation with Convolutions and Transformers.pptx
@@ -4949,7 +4949,7 @@
     <mc:Choice Requires="p14">
       <p:transition/>
     </mc:Choice>
-    <mc:Fallback xmlns="" xmlns:c="http://schemas.openxmlformats.org/drawingml/2006/chart" xmlns:dgm="http://schemas.openxmlformats.org/drawingml/2006/diagram" xmlns:dsp="http://schemas.microsoft.com/office/drawing/2008/diagram">
+    <mc:Fallback xmlns:dsp="http://schemas.microsoft.com/office/drawing/2008/diagram" xmlns:dgm="http://schemas.openxmlformats.org/drawingml/2006/diagram" xmlns:c="http://schemas.openxmlformats.org/drawingml/2006/chart" xmlns="">
       <p:transition/>
     </mc:Fallback>
   </mc:AlternateContent>
@@ -5189,7 +5189,7 @@
     <mc:Choice Requires="p14">
       <p:transition/>
     </mc:Choice>
-    <mc:Fallback xmlns="" xmlns:c="http://schemas.openxmlformats.org/drawingml/2006/chart" xmlns:dgm="http://schemas.openxmlformats.org/drawingml/2006/diagram" xmlns:dsp="http://schemas.microsoft.com/office/drawing/2008/diagram">
+    <mc:Fallback xmlns:dsp="http://schemas.microsoft.com/office/drawing/2008/diagram" xmlns:dgm="http://schemas.openxmlformats.org/drawingml/2006/diagram" xmlns:c="http://schemas.openxmlformats.org/drawingml/2006/chart" xmlns="">
       <p:transition/>
     </mc:Fallback>
   </mc:AlternateContent>
@@ -6044,7 +6044,7 @@
     <mc:Choice Requires="p14">
       <p:transition/>
     </mc:Choice>
-    <mc:Fallback xmlns="" xmlns:c="http://schemas.openxmlformats.org/drawingml/2006/chart" xmlns:dgm="http://schemas.openxmlformats.org/drawingml/2006/diagram" xmlns:dsp="http://schemas.microsoft.com/office/drawing/2008/diagram">
+    <mc:Fallback xmlns:dsp="http://schemas.microsoft.com/office/drawing/2008/diagram" xmlns:dgm="http://schemas.openxmlformats.org/drawingml/2006/diagram" xmlns:c="http://schemas.openxmlformats.org/drawingml/2006/chart" xmlns="">
       <p:transition/>
     </mc:Fallback>
   </mc:AlternateContent>
@@ -6918,7 +6918,7 @@
     <mc:Choice Requires="p14">
       <p:transition/>
     </mc:Choice>
-    <mc:Fallback xmlns="" xmlns:c="http://schemas.openxmlformats.org/drawingml/2006/chart" xmlns:dgm="http://schemas.openxmlformats.org/drawingml/2006/diagram" xmlns:dsp="http://schemas.microsoft.com/office/drawing/2008/diagram">
+    <mc:Fallback xmlns:dsp="http://schemas.microsoft.com/office/drawing/2008/diagram" xmlns:dgm="http://schemas.openxmlformats.org/drawingml/2006/diagram" xmlns:c="http://schemas.openxmlformats.org/drawingml/2006/chart" xmlns="">
       <p:transition/>
     </mc:Fallback>
   </mc:AlternateContent>
@@ -7075,7 +7075,7 @@
     <mc:Choice Requires="p14">
       <p:transition/>
     </mc:Choice>
-    <mc:Fallback xmlns="" xmlns:c="http://schemas.openxmlformats.org/drawingml/2006/chart" xmlns:dgm="http://schemas.openxmlformats.org/drawingml/2006/diagram" xmlns:dsp="http://schemas.microsoft.com/office/drawing/2008/diagram">
+    <mc:Fallback xmlns:dsp="http://schemas.microsoft.com/office/drawing/2008/diagram" xmlns:dgm="http://schemas.openxmlformats.org/drawingml/2006/diagram" xmlns:c="http://schemas.openxmlformats.org/drawingml/2006/chart" xmlns="">
       <p:transition/>
     </mc:Fallback>
   </mc:AlternateContent>
@@ -7540,7 +7540,7 @@
         </p:blipFill>
         <p:spPr>
           <a:xfrm>
-            <a:off x="1356434" y="2184400"/>
+            <a:off x="1844706" y="2055234"/>
             <a:ext cx="7644221" cy="3526281"/>
           </a:xfrm>
           <a:prstGeom prst="rect">
@@ -7755,10 +7755,10 @@
       </p:sp>
       <p:pic>
         <p:nvPicPr>
-          <p:cNvPr id="7" name="그림 6">
+          <p:cNvPr id="6" name="그림 5">
             <a:extLst>
               <a:ext uri="{FF2B5EF4-FFF2-40B4-BE49-F238E27FC236}">
-                <a16:creationId xmlns:a16="http://schemas.microsoft.com/office/drawing/2014/main" id="{78648913-F211-483F-B67A-76EBAD414A6A}"/>
+                <a16:creationId xmlns:a16="http://schemas.microsoft.com/office/drawing/2014/main" id="{2D6C27BE-232F-4E95-BD1E-53EE50994306}"/>
               </a:ext>
             </a:extLst>
           </p:cNvPr>
@@ -7775,8 +7775,8 @@
         </p:blipFill>
         <p:spPr>
           <a:xfrm>
-            <a:off x="9385908" y="3475986"/>
-            <a:ext cx="2152950" cy="943107"/>
+            <a:off x="4047839" y="5717875"/>
+            <a:ext cx="4096322" cy="971686"/>
           </a:xfrm>
           <a:prstGeom prst="rect">
             <a:avLst/>
@@ -7933,6 +7933,36 @@
           </a:prstGeom>
         </p:spPr>
       </p:pic>
+      <p:pic>
+        <p:nvPicPr>
+          <p:cNvPr id="7" name="그림 6">
+            <a:extLst>
+              <a:ext uri="{FF2B5EF4-FFF2-40B4-BE49-F238E27FC236}">
+                <a16:creationId xmlns:a16="http://schemas.microsoft.com/office/drawing/2014/main" id="{D9760CDA-BEEF-4F34-8E4B-AD0F38044D8D}"/>
+              </a:ext>
+            </a:extLst>
+          </p:cNvPr>
+          <p:cNvPicPr>
+            <a:picLocks noChangeAspect="1"/>
+          </p:cNvPicPr>
+          <p:nvPr/>
+        </p:nvPicPr>
+        <p:blipFill>
+          <a:blip r:embed="rId2"/>
+          <a:stretch>
+            <a:fillRect/>
+          </a:stretch>
+        </p:blipFill>
+        <p:spPr>
+          <a:xfrm>
+            <a:off x="2985208" y="0"/>
+            <a:ext cx="7516981" cy="6858000"/>
+          </a:xfrm>
+          <a:prstGeom prst="rect">
+            <a:avLst/>
+          </a:prstGeom>
+        </p:spPr>
+      </p:pic>
     </p:spTree>
     <p:extLst>
       <p:ext uri="{BB962C8B-B14F-4D97-AF65-F5344CB8AC3E}">
@@ -7947,7 +7977,7 @@
     <mc:Choice Requires="p14">
       <p:transition/>
     </mc:Choice>
-    <mc:Fallback xmlns="" xmlns:c="http://schemas.openxmlformats.org/drawingml/2006/chart" xmlns:dgm="http://schemas.openxmlformats.org/drawingml/2006/diagram" xmlns:dsp="http://schemas.microsoft.com/office/drawing/2008/diagram">
+    <mc:Fallback xmlns:dsp="http://schemas.microsoft.com/office/drawing/2008/diagram" xmlns:dgm="http://schemas.openxmlformats.org/drawingml/2006/diagram" xmlns:c="http://schemas.openxmlformats.org/drawingml/2006/chart" xmlns="">
       <p:transition/>
     </mc:Fallback>
   </mc:AlternateContent>
@@ -8301,6 +8331,186 @@
                                         </p:cTn>
                                         <p:tgtEl>
                                           <p:spTgt spid="8"/>
+                                        </p:tgtEl>
+                                        <p:attrNameLst>
+                                          <p:attrName>style.visibility</p:attrName>
+                                        </p:attrNameLst>
+                                      </p:cBhvr>
+                                      <p:to>
+                                        <p:strVal val="hidden"/>
+                                      </p:to>
+                                    </p:set>
+                                  </p:childTnLst>
+                                </p:cTn>
+                              </p:par>
+                            </p:childTnLst>
+                          </p:cTn>
+                        </p:par>
+                      </p:childTnLst>
+                    </p:cTn>
+                  </p:par>
+                  <p:par>
+                    <p:cTn id="27" fill="hold">
+                      <p:stCondLst>
+                        <p:cond delay="indefinite"/>
+                      </p:stCondLst>
+                      <p:childTnLst>
+                        <p:par>
+                          <p:cTn id="28" fill="hold">
+                            <p:stCondLst>
+                              <p:cond delay="0"/>
+                            </p:stCondLst>
+                            <p:childTnLst>
+                              <p:par>
+                                <p:cTn id="29" presetID="42" presetClass="entr" presetSubtype="0" fill="hold" nodeType="clickEffect">
+                                  <p:stCondLst>
+                                    <p:cond delay="0"/>
+                                  </p:stCondLst>
+                                  <p:childTnLst>
+                                    <p:set>
+                                      <p:cBhvr>
+                                        <p:cTn id="30" dur="1" fill="hold">
+                                          <p:stCondLst>
+                                            <p:cond delay="0"/>
+                                          </p:stCondLst>
+                                        </p:cTn>
+                                        <p:tgtEl>
+                                          <p:spTgt spid="7"/>
+                                        </p:tgtEl>
+                                        <p:attrNameLst>
+                                          <p:attrName>style.visibility</p:attrName>
+                                        </p:attrNameLst>
+                                      </p:cBhvr>
+                                      <p:to>
+                                        <p:strVal val="visible"/>
+                                      </p:to>
+                                    </p:set>
+                                    <p:animEffect transition="in" filter="fade">
+                                      <p:cBhvr>
+                                        <p:cTn id="31" dur="1000"/>
+                                        <p:tgtEl>
+                                          <p:spTgt spid="7"/>
+                                        </p:tgtEl>
+                                      </p:cBhvr>
+                                    </p:animEffect>
+                                    <p:anim calcmode="lin" valueType="num">
+                                      <p:cBhvr>
+                                        <p:cTn id="32" dur="1000" fill="hold"/>
+                                        <p:tgtEl>
+                                          <p:spTgt spid="7"/>
+                                        </p:tgtEl>
+                                        <p:attrNameLst>
+                                          <p:attrName>ppt_x</p:attrName>
+                                        </p:attrNameLst>
+                                      </p:cBhvr>
+                                      <p:tavLst>
+                                        <p:tav tm="0">
+                                          <p:val>
+                                            <p:strVal val="#ppt_x"/>
+                                          </p:val>
+                                        </p:tav>
+                                        <p:tav tm="100000">
+                                          <p:val>
+                                            <p:strVal val="#ppt_x"/>
+                                          </p:val>
+                                        </p:tav>
+                                      </p:tavLst>
+                                    </p:anim>
+                                    <p:anim calcmode="lin" valueType="num">
+                                      <p:cBhvr>
+                                        <p:cTn id="33" dur="1000" fill="hold"/>
+                                        <p:tgtEl>
+                                          <p:spTgt spid="7"/>
+                                        </p:tgtEl>
+                                        <p:attrNameLst>
+                                          <p:attrName>ppt_y</p:attrName>
+                                        </p:attrNameLst>
+                                      </p:cBhvr>
+                                      <p:tavLst>
+                                        <p:tav tm="0">
+                                          <p:val>
+                                            <p:strVal val="#ppt_y+.1"/>
+                                          </p:val>
+                                        </p:tav>
+                                        <p:tav tm="100000">
+                                          <p:val>
+                                            <p:strVal val="#ppt_y"/>
+                                          </p:val>
+                                        </p:tav>
+                                      </p:tavLst>
+                                    </p:anim>
+                                  </p:childTnLst>
+                                </p:cTn>
+                              </p:par>
+                              <p:par>
+                                <p:cTn id="34" presetID="42" presetClass="exit" presetSubtype="0" fill="hold" nodeType="withEffect">
+                                  <p:stCondLst>
+                                    <p:cond delay="0"/>
+                                  </p:stCondLst>
+                                  <p:childTnLst>
+                                    <p:animEffect transition="out" filter="fade">
+                                      <p:cBhvr>
+                                        <p:cTn id="35" dur="1000"/>
+                                        <p:tgtEl>
+                                          <p:spTgt spid="10"/>
+                                        </p:tgtEl>
+                                      </p:cBhvr>
+                                    </p:animEffect>
+                                    <p:anim calcmode="lin" valueType="num">
+                                      <p:cBhvr>
+                                        <p:cTn id="36" dur="1000"/>
+                                        <p:tgtEl>
+                                          <p:spTgt spid="10"/>
+                                        </p:tgtEl>
+                                        <p:attrNameLst>
+                                          <p:attrName>ppt_x</p:attrName>
+                                        </p:attrNameLst>
+                                      </p:cBhvr>
+                                      <p:tavLst>
+                                        <p:tav tm="0">
+                                          <p:val>
+                                            <p:strVal val="ppt_x"/>
+                                          </p:val>
+                                        </p:tav>
+                                        <p:tav tm="100000">
+                                          <p:val>
+                                            <p:strVal val="ppt_x"/>
+                                          </p:val>
+                                        </p:tav>
+                                      </p:tavLst>
+                                    </p:anim>
+                                    <p:anim calcmode="lin" valueType="num">
+                                      <p:cBhvr>
+                                        <p:cTn id="37" dur="1000"/>
+                                        <p:tgtEl>
+                                          <p:spTgt spid="10"/>
+                                        </p:tgtEl>
+                                        <p:attrNameLst>
+                                          <p:attrName>ppt_y</p:attrName>
+                                        </p:attrNameLst>
+                                      </p:cBhvr>
+                                      <p:tavLst>
+                                        <p:tav tm="0">
+                                          <p:val>
+                                            <p:strVal val="ppt_y"/>
+                                          </p:val>
+                                        </p:tav>
+                                        <p:tav tm="100000">
+                                          <p:val>
+                                            <p:strVal val="ppt_y+.1"/>
+                                          </p:val>
+                                        </p:tav>
+                                      </p:tavLst>
+                                    </p:anim>
+                                    <p:set>
+                                      <p:cBhvr>
+                                        <p:cTn id="38" dur="1" fill="hold">
+                                          <p:stCondLst>
+                                            <p:cond delay="999"/>
+                                          </p:stCondLst>
+                                        </p:cTn>
+                                        <p:tgtEl>
+                                          <p:spTgt spid="10"/>
                                         </p:tgtEl>
                                         <p:attrNameLst>
                                           <p:attrName>style.visibility</p:attrName>
@@ -8917,6 +9127,35 @@
           </a:prstGeom>
         </p:spPr>
       </p:pic>
+      <p:pic>
+        <p:nvPicPr>
+          <p:cNvPr id="7" name="그림 6">
+            <a:extLst>
+              <a:ext uri="{FF2B5EF4-FFF2-40B4-BE49-F238E27FC236}">
+                <a16:creationId xmlns:a16="http://schemas.microsoft.com/office/drawing/2014/main" id="{34DC15E9-2CC0-49AD-AC7A-7219218DBB8E}"/>
+              </a:ext>
+            </a:extLst>
+          </p:cNvPr>
+          <p:cNvPicPr>
+            <a:picLocks noChangeAspect="1"/>
+          </p:cNvPicPr>
+          <p:nvPr/>
+        </p:nvPicPr>
+        <p:blipFill rotWithShape="1">
+          <a:blip r:embed="rId5"/>
+          <a:srcRect l="17623" t="102" b="1"/>
+          <a:stretch/>
+        </p:blipFill>
+        <p:spPr>
+          <a:xfrm>
+            <a:off x="3447741" y="2219418"/>
+            <a:ext cx="6591916" cy="3359312"/>
+          </a:xfrm>
+          <a:prstGeom prst="rect">
+            <a:avLst/>
+          </a:prstGeom>
+        </p:spPr>
+      </p:pic>
     </p:spTree>
     <p:extLst>
       <p:ext uri="{BB962C8B-B14F-4D97-AF65-F5344CB8AC3E}">
@@ -8931,7 +9170,7 @@
     <mc:Choice Requires="p14">
       <p:transition/>
     </mc:Choice>
-    <mc:Fallback xmlns="" xmlns:c="http://schemas.openxmlformats.org/drawingml/2006/chart" xmlns:dgm="http://schemas.openxmlformats.org/drawingml/2006/diagram" xmlns:dsp="http://schemas.microsoft.com/office/drawing/2008/diagram">
+    <mc:Fallback xmlns:dsp="http://schemas.microsoft.com/office/drawing/2008/diagram" xmlns:dgm="http://schemas.openxmlformats.org/drawingml/2006/diagram" xmlns:c="http://schemas.openxmlformats.org/drawingml/2006/chart" xmlns="">
       <p:transition/>
     </mc:Fallback>
   </mc:AlternateContent>
@@ -9285,6 +9524,204 @@
                                         </p:cTn>
                                         <p:tgtEl>
                                           <p:spTgt spid="5"/>
+                                        </p:tgtEl>
+                                        <p:attrNameLst>
+                                          <p:attrName>style.visibility</p:attrName>
+                                        </p:attrNameLst>
+                                      </p:cBhvr>
+                                      <p:to>
+                                        <p:strVal val="hidden"/>
+                                      </p:to>
+                                    </p:set>
+                                  </p:childTnLst>
+                                </p:cTn>
+                              </p:par>
+                            </p:childTnLst>
+                          </p:cTn>
+                        </p:par>
+                      </p:childTnLst>
+                    </p:cTn>
+                  </p:par>
+                  <p:par>
+                    <p:cTn id="27" fill="hold">
+                      <p:stCondLst>
+                        <p:cond delay="indefinite"/>
+                      </p:stCondLst>
+                      <p:childTnLst>
+                        <p:par>
+                          <p:cTn id="28" fill="hold">
+                            <p:stCondLst>
+                              <p:cond delay="0"/>
+                            </p:stCondLst>
+                            <p:childTnLst>
+                              <p:par>
+                                <p:cTn id="29" presetID="42" presetClass="entr" presetSubtype="0" fill="hold" nodeType="clickEffect">
+                                  <p:stCondLst>
+                                    <p:cond delay="0"/>
+                                  </p:stCondLst>
+                                  <p:childTnLst>
+                                    <p:set>
+                                      <p:cBhvr>
+                                        <p:cTn id="30" dur="1" fill="hold">
+                                          <p:stCondLst>
+                                            <p:cond delay="0"/>
+                                          </p:stCondLst>
+                                        </p:cTn>
+                                        <p:tgtEl>
+                                          <p:spTgt spid="7"/>
+                                        </p:tgtEl>
+                                        <p:attrNameLst>
+                                          <p:attrName>style.visibility</p:attrName>
+                                        </p:attrNameLst>
+                                      </p:cBhvr>
+                                      <p:to>
+                                        <p:strVal val="visible"/>
+                                      </p:to>
+                                    </p:set>
+                                    <p:animEffect transition="in" filter="fade">
+                                      <p:cBhvr>
+                                        <p:cTn id="31" dur="1000"/>
+                                        <p:tgtEl>
+                                          <p:spTgt spid="7"/>
+                                        </p:tgtEl>
+                                      </p:cBhvr>
+                                    </p:animEffect>
+                                    <p:anim calcmode="lin" valueType="num">
+                                      <p:cBhvr>
+                                        <p:cTn id="32" dur="1000" fill="hold"/>
+                                        <p:tgtEl>
+                                          <p:spTgt spid="7"/>
+                                        </p:tgtEl>
+                                        <p:attrNameLst>
+                                          <p:attrName>ppt_x</p:attrName>
+                                        </p:attrNameLst>
+                                      </p:cBhvr>
+                                      <p:tavLst>
+                                        <p:tav tm="0">
+                                          <p:val>
+                                            <p:strVal val="#ppt_x"/>
+                                          </p:val>
+                                        </p:tav>
+                                        <p:tav tm="100000">
+                                          <p:val>
+                                            <p:strVal val="#ppt_x"/>
+                                          </p:val>
+                                        </p:tav>
+                                      </p:tavLst>
+                                    </p:anim>
+                                    <p:anim calcmode="lin" valueType="num">
+                                      <p:cBhvr>
+                                        <p:cTn id="33" dur="1000" fill="hold"/>
+                                        <p:tgtEl>
+                                          <p:spTgt spid="7"/>
+                                        </p:tgtEl>
+                                        <p:attrNameLst>
+                                          <p:attrName>ppt_y</p:attrName>
+                                        </p:attrNameLst>
+                                      </p:cBhvr>
+                                      <p:tavLst>
+                                        <p:tav tm="0">
+                                          <p:val>
+                                            <p:strVal val="#ppt_y+.1"/>
+                                          </p:val>
+                                        </p:tav>
+                                        <p:tav tm="100000">
+                                          <p:val>
+                                            <p:strVal val="#ppt_y"/>
+                                          </p:val>
+                                        </p:tav>
+                                      </p:tavLst>
+                                    </p:anim>
+                                  </p:childTnLst>
+                                </p:cTn>
+                              </p:par>
+                            </p:childTnLst>
+                          </p:cTn>
+                        </p:par>
+                      </p:childTnLst>
+                    </p:cTn>
+                  </p:par>
+                  <p:par>
+                    <p:cTn id="34" fill="hold">
+                      <p:stCondLst>
+                        <p:cond delay="indefinite"/>
+                      </p:stCondLst>
+                      <p:childTnLst>
+                        <p:par>
+                          <p:cTn id="35" fill="hold">
+                            <p:stCondLst>
+                              <p:cond delay="0"/>
+                            </p:stCondLst>
+                            <p:childTnLst>
+                              <p:par>
+                                <p:cTn id="36" presetID="42" presetClass="exit" presetSubtype="0" fill="hold" nodeType="clickEffect">
+                                  <p:stCondLst>
+                                    <p:cond delay="0"/>
+                                  </p:stCondLst>
+                                  <p:childTnLst>
+                                    <p:animEffect transition="out" filter="fade">
+                                      <p:cBhvr>
+                                        <p:cTn id="37" dur="1000"/>
+                                        <p:tgtEl>
+                                          <p:spTgt spid="7"/>
+                                        </p:tgtEl>
+                                      </p:cBhvr>
+                                    </p:animEffect>
+                                    <p:anim calcmode="lin" valueType="num">
+                                      <p:cBhvr>
+                                        <p:cTn id="38" dur="1000"/>
+                                        <p:tgtEl>
+                                          <p:spTgt spid="7"/>
+                                        </p:tgtEl>
+                                        <p:attrNameLst>
+                                          <p:attrName>ppt_x</p:attrName>
+                                        </p:attrNameLst>
+                                      </p:cBhvr>
+                                      <p:tavLst>
+                                        <p:tav tm="0">
+                                          <p:val>
+                                            <p:strVal val="ppt_x"/>
+                                          </p:val>
+                                        </p:tav>
+                                        <p:tav tm="100000">
+                                          <p:val>
+                                            <p:strVal val="ppt_x"/>
+                                          </p:val>
+                                        </p:tav>
+                                      </p:tavLst>
+                                    </p:anim>
+                                    <p:anim calcmode="lin" valueType="num">
+                                      <p:cBhvr>
+                                        <p:cTn id="39" dur="1000"/>
+                                        <p:tgtEl>
+                                          <p:spTgt spid="7"/>
+                                        </p:tgtEl>
+                                        <p:attrNameLst>
+                                          <p:attrName>ppt_y</p:attrName>
+                                        </p:attrNameLst>
+                                      </p:cBhvr>
+                                      <p:tavLst>
+                                        <p:tav tm="0">
+                                          <p:val>
+                                            <p:strVal val="ppt_y"/>
+                                          </p:val>
+                                        </p:tav>
+                                        <p:tav tm="100000">
+                                          <p:val>
+                                            <p:strVal val="ppt_y+.1"/>
+                                          </p:val>
+                                        </p:tav>
+                                      </p:tavLst>
+                                    </p:anim>
+                                    <p:set>
+                                      <p:cBhvr>
+                                        <p:cTn id="40" dur="1" fill="hold">
+                                          <p:stCondLst>
+                                            <p:cond delay="999"/>
+                                          </p:stCondLst>
+                                        </p:cTn>
+                                        <p:tgtEl>
+                                          <p:spTgt spid="7"/>
                                         </p:tgtEl>
                                         <p:attrNameLst>
                                           <p:attrName>style.visibility</p:attrName>
@@ -9555,7 +9992,7 @@
     <mc:Choice Requires="p14">
       <p:transition/>
     </mc:Choice>
-    <mc:Fallback xmlns="" xmlns:c="http://schemas.openxmlformats.org/drawingml/2006/chart" xmlns:dgm="http://schemas.openxmlformats.org/drawingml/2006/diagram" xmlns:dsp="http://schemas.microsoft.com/office/drawing/2008/diagram">
+    <mc:Fallback xmlns:dsp="http://schemas.microsoft.com/office/drawing/2008/diagram" xmlns:dgm="http://schemas.openxmlformats.org/drawingml/2006/diagram" xmlns:c="http://schemas.openxmlformats.org/drawingml/2006/chart" xmlns="">
       <p:transition/>
     </mc:Fallback>
   </mc:AlternateContent>
@@ -10075,6 +10512,66 @@
           </a:prstGeom>
         </p:spPr>
       </p:pic>
+      <p:pic>
+        <p:nvPicPr>
+          <p:cNvPr id="5" name="그림 4">
+            <a:extLst>
+              <a:ext uri="{FF2B5EF4-FFF2-40B4-BE49-F238E27FC236}">
+                <a16:creationId xmlns:a16="http://schemas.microsoft.com/office/drawing/2014/main" id="{0140B65C-7A96-4E07-8E6B-E6106549BBA4}"/>
+              </a:ext>
+            </a:extLst>
+          </p:cNvPr>
+          <p:cNvPicPr>
+            <a:picLocks noChangeAspect="1"/>
+          </p:cNvPicPr>
+          <p:nvPr/>
+        </p:nvPicPr>
+        <p:blipFill>
+          <a:blip r:embed="rId5"/>
+          <a:stretch>
+            <a:fillRect/>
+          </a:stretch>
+        </p:blipFill>
+        <p:spPr>
+          <a:xfrm>
+            <a:off x="3561996" y="2738340"/>
+            <a:ext cx="5068007" cy="1381318"/>
+          </a:xfrm>
+          <a:prstGeom prst="rect">
+            <a:avLst/>
+          </a:prstGeom>
+        </p:spPr>
+      </p:pic>
+      <p:pic>
+        <p:nvPicPr>
+          <p:cNvPr id="8" name="그림 7">
+            <a:extLst>
+              <a:ext uri="{FF2B5EF4-FFF2-40B4-BE49-F238E27FC236}">
+                <a16:creationId xmlns:a16="http://schemas.microsoft.com/office/drawing/2014/main" id="{F38ED672-7CA1-43FE-873D-6F87A4A90C70}"/>
+              </a:ext>
+            </a:extLst>
+          </p:cNvPr>
+          <p:cNvPicPr>
+            <a:picLocks noChangeAspect="1"/>
+          </p:cNvPicPr>
+          <p:nvPr/>
+        </p:nvPicPr>
+        <p:blipFill>
+          <a:blip r:embed="rId6"/>
+          <a:stretch>
+            <a:fillRect/>
+          </a:stretch>
+        </p:blipFill>
+        <p:spPr>
+          <a:xfrm>
+            <a:off x="2404546" y="3024130"/>
+            <a:ext cx="7382905" cy="809738"/>
+          </a:xfrm>
+          <a:prstGeom prst="rect">
+            <a:avLst/>
+          </a:prstGeom>
+        </p:spPr>
+      </p:pic>
     </p:spTree>
     <p:extLst>
       <p:ext uri="{BB962C8B-B14F-4D97-AF65-F5344CB8AC3E}">
@@ -10120,7 +10617,7 @@
                                           </p:stCondLst>
                                         </p:cTn>
                                         <p:tgtEl>
-                                          <p:spTgt spid="4"/>
+                                          <p:spTgt spid="5"/>
                                         </p:tgtEl>
                                         <p:attrNameLst>
                                           <p:attrName>style.visibility</p:attrName>
@@ -10134,7 +10631,7 @@
                                       <p:cBhvr>
                                         <p:cTn id="7" dur="1000"/>
                                         <p:tgtEl>
-                                          <p:spTgt spid="4"/>
+                                          <p:spTgt spid="5"/>
                                         </p:tgtEl>
                                       </p:cBhvr>
                                     </p:animEffect>
@@ -10142,7 +10639,7 @@
                                       <p:cBhvr>
                                         <p:cTn id="8" dur="1000" fill="hold"/>
                                         <p:tgtEl>
-                                          <p:spTgt spid="4"/>
+                                          <p:spTgt spid="5"/>
                                         </p:tgtEl>
                                         <p:attrNameLst>
                                           <p:attrName>ppt_x</p:attrName>
@@ -10165,7 +10662,7 @@
                                       <p:cBhvr>
                                         <p:cTn id="9" dur="1000" fill="hold"/>
                                         <p:tgtEl>
-                                          <p:spTgt spid="4"/>
+                                          <p:spTgt spid="5"/>
                                         </p:tgtEl>
                                         <p:attrNameLst>
                                           <p:attrName>ppt_y</p:attrName>
@@ -10256,6 +10753,366 @@
                                         </p:cTn>
                                         <p:tgtEl>
                                           <p:spTgt spid="7"/>
+                                        </p:tgtEl>
+                                        <p:attrNameLst>
+                                          <p:attrName>style.visibility</p:attrName>
+                                        </p:attrNameLst>
+                                      </p:cBhvr>
+                                      <p:to>
+                                        <p:strVal val="hidden"/>
+                                      </p:to>
+                                    </p:set>
+                                  </p:childTnLst>
+                                </p:cTn>
+                              </p:par>
+                            </p:childTnLst>
+                          </p:cTn>
+                        </p:par>
+                      </p:childTnLst>
+                    </p:cTn>
+                  </p:par>
+                  <p:par>
+                    <p:cTn id="15" fill="hold">
+                      <p:stCondLst>
+                        <p:cond delay="indefinite"/>
+                      </p:stCondLst>
+                      <p:childTnLst>
+                        <p:par>
+                          <p:cTn id="16" fill="hold">
+                            <p:stCondLst>
+                              <p:cond delay="0"/>
+                            </p:stCondLst>
+                            <p:childTnLst>
+                              <p:par>
+                                <p:cTn id="17" presetID="42" presetClass="entr" presetSubtype="0" fill="hold" nodeType="clickEffect">
+                                  <p:stCondLst>
+                                    <p:cond delay="0"/>
+                                  </p:stCondLst>
+                                  <p:childTnLst>
+                                    <p:set>
+                                      <p:cBhvr>
+                                        <p:cTn id="18" dur="1" fill="hold">
+                                          <p:stCondLst>
+                                            <p:cond delay="0"/>
+                                          </p:stCondLst>
+                                        </p:cTn>
+                                        <p:tgtEl>
+                                          <p:spTgt spid="8"/>
+                                        </p:tgtEl>
+                                        <p:attrNameLst>
+                                          <p:attrName>style.visibility</p:attrName>
+                                        </p:attrNameLst>
+                                      </p:cBhvr>
+                                      <p:to>
+                                        <p:strVal val="visible"/>
+                                      </p:to>
+                                    </p:set>
+                                    <p:animEffect transition="in" filter="fade">
+                                      <p:cBhvr>
+                                        <p:cTn id="19" dur="1000"/>
+                                        <p:tgtEl>
+                                          <p:spTgt spid="8"/>
+                                        </p:tgtEl>
+                                      </p:cBhvr>
+                                    </p:animEffect>
+                                    <p:anim calcmode="lin" valueType="num">
+                                      <p:cBhvr>
+                                        <p:cTn id="20" dur="1000" fill="hold"/>
+                                        <p:tgtEl>
+                                          <p:spTgt spid="8"/>
+                                        </p:tgtEl>
+                                        <p:attrNameLst>
+                                          <p:attrName>ppt_x</p:attrName>
+                                        </p:attrNameLst>
+                                      </p:cBhvr>
+                                      <p:tavLst>
+                                        <p:tav tm="0">
+                                          <p:val>
+                                            <p:strVal val="#ppt_x"/>
+                                          </p:val>
+                                        </p:tav>
+                                        <p:tav tm="100000">
+                                          <p:val>
+                                            <p:strVal val="#ppt_x"/>
+                                          </p:val>
+                                        </p:tav>
+                                      </p:tavLst>
+                                    </p:anim>
+                                    <p:anim calcmode="lin" valueType="num">
+                                      <p:cBhvr>
+                                        <p:cTn id="21" dur="1000" fill="hold"/>
+                                        <p:tgtEl>
+                                          <p:spTgt spid="8"/>
+                                        </p:tgtEl>
+                                        <p:attrNameLst>
+                                          <p:attrName>ppt_y</p:attrName>
+                                        </p:attrNameLst>
+                                      </p:cBhvr>
+                                      <p:tavLst>
+                                        <p:tav tm="0">
+                                          <p:val>
+                                            <p:strVal val="#ppt_y+.1"/>
+                                          </p:val>
+                                        </p:tav>
+                                        <p:tav tm="100000">
+                                          <p:val>
+                                            <p:strVal val="#ppt_y"/>
+                                          </p:val>
+                                        </p:tav>
+                                      </p:tavLst>
+                                    </p:anim>
+                                  </p:childTnLst>
+                                </p:cTn>
+                              </p:par>
+                              <p:par>
+                                <p:cTn id="22" presetID="42" presetClass="exit" presetSubtype="0" fill="hold" nodeType="withEffect">
+                                  <p:stCondLst>
+                                    <p:cond delay="0"/>
+                                  </p:stCondLst>
+                                  <p:childTnLst>
+                                    <p:animEffect transition="out" filter="fade">
+                                      <p:cBhvr>
+                                        <p:cTn id="23" dur="1000"/>
+                                        <p:tgtEl>
+                                          <p:spTgt spid="5"/>
+                                        </p:tgtEl>
+                                      </p:cBhvr>
+                                    </p:animEffect>
+                                    <p:anim calcmode="lin" valueType="num">
+                                      <p:cBhvr>
+                                        <p:cTn id="24" dur="1000"/>
+                                        <p:tgtEl>
+                                          <p:spTgt spid="5"/>
+                                        </p:tgtEl>
+                                        <p:attrNameLst>
+                                          <p:attrName>ppt_x</p:attrName>
+                                        </p:attrNameLst>
+                                      </p:cBhvr>
+                                      <p:tavLst>
+                                        <p:tav tm="0">
+                                          <p:val>
+                                            <p:strVal val="ppt_x"/>
+                                          </p:val>
+                                        </p:tav>
+                                        <p:tav tm="100000">
+                                          <p:val>
+                                            <p:strVal val="ppt_x"/>
+                                          </p:val>
+                                        </p:tav>
+                                      </p:tavLst>
+                                    </p:anim>
+                                    <p:anim calcmode="lin" valueType="num">
+                                      <p:cBhvr>
+                                        <p:cTn id="25" dur="1000"/>
+                                        <p:tgtEl>
+                                          <p:spTgt spid="5"/>
+                                        </p:tgtEl>
+                                        <p:attrNameLst>
+                                          <p:attrName>ppt_y</p:attrName>
+                                        </p:attrNameLst>
+                                      </p:cBhvr>
+                                      <p:tavLst>
+                                        <p:tav tm="0">
+                                          <p:val>
+                                            <p:strVal val="ppt_y"/>
+                                          </p:val>
+                                        </p:tav>
+                                        <p:tav tm="100000">
+                                          <p:val>
+                                            <p:strVal val="ppt_y+.1"/>
+                                          </p:val>
+                                        </p:tav>
+                                      </p:tavLst>
+                                    </p:anim>
+                                    <p:set>
+                                      <p:cBhvr>
+                                        <p:cTn id="26" dur="1" fill="hold">
+                                          <p:stCondLst>
+                                            <p:cond delay="999"/>
+                                          </p:stCondLst>
+                                        </p:cTn>
+                                        <p:tgtEl>
+                                          <p:spTgt spid="5"/>
+                                        </p:tgtEl>
+                                        <p:attrNameLst>
+                                          <p:attrName>style.visibility</p:attrName>
+                                        </p:attrNameLst>
+                                      </p:cBhvr>
+                                      <p:to>
+                                        <p:strVal val="hidden"/>
+                                      </p:to>
+                                    </p:set>
+                                  </p:childTnLst>
+                                </p:cTn>
+                              </p:par>
+                            </p:childTnLst>
+                          </p:cTn>
+                        </p:par>
+                      </p:childTnLst>
+                    </p:cTn>
+                  </p:par>
+                  <p:par>
+                    <p:cTn id="27" fill="hold">
+                      <p:stCondLst>
+                        <p:cond delay="indefinite"/>
+                      </p:stCondLst>
+                      <p:childTnLst>
+                        <p:par>
+                          <p:cTn id="28" fill="hold">
+                            <p:stCondLst>
+                              <p:cond delay="0"/>
+                            </p:stCondLst>
+                            <p:childTnLst>
+                              <p:par>
+                                <p:cTn id="29" presetID="42" presetClass="entr" presetSubtype="0" fill="hold" nodeType="clickEffect">
+                                  <p:stCondLst>
+                                    <p:cond delay="0"/>
+                                  </p:stCondLst>
+                                  <p:childTnLst>
+                                    <p:set>
+                                      <p:cBhvr>
+                                        <p:cTn id="30" dur="1" fill="hold">
+                                          <p:stCondLst>
+                                            <p:cond delay="0"/>
+                                          </p:stCondLst>
+                                        </p:cTn>
+                                        <p:tgtEl>
+                                          <p:spTgt spid="4"/>
+                                        </p:tgtEl>
+                                        <p:attrNameLst>
+                                          <p:attrName>style.visibility</p:attrName>
+                                        </p:attrNameLst>
+                                      </p:cBhvr>
+                                      <p:to>
+                                        <p:strVal val="visible"/>
+                                      </p:to>
+                                    </p:set>
+                                    <p:animEffect transition="in" filter="fade">
+                                      <p:cBhvr>
+                                        <p:cTn id="31" dur="1000"/>
+                                        <p:tgtEl>
+                                          <p:spTgt spid="4"/>
+                                        </p:tgtEl>
+                                      </p:cBhvr>
+                                    </p:animEffect>
+                                    <p:anim calcmode="lin" valueType="num">
+                                      <p:cBhvr>
+                                        <p:cTn id="32" dur="1000" fill="hold"/>
+                                        <p:tgtEl>
+                                          <p:spTgt spid="4"/>
+                                        </p:tgtEl>
+                                        <p:attrNameLst>
+                                          <p:attrName>ppt_x</p:attrName>
+                                        </p:attrNameLst>
+                                      </p:cBhvr>
+                                      <p:tavLst>
+                                        <p:tav tm="0">
+                                          <p:val>
+                                            <p:strVal val="#ppt_x"/>
+                                          </p:val>
+                                        </p:tav>
+                                        <p:tav tm="100000">
+                                          <p:val>
+                                            <p:strVal val="#ppt_x"/>
+                                          </p:val>
+                                        </p:tav>
+                                      </p:tavLst>
+                                    </p:anim>
+                                    <p:anim calcmode="lin" valueType="num">
+                                      <p:cBhvr>
+                                        <p:cTn id="33" dur="1000" fill="hold"/>
+                                        <p:tgtEl>
+                                          <p:spTgt spid="4"/>
+                                        </p:tgtEl>
+                                        <p:attrNameLst>
+                                          <p:attrName>ppt_y</p:attrName>
+                                        </p:attrNameLst>
+                                      </p:cBhvr>
+                                      <p:tavLst>
+                                        <p:tav tm="0">
+                                          <p:val>
+                                            <p:strVal val="#ppt_y+.1"/>
+                                          </p:val>
+                                        </p:tav>
+                                        <p:tav tm="100000">
+                                          <p:val>
+                                            <p:strVal val="#ppt_y"/>
+                                          </p:val>
+                                        </p:tav>
+                                      </p:tavLst>
+                                    </p:anim>
+                                  </p:childTnLst>
+                                </p:cTn>
+                              </p:par>
+                              <p:par>
+                                <p:cTn id="34" presetID="42" presetClass="exit" presetSubtype="0" fill="hold" nodeType="withEffect">
+                                  <p:stCondLst>
+                                    <p:cond delay="0"/>
+                                  </p:stCondLst>
+                                  <p:childTnLst>
+                                    <p:animEffect transition="out" filter="fade">
+                                      <p:cBhvr>
+                                        <p:cTn id="35" dur="1000"/>
+                                        <p:tgtEl>
+                                          <p:spTgt spid="8"/>
+                                        </p:tgtEl>
+                                      </p:cBhvr>
+                                    </p:animEffect>
+                                    <p:anim calcmode="lin" valueType="num">
+                                      <p:cBhvr>
+                                        <p:cTn id="36" dur="1000"/>
+                                        <p:tgtEl>
+                                          <p:spTgt spid="8"/>
+                                        </p:tgtEl>
+                                        <p:attrNameLst>
+                                          <p:attrName>ppt_x</p:attrName>
+                                        </p:attrNameLst>
+                                      </p:cBhvr>
+                                      <p:tavLst>
+                                        <p:tav tm="0">
+                                          <p:val>
+                                            <p:strVal val="ppt_x"/>
+                                          </p:val>
+                                        </p:tav>
+                                        <p:tav tm="100000">
+                                          <p:val>
+                                            <p:strVal val="ppt_x"/>
+                                          </p:val>
+                                        </p:tav>
+                                      </p:tavLst>
+                                    </p:anim>
+                                    <p:anim calcmode="lin" valueType="num">
+                                      <p:cBhvr>
+                                        <p:cTn id="37" dur="1000"/>
+                                        <p:tgtEl>
+                                          <p:spTgt spid="8"/>
+                                        </p:tgtEl>
+                                        <p:attrNameLst>
+                                          <p:attrName>ppt_y</p:attrName>
+                                        </p:attrNameLst>
+                                      </p:cBhvr>
+                                      <p:tavLst>
+                                        <p:tav tm="0">
+                                          <p:val>
+                                            <p:strVal val="ppt_y"/>
+                                          </p:val>
+                                        </p:tav>
+                                        <p:tav tm="100000">
+                                          <p:val>
+                                            <p:strVal val="ppt_y+.1"/>
+                                          </p:val>
+                                        </p:tav>
+                                      </p:tavLst>
+                                    </p:anim>
+                                    <p:set>
+                                      <p:cBhvr>
+                                        <p:cTn id="38" dur="1" fill="hold">
+                                          <p:stCondLst>
+                                            <p:cond delay="999"/>
+                                          </p:stCondLst>
+                                        </p:cTn>
+                                        <p:tgtEl>
+                                          <p:spTgt spid="8"/>
                                         </p:tgtEl>
                                         <p:attrNameLst>
                                           <p:attrName>style.visibility</p:attrName>
@@ -10375,6 +11232,36 @@
           </a:prstGeom>
         </p:spPr>
       </p:pic>
+      <p:pic>
+        <p:nvPicPr>
+          <p:cNvPr id="4" name="그림 3">
+            <a:extLst>
+              <a:ext uri="{FF2B5EF4-FFF2-40B4-BE49-F238E27FC236}">
+                <a16:creationId xmlns:a16="http://schemas.microsoft.com/office/drawing/2014/main" id="{DE50A526-98D2-4C72-912B-048A98E21CF5}"/>
+              </a:ext>
+            </a:extLst>
+          </p:cNvPr>
+          <p:cNvPicPr>
+            <a:picLocks noChangeAspect="1"/>
+          </p:cNvPicPr>
+          <p:nvPr/>
+        </p:nvPicPr>
+        <p:blipFill rotWithShape="1">
+          <a:blip r:embed="rId4"/>
+          <a:stretch>
+            <a:fillRect/>
+          </a:stretch>
+        </p:blipFill>
+        <p:spPr>
+          <a:xfrm>
+            <a:off x="2023495" y="2681183"/>
+            <a:ext cx="8145010" cy="1495633"/>
+          </a:xfrm>
+          <a:prstGeom prst="rect">
+            <a:avLst/>
+          </a:prstGeom>
+        </p:spPr>
+      </p:pic>
     </p:spTree>
     <p:extLst>
       <p:ext uri="{BB962C8B-B14F-4D97-AF65-F5344CB8AC3E}">
@@ -10386,6 +11273,216 @@
     <a:masterClrMapping/>
   </p:clrMapOvr>
   <p:transition/>
+  <p:timing>
+    <p:tnLst>
+      <p:par>
+        <p:cTn id="1" dur="indefinite" restart="never" nodeType="tmRoot">
+          <p:childTnLst>
+            <p:seq concurrent="1" nextAc="seek">
+              <p:cTn id="2" dur="indefinite" nodeType="mainSeq">
+                <p:childTnLst>
+                  <p:par>
+                    <p:cTn id="3" fill="hold">
+                      <p:stCondLst>
+                        <p:cond delay="indefinite"/>
+                      </p:stCondLst>
+                      <p:childTnLst>
+                        <p:par>
+                          <p:cTn id="4" fill="hold">
+                            <p:stCondLst>
+                              <p:cond delay="0"/>
+                            </p:stCondLst>
+                            <p:childTnLst>
+                              <p:par>
+                                <p:cTn id="5" presetID="42" presetClass="entr" presetSubtype="0" fill="hold" nodeType="clickEffect">
+                                  <p:stCondLst>
+                                    <p:cond delay="0"/>
+                                  </p:stCondLst>
+                                  <p:childTnLst>
+                                    <p:set>
+                                      <p:cBhvr>
+                                        <p:cTn id="6" dur="1" fill="hold">
+                                          <p:stCondLst>
+                                            <p:cond delay="0"/>
+                                          </p:stCondLst>
+                                        </p:cTn>
+                                        <p:tgtEl>
+                                          <p:spTgt spid="4"/>
+                                        </p:tgtEl>
+                                        <p:attrNameLst>
+                                          <p:attrName>style.visibility</p:attrName>
+                                        </p:attrNameLst>
+                                      </p:cBhvr>
+                                      <p:to>
+                                        <p:strVal val="visible"/>
+                                      </p:to>
+                                    </p:set>
+                                    <p:animEffect transition="in" filter="fade">
+                                      <p:cBhvr>
+                                        <p:cTn id="7" dur="1000"/>
+                                        <p:tgtEl>
+                                          <p:spTgt spid="4"/>
+                                        </p:tgtEl>
+                                      </p:cBhvr>
+                                    </p:animEffect>
+                                    <p:anim calcmode="lin" valueType="num">
+                                      <p:cBhvr>
+                                        <p:cTn id="8" dur="1000" fill="hold"/>
+                                        <p:tgtEl>
+                                          <p:spTgt spid="4"/>
+                                        </p:tgtEl>
+                                        <p:attrNameLst>
+                                          <p:attrName>ppt_x</p:attrName>
+                                        </p:attrNameLst>
+                                      </p:cBhvr>
+                                      <p:tavLst>
+                                        <p:tav tm="0">
+                                          <p:val>
+                                            <p:strVal val="#ppt_x"/>
+                                          </p:val>
+                                        </p:tav>
+                                        <p:tav tm="100000">
+                                          <p:val>
+                                            <p:strVal val="#ppt_x"/>
+                                          </p:val>
+                                        </p:tav>
+                                      </p:tavLst>
+                                    </p:anim>
+                                    <p:anim calcmode="lin" valueType="num">
+                                      <p:cBhvr>
+                                        <p:cTn id="9" dur="1000" fill="hold"/>
+                                        <p:tgtEl>
+                                          <p:spTgt spid="4"/>
+                                        </p:tgtEl>
+                                        <p:attrNameLst>
+                                          <p:attrName>ppt_y</p:attrName>
+                                        </p:attrNameLst>
+                                      </p:cBhvr>
+                                      <p:tavLst>
+                                        <p:tav tm="0">
+                                          <p:val>
+                                            <p:strVal val="#ppt_y+.1"/>
+                                          </p:val>
+                                        </p:tav>
+                                        <p:tav tm="100000">
+                                          <p:val>
+                                            <p:strVal val="#ppt_y"/>
+                                          </p:val>
+                                        </p:tav>
+                                      </p:tavLst>
+                                    </p:anim>
+                                  </p:childTnLst>
+                                </p:cTn>
+                              </p:par>
+                              <p:par>
+                                <p:cTn id="10" presetID="42" presetClass="exit" presetSubtype="0" fill="hold" nodeType="withEffect">
+                                  <p:stCondLst>
+                                    <p:cond delay="0"/>
+                                  </p:stCondLst>
+                                  <p:childTnLst>
+                                    <p:animEffect transition="out" filter="fade">
+                                      <p:cBhvr>
+                                        <p:cTn id="11" dur="1000"/>
+                                        <p:tgtEl>
+                                          <p:spTgt spid="5"/>
+                                        </p:tgtEl>
+                                      </p:cBhvr>
+                                    </p:animEffect>
+                                    <p:anim calcmode="lin" valueType="num">
+                                      <p:cBhvr>
+                                        <p:cTn id="12" dur="1000"/>
+                                        <p:tgtEl>
+                                          <p:spTgt spid="5"/>
+                                        </p:tgtEl>
+                                        <p:attrNameLst>
+                                          <p:attrName>ppt_x</p:attrName>
+                                        </p:attrNameLst>
+                                      </p:cBhvr>
+                                      <p:tavLst>
+                                        <p:tav tm="0">
+                                          <p:val>
+                                            <p:strVal val="ppt_x"/>
+                                          </p:val>
+                                        </p:tav>
+                                        <p:tav tm="100000">
+                                          <p:val>
+                                            <p:strVal val="ppt_x"/>
+                                          </p:val>
+                                        </p:tav>
+                                      </p:tavLst>
+                                    </p:anim>
+                                    <p:anim calcmode="lin" valueType="num">
+                                      <p:cBhvr>
+                                        <p:cTn id="13" dur="1000"/>
+                                        <p:tgtEl>
+                                          <p:spTgt spid="5"/>
+                                        </p:tgtEl>
+                                        <p:attrNameLst>
+                                          <p:attrName>ppt_y</p:attrName>
+                                        </p:attrNameLst>
+                                      </p:cBhvr>
+                                      <p:tavLst>
+                                        <p:tav tm="0">
+                                          <p:val>
+                                            <p:strVal val="ppt_y"/>
+                                          </p:val>
+                                        </p:tav>
+                                        <p:tav tm="100000">
+                                          <p:val>
+                                            <p:strVal val="ppt_y+.1"/>
+                                          </p:val>
+                                        </p:tav>
+                                      </p:tavLst>
+                                    </p:anim>
+                                    <p:set>
+                                      <p:cBhvr>
+                                        <p:cTn id="14" dur="1" fill="hold">
+                                          <p:stCondLst>
+                                            <p:cond delay="999"/>
+                                          </p:stCondLst>
+                                        </p:cTn>
+                                        <p:tgtEl>
+                                          <p:spTgt spid="5"/>
+                                        </p:tgtEl>
+                                        <p:attrNameLst>
+                                          <p:attrName>style.visibility</p:attrName>
+                                        </p:attrNameLst>
+                                      </p:cBhvr>
+                                      <p:to>
+                                        <p:strVal val="hidden"/>
+                                      </p:to>
+                                    </p:set>
+                                  </p:childTnLst>
+                                </p:cTn>
+                              </p:par>
+                            </p:childTnLst>
+                          </p:cTn>
+                        </p:par>
+                      </p:childTnLst>
+                    </p:cTn>
+                  </p:par>
+                </p:childTnLst>
+              </p:cTn>
+              <p:prevCondLst>
+                <p:cond evt="onPrev" delay="0">
+                  <p:tgtEl>
+                    <p:sldTgt/>
+                  </p:tgtEl>
+                </p:cond>
+              </p:prevCondLst>
+              <p:nextCondLst>
+                <p:cond evt="onNext" delay="0">
+                  <p:tgtEl>
+                    <p:sldTgt/>
+                  </p:tgtEl>
+                </p:cond>
+              </p:nextCondLst>
+            </p:seq>
+          </p:childTnLst>
+        </p:cTn>
+      </p:par>
+    </p:tnLst>
+  </p:timing>
 </p:sld>
 </file>
 
@@ -11425,7 +12522,7 @@
     <mc:Choice Requires="p14">
       <p:transition/>
     </mc:Choice>
-    <mc:Fallback xmlns="" xmlns:c="http://schemas.openxmlformats.org/drawingml/2006/chart" xmlns:dgm="http://schemas.openxmlformats.org/drawingml/2006/diagram" xmlns:dsp="http://schemas.microsoft.com/office/drawing/2008/diagram">
+    <mc:Fallback xmlns:dsp="http://schemas.microsoft.com/office/drawing/2008/diagram" xmlns:dgm="http://schemas.openxmlformats.org/drawingml/2006/diagram" xmlns:c="http://schemas.openxmlformats.org/drawingml/2006/chart" xmlns="">
       <p:transition/>
     </mc:Fallback>
   </mc:AlternateContent>
@@ -11627,7 +12724,7 @@
     <mc:Choice Requires="p14">
       <p:transition/>
     </mc:Choice>
-    <mc:Fallback xmlns="" xmlns:c="http://schemas.openxmlformats.org/drawingml/2006/chart" xmlns:dgm="http://schemas.openxmlformats.org/drawingml/2006/diagram" xmlns:dsp="http://schemas.microsoft.com/office/drawing/2008/diagram">
+    <mc:Fallback xmlns:dsp="http://schemas.microsoft.com/office/drawing/2008/diagram" xmlns:dgm="http://schemas.openxmlformats.org/drawingml/2006/diagram" xmlns:c="http://schemas.openxmlformats.org/drawingml/2006/chart" xmlns="">
       <p:transition/>
     </mc:Fallback>
   </mc:AlternateContent>
@@ -11744,8 +12841,38 @@
         </p:blipFill>
         <p:spPr>
           <a:xfrm>
-            <a:off x="3252344" y="609206"/>
+            <a:off x="3252344" y="103880"/>
             <a:ext cx="6354061" cy="5639587"/>
+          </a:xfrm>
+          <a:prstGeom prst="rect">
+            <a:avLst/>
+          </a:prstGeom>
+        </p:spPr>
+      </p:pic>
+      <p:pic>
+        <p:nvPicPr>
+          <p:cNvPr id="4" name="그림 3">
+            <a:extLst>
+              <a:ext uri="{FF2B5EF4-FFF2-40B4-BE49-F238E27FC236}">
+                <a16:creationId xmlns:a16="http://schemas.microsoft.com/office/drawing/2014/main" id="{EDED8674-F9FE-4325-8EF3-1454FC615782}"/>
+              </a:ext>
+            </a:extLst>
+          </p:cNvPr>
+          <p:cNvPicPr>
+            <a:picLocks noChangeAspect="1"/>
+          </p:cNvPicPr>
+          <p:nvPr/>
+        </p:nvPicPr>
+        <p:blipFill>
+          <a:blip r:embed="rId6"/>
+          <a:stretch>
+            <a:fillRect/>
+          </a:stretch>
+        </p:blipFill>
+        <p:spPr>
+          <a:xfrm>
+            <a:off x="2724476" y="5650801"/>
+            <a:ext cx="8430802" cy="1162212"/>
           </a:xfrm>
           <a:prstGeom prst="rect">
             <a:avLst/>
@@ -11766,7 +12893,7 @@
     <mc:Choice Requires="p14">
       <p:transition/>
     </mc:Choice>
-    <mc:Fallback xmlns="" xmlns:c="http://schemas.openxmlformats.org/drawingml/2006/chart" xmlns:dgm="http://schemas.openxmlformats.org/drawingml/2006/diagram" xmlns:dsp="http://schemas.microsoft.com/office/drawing/2008/diagram">
+    <mc:Fallback xmlns:dsp="http://schemas.microsoft.com/office/drawing/2008/diagram" xmlns:dgm="http://schemas.openxmlformats.org/drawingml/2006/diagram" xmlns:c="http://schemas.openxmlformats.org/drawingml/2006/chart" xmlns="">
       <p:transition/>
     </mc:Fallback>
   </mc:AlternateContent>
@@ -11804,7 +12931,7 @@
                                           </p:stCondLst>
                                         </p:cTn>
                                         <p:tgtEl>
-                                          <p:spTgt spid="25"/>
+                                          <p:spTgt spid="4"/>
                                         </p:tgtEl>
                                         <p:attrNameLst>
                                           <p:attrName>style.visibility</p:attrName>
@@ -11818,7 +12945,7 @@
                                       <p:cBhvr>
                                         <p:cTn id="7" dur="1000"/>
                                         <p:tgtEl>
-                                          <p:spTgt spid="25"/>
+                                          <p:spTgt spid="4"/>
                                         </p:tgtEl>
                                       </p:cBhvr>
                                     </p:animEffect>
@@ -11826,7 +12953,7 @@
                                       <p:cBhvr>
                                         <p:cTn id="8" dur="1000" fill="hold"/>
                                         <p:tgtEl>
-                                          <p:spTgt spid="25"/>
+                                          <p:spTgt spid="4"/>
                                         </p:tgtEl>
                                         <p:attrNameLst>
                                           <p:attrName>ppt_x</p:attrName>
@@ -11849,7 +12976,7 @@
                                       <p:cBhvr>
                                         <p:cTn id="9" dur="1000" fill="hold"/>
                                         <p:tgtEl>
-                                          <p:spTgt spid="25"/>
+                                          <p:spTgt spid="4"/>
                                         </p:tgtEl>
                                         <p:attrNameLst>
                                           <p:attrName>ppt_y</p:attrName>
@@ -11871,25 +12998,43 @@
                                   </p:childTnLst>
                                 </p:cTn>
                               </p:par>
+                            </p:childTnLst>
+                          </p:cTn>
+                        </p:par>
+                      </p:childTnLst>
+                    </p:cTn>
+                  </p:par>
+                  <p:par>
+                    <p:cTn id="10" fill="hold">
+                      <p:stCondLst>
+                        <p:cond delay="indefinite"/>
+                      </p:stCondLst>
+                      <p:childTnLst>
+                        <p:par>
+                          <p:cTn id="11" fill="hold">
+                            <p:stCondLst>
+                              <p:cond delay="0"/>
+                            </p:stCondLst>
+                            <p:childTnLst>
                               <p:par>
-                                <p:cTn id="10" presetID="42" presetClass="exit" presetSubtype="0" fill="hold" nodeType="withEffect">
+                                <p:cTn id="12" presetID="42" presetClass="exit" presetSubtype="0" fill="hold" nodeType="clickEffect">
                                   <p:stCondLst>
                                     <p:cond delay="0"/>
                                   </p:stCondLst>
                                   <p:childTnLst>
                                     <p:animEffect transition="out" filter="fade">
                                       <p:cBhvr>
-                                        <p:cTn id="11" dur="1000"/>
-                                        <p:tgtEl>
-                                          <p:spTgt spid="24"/>
+                                        <p:cTn id="13" dur="1000"/>
+                                        <p:tgtEl>
+                                          <p:spTgt spid="4"/>
                                         </p:tgtEl>
                                       </p:cBhvr>
                                     </p:animEffect>
                                     <p:anim calcmode="lin" valueType="num">
                                       <p:cBhvr>
-                                        <p:cTn id="12" dur="1000"/>
-                                        <p:tgtEl>
-                                          <p:spTgt spid="24"/>
+                                        <p:cTn id="14" dur="1000"/>
+                                        <p:tgtEl>
+                                          <p:spTgt spid="4"/>
                                         </p:tgtEl>
                                         <p:attrNameLst>
                                           <p:attrName>ppt_x</p:attrName>
@@ -11910,9 +13055,9 @@
                                     </p:anim>
                                     <p:anim calcmode="lin" valueType="num">
                                       <p:cBhvr>
-                                        <p:cTn id="13" dur="1000"/>
-                                        <p:tgtEl>
-                                          <p:spTgt spid="24"/>
+                                        <p:cTn id="15" dur="1000"/>
+                                        <p:tgtEl>
+                                          <p:spTgt spid="4"/>
                                         </p:tgtEl>
                                         <p:attrNameLst>
                                           <p:attrName>ppt_y</p:attrName>
@@ -11933,13 +13078,13 @@
                                     </p:anim>
                                     <p:set>
                                       <p:cBhvr>
-                                        <p:cTn id="14" dur="1" fill="hold">
+                                        <p:cTn id="16" dur="1" fill="hold">
                                           <p:stCondLst>
                                             <p:cond delay="999"/>
                                           </p:stCondLst>
                                         </p:cTn>
                                         <p:tgtEl>
-                                          <p:spTgt spid="24"/>
+                                          <p:spTgt spid="4"/>
                                         </p:tgtEl>
                                         <p:attrNameLst>
                                           <p:attrName>style.visibility</p:attrName>
@@ -11959,32 +13104,32 @@
                     </p:cTn>
                   </p:par>
                   <p:par>
-                    <p:cTn id="15" fill="hold">
+                    <p:cTn id="17" fill="hold">
                       <p:stCondLst>
                         <p:cond delay="indefinite"/>
                       </p:stCondLst>
                       <p:childTnLst>
                         <p:par>
-                          <p:cTn id="16" fill="hold">
+                          <p:cTn id="18" fill="hold">
                             <p:stCondLst>
                               <p:cond delay="0"/>
                             </p:stCondLst>
                             <p:childTnLst>
                               <p:par>
-                                <p:cTn id="17" presetID="42" presetClass="entr" presetSubtype="0" fill="hold" nodeType="clickEffect">
+                                <p:cTn id="19" presetID="42" presetClass="entr" presetSubtype="0" fill="hold" nodeType="clickEffect">
                                   <p:stCondLst>
                                     <p:cond delay="0"/>
                                   </p:stCondLst>
                                   <p:childTnLst>
                                     <p:set>
                                       <p:cBhvr>
-                                        <p:cTn id="18" dur="1" fill="hold">
+                                        <p:cTn id="20" dur="1" fill="hold">
                                           <p:stCondLst>
                                             <p:cond delay="0"/>
                                           </p:stCondLst>
                                         </p:cTn>
                                         <p:tgtEl>
-                                          <p:spTgt spid="26"/>
+                                          <p:spTgt spid="25"/>
                                         </p:tgtEl>
                                         <p:attrNameLst>
                                           <p:attrName>style.visibility</p:attrName>
@@ -11996,17 +13141,17 @@
                                     </p:set>
                                     <p:animEffect transition="in" filter="fade">
                                       <p:cBhvr>
-                                        <p:cTn id="19" dur="1000"/>
-                                        <p:tgtEl>
-                                          <p:spTgt spid="26"/>
+                                        <p:cTn id="21" dur="1000"/>
+                                        <p:tgtEl>
+                                          <p:spTgt spid="25"/>
                                         </p:tgtEl>
                                       </p:cBhvr>
                                     </p:animEffect>
                                     <p:anim calcmode="lin" valueType="num">
                                       <p:cBhvr>
-                                        <p:cTn id="20" dur="1000" fill="hold"/>
-                                        <p:tgtEl>
-                                          <p:spTgt spid="26"/>
+                                        <p:cTn id="22" dur="1000" fill="hold"/>
+                                        <p:tgtEl>
+                                          <p:spTgt spid="25"/>
                                         </p:tgtEl>
                                         <p:attrNameLst>
                                           <p:attrName>ppt_x</p:attrName>
@@ -12027,9 +13172,9 @@
                                     </p:anim>
                                     <p:anim calcmode="lin" valueType="num">
                                       <p:cBhvr>
-                                        <p:cTn id="21" dur="1000" fill="hold"/>
-                                        <p:tgtEl>
-                                          <p:spTgt spid="26"/>
+                                        <p:cTn id="23" dur="1000" fill="hold"/>
+                                        <p:tgtEl>
+                                          <p:spTgt spid="25"/>
                                         </p:tgtEl>
                                         <p:attrNameLst>
                                           <p:attrName>ppt_y</p:attrName>
@@ -12052,24 +13197,24 @@
                                 </p:cTn>
                               </p:par>
                               <p:par>
-                                <p:cTn id="22" presetID="42" presetClass="exit" presetSubtype="0" fill="hold" nodeType="withEffect">
+                                <p:cTn id="24" presetID="42" presetClass="exit" presetSubtype="0" fill="hold" nodeType="withEffect">
                                   <p:stCondLst>
                                     <p:cond delay="0"/>
                                   </p:stCondLst>
                                   <p:childTnLst>
                                     <p:animEffect transition="out" filter="fade">
                                       <p:cBhvr>
-                                        <p:cTn id="23" dur="1000"/>
-                                        <p:tgtEl>
-                                          <p:spTgt spid="25"/>
+                                        <p:cTn id="25" dur="1000"/>
+                                        <p:tgtEl>
+                                          <p:spTgt spid="24"/>
                                         </p:tgtEl>
                                       </p:cBhvr>
                                     </p:animEffect>
                                     <p:anim calcmode="lin" valueType="num">
                                       <p:cBhvr>
-                                        <p:cTn id="24" dur="1000"/>
-                                        <p:tgtEl>
-                                          <p:spTgt spid="25"/>
+                                        <p:cTn id="26" dur="1000"/>
+                                        <p:tgtEl>
+                                          <p:spTgt spid="24"/>
                                         </p:tgtEl>
                                         <p:attrNameLst>
                                           <p:attrName>ppt_x</p:attrName>
@@ -12090,9 +13235,9 @@
                                     </p:anim>
                                     <p:anim calcmode="lin" valueType="num">
                                       <p:cBhvr>
-                                        <p:cTn id="25" dur="1000"/>
-                                        <p:tgtEl>
-                                          <p:spTgt spid="25"/>
+                                        <p:cTn id="27" dur="1000"/>
+                                        <p:tgtEl>
+                                          <p:spTgt spid="24"/>
                                         </p:tgtEl>
                                         <p:attrNameLst>
                                           <p:attrName>ppt_y</p:attrName>
@@ -12113,7 +13258,187 @@
                                     </p:anim>
                                     <p:set>
                                       <p:cBhvr>
-                                        <p:cTn id="26" dur="1" fill="hold">
+                                        <p:cTn id="28" dur="1" fill="hold">
+                                          <p:stCondLst>
+                                            <p:cond delay="999"/>
+                                          </p:stCondLst>
+                                        </p:cTn>
+                                        <p:tgtEl>
+                                          <p:spTgt spid="24"/>
+                                        </p:tgtEl>
+                                        <p:attrNameLst>
+                                          <p:attrName>style.visibility</p:attrName>
+                                        </p:attrNameLst>
+                                      </p:cBhvr>
+                                      <p:to>
+                                        <p:strVal val="hidden"/>
+                                      </p:to>
+                                    </p:set>
+                                  </p:childTnLst>
+                                </p:cTn>
+                              </p:par>
+                            </p:childTnLst>
+                          </p:cTn>
+                        </p:par>
+                      </p:childTnLst>
+                    </p:cTn>
+                  </p:par>
+                  <p:par>
+                    <p:cTn id="29" fill="hold">
+                      <p:stCondLst>
+                        <p:cond delay="indefinite"/>
+                      </p:stCondLst>
+                      <p:childTnLst>
+                        <p:par>
+                          <p:cTn id="30" fill="hold">
+                            <p:stCondLst>
+                              <p:cond delay="0"/>
+                            </p:stCondLst>
+                            <p:childTnLst>
+                              <p:par>
+                                <p:cTn id="31" presetID="42" presetClass="entr" presetSubtype="0" fill="hold" nodeType="clickEffect">
+                                  <p:stCondLst>
+                                    <p:cond delay="0"/>
+                                  </p:stCondLst>
+                                  <p:childTnLst>
+                                    <p:set>
+                                      <p:cBhvr>
+                                        <p:cTn id="32" dur="1" fill="hold">
+                                          <p:stCondLst>
+                                            <p:cond delay="0"/>
+                                          </p:stCondLst>
+                                        </p:cTn>
+                                        <p:tgtEl>
+                                          <p:spTgt spid="26"/>
+                                        </p:tgtEl>
+                                        <p:attrNameLst>
+                                          <p:attrName>style.visibility</p:attrName>
+                                        </p:attrNameLst>
+                                      </p:cBhvr>
+                                      <p:to>
+                                        <p:strVal val="visible"/>
+                                      </p:to>
+                                    </p:set>
+                                    <p:animEffect transition="in" filter="fade">
+                                      <p:cBhvr>
+                                        <p:cTn id="33" dur="1000"/>
+                                        <p:tgtEl>
+                                          <p:spTgt spid="26"/>
+                                        </p:tgtEl>
+                                      </p:cBhvr>
+                                    </p:animEffect>
+                                    <p:anim calcmode="lin" valueType="num">
+                                      <p:cBhvr>
+                                        <p:cTn id="34" dur="1000" fill="hold"/>
+                                        <p:tgtEl>
+                                          <p:spTgt spid="26"/>
+                                        </p:tgtEl>
+                                        <p:attrNameLst>
+                                          <p:attrName>ppt_x</p:attrName>
+                                        </p:attrNameLst>
+                                      </p:cBhvr>
+                                      <p:tavLst>
+                                        <p:tav tm="0">
+                                          <p:val>
+                                            <p:strVal val="#ppt_x"/>
+                                          </p:val>
+                                        </p:tav>
+                                        <p:tav tm="100000">
+                                          <p:val>
+                                            <p:strVal val="#ppt_x"/>
+                                          </p:val>
+                                        </p:tav>
+                                      </p:tavLst>
+                                    </p:anim>
+                                    <p:anim calcmode="lin" valueType="num">
+                                      <p:cBhvr>
+                                        <p:cTn id="35" dur="1000" fill="hold"/>
+                                        <p:tgtEl>
+                                          <p:spTgt spid="26"/>
+                                        </p:tgtEl>
+                                        <p:attrNameLst>
+                                          <p:attrName>ppt_y</p:attrName>
+                                        </p:attrNameLst>
+                                      </p:cBhvr>
+                                      <p:tavLst>
+                                        <p:tav tm="0">
+                                          <p:val>
+                                            <p:strVal val="#ppt_y+.1"/>
+                                          </p:val>
+                                        </p:tav>
+                                        <p:tav tm="100000">
+                                          <p:val>
+                                            <p:strVal val="#ppt_y"/>
+                                          </p:val>
+                                        </p:tav>
+                                      </p:tavLst>
+                                    </p:anim>
+                                  </p:childTnLst>
+                                </p:cTn>
+                              </p:par>
+                              <p:par>
+                                <p:cTn id="36" presetID="42" presetClass="exit" presetSubtype="0" fill="hold" nodeType="withEffect">
+                                  <p:stCondLst>
+                                    <p:cond delay="0"/>
+                                  </p:stCondLst>
+                                  <p:childTnLst>
+                                    <p:animEffect transition="out" filter="fade">
+                                      <p:cBhvr>
+                                        <p:cTn id="37" dur="1000"/>
+                                        <p:tgtEl>
+                                          <p:spTgt spid="25"/>
+                                        </p:tgtEl>
+                                      </p:cBhvr>
+                                    </p:animEffect>
+                                    <p:anim calcmode="lin" valueType="num">
+                                      <p:cBhvr>
+                                        <p:cTn id="38" dur="1000"/>
+                                        <p:tgtEl>
+                                          <p:spTgt spid="25"/>
+                                        </p:tgtEl>
+                                        <p:attrNameLst>
+                                          <p:attrName>ppt_x</p:attrName>
+                                        </p:attrNameLst>
+                                      </p:cBhvr>
+                                      <p:tavLst>
+                                        <p:tav tm="0">
+                                          <p:val>
+                                            <p:strVal val="ppt_x"/>
+                                          </p:val>
+                                        </p:tav>
+                                        <p:tav tm="100000">
+                                          <p:val>
+                                            <p:strVal val="ppt_x"/>
+                                          </p:val>
+                                        </p:tav>
+                                      </p:tavLst>
+                                    </p:anim>
+                                    <p:anim calcmode="lin" valueType="num">
+                                      <p:cBhvr>
+                                        <p:cTn id="39" dur="1000"/>
+                                        <p:tgtEl>
+                                          <p:spTgt spid="25"/>
+                                        </p:tgtEl>
+                                        <p:attrNameLst>
+                                          <p:attrName>ppt_y</p:attrName>
+                                        </p:attrNameLst>
+                                      </p:cBhvr>
+                                      <p:tavLst>
+                                        <p:tav tm="0">
+                                          <p:val>
+                                            <p:strVal val="ppt_y"/>
+                                          </p:val>
+                                        </p:tav>
+                                        <p:tav tm="100000">
+                                          <p:val>
+                                            <p:strVal val="ppt_y+.1"/>
+                                          </p:val>
+                                        </p:tav>
+                                      </p:tavLst>
+                                    </p:anim>
+                                    <p:set>
+                                      <p:cBhvr>
+                                        <p:cTn id="40" dur="1" fill="hold">
                                           <p:stCondLst>
                                             <p:cond delay="999"/>
                                           </p:stCondLst>
@@ -12387,7 +13712,7 @@
     <mc:Choice Requires="p14">
       <p:transition/>
     </mc:Choice>
-    <mc:Fallback xmlns="" xmlns:c="http://schemas.openxmlformats.org/drawingml/2006/chart" xmlns:dgm="http://schemas.openxmlformats.org/drawingml/2006/diagram" xmlns:dsp="http://schemas.microsoft.com/office/drawing/2008/diagram">
+    <mc:Fallback xmlns:dsp="http://schemas.microsoft.com/office/drawing/2008/diagram" xmlns:dgm="http://schemas.openxmlformats.org/drawingml/2006/diagram" xmlns:c="http://schemas.openxmlformats.org/drawingml/2006/chart" xmlns="">
       <p:transition/>
     </mc:Fallback>
   </mc:AlternateContent>
@@ -12539,7 +13864,7 @@
         </p:blipFill>
         <p:spPr>
           <a:xfrm>
-            <a:off x="3161451" y="1886389"/>
+            <a:off x="3161451" y="1440164"/>
             <a:ext cx="6944694" cy="4210637"/>
           </a:xfrm>
           <a:prstGeom prst="rect">
@@ -12571,6 +13896,36 @@
           </a:prstGeom>
         </p:spPr>
       </p:pic>
+      <p:pic>
+        <p:nvPicPr>
+          <p:cNvPr id="5" name="그림 4">
+            <a:extLst>
+              <a:ext uri="{FF2B5EF4-FFF2-40B4-BE49-F238E27FC236}">
+                <a16:creationId xmlns:a16="http://schemas.microsoft.com/office/drawing/2014/main" id="{11F0E13E-7539-4A9A-B203-F87A9E198B8E}"/>
+              </a:ext>
+            </a:extLst>
+          </p:cNvPr>
+          <p:cNvPicPr>
+            <a:picLocks noChangeAspect="1"/>
+          </p:cNvPicPr>
+          <p:nvPr/>
+        </p:nvPicPr>
+        <p:blipFill>
+          <a:blip r:embed="rId4"/>
+          <a:stretch>
+            <a:fillRect/>
+          </a:stretch>
+        </p:blipFill>
+        <p:spPr>
+          <a:xfrm>
+            <a:off x="2724476" y="5650801"/>
+            <a:ext cx="8430802" cy="1162212"/>
+          </a:xfrm>
+          <a:prstGeom prst="rect">
+            <a:avLst/>
+          </a:prstGeom>
+        </p:spPr>
+      </p:pic>
     </p:spTree>
     <p:extLst>
       <p:ext uri="{BB962C8B-B14F-4D97-AF65-F5344CB8AC3E}">
@@ -12585,7 +13940,7 @@
     <mc:Choice Requires="p14">
       <p:transition/>
     </mc:Choice>
-    <mc:Fallback xmlns="" xmlns:c="http://schemas.openxmlformats.org/drawingml/2006/chart" xmlns:dgm="http://schemas.openxmlformats.org/drawingml/2006/diagram" xmlns:dsp="http://schemas.microsoft.com/office/drawing/2008/diagram">
+    <mc:Fallback xmlns:dsp="http://schemas.microsoft.com/office/drawing/2008/diagram" xmlns:dgm="http://schemas.openxmlformats.org/drawingml/2006/diagram" xmlns:c="http://schemas.openxmlformats.org/drawingml/2006/chart" xmlns="">
       <p:transition/>
     </mc:Fallback>
   </mc:AlternateContent>
@@ -12759,6 +14114,204 @@
                                         </p:cTn>
                                         <p:tgtEl>
                                           <p:spTgt spid="4106"/>
+                                        </p:tgtEl>
+                                        <p:attrNameLst>
+                                          <p:attrName>style.visibility</p:attrName>
+                                        </p:attrNameLst>
+                                      </p:cBhvr>
+                                      <p:to>
+                                        <p:strVal val="hidden"/>
+                                      </p:to>
+                                    </p:set>
+                                  </p:childTnLst>
+                                </p:cTn>
+                              </p:par>
+                            </p:childTnLst>
+                          </p:cTn>
+                        </p:par>
+                      </p:childTnLst>
+                    </p:cTn>
+                  </p:par>
+                  <p:par>
+                    <p:cTn id="15" fill="hold">
+                      <p:stCondLst>
+                        <p:cond delay="indefinite"/>
+                      </p:stCondLst>
+                      <p:childTnLst>
+                        <p:par>
+                          <p:cTn id="16" fill="hold">
+                            <p:stCondLst>
+                              <p:cond delay="0"/>
+                            </p:stCondLst>
+                            <p:childTnLst>
+                              <p:par>
+                                <p:cTn id="17" presetID="42" presetClass="entr" presetSubtype="0" fill="hold" nodeType="clickEffect">
+                                  <p:stCondLst>
+                                    <p:cond delay="0"/>
+                                  </p:stCondLst>
+                                  <p:childTnLst>
+                                    <p:set>
+                                      <p:cBhvr>
+                                        <p:cTn id="18" dur="1" fill="hold">
+                                          <p:stCondLst>
+                                            <p:cond delay="0"/>
+                                          </p:stCondLst>
+                                        </p:cTn>
+                                        <p:tgtEl>
+                                          <p:spTgt spid="5"/>
+                                        </p:tgtEl>
+                                        <p:attrNameLst>
+                                          <p:attrName>style.visibility</p:attrName>
+                                        </p:attrNameLst>
+                                      </p:cBhvr>
+                                      <p:to>
+                                        <p:strVal val="visible"/>
+                                      </p:to>
+                                    </p:set>
+                                    <p:animEffect transition="in" filter="fade">
+                                      <p:cBhvr>
+                                        <p:cTn id="19" dur="1000"/>
+                                        <p:tgtEl>
+                                          <p:spTgt spid="5"/>
+                                        </p:tgtEl>
+                                      </p:cBhvr>
+                                    </p:animEffect>
+                                    <p:anim calcmode="lin" valueType="num">
+                                      <p:cBhvr>
+                                        <p:cTn id="20" dur="1000" fill="hold"/>
+                                        <p:tgtEl>
+                                          <p:spTgt spid="5"/>
+                                        </p:tgtEl>
+                                        <p:attrNameLst>
+                                          <p:attrName>ppt_x</p:attrName>
+                                        </p:attrNameLst>
+                                      </p:cBhvr>
+                                      <p:tavLst>
+                                        <p:tav tm="0">
+                                          <p:val>
+                                            <p:strVal val="#ppt_x"/>
+                                          </p:val>
+                                        </p:tav>
+                                        <p:tav tm="100000">
+                                          <p:val>
+                                            <p:strVal val="#ppt_x"/>
+                                          </p:val>
+                                        </p:tav>
+                                      </p:tavLst>
+                                    </p:anim>
+                                    <p:anim calcmode="lin" valueType="num">
+                                      <p:cBhvr>
+                                        <p:cTn id="21" dur="1000" fill="hold"/>
+                                        <p:tgtEl>
+                                          <p:spTgt spid="5"/>
+                                        </p:tgtEl>
+                                        <p:attrNameLst>
+                                          <p:attrName>ppt_y</p:attrName>
+                                        </p:attrNameLst>
+                                      </p:cBhvr>
+                                      <p:tavLst>
+                                        <p:tav tm="0">
+                                          <p:val>
+                                            <p:strVal val="#ppt_y+.1"/>
+                                          </p:val>
+                                        </p:tav>
+                                        <p:tav tm="100000">
+                                          <p:val>
+                                            <p:strVal val="#ppt_y"/>
+                                          </p:val>
+                                        </p:tav>
+                                      </p:tavLst>
+                                    </p:anim>
+                                  </p:childTnLst>
+                                </p:cTn>
+                              </p:par>
+                            </p:childTnLst>
+                          </p:cTn>
+                        </p:par>
+                      </p:childTnLst>
+                    </p:cTn>
+                  </p:par>
+                  <p:par>
+                    <p:cTn id="22" fill="hold">
+                      <p:stCondLst>
+                        <p:cond delay="indefinite"/>
+                      </p:stCondLst>
+                      <p:childTnLst>
+                        <p:par>
+                          <p:cTn id="23" fill="hold">
+                            <p:stCondLst>
+                              <p:cond delay="0"/>
+                            </p:stCondLst>
+                            <p:childTnLst>
+                              <p:par>
+                                <p:cTn id="24" presetID="42" presetClass="exit" presetSubtype="0" fill="hold" nodeType="clickEffect">
+                                  <p:stCondLst>
+                                    <p:cond delay="0"/>
+                                  </p:stCondLst>
+                                  <p:childTnLst>
+                                    <p:animEffect transition="out" filter="fade">
+                                      <p:cBhvr>
+                                        <p:cTn id="25" dur="1000"/>
+                                        <p:tgtEl>
+                                          <p:spTgt spid="5"/>
+                                        </p:tgtEl>
+                                      </p:cBhvr>
+                                    </p:animEffect>
+                                    <p:anim calcmode="lin" valueType="num">
+                                      <p:cBhvr>
+                                        <p:cTn id="26" dur="1000"/>
+                                        <p:tgtEl>
+                                          <p:spTgt spid="5"/>
+                                        </p:tgtEl>
+                                        <p:attrNameLst>
+                                          <p:attrName>ppt_x</p:attrName>
+                                        </p:attrNameLst>
+                                      </p:cBhvr>
+                                      <p:tavLst>
+                                        <p:tav tm="0">
+                                          <p:val>
+                                            <p:strVal val="ppt_x"/>
+                                          </p:val>
+                                        </p:tav>
+                                        <p:tav tm="100000">
+                                          <p:val>
+                                            <p:strVal val="ppt_x"/>
+                                          </p:val>
+                                        </p:tav>
+                                      </p:tavLst>
+                                    </p:anim>
+                                    <p:anim calcmode="lin" valueType="num">
+                                      <p:cBhvr>
+                                        <p:cTn id="27" dur="1000"/>
+                                        <p:tgtEl>
+                                          <p:spTgt spid="5"/>
+                                        </p:tgtEl>
+                                        <p:attrNameLst>
+                                          <p:attrName>ppt_y</p:attrName>
+                                        </p:attrNameLst>
+                                      </p:cBhvr>
+                                      <p:tavLst>
+                                        <p:tav tm="0">
+                                          <p:val>
+                                            <p:strVal val="ppt_y"/>
+                                          </p:val>
+                                        </p:tav>
+                                        <p:tav tm="100000">
+                                          <p:val>
+                                            <p:strVal val="ppt_y+.1"/>
+                                          </p:val>
+                                        </p:tav>
+                                      </p:tavLst>
+                                    </p:anim>
+                                    <p:set>
+                                      <p:cBhvr>
+                                        <p:cTn id="28" dur="1" fill="hold">
+                                          <p:stCondLst>
+                                            <p:cond delay="999"/>
+                                          </p:stCondLst>
+                                        </p:cTn>
+                                        <p:tgtEl>
+                                          <p:spTgt spid="5"/>
                                         </p:tgtEl>
                                         <p:attrNameLst>
                                           <p:attrName>style.visibility</p:attrName>
@@ -12950,7 +14503,7 @@
     <mc:Choice Requires="p14">
       <p:transition/>
     </mc:Choice>
-    <mc:Fallback xmlns="" xmlns:c="http://schemas.openxmlformats.org/drawingml/2006/chart" xmlns:dgm="http://schemas.openxmlformats.org/drawingml/2006/diagram" xmlns:dsp="http://schemas.microsoft.com/office/drawing/2008/diagram">
+    <mc:Fallback xmlns:dsp="http://schemas.microsoft.com/office/drawing/2008/diagram" xmlns:dgm="http://schemas.openxmlformats.org/drawingml/2006/diagram" xmlns:c="http://schemas.openxmlformats.org/drawingml/2006/chart" xmlns="">
       <p:transition/>
     </mc:Fallback>
   </mc:AlternateContent>
@@ -13065,7 +14618,7 @@
     <mc:Choice Requires="p14">
       <p:transition/>
     </mc:Choice>
-    <mc:Fallback xmlns="" xmlns:c="http://schemas.openxmlformats.org/drawingml/2006/chart" xmlns:dgm="http://schemas.openxmlformats.org/drawingml/2006/diagram" xmlns:dsp="http://schemas.microsoft.com/office/drawing/2008/diagram">
+    <mc:Fallback xmlns:dsp="http://schemas.microsoft.com/office/drawing/2008/diagram" xmlns:dgm="http://schemas.openxmlformats.org/drawingml/2006/diagram" xmlns:c="http://schemas.openxmlformats.org/drawingml/2006/chart" xmlns="">
       <p:transition/>
     </mc:Fallback>
   </mc:AlternateContent>

--- a/CATs++ Boosting Cost Aggregation with Convolutions and Transformers/CATs++ Boosting Cost Aggregation with Convolutions and Transformers.pptx
+++ b/CATs++ Boosting Cost Aggregation with Convolutions and Transformers/CATs++ Boosting Cost Aggregation with Convolutions and Transformers.pptx
@@ -4949,7 +4949,7 @@
     <mc:Choice Requires="p14">
       <p:transition/>
     </mc:Choice>
-    <mc:Fallback xmlns:dsp="http://schemas.microsoft.com/office/drawing/2008/diagram" xmlns:dgm="http://schemas.openxmlformats.org/drawingml/2006/diagram" xmlns:c="http://schemas.openxmlformats.org/drawingml/2006/chart" xmlns="">
+    <mc:Fallback xmlns="" xmlns:c="http://schemas.openxmlformats.org/drawingml/2006/chart" xmlns:dgm="http://schemas.openxmlformats.org/drawingml/2006/diagram" xmlns:dsp="http://schemas.microsoft.com/office/drawing/2008/diagram">
       <p:transition/>
     </mc:Fallback>
   </mc:AlternateContent>
@@ -5189,7 +5189,7 @@
     <mc:Choice Requires="p14">
       <p:transition/>
     </mc:Choice>
-    <mc:Fallback xmlns:dsp="http://schemas.microsoft.com/office/drawing/2008/diagram" xmlns:dgm="http://schemas.openxmlformats.org/drawingml/2006/diagram" xmlns:c="http://schemas.openxmlformats.org/drawingml/2006/chart" xmlns="">
+    <mc:Fallback xmlns="" xmlns:c="http://schemas.openxmlformats.org/drawingml/2006/chart" xmlns:dgm="http://schemas.openxmlformats.org/drawingml/2006/diagram" xmlns:dsp="http://schemas.microsoft.com/office/drawing/2008/diagram">
       <p:transition/>
     </mc:Fallback>
   </mc:AlternateContent>
@@ -6044,7 +6044,7 @@
     <mc:Choice Requires="p14">
       <p:transition/>
     </mc:Choice>
-    <mc:Fallback xmlns:dsp="http://schemas.microsoft.com/office/drawing/2008/diagram" xmlns:dgm="http://schemas.openxmlformats.org/drawingml/2006/diagram" xmlns:c="http://schemas.openxmlformats.org/drawingml/2006/chart" xmlns="">
+    <mc:Fallback xmlns="" xmlns:c="http://schemas.openxmlformats.org/drawingml/2006/chart" xmlns:dgm="http://schemas.openxmlformats.org/drawingml/2006/diagram" xmlns:dsp="http://schemas.microsoft.com/office/drawing/2008/diagram">
       <p:transition/>
     </mc:Fallback>
   </mc:AlternateContent>
@@ -6918,7 +6918,7 @@
     <mc:Choice Requires="p14">
       <p:transition/>
     </mc:Choice>
-    <mc:Fallback xmlns:dsp="http://schemas.microsoft.com/office/drawing/2008/diagram" xmlns:dgm="http://schemas.openxmlformats.org/drawingml/2006/diagram" xmlns:c="http://schemas.openxmlformats.org/drawingml/2006/chart" xmlns="">
+    <mc:Fallback xmlns="" xmlns:c="http://schemas.openxmlformats.org/drawingml/2006/chart" xmlns:dgm="http://schemas.openxmlformats.org/drawingml/2006/diagram" xmlns:dsp="http://schemas.microsoft.com/office/drawing/2008/diagram">
       <p:transition/>
     </mc:Fallback>
   </mc:AlternateContent>
@@ -7075,7 +7075,7 @@
     <mc:Choice Requires="p14">
       <p:transition/>
     </mc:Choice>
-    <mc:Fallback xmlns:dsp="http://schemas.microsoft.com/office/drawing/2008/diagram" xmlns:dgm="http://schemas.openxmlformats.org/drawingml/2006/diagram" xmlns:c="http://schemas.openxmlformats.org/drawingml/2006/chart" xmlns="">
+    <mc:Fallback xmlns="" xmlns:c="http://schemas.openxmlformats.org/drawingml/2006/chart" xmlns:dgm="http://schemas.openxmlformats.org/drawingml/2006/diagram" xmlns:dsp="http://schemas.microsoft.com/office/drawing/2008/diagram">
       <p:transition/>
     </mc:Fallback>
   </mc:AlternateContent>
@@ -7977,7 +7977,7 @@
     <mc:Choice Requires="p14">
       <p:transition/>
     </mc:Choice>
-    <mc:Fallback xmlns:dsp="http://schemas.microsoft.com/office/drawing/2008/diagram" xmlns:dgm="http://schemas.openxmlformats.org/drawingml/2006/diagram" xmlns:c="http://schemas.openxmlformats.org/drawingml/2006/chart" xmlns="">
+    <mc:Fallback xmlns="" xmlns:c="http://schemas.openxmlformats.org/drawingml/2006/chart" xmlns:dgm="http://schemas.openxmlformats.org/drawingml/2006/diagram" xmlns:dsp="http://schemas.microsoft.com/office/drawing/2008/diagram">
       <p:transition/>
     </mc:Fallback>
   </mc:AlternateContent>
@@ -9170,7 +9170,7 @@
     <mc:Choice Requires="p14">
       <p:transition/>
     </mc:Choice>
-    <mc:Fallback xmlns:dsp="http://schemas.microsoft.com/office/drawing/2008/diagram" xmlns:dgm="http://schemas.openxmlformats.org/drawingml/2006/diagram" xmlns:c="http://schemas.openxmlformats.org/drawingml/2006/chart" xmlns="">
+    <mc:Fallback xmlns="" xmlns:c="http://schemas.openxmlformats.org/drawingml/2006/chart" xmlns:dgm="http://schemas.openxmlformats.org/drawingml/2006/diagram" xmlns:dsp="http://schemas.microsoft.com/office/drawing/2008/diagram">
       <p:transition/>
     </mc:Fallback>
   </mc:AlternateContent>
@@ -9992,7 +9992,7 @@
     <mc:Choice Requires="p14">
       <p:transition/>
     </mc:Choice>
-    <mc:Fallback xmlns:dsp="http://schemas.microsoft.com/office/drawing/2008/diagram" xmlns:dgm="http://schemas.openxmlformats.org/drawingml/2006/diagram" xmlns:c="http://schemas.openxmlformats.org/drawingml/2006/chart" xmlns="">
+    <mc:Fallback xmlns="" xmlns:c="http://schemas.openxmlformats.org/drawingml/2006/chart" xmlns:dgm="http://schemas.openxmlformats.org/drawingml/2006/diagram" xmlns:dsp="http://schemas.microsoft.com/office/drawing/2008/diagram">
       <p:transition/>
     </mc:Fallback>
   </mc:AlternateContent>
@@ -11985,11 +11985,15 @@
             </a:pPr>
             <a:r>
               <a:rPr lang="en-US" altLang="ko-KR" sz="2000" dirty="0"/>
-              <a:t>Multi level feature</a:t>
+              <a:t>Data augmentation</a:t>
+            </a:r>
+            <a:r>
+              <a:rPr lang="ko-KR" altLang="en-US" sz="2000"/>
+              <a:t>을 함으로써 성능이 </a:t>
             </a:r>
             <a:r>
               <a:rPr lang="ko-KR" altLang="en-US" sz="2000" dirty="0"/>
-              <a:t>를 활용함으로써 성능이 뚜렷하게 향상</a:t>
+              <a:t>뚜렷하게 향상되는 것을 확인</a:t>
             </a:r>
           </a:p>
         </p:txBody>
@@ -12522,7 +12526,7 @@
     <mc:Choice Requires="p14">
       <p:transition/>
     </mc:Choice>
-    <mc:Fallback xmlns:dsp="http://schemas.microsoft.com/office/drawing/2008/diagram" xmlns:dgm="http://schemas.openxmlformats.org/drawingml/2006/diagram" xmlns:c="http://schemas.openxmlformats.org/drawingml/2006/chart" xmlns="">
+    <mc:Fallback xmlns="" xmlns:c="http://schemas.openxmlformats.org/drawingml/2006/chart" xmlns:dgm="http://schemas.openxmlformats.org/drawingml/2006/diagram" xmlns:dsp="http://schemas.microsoft.com/office/drawing/2008/diagram">
       <p:transition/>
     </mc:Fallback>
   </mc:AlternateContent>
@@ -12724,7 +12728,7 @@
     <mc:Choice Requires="p14">
       <p:transition/>
     </mc:Choice>
-    <mc:Fallback xmlns:dsp="http://schemas.microsoft.com/office/drawing/2008/diagram" xmlns:dgm="http://schemas.openxmlformats.org/drawingml/2006/diagram" xmlns:c="http://schemas.openxmlformats.org/drawingml/2006/chart" xmlns="">
+    <mc:Fallback xmlns="" xmlns:c="http://schemas.openxmlformats.org/drawingml/2006/chart" xmlns:dgm="http://schemas.openxmlformats.org/drawingml/2006/diagram" xmlns:dsp="http://schemas.microsoft.com/office/drawing/2008/diagram">
       <p:transition/>
     </mc:Fallback>
   </mc:AlternateContent>
@@ -12893,7 +12897,7 @@
     <mc:Choice Requires="p14">
       <p:transition/>
     </mc:Choice>
-    <mc:Fallback xmlns:dsp="http://schemas.microsoft.com/office/drawing/2008/diagram" xmlns:dgm="http://schemas.openxmlformats.org/drawingml/2006/diagram" xmlns:c="http://schemas.openxmlformats.org/drawingml/2006/chart" xmlns="">
+    <mc:Fallback xmlns="" xmlns:c="http://schemas.openxmlformats.org/drawingml/2006/chart" xmlns:dgm="http://schemas.openxmlformats.org/drawingml/2006/diagram" xmlns:dsp="http://schemas.microsoft.com/office/drawing/2008/diagram">
       <p:transition/>
     </mc:Fallback>
   </mc:AlternateContent>
@@ -13712,7 +13716,7 @@
     <mc:Choice Requires="p14">
       <p:transition/>
     </mc:Choice>
-    <mc:Fallback xmlns:dsp="http://schemas.microsoft.com/office/drawing/2008/diagram" xmlns:dgm="http://schemas.openxmlformats.org/drawingml/2006/diagram" xmlns:c="http://schemas.openxmlformats.org/drawingml/2006/chart" xmlns="">
+    <mc:Fallback xmlns="" xmlns:c="http://schemas.openxmlformats.org/drawingml/2006/chart" xmlns:dgm="http://schemas.openxmlformats.org/drawingml/2006/diagram" xmlns:dsp="http://schemas.microsoft.com/office/drawing/2008/diagram">
       <p:transition/>
     </mc:Fallback>
   </mc:AlternateContent>
@@ -13940,7 +13944,7 @@
     <mc:Choice Requires="p14">
       <p:transition/>
     </mc:Choice>
-    <mc:Fallback xmlns:dsp="http://schemas.microsoft.com/office/drawing/2008/diagram" xmlns:dgm="http://schemas.openxmlformats.org/drawingml/2006/diagram" xmlns:c="http://schemas.openxmlformats.org/drawingml/2006/chart" xmlns="">
+    <mc:Fallback xmlns="" xmlns:c="http://schemas.openxmlformats.org/drawingml/2006/chart" xmlns:dgm="http://schemas.openxmlformats.org/drawingml/2006/diagram" xmlns:dsp="http://schemas.microsoft.com/office/drawing/2008/diagram">
       <p:transition/>
     </mc:Fallback>
   </mc:AlternateContent>
@@ -14503,7 +14507,7 @@
     <mc:Choice Requires="p14">
       <p:transition/>
     </mc:Choice>
-    <mc:Fallback xmlns:dsp="http://schemas.microsoft.com/office/drawing/2008/diagram" xmlns:dgm="http://schemas.openxmlformats.org/drawingml/2006/diagram" xmlns:c="http://schemas.openxmlformats.org/drawingml/2006/chart" xmlns="">
+    <mc:Fallback xmlns="" xmlns:c="http://schemas.openxmlformats.org/drawingml/2006/chart" xmlns:dgm="http://schemas.openxmlformats.org/drawingml/2006/diagram" xmlns:dsp="http://schemas.microsoft.com/office/drawing/2008/diagram">
       <p:transition/>
     </mc:Fallback>
   </mc:AlternateContent>
@@ -14618,7 +14622,7 @@
     <mc:Choice Requires="p14">
       <p:transition/>
     </mc:Choice>
-    <mc:Fallback xmlns:dsp="http://schemas.microsoft.com/office/drawing/2008/diagram" xmlns:dgm="http://schemas.openxmlformats.org/drawingml/2006/diagram" xmlns:c="http://schemas.openxmlformats.org/drawingml/2006/chart" xmlns="">
+    <mc:Fallback xmlns="" xmlns:c="http://schemas.openxmlformats.org/drawingml/2006/chart" xmlns:dgm="http://schemas.openxmlformats.org/drawingml/2006/diagram" xmlns:dsp="http://schemas.microsoft.com/office/drawing/2008/diagram">
       <p:transition/>
     </mc:Fallback>
   </mc:AlternateContent>
